--- a/WattpadPrez.pptx
+++ b/WattpadPrez.pptx
@@ -5,21 +5,22 @@
     <p:sldMasterId id="2147483772" r:id="rId1"/>
   </p:sldMasterIdLst>
   <p:notesMasterIdLst>
-    <p:notesMasterId r:id="rId14"/>
+    <p:notesMasterId r:id="rId15"/>
   </p:notesMasterIdLst>
   <p:sldIdLst>
     <p:sldId id="256" r:id="rId2"/>
-    <p:sldId id="257" r:id="rId3"/>
-    <p:sldId id="258" r:id="rId4"/>
-    <p:sldId id="259" r:id="rId5"/>
-    <p:sldId id="269" r:id="rId6"/>
-    <p:sldId id="266" r:id="rId7"/>
-    <p:sldId id="265" r:id="rId8"/>
-    <p:sldId id="267" r:id="rId9"/>
-    <p:sldId id="268" r:id="rId10"/>
-    <p:sldId id="261" r:id="rId11"/>
-    <p:sldId id="262" r:id="rId12"/>
-    <p:sldId id="263" r:id="rId13"/>
+    <p:sldId id="270" r:id="rId3"/>
+    <p:sldId id="257" r:id="rId4"/>
+    <p:sldId id="258" r:id="rId5"/>
+    <p:sldId id="259" r:id="rId6"/>
+    <p:sldId id="269" r:id="rId7"/>
+    <p:sldId id="271" r:id="rId8"/>
+    <p:sldId id="265" r:id="rId9"/>
+    <p:sldId id="267" r:id="rId10"/>
+    <p:sldId id="268" r:id="rId11"/>
+    <p:sldId id="261" r:id="rId12"/>
+    <p:sldId id="262" r:id="rId13"/>
+    <p:sldId id="263" r:id="rId14"/>
   </p:sldIdLst>
   <p:sldSz cx="9144000" cy="6858000" type="screen4x3"/>
   <p:notesSz cx="6858000" cy="9144000"/>
@@ -4104,10 +4105,24 @@
     <dgm:pt modelId="{BC0F5EF4-5ACA-46D5-AFCB-987C25F78BC0}" type="parTrans" cxnId="{E05EE59C-7694-4C2B-A598-EAA30A0F4D4E}">
       <dgm:prSet/>
       <dgm:spPr/>
+      <dgm:t>
+        <a:bodyPr/>
+        <a:lstStyle/>
+        <a:p>
+          <a:endParaRPr lang="en-US"/>
+        </a:p>
+      </dgm:t>
     </dgm:pt>
     <dgm:pt modelId="{F398484D-72F3-487E-A81E-F3037959C2BD}" type="sibTrans" cxnId="{E05EE59C-7694-4C2B-A598-EAA30A0F4D4E}">
       <dgm:prSet/>
       <dgm:spPr/>
+      <dgm:t>
+        <a:bodyPr/>
+        <a:lstStyle/>
+        <a:p>
+          <a:endParaRPr lang="en-US"/>
+        </a:p>
+      </dgm:t>
     </dgm:pt>
     <dgm:pt modelId="{05F379A8-A685-4C7A-B43F-956C9670967B}" type="pres">
       <dgm:prSet presAssocID="{872371D6-24E9-44C7-BB9F-18B571C8DA4E}" presName="linear" presStyleCnt="0">
@@ -4726,7 +4741,7 @@
         <a:p>
           <a:r>
             <a:rPr lang="en-US" dirty="0"/>
-            <a:t>4. Adjust Research Questions</a:t>
+            <a:t>4. Adjust Research Questions / API query</a:t>
           </a:r>
         </a:p>
       </dgm:t>
@@ -4834,8 +4849,8 @@
 <file path=ppt/diagrams/data4.xml><?xml version="1.0" encoding="utf-8"?>
 <dgm:dataModel xmlns:dgm="http://schemas.openxmlformats.org/drawingml/2006/diagram" xmlns:a="http://schemas.openxmlformats.org/drawingml/2006/main">
   <dgm:ptLst>
-    <dgm:pt modelId="{AFCEAB5A-5418-4197-948C-31D4B5029269}" type="doc">
-      <dgm:prSet loTypeId="urn:microsoft.com/office/officeart/2005/8/layout/chevron2" loCatId="list" qsTypeId="urn:microsoft.com/office/officeart/2005/8/quickstyle/simple1" qsCatId="simple" csTypeId="urn:microsoft.com/office/officeart/2005/8/colors/accent1_2" csCatId="accent1" phldr="1"/>
+    <dgm:pt modelId="{ED942960-5F75-4B1C-A4FF-76070CBDAA9F}" type="doc">
+      <dgm:prSet loTypeId="urn:microsoft.com/office/officeart/2005/8/layout/vList6" loCatId="list" qsTypeId="urn:microsoft.com/office/officeart/2005/8/quickstyle/simple1" qsCatId="simple" csTypeId="urn:microsoft.com/office/officeart/2005/8/colors/accent1_2" csCatId="accent1" phldr="1"/>
       <dgm:spPr/>
       <dgm:t>
         <a:bodyPr/>
@@ -4845,21 +4860,21 @@
         </a:p>
       </dgm:t>
     </dgm:pt>
-    <dgm:pt modelId="{627B6B4F-4BD8-4530-A2FD-B233DEB25C40}">
-      <dgm:prSet phldrT="[Text]"/>
+    <dgm:pt modelId="{6294226F-F2F2-4A8A-9E6C-AECCEDD39148}">
+      <dgm:prSet phldrT="[Text]" custT="1"/>
       <dgm:spPr/>
       <dgm:t>
         <a:bodyPr/>
         <a:lstStyle/>
         <a:p>
           <a:r>
-            <a:rPr lang="en-US" dirty="0"/>
-            <a:t>244</a:t>
+            <a:rPr lang="en-US" sz="2400" dirty="0"/>
+            <a:t>167</a:t>
           </a:r>
         </a:p>
       </dgm:t>
     </dgm:pt>
-    <dgm:pt modelId="{88FE42E1-8CE2-42BE-B470-21AFA5AED954}" type="parTrans" cxnId="{AE3C08BE-0400-40FD-958D-F2FB1297B92F}">
+    <dgm:pt modelId="{ECF84622-2253-4470-B157-F3AADA3244CB}" type="parTrans" cxnId="{4F565258-2AEE-4AE9-A2EC-423A7EF4B7E4}">
       <dgm:prSet/>
       <dgm:spPr/>
       <dgm:t>
@@ -4870,7 +4885,7 @@
         </a:p>
       </dgm:t>
     </dgm:pt>
-    <dgm:pt modelId="{37694709-0451-49D6-9A8D-2106D6680E14}" type="sibTrans" cxnId="{AE3C08BE-0400-40FD-958D-F2FB1297B92F}">
+    <dgm:pt modelId="{E24D1D34-49BA-47A7-BABF-6E5AD93C88AD}" type="sibTrans" cxnId="{4F565258-2AEE-4AE9-A2EC-423A7EF4B7E4}">
       <dgm:prSet/>
       <dgm:spPr/>
       <dgm:t>
@@ -4881,21 +4896,21 @@
         </a:p>
       </dgm:t>
     </dgm:pt>
-    <dgm:pt modelId="{BF934A6F-B028-4ECE-B0BA-8B56DC220637}">
-      <dgm:prSet phldrT="[Text]"/>
+    <dgm:pt modelId="{9CA1B036-4F3E-4330-A15C-36003DB98924}">
+      <dgm:prSet phldrT="[Text]" custT="1"/>
       <dgm:spPr/>
       <dgm:t>
         <a:bodyPr/>
         <a:lstStyle/>
         <a:p>
           <a:r>
-            <a:rPr lang="en-US" dirty="0"/>
-            <a:t>Average days to complete story post</a:t>
+            <a:rPr lang="en-US" sz="2400" dirty="0"/>
+            <a:t>19</a:t>
           </a:r>
         </a:p>
       </dgm:t>
     </dgm:pt>
-    <dgm:pt modelId="{B759EBD7-5DEA-4717-8B9E-447CA1174435}" type="parTrans" cxnId="{F8901C33-89BF-4C26-A2AC-FE1B5D868EAE}">
+    <dgm:pt modelId="{81AFAF62-5A40-45BE-BCDA-F7EB54BAB804}" type="parTrans" cxnId="{0E115642-25C8-4081-8A58-84933E07EDE2}">
       <dgm:prSet/>
       <dgm:spPr/>
       <dgm:t>
@@ -4906,7 +4921,7 @@
         </a:p>
       </dgm:t>
     </dgm:pt>
-    <dgm:pt modelId="{A07865E4-D460-441C-A724-677D2535DA80}" type="sibTrans" cxnId="{F8901C33-89BF-4C26-A2AC-FE1B5D868EAE}">
+    <dgm:pt modelId="{5ABD1543-008E-4E32-B63E-88B361C71BD7}" type="sibTrans" cxnId="{0E115642-25C8-4081-8A58-84933E07EDE2}">
       <dgm:prSet/>
       <dgm:spPr/>
       <dgm:t>
@@ -4917,21 +4932,35 @@
         </a:p>
       </dgm:t>
     </dgm:pt>
-    <dgm:pt modelId="{300C7799-1563-44BA-A645-D6A88A68F767}">
-      <dgm:prSet phldrT="[Text]"/>
+    <dgm:pt modelId="{908A783A-3B75-4DB6-BBAB-96DE82FF367A}">
+      <dgm:prSet phldrT="[Text]" custT="1"/>
       <dgm:spPr/>
       <dgm:t>
-        <a:bodyPr/>
+        <a:bodyPr anchor="ctr"/>
         <a:lstStyle/>
         <a:p>
+          <a:pPr>
+            <a:buClrTx/>
+            <a:buSzTx/>
+            <a:buFontTx/>
+            <a:buNone/>
+          </a:pPr>
           <a:r>
-            <a:rPr lang="en-US" dirty="0"/>
-            <a:t>12</a:t>
+            <a:rPr lang="en-US" sz="1400" dirty="0"/>
+            <a:t>   </a:t>
+          </a:r>
+          <a:r>
+            <a:rPr lang="en-US" sz="1400" dirty="0" err="1"/>
+            <a:t>Avg</a:t>
+          </a:r>
+          <a:r>
+            <a:rPr lang="en-US" sz="1400" dirty="0"/>
+            <a:t> number of chapters in a story</a:t>
           </a:r>
         </a:p>
       </dgm:t>
     </dgm:pt>
-    <dgm:pt modelId="{9DDC3730-4F7F-4B1F-A87E-AFF3D28C22CC}" type="parTrans" cxnId="{63947BD4-8579-4CCA-856F-F2E9BFC66E3F}">
+    <dgm:pt modelId="{9DA391BC-F453-49B9-9352-31910C97C93A}" type="parTrans" cxnId="{ED07E891-7A68-4533-A572-FB4C4D927BDB}">
       <dgm:prSet/>
       <dgm:spPr/>
       <dgm:t>
@@ -4942,7 +4971,7 @@
         </a:p>
       </dgm:t>
     </dgm:pt>
-    <dgm:pt modelId="{22FBB5D5-BBAD-487E-ADD8-9BEC9746FD69}" type="sibTrans" cxnId="{63947BD4-8579-4CCA-856F-F2E9BFC66E3F}">
+    <dgm:pt modelId="{305CCAD6-8BD9-4AAC-AD76-F9E1222DE8A7}" type="sibTrans" cxnId="{ED07E891-7A68-4533-A572-FB4C4D927BDB}">
       <dgm:prSet/>
       <dgm:spPr/>
       <dgm:t>
@@ -4953,21 +4982,21 @@
         </a:p>
       </dgm:t>
     </dgm:pt>
-    <dgm:pt modelId="{7F3694EA-69EB-4F3A-94EC-7440EA799F82}">
-      <dgm:prSet phldrT="[Text]"/>
+    <dgm:pt modelId="{85298BC2-0AB4-4F19-B891-DC4001932FFC}">
+      <dgm:prSet phldrT="[Text]" custT="1"/>
       <dgm:spPr/>
       <dgm:t>
         <a:bodyPr/>
         <a:lstStyle/>
         <a:p>
           <a:r>
-            <a:rPr lang="en-US" dirty="0"/>
-            <a:t>Average number of chapters in a story</a:t>
+            <a:rPr lang="en-US" sz="2400" dirty="0"/>
+            <a:t>59,780</a:t>
           </a:r>
         </a:p>
       </dgm:t>
     </dgm:pt>
-    <dgm:pt modelId="{CB481374-57E3-4B23-86D7-CC6837807015}" type="parTrans" cxnId="{EFC72D1E-102E-4815-A547-3D73A8529CE7}">
+    <dgm:pt modelId="{ED569577-D760-4D50-B9E3-B2286116BFB6}" type="parTrans" cxnId="{6C046703-5231-4650-BA58-F4129775C5C0}">
       <dgm:prSet/>
       <dgm:spPr/>
       <dgm:t>
@@ -4978,7 +5007,7 @@
         </a:p>
       </dgm:t>
     </dgm:pt>
-    <dgm:pt modelId="{D1CBD1BE-9336-4882-A8E4-FBCE18BA5CEC}" type="sibTrans" cxnId="{EFC72D1E-102E-4815-A547-3D73A8529CE7}">
+    <dgm:pt modelId="{844E8EB3-90A4-461E-9854-641228D00786}" type="sibTrans" cxnId="{6C046703-5231-4650-BA58-F4129775C5C0}">
       <dgm:prSet/>
       <dgm:spPr/>
       <dgm:t>
@@ -4989,21 +5018,29 @@
         </a:p>
       </dgm:t>
     </dgm:pt>
-    <dgm:pt modelId="{6B83C9CF-C0EA-4129-911B-381A96403788}">
-      <dgm:prSet phldrT="[Text]"/>
+    <dgm:pt modelId="{203BE068-1EAF-4AC1-977B-CE0473B75916}">
+      <dgm:prSet phldrT="[Text]" custT="1"/>
       <dgm:spPr/>
       <dgm:t>
-        <a:bodyPr/>
+        <a:bodyPr anchor="ctr"/>
         <a:lstStyle/>
         <a:p>
           <a:r>
-            <a:rPr lang="en-US" dirty="0"/>
-            <a:t>Average number of words in a story</a:t>
+            <a:rPr lang="en-US" sz="1400" dirty="0"/>
+            <a:t> </a:t>
+          </a:r>
+          <a:r>
+            <a:rPr lang="en-US" sz="1400" dirty="0" err="1"/>
+            <a:t>Avg</a:t>
+          </a:r>
+          <a:r>
+            <a:rPr lang="en-US" sz="1400" dirty="0"/>
+            <a:t> number of words in a story</a:t>
           </a:r>
         </a:p>
       </dgm:t>
     </dgm:pt>
-    <dgm:pt modelId="{54C42EF5-90B8-4DE4-BE59-72D58D9D3136}" type="parTrans" cxnId="{2B55AD72-9B50-4E80-A780-9145428391E5}">
+    <dgm:pt modelId="{60E17AD7-5FB7-4561-A2C7-D1DAD918D521}" type="parTrans" cxnId="{395A58F3-CC47-476E-8D6A-45826DED86B6}">
       <dgm:prSet/>
       <dgm:spPr/>
       <dgm:t>
@@ -5014,7 +5051,7 @@
         </a:p>
       </dgm:t>
     </dgm:pt>
-    <dgm:pt modelId="{947D9D76-8BEE-44DE-B5E2-BC9DE3993956}" type="sibTrans" cxnId="{2B55AD72-9B50-4E80-A780-9145428391E5}">
+    <dgm:pt modelId="{62BE56E0-5F5E-449D-91DD-3DBF2EF6642C}" type="sibTrans" cxnId="{395A58F3-CC47-476E-8D6A-45826DED86B6}">
       <dgm:prSet/>
       <dgm:spPr/>
       <dgm:t>
@@ -5025,21 +5062,30 @@
         </a:p>
       </dgm:t>
     </dgm:pt>
-    <dgm:pt modelId="{FF2A8D47-D211-4026-A519-ABFD0DDDC6A2}">
-      <dgm:prSet phldrT="[Text]"/>
+    <dgm:pt modelId="{2B03C335-2E7F-4885-872C-1C073708494F}">
+      <dgm:prSet phldrT="[Text]" custT="1"/>
       <dgm:spPr/>
       <dgm:t>
-        <a:bodyPr/>
+        <a:bodyPr anchor="ctr"/>
         <a:lstStyle/>
         <a:p>
           <a:r>
-            <a:rPr lang="en-US" dirty="0"/>
-            <a:t>Story length does not appear to relate to story popularity</a:t>
+            <a:rPr lang="en-US" sz="1400" dirty="0"/>
+            <a:t>  </a:t>
           </a:r>
+          <a:r>
+            <a:rPr lang="en-US" sz="1400" dirty="0" err="1"/>
+            <a:t>Avg</a:t>
+          </a:r>
+          <a:r>
+            <a:rPr lang="en-US" sz="1400" dirty="0"/>
+            <a:t> days to complete story post</a:t>
+          </a:r>
+          <a:endParaRPr lang="en-US" sz="2400" dirty="0"/>
         </a:p>
       </dgm:t>
     </dgm:pt>
-    <dgm:pt modelId="{36C26B72-D602-4CFB-9F91-14001E9CA4D6}" type="parTrans" cxnId="{8771C4D4-CD7A-4390-931D-6CD560DB5262}">
+    <dgm:pt modelId="{7B2EC6EB-E96D-47ED-993B-8DB3C5FA7B84}" type="parTrans" cxnId="{4902197A-9257-40C4-9E8B-85A75E483155}">
       <dgm:prSet/>
       <dgm:spPr/>
       <dgm:t>
@@ -5050,7 +5096,7 @@
         </a:p>
       </dgm:t>
     </dgm:pt>
-    <dgm:pt modelId="{B9CE8765-1F36-4495-A912-6ECCC30B5DBA}" type="sibTrans" cxnId="{8771C4D4-CD7A-4390-931D-6CD560DB5262}">
+    <dgm:pt modelId="{35469379-AD2B-45FF-9395-6C6A41E50F9C}" type="sibTrans" cxnId="{4902197A-9257-40C4-9E8B-85A75E483155}">
       <dgm:prSet/>
       <dgm:spPr/>
       <dgm:t>
@@ -5061,175 +5107,78 @@
         </a:p>
       </dgm:t>
     </dgm:pt>
-    <dgm:pt modelId="{EEEF5206-5B9D-4EA6-B03E-0E73E828B78E}">
-      <dgm:prSet phldrT="[Text]"/>
-      <dgm:spPr/>
-      <dgm:t>
-        <a:bodyPr/>
-        <a:lstStyle/>
-        <a:p>
-          <a:r>
-            <a:rPr lang="en-US" dirty="0"/>
-            <a:t>75,265</a:t>
-          </a:r>
-        </a:p>
-      </dgm:t>
-    </dgm:pt>
-    <dgm:pt modelId="{EE2BFCB3-585B-44E4-8B4C-C43F2113939F}" type="parTrans" cxnId="{4074AA81-69A4-4453-AA3A-F45B74B9B0BD}">
-      <dgm:prSet/>
-      <dgm:spPr/>
-      <dgm:t>
-        <a:bodyPr/>
-        <a:lstStyle/>
-        <a:p>
-          <a:endParaRPr lang="en-US"/>
-        </a:p>
-      </dgm:t>
-    </dgm:pt>
-    <dgm:pt modelId="{A0C41F75-F430-4E51-9AF9-B633D66CCC8F}" type="sibTrans" cxnId="{4074AA81-69A4-4453-AA3A-F45B74B9B0BD}">
-      <dgm:prSet/>
-      <dgm:spPr/>
-      <dgm:t>
-        <a:bodyPr/>
-        <a:lstStyle/>
-        <a:p>
-          <a:endParaRPr lang="en-US"/>
-        </a:p>
-      </dgm:t>
-    </dgm:pt>
-    <dgm:pt modelId="{308059E1-2A4A-4DBA-92A4-16B85D11B83C}">
-      <dgm:prSet phldrT="[Text]"/>
-      <dgm:spPr/>
-      <dgm:t>
-        <a:bodyPr/>
-        <a:lstStyle/>
-        <a:p>
-          <a:endParaRPr lang="en-US" dirty="0"/>
-        </a:p>
-      </dgm:t>
-    </dgm:pt>
-    <dgm:pt modelId="{2FF00F87-54CD-4262-8893-F014C82DA178}" type="parTrans" cxnId="{5EEA54F6-7BB3-4C6A-86BF-E1461D971EC4}">
-      <dgm:prSet/>
-      <dgm:spPr/>
-      <dgm:t>
-        <a:bodyPr/>
-        <a:lstStyle/>
-        <a:p>
-          <a:endParaRPr lang="en-US"/>
-        </a:p>
-      </dgm:t>
-    </dgm:pt>
-    <dgm:pt modelId="{4B586774-B932-4D85-B271-99EA3BB6E625}" type="sibTrans" cxnId="{5EEA54F6-7BB3-4C6A-86BF-E1461D971EC4}">
-      <dgm:prSet/>
-      <dgm:spPr/>
-      <dgm:t>
-        <a:bodyPr/>
-        <a:lstStyle/>
-        <a:p>
-          <a:endParaRPr lang="en-US"/>
-        </a:p>
-      </dgm:t>
-    </dgm:pt>
-    <dgm:pt modelId="{A96C526E-6B40-4C9D-AF15-92D5185C8C67}" type="pres">
-      <dgm:prSet presAssocID="{AFCEAB5A-5418-4197-948C-31D4B5029269}" presName="linearFlow" presStyleCnt="0">
+    <dgm:pt modelId="{5FB25AFF-B39B-40DF-B45F-851225C42F04}" type="pres">
+      <dgm:prSet presAssocID="{ED942960-5F75-4B1C-A4FF-76070CBDAA9F}" presName="Name0" presStyleCnt="0">
         <dgm:presLayoutVars>
           <dgm:dir/>
           <dgm:animLvl val="lvl"/>
-          <dgm:resizeHandles val="exact"/>
+          <dgm:resizeHandles/>
         </dgm:presLayoutVars>
       </dgm:prSet>
       <dgm:spPr/>
     </dgm:pt>
-    <dgm:pt modelId="{4147AE17-CA19-4529-9C05-43F6483D35A3}" type="pres">
-      <dgm:prSet presAssocID="{627B6B4F-4BD8-4530-A2FD-B233DEB25C40}" presName="composite" presStyleCnt="0"/>
+    <dgm:pt modelId="{4027794D-3BE4-412A-8767-69C77222EB0C}" type="pres">
+      <dgm:prSet presAssocID="{6294226F-F2F2-4A8A-9E6C-AECCEDD39148}" presName="linNode" presStyleCnt="0"/>
       <dgm:spPr/>
     </dgm:pt>
-    <dgm:pt modelId="{474848AD-2000-499B-B1C4-B03B69715E8D}" type="pres">
-      <dgm:prSet presAssocID="{627B6B4F-4BD8-4530-A2FD-B233DEB25C40}" presName="parentText" presStyleLbl="alignNode1" presStyleIdx="0" presStyleCnt="4">
-        <dgm:presLayoutVars>
-          <dgm:chMax val="1"/>
-          <dgm:bulletEnabled val="1"/>
-        </dgm:presLayoutVars>
-      </dgm:prSet>
-      <dgm:spPr/>
-    </dgm:pt>
-    <dgm:pt modelId="{FA2A0F8C-91F1-4218-BC3C-937C2E00479E}" type="pres">
-      <dgm:prSet presAssocID="{627B6B4F-4BD8-4530-A2FD-B233DEB25C40}" presName="descendantText" presStyleLbl="alignAcc1" presStyleIdx="0" presStyleCnt="4" custLinFactNeighborX="16084" custLinFactNeighborY="-26706">
+    <dgm:pt modelId="{63F9587C-242F-42AA-B7E8-6DA6E215418C}" type="pres">
+      <dgm:prSet presAssocID="{6294226F-F2F2-4A8A-9E6C-AECCEDD39148}" presName="parentShp" presStyleLbl="node1" presStyleIdx="0" presStyleCnt="3" custScaleX="77324" custScaleY="50641">
         <dgm:presLayoutVars>
           <dgm:bulletEnabled val="1"/>
         </dgm:presLayoutVars>
       </dgm:prSet>
       <dgm:spPr/>
     </dgm:pt>
-    <dgm:pt modelId="{36D12A64-827E-4CD5-A115-B20A133CFDB3}" type="pres">
-      <dgm:prSet presAssocID="{37694709-0451-49D6-9A8D-2106D6680E14}" presName="sp" presStyleCnt="0"/>
-      <dgm:spPr/>
-    </dgm:pt>
-    <dgm:pt modelId="{E53255AC-4F7D-40FB-9309-331D521C3527}" type="pres">
-      <dgm:prSet presAssocID="{300C7799-1563-44BA-A645-D6A88A68F767}" presName="composite" presStyleCnt="0"/>
-      <dgm:spPr/>
-    </dgm:pt>
-    <dgm:pt modelId="{5323F542-D004-4F03-9511-85AAA5553078}" type="pres">
-      <dgm:prSet presAssocID="{300C7799-1563-44BA-A645-D6A88A68F767}" presName="parentText" presStyleLbl="alignNode1" presStyleIdx="1" presStyleCnt="4">
-        <dgm:presLayoutVars>
-          <dgm:chMax val="1"/>
-          <dgm:bulletEnabled val="1"/>
-        </dgm:presLayoutVars>
-      </dgm:prSet>
-      <dgm:spPr/>
-    </dgm:pt>
-    <dgm:pt modelId="{5B02451F-207C-40A7-A650-E85FA5207172}" type="pres">
-      <dgm:prSet presAssocID="{300C7799-1563-44BA-A645-D6A88A68F767}" presName="descendantText" presStyleLbl="alignAcc1" presStyleIdx="1" presStyleCnt="4">
+    <dgm:pt modelId="{674C8BD2-CB80-4DB6-9CDC-B02E4460B03B}" type="pres">
+      <dgm:prSet presAssocID="{6294226F-F2F2-4A8A-9E6C-AECCEDD39148}" presName="childShp" presStyleLbl="bgAccFollowNode1" presStyleIdx="0" presStyleCnt="3" custScaleY="47976">
         <dgm:presLayoutVars>
           <dgm:bulletEnabled val="1"/>
         </dgm:presLayoutVars>
       </dgm:prSet>
       <dgm:spPr/>
     </dgm:pt>
-    <dgm:pt modelId="{2F6E0263-E9FE-4720-9FED-E39256F666DF}" type="pres">
-      <dgm:prSet presAssocID="{22FBB5D5-BBAD-487E-ADD8-9BEC9746FD69}" presName="sp" presStyleCnt="0"/>
+    <dgm:pt modelId="{81C06303-F1CB-41B1-94B6-F4308EC79B5B}" type="pres">
+      <dgm:prSet presAssocID="{E24D1D34-49BA-47A7-BABF-6E5AD93C88AD}" presName="spacing" presStyleCnt="0"/>
       <dgm:spPr/>
     </dgm:pt>
-    <dgm:pt modelId="{A008DFFF-16E9-43ED-B8E1-7AD8178B18CC}" type="pres">
-      <dgm:prSet presAssocID="{EEEF5206-5B9D-4EA6-B03E-0E73E828B78E}" presName="composite" presStyleCnt="0"/>
+    <dgm:pt modelId="{A0816C3C-E45E-483C-A7EF-BCB753FCE9E6}" type="pres">
+      <dgm:prSet presAssocID="{9CA1B036-4F3E-4330-A15C-36003DB98924}" presName="linNode" presStyleCnt="0"/>
       <dgm:spPr/>
     </dgm:pt>
-    <dgm:pt modelId="{01F15282-0E9C-4B19-A586-26347154B521}" type="pres">
-      <dgm:prSet presAssocID="{EEEF5206-5B9D-4EA6-B03E-0E73E828B78E}" presName="parentText" presStyleLbl="alignNode1" presStyleIdx="2" presStyleCnt="4">
-        <dgm:presLayoutVars>
-          <dgm:chMax val="1"/>
-          <dgm:bulletEnabled val="1"/>
-        </dgm:presLayoutVars>
-      </dgm:prSet>
-      <dgm:spPr/>
-    </dgm:pt>
-    <dgm:pt modelId="{30F41FFE-F254-46E7-8543-CE48D97B40E0}" type="pres">
-      <dgm:prSet presAssocID="{EEEF5206-5B9D-4EA6-B03E-0E73E828B78E}" presName="descendantText" presStyleLbl="alignAcc1" presStyleIdx="2" presStyleCnt="4">
+    <dgm:pt modelId="{9EE4943B-5157-47C6-9B4C-C2D91AADD587}" type="pres">
+      <dgm:prSet presAssocID="{9CA1B036-4F3E-4330-A15C-36003DB98924}" presName="parentShp" presStyleLbl="node1" presStyleIdx="1" presStyleCnt="3" custScaleX="77324" custScaleY="50641">
         <dgm:presLayoutVars>
           <dgm:bulletEnabled val="1"/>
         </dgm:presLayoutVars>
       </dgm:prSet>
       <dgm:spPr/>
     </dgm:pt>
-    <dgm:pt modelId="{C87B4F35-CA0F-43F2-9006-6CFB976A5085}" type="pres">
-      <dgm:prSet presAssocID="{A0C41F75-F430-4E51-9AF9-B633D66CCC8F}" presName="sp" presStyleCnt="0"/>
-      <dgm:spPr/>
-    </dgm:pt>
-    <dgm:pt modelId="{411A1049-0A69-4E5B-9077-8E2196119F7E}" type="pres">
-      <dgm:prSet presAssocID="{308059E1-2A4A-4DBA-92A4-16B85D11B83C}" presName="composite" presStyleCnt="0"/>
-      <dgm:spPr/>
-    </dgm:pt>
-    <dgm:pt modelId="{33FD62A2-2BDF-4806-9942-7E19CCF0775C}" type="pres">
-      <dgm:prSet presAssocID="{308059E1-2A4A-4DBA-92A4-16B85D11B83C}" presName="parentText" presStyleLbl="alignNode1" presStyleIdx="3" presStyleCnt="4">
+    <dgm:pt modelId="{E74CF8E4-301D-4366-8616-5FB1AC5D8472}" type="pres">
+      <dgm:prSet presAssocID="{9CA1B036-4F3E-4330-A15C-36003DB98924}" presName="childShp" presStyleLbl="bgAccFollowNode1" presStyleIdx="1" presStyleCnt="3" custScaleY="52682">
         <dgm:presLayoutVars>
-          <dgm:chMax val="1"/>
           <dgm:bulletEnabled val="1"/>
         </dgm:presLayoutVars>
       </dgm:prSet>
       <dgm:spPr/>
     </dgm:pt>
-    <dgm:pt modelId="{18A1967B-CC53-4FAF-8CD8-D37F5CEB4DC0}" type="pres">
-      <dgm:prSet presAssocID="{308059E1-2A4A-4DBA-92A4-16B85D11B83C}" presName="descendantText" presStyleLbl="alignAcc1" presStyleIdx="3" presStyleCnt="4">
+    <dgm:pt modelId="{CFC2E030-48D2-48B6-B173-2901C5C399F3}" type="pres">
+      <dgm:prSet presAssocID="{5ABD1543-008E-4E32-B63E-88B361C71BD7}" presName="spacing" presStyleCnt="0"/>
+      <dgm:spPr/>
+    </dgm:pt>
+    <dgm:pt modelId="{165A425E-F903-486D-A432-DE34AB15AB08}" type="pres">
+      <dgm:prSet presAssocID="{85298BC2-0AB4-4F19-B891-DC4001932FFC}" presName="linNode" presStyleCnt="0"/>
+      <dgm:spPr/>
+    </dgm:pt>
+    <dgm:pt modelId="{D3173932-1BEF-42AD-A2D3-06A5A860A365}" type="pres">
+      <dgm:prSet presAssocID="{85298BC2-0AB4-4F19-B891-DC4001932FFC}" presName="parentShp" presStyleLbl="node1" presStyleIdx="2" presStyleCnt="3" custScaleX="77429" custScaleY="50658">
+        <dgm:presLayoutVars>
+          <dgm:bulletEnabled val="1"/>
+        </dgm:presLayoutVars>
+      </dgm:prSet>
+      <dgm:spPr/>
+    </dgm:pt>
+    <dgm:pt modelId="{3217746E-CFED-41D8-8FB0-DD70DBF9846F}" type="pres">
+      <dgm:prSet presAssocID="{85298BC2-0AB4-4F19-B891-DC4001932FFC}" presName="childShp" presStyleLbl="bgAccFollowNode1" presStyleIdx="2" presStyleCnt="3" custScaleY="50928">
         <dgm:presLayoutVars>
           <dgm:bulletEnabled val="1"/>
         </dgm:presLayoutVars>
@@ -5238,44 +5187,36 @@
     </dgm:pt>
   </dgm:ptLst>
   <dgm:cxnLst>
-    <dgm:cxn modelId="{9A2C610B-E80C-4AFB-AA56-FD48E707129F}" type="presOf" srcId="{EEEF5206-5B9D-4EA6-B03E-0E73E828B78E}" destId="{01F15282-0E9C-4B19-A586-26347154B521}" srcOrd="0" destOrd="0" presId="urn:microsoft.com/office/officeart/2005/8/layout/chevron2"/>
-    <dgm:cxn modelId="{82D1AE12-3688-497B-ACEF-1602E9D56555}" type="presOf" srcId="{BF934A6F-B028-4ECE-B0BA-8B56DC220637}" destId="{FA2A0F8C-91F1-4218-BC3C-937C2E00479E}" srcOrd="0" destOrd="0" presId="urn:microsoft.com/office/officeart/2005/8/layout/chevron2"/>
-    <dgm:cxn modelId="{EFC72D1E-102E-4815-A547-3D73A8529CE7}" srcId="{300C7799-1563-44BA-A645-D6A88A68F767}" destId="{7F3694EA-69EB-4F3A-94EC-7440EA799F82}" srcOrd="0" destOrd="0" parTransId="{CB481374-57E3-4B23-86D7-CC6837807015}" sibTransId="{D1CBD1BE-9336-4882-A8E4-FBCE18BA5CEC}"/>
-    <dgm:cxn modelId="{F8901C33-89BF-4C26-A2AC-FE1B5D868EAE}" srcId="{627B6B4F-4BD8-4530-A2FD-B233DEB25C40}" destId="{BF934A6F-B028-4ECE-B0BA-8B56DC220637}" srcOrd="0" destOrd="0" parTransId="{B759EBD7-5DEA-4717-8B9E-447CA1174435}" sibTransId="{A07865E4-D460-441C-A724-677D2535DA80}"/>
-    <dgm:cxn modelId="{7C82AF5E-2C12-4CEF-BC7E-21F339082D84}" type="presOf" srcId="{FF2A8D47-D211-4026-A519-ABFD0DDDC6A2}" destId="{18A1967B-CC53-4FAF-8CD8-D37F5CEB4DC0}" srcOrd="0" destOrd="0" presId="urn:microsoft.com/office/officeart/2005/8/layout/chevron2"/>
-    <dgm:cxn modelId="{4129B143-A088-44B0-B6A5-F08A593DEE7F}" type="presOf" srcId="{308059E1-2A4A-4DBA-92A4-16B85D11B83C}" destId="{33FD62A2-2BDF-4806-9942-7E19CCF0775C}" srcOrd="0" destOrd="0" presId="urn:microsoft.com/office/officeart/2005/8/layout/chevron2"/>
-    <dgm:cxn modelId="{42100D66-21E9-4C39-98AF-4DB4976A903B}" type="presOf" srcId="{627B6B4F-4BD8-4530-A2FD-B233DEB25C40}" destId="{474848AD-2000-499B-B1C4-B03B69715E8D}" srcOrd="0" destOrd="0" presId="urn:microsoft.com/office/officeart/2005/8/layout/chevron2"/>
-    <dgm:cxn modelId="{6AF6AE50-2C5E-4040-94D5-BD2455BC7085}" type="presOf" srcId="{7F3694EA-69EB-4F3A-94EC-7440EA799F82}" destId="{5B02451F-207C-40A7-A650-E85FA5207172}" srcOrd="0" destOrd="0" presId="urn:microsoft.com/office/officeart/2005/8/layout/chevron2"/>
-    <dgm:cxn modelId="{2B55AD72-9B50-4E80-A780-9145428391E5}" srcId="{EEEF5206-5B9D-4EA6-B03E-0E73E828B78E}" destId="{6B83C9CF-C0EA-4129-911B-381A96403788}" srcOrd="0" destOrd="0" parTransId="{54C42EF5-90B8-4DE4-BE59-72D58D9D3136}" sibTransId="{947D9D76-8BEE-44DE-B5E2-BC9DE3993956}"/>
-    <dgm:cxn modelId="{4074AA81-69A4-4453-AA3A-F45B74B9B0BD}" srcId="{AFCEAB5A-5418-4197-948C-31D4B5029269}" destId="{EEEF5206-5B9D-4EA6-B03E-0E73E828B78E}" srcOrd="2" destOrd="0" parTransId="{EE2BFCB3-585B-44E4-8B4C-C43F2113939F}" sibTransId="{A0C41F75-F430-4E51-9AF9-B633D66CCC8F}"/>
-    <dgm:cxn modelId="{8F07419F-278B-47A7-9AAA-1EC96BEE4285}" type="presOf" srcId="{6B83C9CF-C0EA-4129-911B-381A96403788}" destId="{30F41FFE-F254-46E7-8543-CE48D97B40E0}" srcOrd="0" destOrd="0" presId="urn:microsoft.com/office/officeart/2005/8/layout/chevron2"/>
-    <dgm:cxn modelId="{AE3C08BE-0400-40FD-958D-F2FB1297B92F}" srcId="{AFCEAB5A-5418-4197-948C-31D4B5029269}" destId="{627B6B4F-4BD8-4530-A2FD-B233DEB25C40}" srcOrd="0" destOrd="0" parTransId="{88FE42E1-8CE2-42BE-B470-21AFA5AED954}" sibTransId="{37694709-0451-49D6-9A8D-2106D6680E14}"/>
-    <dgm:cxn modelId="{63947BD4-8579-4CCA-856F-F2E9BFC66E3F}" srcId="{AFCEAB5A-5418-4197-948C-31D4B5029269}" destId="{300C7799-1563-44BA-A645-D6A88A68F767}" srcOrd="1" destOrd="0" parTransId="{9DDC3730-4F7F-4B1F-A87E-AFF3D28C22CC}" sibTransId="{22FBB5D5-BBAD-487E-ADD8-9BEC9746FD69}"/>
-    <dgm:cxn modelId="{8771C4D4-CD7A-4390-931D-6CD560DB5262}" srcId="{308059E1-2A4A-4DBA-92A4-16B85D11B83C}" destId="{FF2A8D47-D211-4026-A519-ABFD0DDDC6A2}" srcOrd="0" destOrd="0" parTransId="{36C26B72-D602-4CFB-9F91-14001E9CA4D6}" sibTransId="{B9CE8765-1F36-4495-A912-6ECCC30B5DBA}"/>
-    <dgm:cxn modelId="{823CE3D5-671C-4D17-AA12-301C19DD8635}" type="presOf" srcId="{AFCEAB5A-5418-4197-948C-31D4B5029269}" destId="{A96C526E-6B40-4C9D-AF15-92D5185C8C67}" srcOrd="0" destOrd="0" presId="urn:microsoft.com/office/officeart/2005/8/layout/chevron2"/>
-    <dgm:cxn modelId="{7C587EF5-6947-41B7-A7FD-5C7C91A37A9A}" type="presOf" srcId="{300C7799-1563-44BA-A645-D6A88A68F767}" destId="{5323F542-D004-4F03-9511-85AAA5553078}" srcOrd="0" destOrd="0" presId="urn:microsoft.com/office/officeart/2005/8/layout/chevron2"/>
-    <dgm:cxn modelId="{5EEA54F6-7BB3-4C6A-86BF-E1461D971EC4}" srcId="{AFCEAB5A-5418-4197-948C-31D4B5029269}" destId="{308059E1-2A4A-4DBA-92A4-16B85D11B83C}" srcOrd="3" destOrd="0" parTransId="{2FF00F87-54CD-4262-8893-F014C82DA178}" sibTransId="{4B586774-B932-4D85-B271-99EA3BB6E625}"/>
-    <dgm:cxn modelId="{F43C0CDE-6A69-4E13-9312-2847A15674C8}" type="presParOf" srcId="{A96C526E-6B40-4C9D-AF15-92D5185C8C67}" destId="{4147AE17-CA19-4529-9C05-43F6483D35A3}" srcOrd="0" destOrd="0" presId="urn:microsoft.com/office/officeart/2005/8/layout/chevron2"/>
-    <dgm:cxn modelId="{8D892BAD-CD14-4C71-B505-48BA6DAFD9F1}" type="presParOf" srcId="{4147AE17-CA19-4529-9C05-43F6483D35A3}" destId="{474848AD-2000-499B-B1C4-B03B69715E8D}" srcOrd="0" destOrd="0" presId="urn:microsoft.com/office/officeart/2005/8/layout/chevron2"/>
-    <dgm:cxn modelId="{D97ACAE0-315B-4C12-9FE9-6907A9E72F23}" type="presParOf" srcId="{4147AE17-CA19-4529-9C05-43F6483D35A3}" destId="{FA2A0F8C-91F1-4218-BC3C-937C2E00479E}" srcOrd="1" destOrd="0" presId="urn:microsoft.com/office/officeart/2005/8/layout/chevron2"/>
-    <dgm:cxn modelId="{F8966EC9-E035-4C27-9357-B781FE9166E4}" type="presParOf" srcId="{A96C526E-6B40-4C9D-AF15-92D5185C8C67}" destId="{36D12A64-827E-4CD5-A115-B20A133CFDB3}" srcOrd="1" destOrd="0" presId="urn:microsoft.com/office/officeart/2005/8/layout/chevron2"/>
-    <dgm:cxn modelId="{2AB193A5-8043-4342-A4CC-2F7BE15B1E6D}" type="presParOf" srcId="{A96C526E-6B40-4C9D-AF15-92D5185C8C67}" destId="{E53255AC-4F7D-40FB-9309-331D521C3527}" srcOrd="2" destOrd="0" presId="urn:microsoft.com/office/officeart/2005/8/layout/chevron2"/>
-    <dgm:cxn modelId="{3893D487-AEE8-4C21-AD10-4797E8F309BA}" type="presParOf" srcId="{E53255AC-4F7D-40FB-9309-331D521C3527}" destId="{5323F542-D004-4F03-9511-85AAA5553078}" srcOrd="0" destOrd="0" presId="urn:microsoft.com/office/officeart/2005/8/layout/chevron2"/>
-    <dgm:cxn modelId="{C2073BE5-E717-476C-86B0-5D379C0457AC}" type="presParOf" srcId="{E53255AC-4F7D-40FB-9309-331D521C3527}" destId="{5B02451F-207C-40A7-A650-E85FA5207172}" srcOrd="1" destOrd="0" presId="urn:microsoft.com/office/officeart/2005/8/layout/chevron2"/>
-    <dgm:cxn modelId="{9F4CE263-ADD4-433F-8A58-2443091AE5E1}" type="presParOf" srcId="{A96C526E-6B40-4C9D-AF15-92D5185C8C67}" destId="{2F6E0263-E9FE-4720-9FED-E39256F666DF}" srcOrd="3" destOrd="0" presId="urn:microsoft.com/office/officeart/2005/8/layout/chevron2"/>
-    <dgm:cxn modelId="{756BFEE5-8035-4C7B-ACF6-6CF1E67FA92F}" type="presParOf" srcId="{A96C526E-6B40-4C9D-AF15-92D5185C8C67}" destId="{A008DFFF-16E9-43ED-B8E1-7AD8178B18CC}" srcOrd="4" destOrd="0" presId="urn:microsoft.com/office/officeart/2005/8/layout/chevron2"/>
-    <dgm:cxn modelId="{1583819A-2F16-41C0-B46B-6F89E99358C5}" type="presParOf" srcId="{A008DFFF-16E9-43ED-B8E1-7AD8178B18CC}" destId="{01F15282-0E9C-4B19-A586-26347154B521}" srcOrd="0" destOrd="0" presId="urn:microsoft.com/office/officeart/2005/8/layout/chevron2"/>
-    <dgm:cxn modelId="{2B4DD9DD-DEF1-40CD-BCB9-C0A36DE209C8}" type="presParOf" srcId="{A008DFFF-16E9-43ED-B8E1-7AD8178B18CC}" destId="{30F41FFE-F254-46E7-8543-CE48D97B40E0}" srcOrd="1" destOrd="0" presId="urn:microsoft.com/office/officeart/2005/8/layout/chevron2"/>
-    <dgm:cxn modelId="{581104F2-443C-4769-9ED8-0CFEF3DC3464}" type="presParOf" srcId="{A96C526E-6B40-4C9D-AF15-92D5185C8C67}" destId="{C87B4F35-CA0F-43F2-9006-6CFB976A5085}" srcOrd="5" destOrd="0" presId="urn:microsoft.com/office/officeart/2005/8/layout/chevron2"/>
-    <dgm:cxn modelId="{96A16919-8850-4FFF-8214-74EBC7F6F57F}" type="presParOf" srcId="{A96C526E-6B40-4C9D-AF15-92D5185C8C67}" destId="{411A1049-0A69-4E5B-9077-8E2196119F7E}" srcOrd="6" destOrd="0" presId="urn:microsoft.com/office/officeart/2005/8/layout/chevron2"/>
-    <dgm:cxn modelId="{E87DDB25-7440-4134-A5E5-9653C0595159}" type="presParOf" srcId="{411A1049-0A69-4E5B-9077-8E2196119F7E}" destId="{33FD62A2-2BDF-4806-9942-7E19CCF0775C}" srcOrd="0" destOrd="0" presId="urn:microsoft.com/office/officeart/2005/8/layout/chevron2"/>
-    <dgm:cxn modelId="{5F250C19-0D45-45BB-9327-1CCFCC8D20DD}" type="presParOf" srcId="{411A1049-0A69-4E5B-9077-8E2196119F7E}" destId="{18A1967B-CC53-4FAF-8CD8-D37F5CEB4DC0}" srcOrd="1" destOrd="0" presId="urn:microsoft.com/office/officeart/2005/8/layout/chevron2"/>
+    <dgm:cxn modelId="{6C046703-5231-4650-BA58-F4129775C5C0}" srcId="{ED942960-5F75-4B1C-A4FF-76070CBDAA9F}" destId="{85298BC2-0AB4-4F19-B891-DC4001932FFC}" srcOrd="2" destOrd="0" parTransId="{ED569577-D760-4D50-B9E3-B2286116BFB6}" sibTransId="{844E8EB3-90A4-461E-9854-641228D00786}"/>
+    <dgm:cxn modelId="{0E115642-25C8-4081-8A58-84933E07EDE2}" srcId="{ED942960-5F75-4B1C-A4FF-76070CBDAA9F}" destId="{9CA1B036-4F3E-4330-A15C-36003DB98924}" srcOrd="1" destOrd="0" parTransId="{81AFAF62-5A40-45BE-BCDA-F7EB54BAB804}" sibTransId="{5ABD1543-008E-4E32-B63E-88B361C71BD7}"/>
+    <dgm:cxn modelId="{18EB1F64-6243-4E54-9930-0BCFC27E98C4}" type="presOf" srcId="{85298BC2-0AB4-4F19-B891-DC4001932FFC}" destId="{D3173932-1BEF-42AD-A2D3-06A5A860A365}" srcOrd="0" destOrd="0" presId="urn:microsoft.com/office/officeart/2005/8/layout/vList6"/>
+    <dgm:cxn modelId="{50DBDD66-817B-4411-AC23-A89C5A7D1510}" type="presOf" srcId="{2B03C335-2E7F-4885-872C-1C073708494F}" destId="{674C8BD2-CB80-4DB6-9CDC-B02E4460B03B}" srcOrd="0" destOrd="0" presId="urn:microsoft.com/office/officeart/2005/8/layout/vList6"/>
+    <dgm:cxn modelId="{4F565258-2AEE-4AE9-A2EC-423A7EF4B7E4}" srcId="{ED942960-5F75-4B1C-A4FF-76070CBDAA9F}" destId="{6294226F-F2F2-4A8A-9E6C-AECCEDD39148}" srcOrd="0" destOrd="0" parTransId="{ECF84622-2253-4470-B157-F3AADA3244CB}" sibTransId="{E24D1D34-49BA-47A7-BABF-6E5AD93C88AD}"/>
+    <dgm:cxn modelId="{4902197A-9257-40C4-9E8B-85A75E483155}" srcId="{6294226F-F2F2-4A8A-9E6C-AECCEDD39148}" destId="{2B03C335-2E7F-4885-872C-1C073708494F}" srcOrd="0" destOrd="0" parTransId="{7B2EC6EB-E96D-47ED-993B-8DB3C5FA7B84}" sibTransId="{35469379-AD2B-45FF-9395-6C6A41E50F9C}"/>
+    <dgm:cxn modelId="{ED07E891-7A68-4533-A572-FB4C4D927BDB}" srcId="{9CA1B036-4F3E-4330-A15C-36003DB98924}" destId="{908A783A-3B75-4DB6-BBAB-96DE82FF367A}" srcOrd="0" destOrd="0" parTransId="{9DA391BC-F453-49B9-9352-31910C97C93A}" sibTransId="{305CCAD6-8BD9-4AAC-AD76-F9E1222DE8A7}"/>
+    <dgm:cxn modelId="{2855E1B1-35C6-4821-8EFF-55994C841841}" type="presOf" srcId="{ED942960-5F75-4B1C-A4FF-76070CBDAA9F}" destId="{5FB25AFF-B39B-40DF-B45F-851225C42F04}" srcOrd="0" destOrd="0" presId="urn:microsoft.com/office/officeart/2005/8/layout/vList6"/>
+    <dgm:cxn modelId="{684FF9C9-F794-47D4-91D8-842734CA5918}" type="presOf" srcId="{908A783A-3B75-4DB6-BBAB-96DE82FF367A}" destId="{E74CF8E4-301D-4366-8616-5FB1AC5D8472}" srcOrd="0" destOrd="0" presId="urn:microsoft.com/office/officeart/2005/8/layout/vList6"/>
+    <dgm:cxn modelId="{8D79F1CF-0F09-48EB-AF13-4EFEC5F86A58}" type="presOf" srcId="{203BE068-1EAF-4AC1-977B-CE0473B75916}" destId="{3217746E-CFED-41D8-8FB0-DD70DBF9846F}" srcOrd="0" destOrd="0" presId="urn:microsoft.com/office/officeart/2005/8/layout/vList6"/>
+    <dgm:cxn modelId="{13D797E2-78A2-43CB-9135-55DB916A2976}" type="presOf" srcId="{6294226F-F2F2-4A8A-9E6C-AECCEDD39148}" destId="{63F9587C-242F-42AA-B7E8-6DA6E215418C}" srcOrd="0" destOrd="0" presId="urn:microsoft.com/office/officeart/2005/8/layout/vList6"/>
+    <dgm:cxn modelId="{395A58F3-CC47-476E-8D6A-45826DED86B6}" srcId="{85298BC2-0AB4-4F19-B891-DC4001932FFC}" destId="{203BE068-1EAF-4AC1-977B-CE0473B75916}" srcOrd="0" destOrd="0" parTransId="{60E17AD7-5FB7-4561-A2C7-D1DAD918D521}" sibTransId="{62BE56E0-5F5E-449D-91DD-3DBF2EF6642C}"/>
+    <dgm:cxn modelId="{BCA51AF5-F5C2-4323-A0B0-1F2CC120DFD9}" type="presOf" srcId="{9CA1B036-4F3E-4330-A15C-36003DB98924}" destId="{9EE4943B-5157-47C6-9B4C-C2D91AADD587}" srcOrd="0" destOrd="0" presId="urn:microsoft.com/office/officeart/2005/8/layout/vList6"/>
+    <dgm:cxn modelId="{3E42614F-AE04-4110-A819-010EBD342206}" type="presParOf" srcId="{5FB25AFF-B39B-40DF-B45F-851225C42F04}" destId="{4027794D-3BE4-412A-8767-69C77222EB0C}" srcOrd="0" destOrd="0" presId="urn:microsoft.com/office/officeart/2005/8/layout/vList6"/>
+    <dgm:cxn modelId="{63FDDB8D-A92D-4E9D-8A6F-8C902FCC3D21}" type="presParOf" srcId="{4027794D-3BE4-412A-8767-69C77222EB0C}" destId="{63F9587C-242F-42AA-B7E8-6DA6E215418C}" srcOrd="0" destOrd="0" presId="urn:microsoft.com/office/officeart/2005/8/layout/vList6"/>
+    <dgm:cxn modelId="{96EC7500-38D0-410B-8258-05F36F925041}" type="presParOf" srcId="{4027794D-3BE4-412A-8767-69C77222EB0C}" destId="{674C8BD2-CB80-4DB6-9CDC-B02E4460B03B}" srcOrd="1" destOrd="0" presId="urn:microsoft.com/office/officeart/2005/8/layout/vList6"/>
+    <dgm:cxn modelId="{AF26CFEF-093D-4AD1-BD45-E0855E56B3DB}" type="presParOf" srcId="{5FB25AFF-B39B-40DF-B45F-851225C42F04}" destId="{81C06303-F1CB-41B1-94B6-F4308EC79B5B}" srcOrd="1" destOrd="0" presId="urn:microsoft.com/office/officeart/2005/8/layout/vList6"/>
+    <dgm:cxn modelId="{F2ED08F4-6649-4CF3-BFD7-158F38AEC738}" type="presParOf" srcId="{5FB25AFF-B39B-40DF-B45F-851225C42F04}" destId="{A0816C3C-E45E-483C-A7EF-BCB753FCE9E6}" srcOrd="2" destOrd="0" presId="urn:microsoft.com/office/officeart/2005/8/layout/vList6"/>
+    <dgm:cxn modelId="{0D49BED0-7327-42B9-AA76-B57504F8D7A2}" type="presParOf" srcId="{A0816C3C-E45E-483C-A7EF-BCB753FCE9E6}" destId="{9EE4943B-5157-47C6-9B4C-C2D91AADD587}" srcOrd="0" destOrd="0" presId="urn:microsoft.com/office/officeart/2005/8/layout/vList6"/>
+    <dgm:cxn modelId="{502CBBBD-A8C7-41B5-9039-DA4D50EB5D55}" type="presParOf" srcId="{A0816C3C-E45E-483C-A7EF-BCB753FCE9E6}" destId="{E74CF8E4-301D-4366-8616-5FB1AC5D8472}" srcOrd="1" destOrd="0" presId="urn:microsoft.com/office/officeart/2005/8/layout/vList6"/>
+    <dgm:cxn modelId="{2ECE2F9D-BBDB-4BC9-8FB1-B310880FA1FD}" type="presParOf" srcId="{5FB25AFF-B39B-40DF-B45F-851225C42F04}" destId="{CFC2E030-48D2-48B6-B173-2901C5C399F3}" srcOrd="3" destOrd="0" presId="urn:microsoft.com/office/officeart/2005/8/layout/vList6"/>
+    <dgm:cxn modelId="{16B8E2F1-97CB-49D6-96BF-591EA164DB79}" type="presParOf" srcId="{5FB25AFF-B39B-40DF-B45F-851225C42F04}" destId="{165A425E-F903-486D-A432-DE34AB15AB08}" srcOrd="4" destOrd="0" presId="urn:microsoft.com/office/officeart/2005/8/layout/vList6"/>
+    <dgm:cxn modelId="{EB051DE6-A0DE-4001-8D87-4B6DC9AAC9A8}" type="presParOf" srcId="{165A425E-F903-486D-A432-DE34AB15AB08}" destId="{D3173932-1BEF-42AD-A2D3-06A5A860A365}" srcOrd="0" destOrd="0" presId="urn:microsoft.com/office/officeart/2005/8/layout/vList6"/>
+    <dgm:cxn modelId="{A65824C1-414E-4BB2-A295-D2AE52B20B3B}" type="presParOf" srcId="{165A425E-F903-486D-A432-DE34AB15AB08}" destId="{3217746E-CFED-41D8-8FB0-DD70DBF9846F}" srcOrd="1" destOrd="0" presId="urn:microsoft.com/office/officeart/2005/8/layout/vList6"/>
   </dgm:cxnLst>
   <dgm:bg/>
   <dgm:whole/>
   <dgm:extLst>
     <a:ext uri="http://schemas.microsoft.com/office/drawing/2008/diagram">
-      <dsp:dataModelExt xmlns:dsp="http://schemas.microsoft.com/office/drawing/2008/diagram" relId="rId7" minVer="http://schemas.openxmlformats.org/drawingml/2006/diagram"/>
+      <dsp:dataModelExt xmlns:dsp="http://schemas.microsoft.com/office/drawing/2008/diagram" relId="rId6" minVer="http://schemas.openxmlformats.org/drawingml/2006/diagram"/>
     </a:ext>
   </dgm:extLst>
 </dgm:dataModel>
@@ -7088,7 +7029,7 @@
           </a:pPr>
           <a:r>
             <a:rPr lang="en-US" sz="1600" kern="1200" dirty="0"/>
-            <a:t>4. Adjust Research Questions</a:t>
+            <a:t>4. Adjust Research Questions / API query</a:t>
           </a:r>
         </a:p>
       </dsp:txBody>
@@ -7109,17 +7050,108 @@
       <dsp:cNvGrpSpPr/>
     </dsp:nvGrpSpPr>
     <dsp:grpSpPr/>
-    <dsp:sp modelId="{474848AD-2000-499B-B1C4-B03B69715E8D}">
+    <dsp:sp modelId="{674C8BD2-CB80-4DB6-9CDC-B02E4460B03B}">
       <dsp:nvSpPr>
         <dsp:cNvPr id="0" name=""/>
         <dsp:cNvSpPr/>
       </dsp:nvSpPr>
       <dsp:spPr>
-        <a:xfrm rot="5400000">
-          <a:off x="-104865" y="104879"/>
-          <a:ext cx="699101" cy="489370"/>
+        <a:xfrm>
+          <a:off x="1719503" y="16786"/>
+          <a:ext cx="2909087" cy="563110"/>
         </a:xfrm>
-        <a:prstGeom prst="chevron">
+        <a:prstGeom prst="rightArrow">
+          <a:avLst>
+            <a:gd name="adj1" fmla="val 75000"/>
+            <a:gd name="adj2" fmla="val 50000"/>
+          </a:avLst>
+        </a:prstGeom>
+        <a:solidFill>
+          <a:schemeClr val="accent1">
+            <a:alpha val="90000"/>
+            <a:tint val="40000"/>
+            <a:hueOff val="0"/>
+            <a:satOff val="0"/>
+            <a:lumOff val="0"/>
+            <a:alphaOff val="0"/>
+          </a:schemeClr>
+        </a:solidFill>
+        <a:ln w="12700" cap="flat" cmpd="sng" algn="ctr">
+          <a:solidFill>
+            <a:schemeClr val="accent1">
+              <a:alpha val="90000"/>
+              <a:tint val="40000"/>
+              <a:hueOff val="0"/>
+              <a:satOff val="0"/>
+              <a:lumOff val="0"/>
+              <a:alphaOff val="0"/>
+            </a:schemeClr>
+          </a:solidFill>
+          <a:prstDash val="solid"/>
+        </a:ln>
+        <a:effectLst/>
+      </dsp:spPr>
+      <dsp:style>
+        <a:lnRef idx="2">
+          <a:scrgbClr r="0" g="0" b="0"/>
+        </a:lnRef>
+        <a:fillRef idx="1">
+          <a:scrgbClr r="0" g="0" b="0"/>
+        </a:fillRef>
+        <a:effectRef idx="0">
+          <a:scrgbClr r="0" g="0" b="0"/>
+        </a:effectRef>
+        <a:fontRef idx="minor"/>
+      </dsp:style>
+      <dsp:txBody>
+        <a:bodyPr spcFirstLastPara="0" vert="horz" wrap="square" lIns="8890" tIns="8890" rIns="8890" bIns="8890" numCol="1" spcCol="1270" anchor="ctr" anchorCtr="0">
+          <a:noAutofit/>
+        </a:bodyPr>
+        <a:lstStyle/>
+        <a:p>
+          <a:pPr marL="114300" lvl="1" indent="-114300" algn="l" defTabSz="622300">
+            <a:lnSpc>
+              <a:spcPct val="90000"/>
+            </a:lnSpc>
+            <a:spcBef>
+              <a:spcPct val="0"/>
+            </a:spcBef>
+            <a:spcAft>
+              <a:spcPct val="15000"/>
+            </a:spcAft>
+            <a:buChar char="•"/>
+          </a:pPr>
+          <a:r>
+            <a:rPr lang="en-US" sz="1400" kern="1200" dirty="0"/>
+            <a:t>  </a:t>
+          </a:r>
+          <a:r>
+            <a:rPr lang="en-US" sz="1400" kern="1200" dirty="0" err="1"/>
+            <a:t>Avg</a:t>
+          </a:r>
+          <a:r>
+            <a:rPr lang="en-US" sz="1400" kern="1200" dirty="0"/>
+            <a:t> days to complete story post</a:t>
+          </a:r>
+          <a:endParaRPr lang="en-US" sz="2400" kern="1200" dirty="0"/>
+        </a:p>
+      </dsp:txBody>
+      <dsp:txXfrm>
+        <a:off x="1719503" y="87175"/>
+        <a:ext cx="2697921" cy="422332"/>
+      </dsp:txXfrm>
+    </dsp:sp>
+    <dsp:sp modelId="{63F9587C-242F-42AA-B7E8-6DA6E215418C}">
+      <dsp:nvSpPr>
+        <dsp:cNvPr id="0" name=""/>
+        <dsp:cNvSpPr/>
+      </dsp:nvSpPr>
+      <dsp:spPr>
+        <a:xfrm>
+          <a:off x="219888" y="1146"/>
+          <a:ext cx="1499615" cy="594390"/>
+        </a:xfrm>
+        <a:prstGeom prst="roundRect">
           <a:avLst/>
         </a:prstGeom>
         <a:solidFill>
@@ -7132,7 +7164,7 @@
         </a:solidFill>
         <a:ln w="12700" cap="flat" cmpd="sng" algn="ctr">
           <a:solidFill>
-            <a:schemeClr val="accent1">
+            <a:schemeClr val="lt1">
               <a:hueOff val="0"/>
               <a:satOff val="0"/>
               <a:lumOff val="0"/>
@@ -7158,12 +7190,12 @@
         </a:fontRef>
       </dsp:style>
       <dsp:txBody>
-        <a:bodyPr spcFirstLastPara="0" vert="horz" wrap="square" lIns="8255" tIns="8255" rIns="8255" bIns="8255" numCol="1" spcCol="1270" anchor="ctr" anchorCtr="0">
+        <a:bodyPr spcFirstLastPara="0" vert="horz" wrap="square" lIns="91440" tIns="45720" rIns="91440" bIns="45720" numCol="1" spcCol="1270" anchor="ctr" anchorCtr="0">
           <a:noAutofit/>
         </a:bodyPr>
         <a:lstStyle/>
         <a:p>
-          <a:pPr marL="0" lvl="0" indent="0" algn="ctr" defTabSz="577850">
+          <a:pPr marL="0" lvl="0" indent="0" algn="ctr" defTabSz="1066800">
             <a:lnSpc>
               <a:spcPct val="90000"/>
             </a:lnSpc>
@@ -7176,32 +7208,36 @@
             <a:buNone/>
           </a:pPr>
           <a:r>
-            <a:rPr lang="en-US" sz="1300" kern="1200" dirty="0"/>
-            <a:t>244</a:t>
+            <a:rPr lang="en-US" sz="2400" kern="1200" dirty="0"/>
+            <a:t>167</a:t>
           </a:r>
         </a:p>
       </dsp:txBody>
-      <dsp:txXfrm rot="-5400000">
-        <a:off x="1" y="244698"/>
-        <a:ext cx="489370" cy="209731"/>
+      <dsp:txXfrm>
+        <a:off x="248904" y="30162"/>
+        <a:ext cx="1441583" cy="536358"/>
       </dsp:txXfrm>
     </dsp:sp>
-    <dsp:sp modelId="{FA2A0F8C-91F1-4218-BC3C-937C2E00479E}">
+    <dsp:sp modelId="{E74CF8E4-301D-4366-8616-5FB1AC5D8472}">
       <dsp:nvSpPr>
         <dsp:cNvPr id="0" name=""/>
         <dsp:cNvSpPr/>
       </dsp:nvSpPr>
       <dsp:spPr>
-        <a:xfrm rot="5400000">
-          <a:off x="2038627" y="-1549256"/>
-          <a:ext cx="454415" cy="3552928"/>
+        <a:xfrm>
+          <a:off x="1719503" y="712910"/>
+          <a:ext cx="2909087" cy="618346"/>
         </a:xfrm>
-        <a:prstGeom prst="round2SameRect">
-          <a:avLst/>
+        <a:prstGeom prst="rightArrow">
+          <a:avLst>
+            <a:gd name="adj1" fmla="val 75000"/>
+            <a:gd name="adj2" fmla="val 50000"/>
+          </a:avLst>
         </a:prstGeom>
         <a:solidFill>
-          <a:schemeClr val="lt1">
+          <a:schemeClr val="accent1">
             <a:alpha val="90000"/>
+            <a:tint val="40000"/>
             <a:hueOff val="0"/>
             <a:satOff val="0"/>
             <a:lumOff val="0"/>
@@ -7211,6 +7247,8 @@
         <a:ln w="12700" cap="flat" cmpd="sng" algn="ctr">
           <a:solidFill>
             <a:schemeClr val="accent1">
+              <a:alpha val="90000"/>
+              <a:tint val="40000"/>
               <a:hueOff val="0"/>
               <a:satOff val="0"/>
               <a:lumOff val="0"/>
@@ -7234,7 +7272,7 @@
         <a:fontRef idx="minor"/>
       </dsp:style>
       <dsp:txBody>
-        <a:bodyPr spcFirstLastPara="0" vert="horz" wrap="square" lIns="99568" tIns="8890" rIns="8890" bIns="8890" numCol="1" spcCol="1270" anchor="ctr" anchorCtr="0">
+        <a:bodyPr spcFirstLastPara="0" vert="horz" wrap="square" lIns="8890" tIns="8890" rIns="8890" bIns="8890" numCol="1" spcCol="1270" anchor="ctr" anchorCtr="0">
           <a:noAutofit/>
         </a:bodyPr>
         <a:lstStyle/>
@@ -7249,30 +7287,41 @@
             <a:spcAft>
               <a:spcPct val="15000"/>
             </a:spcAft>
-            <a:buChar char="•"/>
+            <a:buClrTx/>
+            <a:buSzTx/>
+            <a:buFontTx/>
+            <a:buNone/>
           </a:pPr>
           <a:r>
             <a:rPr lang="en-US" sz="1400" kern="1200" dirty="0"/>
-            <a:t>Average days to complete story post</a:t>
+            <a:t>   </a:t>
+          </a:r>
+          <a:r>
+            <a:rPr lang="en-US" sz="1400" kern="1200" dirty="0" err="1"/>
+            <a:t>Avg</a:t>
+          </a:r>
+          <a:r>
+            <a:rPr lang="en-US" sz="1400" kern="1200" dirty="0"/>
+            <a:t> number of chapters in a story</a:t>
           </a:r>
         </a:p>
       </dsp:txBody>
-      <dsp:txXfrm rot="-5400000">
-        <a:off x="489371" y="22183"/>
-        <a:ext cx="3530745" cy="410049"/>
+      <dsp:txXfrm>
+        <a:off x="1719503" y="790203"/>
+        <a:ext cx="2677207" cy="463760"/>
       </dsp:txXfrm>
     </dsp:sp>
-    <dsp:sp modelId="{5323F542-D004-4F03-9511-85AAA5553078}">
+    <dsp:sp modelId="{9EE4943B-5157-47C6-9B4C-C2D91AADD587}">
       <dsp:nvSpPr>
         <dsp:cNvPr id="0" name=""/>
         <dsp:cNvSpPr/>
       </dsp:nvSpPr>
       <dsp:spPr>
-        <a:xfrm rot="5400000">
-          <a:off x="-104865" y="660684"/>
-          <a:ext cx="699101" cy="489370"/>
+        <a:xfrm>
+          <a:off x="219888" y="724888"/>
+          <a:ext cx="1499615" cy="594390"/>
         </a:xfrm>
-        <a:prstGeom prst="chevron">
+        <a:prstGeom prst="roundRect">
           <a:avLst/>
         </a:prstGeom>
         <a:solidFill>
@@ -7285,7 +7334,7 @@
         </a:solidFill>
         <a:ln w="12700" cap="flat" cmpd="sng" algn="ctr">
           <a:solidFill>
-            <a:schemeClr val="accent1">
+            <a:schemeClr val="lt1">
               <a:hueOff val="0"/>
               <a:satOff val="0"/>
               <a:lumOff val="0"/>
@@ -7311,12 +7360,12 @@
         </a:fontRef>
       </dsp:style>
       <dsp:txBody>
-        <a:bodyPr spcFirstLastPara="0" vert="horz" wrap="square" lIns="8255" tIns="8255" rIns="8255" bIns="8255" numCol="1" spcCol="1270" anchor="ctr" anchorCtr="0">
+        <a:bodyPr spcFirstLastPara="0" vert="horz" wrap="square" lIns="91440" tIns="45720" rIns="91440" bIns="45720" numCol="1" spcCol="1270" anchor="ctr" anchorCtr="0">
           <a:noAutofit/>
         </a:bodyPr>
         <a:lstStyle/>
         <a:p>
-          <a:pPr marL="0" lvl="0" indent="0" algn="ctr" defTabSz="577850">
+          <a:pPr marL="0" lvl="0" indent="0" algn="ctr" defTabSz="1066800">
             <a:lnSpc>
               <a:spcPct val="90000"/>
             </a:lnSpc>
@@ -7329,32 +7378,36 @@
             <a:buNone/>
           </a:pPr>
           <a:r>
-            <a:rPr lang="en-US" sz="1300" kern="1200" dirty="0"/>
-            <a:t>12</a:t>
+            <a:rPr lang="en-US" sz="2400" kern="1200" dirty="0"/>
+            <a:t>19</a:t>
           </a:r>
         </a:p>
       </dsp:txBody>
-      <dsp:txXfrm rot="-5400000">
-        <a:off x="1" y="800503"/>
-        <a:ext cx="489370" cy="209731"/>
+      <dsp:txXfrm>
+        <a:off x="248904" y="753904"/>
+        <a:ext cx="1441583" cy="536358"/>
       </dsp:txXfrm>
     </dsp:sp>
-    <dsp:sp modelId="{5B02451F-207C-40A7-A650-E85FA5207172}">
+    <dsp:sp modelId="{3217746E-CFED-41D8-8FB0-DD70DBF9846F}">
       <dsp:nvSpPr>
         <dsp:cNvPr id="0" name=""/>
         <dsp:cNvSpPr/>
       </dsp:nvSpPr>
       <dsp:spPr>
-        <a:xfrm rot="5400000">
-          <a:off x="2038627" y="-993437"/>
-          <a:ext cx="454415" cy="3552928"/>
+        <a:xfrm>
+          <a:off x="1720521" y="1448630"/>
+          <a:ext cx="2909087" cy="597759"/>
         </a:xfrm>
-        <a:prstGeom prst="round2SameRect">
-          <a:avLst/>
+        <a:prstGeom prst="rightArrow">
+          <a:avLst>
+            <a:gd name="adj1" fmla="val 75000"/>
+            <a:gd name="adj2" fmla="val 50000"/>
+          </a:avLst>
         </a:prstGeom>
         <a:solidFill>
-          <a:schemeClr val="lt1">
+          <a:schemeClr val="accent1">
             <a:alpha val="90000"/>
+            <a:tint val="40000"/>
             <a:hueOff val="0"/>
             <a:satOff val="0"/>
             <a:lumOff val="0"/>
@@ -7364,6 +7417,8 @@
         <a:ln w="12700" cap="flat" cmpd="sng" algn="ctr">
           <a:solidFill>
             <a:schemeClr val="accent1">
+              <a:alpha val="90000"/>
+              <a:tint val="40000"/>
               <a:hueOff val="0"/>
               <a:satOff val="0"/>
               <a:lumOff val="0"/>
@@ -7387,7 +7442,7 @@
         <a:fontRef idx="minor"/>
       </dsp:style>
       <dsp:txBody>
-        <a:bodyPr spcFirstLastPara="0" vert="horz" wrap="square" lIns="99568" tIns="8890" rIns="8890" bIns="8890" numCol="1" spcCol="1270" anchor="ctr" anchorCtr="0">
+        <a:bodyPr spcFirstLastPara="0" vert="horz" wrap="square" lIns="8890" tIns="8890" rIns="8890" bIns="8890" numCol="1" spcCol="1270" anchor="ctr" anchorCtr="0">
           <a:noAutofit/>
         </a:bodyPr>
         <a:lstStyle/>
@@ -7406,26 +7461,34 @@
           </a:pPr>
           <a:r>
             <a:rPr lang="en-US" sz="1400" kern="1200" dirty="0"/>
-            <a:t>Average number of chapters in a story</a:t>
+            <a:t> </a:t>
+          </a:r>
+          <a:r>
+            <a:rPr lang="en-US" sz="1400" kern="1200" dirty="0" err="1"/>
+            <a:t>Avg</a:t>
+          </a:r>
+          <a:r>
+            <a:rPr lang="en-US" sz="1400" kern="1200" dirty="0"/>
+            <a:t> number of words in a story</a:t>
           </a:r>
         </a:p>
       </dsp:txBody>
-      <dsp:txXfrm rot="-5400000">
-        <a:off x="489371" y="578002"/>
-        <a:ext cx="3530745" cy="410049"/>
+      <dsp:txXfrm>
+        <a:off x="1720521" y="1523350"/>
+        <a:ext cx="2684927" cy="448319"/>
       </dsp:txXfrm>
     </dsp:sp>
-    <dsp:sp modelId="{01F15282-0E9C-4B19-A586-26347154B521}">
+    <dsp:sp modelId="{D3173932-1BEF-42AD-A2D3-06A5A860A365}">
       <dsp:nvSpPr>
         <dsp:cNvPr id="0" name=""/>
         <dsp:cNvSpPr/>
       </dsp:nvSpPr>
       <dsp:spPr>
-        <a:xfrm rot="5400000">
-          <a:off x="-104865" y="1216488"/>
-          <a:ext cx="699101" cy="489370"/>
+        <a:xfrm>
+          <a:off x="218870" y="1450214"/>
+          <a:ext cx="1501651" cy="594590"/>
         </a:xfrm>
-        <a:prstGeom prst="chevron">
+        <a:prstGeom prst="roundRect">
           <a:avLst/>
         </a:prstGeom>
         <a:solidFill>
@@ -7438,7 +7501,7 @@
         </a:solidFill>
         <a:ln w="12700" cap="flat" cmpd="sng" algn="ctr">
           <a:solidFill>
-            <a:schemeClr val="accent1">
+            <a:schemeClr val="lt1">
               <a:hueOff val="0"/>
               <a:satOff val="0"/>
               <a:lumOff val="0"/>
@@ -7464,12 +7527,12 @@
         </a:fontRef>
       </dsp:style>
       <dsp:txBody>
-        <a:bodyPr spcFirstLastPara="0" vert="horz" wrap="square" lIns="8255" tIns="8255" rIns="8255" bIns="8255" numCol="1" spcCol="1270" anchor="ctr" anchorCtr="0">
+        <a:bodyPr spcFirstLastPara="0" vert="horz" wrap="square" lIns="91440" tIns="45720" rIns="91440" bIns="45720" numCol="1" spcCol="1270" anchor="ctr" anchorCtr="0">
           <a:noAutofit/>
         </a:bodyPr>
         <a:lstStyle/>
         <a:p>
-          <a:pPr marL="0" lvl="0" indent="0" algn="ctr" defTabSz="577850">
+          <a:pPr marL="0" lvl="0" indent="0" algn="ctr" defTabSz="1066800">
             <a:lnSpc>
               <a:spcPct val="90000"/>
             </a:lnSpc>
@@ -7482,240 +7545,14 @@
             <a:buNone/>
           </a:pPr>
           <a:r>
-            <a:rPr lang="en-US" sz="1300" kern="1200" dirty="0"/>
-            <a:t>75,265</a:t>
+            <a:rPr lang="en-US" sz="2400" kern="1200" dirty="0"/>
+            <a:t>59,780</a:t>
           </a:r>
         </a:p>
       </dsp:txBody>
-      <dsp:txXfrm rot="-5400000">
-        <a:off x="1" y="1356307"/>
-        <a:ext cx="489370" cy="209731"/>
-      </dsp:txXfrm>
-    </dsp:sp>
-    <dsp:sp modelId="{30F41FFE-F254-46E7-8543-CE48D97B40E0}">
-      <dsp:nvSpPr>
-        <dsp:cNvPr id="0" name=""/>
-        <dsp:cNvSpPr/>
-      </dsp:nvSpPr>
-      <dsp:spPr>
-        <a:xfrm rot="5400000">
-          <a:off x="2038627" y="-437632"/>
-          <a:ext cx="454415" cy="3552928"/>
-        </a:xfrm>
-        <a:prstGeom prst="round2SameRect">
-          <a:avLst/>
-        </a:prstGeom>
-        <a:solidFill>
-          <a:schemeClr val="lt1">
-            <a:alpha val="90000"/>
-            <a:hueOff val="0"/>
-            <a:satOff val="0"/>
-            <a:lumOff val="0"/>
-            <a:alphaOff val="0"/>
-          </a:schemeClr>
-        </a:solidFill>
-        <a:ln w="12700" cap="flat" cmpd="sng" algn="ctr">
-          <a:solidFill>
-            <a:schemeClr val="accent1">
-              <a:hueOff val="0"/>
-              <a:satOff val="0"/>
-              <a:lumOff val="0"/>
-              <a:alphaOff val="0"/>
-            </a:schemeClr>
-          </a:solidFill>
-          <a:prstDash val="solid"/>
-        </a:ln>
-        <a:effectLst/>
-      </dsp:spPr>
-      <dsp:style>
-        <a:lnRef idx="2">
-          <a:scrgbClr r="0" g="0" b="0"/>
-        </a:lnRef>
-        <a:fillRef idx="1">
-          <a:scrgbClr r="0" g="0" b="0"/>
-        </a:fillRef>
-        <a:effectRef idx="0">
-          <a:scrgbClr r="0" g="0" b="0"/>
-        </a:effectRef>
-        <a:fontRef idx="minor"/>
-      </dsp:style>
-      <dsp:txBody>
-        <a:bodyPr spcFirstLastPara="0" vert="horz" wrap="square" lIns="99568" tIns="8890" rIns="8890" bIns="8890" numCol="1" spcCol="1270" anchor="ctr" anchorCtr="0">
-          <a:noAutofit/>
-        </a:bodyPr>
-        <a:lstStyle/>
-        <a:p>
-          <a:pPr marL="114300" lvl="1" indent="-114300" algn="l" defTabSz="622300">
-            <a:lnSpc>
-              <a:spcPct val="90000"/>
-            </a:lnSpc>
-            <a:spcBef>
-              <a:spcPct val="0"/>
-            </a:spcBef>
-            <a:spcAft>
-              <a:spcPct val="15000"/>
-            </a:spcAft>
-            <a:buChar char="•"/>
-          </a:pPr>
-          <a:r>
-            <a:rPr lang="en-US" sz="1400" kern="1200" dirty="0"/>
-            <a:t>Average number of words in a story</a:t>
-          </a:r>
-        </a:p>
-      </dsp:txBody>
-      <dsp:txXfrm rot="-5400000">
-        <a:off x="489371" y="1133807"/>
-        <a:ext cx="3530745" cy="410049"/>
-      </dsp:txXfrm>
-    </dsp:sp>
-    <dsp:sp modelId="{33FD62A2-2BDF-4806-9942-7E19CCF0775C}">
-      <dsp:nvSpPr>
-        <dsp:cNvPr id="0" name=""/>
-        <dsp:cNvSpPr/>
-      </dsp:nvSpPr>
-      <dsp:spPr>
-        <a:xfrm rot="5400000">
-          <a:off x="-104865" y="1772293"/>
-          <a:ext cx="699101" cy="489370"/>
-        </a:xfrm>
-        <a:prstGeom prst="chevron">
-          <a:avLst/>
-        </a:prstGeom>
-        <a:solidFill>
-          <a:schemeClr val="accent1">
-            <a:hueOff val="0"/>
-            <a:satOff val="0"/>
-            <a:lumOff val="0"/>
-            <a:alphaOff val="0"/>
-          </a:schemeClr>
-        </a:solidFill>
-        <a:ln w="12700" cap="flat" cmpd="sng" algn="ctr">
-          <a:solidFill>
-            <a:schemeClr val="accent1">
-              <a:hueOff val="0"/>
-              <a:satOff val="0"/>
-              <a:lumOff val="0"/>
-              <a:alphaOff val="0"/>
-            </a:schemeClr>
-          </a:solidFill>
-          <a:prstDash val="solid"/>
-        </a:ln>
-        <a:effectLst/>
-      </dsp:spPr>
-      <dsp:style>
-        <a:lnRef idx="2">
-          <a:scrgbClr r="0" g="0" b="0"/>
-        </a:lnRef>
-        <a:fillRef idx="1">
-          <a:scrgbClr r="0" g="0" b="0"/>
-        </a:fillRef>
-        <a:effectRef idx="0">
-          <a:scrgbClr r="0" g="0" b="0"/>
-        </a:effectRef>
-        <a:fontRef idx="minor">
-          <a:schemeClr val="lt1"/>
-        </a:fontRef>
-      </dsp:style>
-      <dsp:txBody>
-        <a:bodyPr spcFirstLastPara="0" vert="horz" wrap="square" lIns="8255" tIns="8255" rIns="8255" bIns="8255" numCol="1" spcCol="1270" anchor="ctr" anchorCtr="0">
-          <a:noAutofit/>
-        </a:bodyPr>
-        <a:lstStyle/>
-        <a:p>
-          <a:pPr marL="0" lvl="0" indent="0" algn="ctr" defTabSz="577850">
-            <a:lnSpc>
-              <a:spcPct val="90000"/>
-            </a:lnSpc>
-            <a:spcBef>
-              <a:spcPct val="0"/>
-            </a:spcBef>
-            <a:spcAft>
-              <a:spcPct val="35000"/>
-            </a:spcAft>
-            <a:buNone/>
-          </a:pPr>
-          <a:endParaRPr lang="en-US" sz="1300" kern="1200" dirty="0"/>
-        </a:p>
-      </dsp:txBody>
-      <dsp:txXfrm rot="-5400000">
-        <a:off x="1" y="1912112"/>
-        <a:ext cx="489370" cy="209731"/>
-      </dsp:txXfrm>
-    </dsp:sp>
-    <dsp:sp modelId="{18A1967B-CC53-4FAF-8CD8-D37F5CEB4DC0}">
-      <dsp:nvSpPr>
-        <dsp:cNvPr id="0" name=""/>
-        <dsp:cNvSpPr/>
-      </dsp:nvSpPr>
-      <dsp:spPr>
-        <a:xfrm rot="5400000">
-          <a:off x="2038627" y="118172"/>
-          <a:ext cx="454415" cy="3552928"/>
-        </a:xfrm>
-        <a:prstGeom prst="round2SameRect">
-          <a:avLst/>
-        </a:prstGeom>
-        <a:solidFill>
-          <a:schemeClr val="lt1">
-            <a:alpha val="90000"/>
-            <a:hueOff val="0"/>
-            <a:satOff val="0"/>
-            <a:lumOff val="0"/>
-            <a:alphaOff val="0"/>
-          </a:schemeClr>
-        </a:solidFill>
-        <a:ln w="12700" cap="flat" cmpd="sng" algn="ctr">
-          <a:solidFill>
-            <a:schemeClr val="accent1">
-              <a:hueOff val="0"/>
-              <a:satOff val="0"/>
-              <a:lumOff val="0"/>
-              <a:alphaOff val="0"/>
-            </a:schemeClr>
-          </a:solidFill>
-          <a:prstDash val="solid"/>
-        </a:ln>
-        <a:effectLst/>
-      </dsp:spPr>
-      <dsp:style>
-        <a:lnRef idx="2">
-          <a:scrgbClr r="0" g="0" b="0"/>
-        </a:lnRef>
-        <a:fillRef idx="1">
-          <a:scrgbClr r="0" g="0" b="0"/>
-        </a:fillRef>
-        <a:effectRef idx="0">
-          <a:scrgbClr r="0" g="0" b="0"/>
-        </a:effectRef>
-        <a:fontRef idx="minor"/>
-      </dsp:style>
-      <dsp:txBody>
-        <a:bodyPr spcFirstLastPara="0" vert="horz" wrap="square" lIns="99568" tIns="8890" rIns="8890" bIns="8890" numCol="1" spcCol="1270" anchor="ctr" anchorCtr="0">
-          <a:noAutofit/>
-        </a:bodyPr>
-        <a:lstStyle/>
-        <a:p>
-          <a:pPr marL="114300" lvl="1" indent="-114300" algn="l" defTabSz="622300">
-            <a:lnSpc>
-              <a:spcPct val="90000"/>
-            </a:lnSpc>
-            <a:spcBef>
-              <a:spcPct val="0"/>
-            </a:spcBef>
-            <a:spcAft>
-              <a:spcPct val="15000"/>
-            </a:spcAft>
-            <a:buChar char="•"/>
-          </a:pPr>
-          <a:r>
-            <a:rPr lang="en-US" sz="1400" kern="1200" dirty="0"/>
-            <a:t>Story length does not appear to relate to story popularity</a:t>
-          </a:r>
-        </a:p>
-      </dsp:txBody>
-      <dsp:txXfrm rot="-5400000">
-        <a:off x="489371" y="1689612"/>
-        <a:ext cx="3530745" cy="410049"/>
+      <dsp:txXfrm>
+        <a:off x="247895" y="1479239"/>
+        <a:ext cx="1443601" cy="536540"/>
       </dsp:txXfrm>
     </dsp:sp>
   </dsp:spTree>
@@ -9236,13 +9073,12 @@
 </file>
 
 <file path=ppt/diagrams/layout4.xml><?xml version="1.0" encoding="utf-8"?>
-<dgm:layoutDef xmlns:dgm="http://schemas.openxmlformats.org/drawingml/2006/diagram" xmlns:a="http://schemas.openxmlformats.org/drawingml/2006/main" uniqueId="urn:microsoft.com/office/officeart/2005/8/layout/chevron2">
+<dgm:layoutDef xmlns:dgm="http://schemas.openxmlformats.org/drawingml/2006/diagram" xmlns:a="http://schemas.openxmlformats.org/drawingml/2006/main" uniqueId="urn:microsoft.com/office/officeart/2005/8/layout/vList6">
   <dgm:title val=""/>
   <dgm:desc val=""/>
   <dgm:catLst>
-    <dgm:cat type="process" pri="12000"/>
-    <dgm:cat type="list" pri="16000"/>
-    <dgm:cat type="convert" pri="11000"/>
+    <dgm:cat type="process" pri="22000"/>
+    <dgm:cat type="list" pri="17000"/>
   </dgm:catLst>
   <dgm:sampData>
     <dgm:dataModel>
@@ -9266,26 +9102,14 @@
         <dgm:pt modelId="22">
           <dgm:prSet phldr="1"/>
         </dgm:pt>
-        <dgm:pt modelId="3">
-          <dgm:prSet phldr="1"/>
-        </dgm:pt>
-        <dgm:pt modelId="31">
-          <dgm:prSet phldr="1"/>
-        </dgm:pt>
-        <dgm:pt modelId="32">
-          <dgm:prSet phldr="1"/>
-        </dgm:pt>
       </dgm:ptLst>
       <dgm:cxnLst>
         <dgm:cxn modelId="4" srcId="0" destId="1" srcOrd="0" destOrd="0"/>
         <dgm:cxn modelId="5" srcId="0" destId="2" srcOrd="1" destOrd="0"/>
-        <dgm:cxn modelId="6" srcId="0" destId="3" srcOrd="2" destOrd="0"/>
         <dgm:cxn modelId="13" srcId="1" destId="11" srcOrd="0" destOrd="0"/>
-        <dgm:cxn modelId="14" srcId="1" destId="12" srcOrd="1" destOrd="0"/>
+        <dgm:cxn modelId="14" srcId="1" destId="12" srcOrd="0" destOrd="0"/>
         <dgm:cxn modelId="23" srcId="2" destId="21" srcOrd="0" destOrd="0"/>
-        <dgm:cxn modelId="24" srcId="2" destId="22" srcOrd="1" destOrd="0"/>
-        <dgm:cxn modelId="33" srcId="3" destId="31" srcOrd="0" destOrd="0"/>
-        <dgm:cxn modelId="34" srcId="3" destId="32" srcOrd="1" destOrd="0"/>
+        <dgm:cxn modelId="24" srcId="2" destId="22" srcOrd="0" destOrd="0"/>
       </dgm:cxnLst>
       <dgm:bg/>
       <dgm:whole/>
@@ -9296,9 +9120,11 @@
       <dgm:ptLst>
         <dgm:pt modelId="0" type="doc"/>
         <dgm:pt modelId="1"/>
+        <dgm:pt modelId="2"/>
       </dgm:ptLst>
       <dgm:cxnLst>
-        <dgm:cxn modelId="4" srcId="0" destId="1" srcOrd="0" destOrd="0"/>
+        <dgm:cxn modelId="3" srcId="0" destId="1" srcOrd="0" destOrd="0"/>
+        <dgm:cxn modelId="4" srcId="0" destId="2" srcOrd="1" destOrd="0"/>
       </dgm:cxnLst>
       <dgm:bg/>
       <dgm:whole/>
@@ -9309,180 +9135,141 @@
       <dgm:ptLst>
         <dgm:pt modelId="0" type="doc"/>
         <dgm:pt modelId="1"/>
-        <dgm:pt modelId="11"/>
         <dgm:pt modelId="2"/>
-        <dgm:pt modelId="21"/>
         <dgm:pt modelId="3"/>
-        <dgm:pt modelId="31"/>
         <dgm:pt modelId="4"/>
-        <dgm:pt modelId="41"/>
       </dgm:ptLst>
       <dgm:cxnLst>
         <dgm:cxn modelId="5" srcId="0" destId="1" srcOrd="0" destOrd="0"/>
         <dgm:cxn modelId="6" srcId="0" destId="2" srcOrd="1" destOrd="0"/>
         <dgm:cxn modelId="7" srcId="0" destId="3" srcOrd="2" destOrd="0"/>
         <dgm:cxn modelId="8" srcId="0" destId="4" srcOrd="3" destOrd="0"/>
-        <dgm:cxn modelId="13" srcId="1" destId="11" srcOrd="0" destOrd="0"/>
-        <dgm:cxn modelId="23" srcId="2" destId="21" srcOrd="0" destOrd="0"/>
-        <dgm:cxn modelId="33" srcId="3" destId="31" srcOrd="0" destOrd="0"/>
-        <dgm:cxn modelId="43" srcId="4" destId="41" srcOrd="0" destOrd="0"/>
       </dgm:cxnLst>
       <dgm:bg/>
       <dgm:whole/>
     </dgm:dataModel>
   </dgm:clrData>
-  <dgm:layoutNode name="linearFlow">
+  <dgm:layoutNode name="Name0">
     <dgm:varLst>
       <dgm:dir/>
       <dgm:animLvl val="lvl"/>
-      <dgm:resizeHandles val="exact"/>
+      <dgm:resizeHandles/>
     </dgm:varLst>
     <dgm:alg type="lin">
       <dgm:param type="linDir" val="fromT"/>
-      <dgm:param type="nodeHorzAlign" val="l"/>
     </dgm:alg>
     <dgm:shape xmlns:r="http://schemas.openxmlformats.org/officeDocument/2006/relationships" r:blip="">
       <dgm:adjLst/>
     </dgm:shape>
     <dgm:presOf/>
     <dgm:constrLst>
-      <dgm:constr type="h" for="ch" forName="composite" refType="h"/>
-      <dgm:constr type="w" for="ch" forName="composite" refType="w"/>
-      <dgm:constr type="h" for="des" forName="parentText" op="equ"/>
-      <dgm:constr type="h" for="ch" forName="sp" val="-14.88"/>
-      <dgm:constr type="h" for="ch" forName="sp" refType="w" refFor="des" refForName="parentText" op="gte" fact="-0.3"/>
-      <dgm:constr type="primFontSz" for="des" forName="parentText" op="equ" val="65"/>
-      <dgm:constr type="primFontSz" for="des" forName="descendantText" op="equ" val="65"/>
+      <dgm:constr type="w" for="ch" forName="linNode" refType="w"/>
+      <dgm:constr type="h" for="ch" forName="linNode" refType="h"/>
+      <dgm:constr type="h" for="ch" forName="spacing" refType="h" refFor="ch" refForName="linNode" fact="0.1"/>
+      <dgm:constr type="primFontSz" for="des" forName="parentShp" op="equ" val="65"/>
+      <dgm:constr type="primFontSz" for="des" forName="childShp" op="equ" val="65"/>
     </dgm:constrLst>
     <dgm:ruleLst/>
-    <dgm:forEach name="Name0" axis="ch" ptType="node">
-      <dgm:layoutNode name="composite">
-        <dgm:alg type="composite"/>
+    <dgm:forEach name="Name1" axis="ch" ptType="node">
+      <dgm:layoutNode name="linNode">
+        <dgm:choose name="Name2">
+          <dgm:if name="Name3" func="var" arg="dir" op="equ" val="norm">
+            <dgm:alg type="lin">
+              <dgm:param type="linDir" val="fromL"/>
+            </dgm:alg>
+          </dgm:if>
+          <dgm:else name="Name4">
+            <dgm:alg type="lin">
+              <dgm:param type="linDir" val="fromR"/>
+            </dgm:alg>
+          </dgm:else>
+        </dgm:choose>
         <dgm:shape xmlns:r="http://schemas.openxmlformats.org/officeDocument/2006/relationships" r:blip="">
           <dgm:adjLst/>
         </dgm:shape>
         <dgm:presOf/>
-        <dgm:choose name="Name1">
-          <dgm:if name="Name2" func="var" arg="dir" op="equ" val="norm">
+        <dgm:choose name="Name5">
+          <dgm:if name="Name6" func="var" arg="dir" op="equ" val="norm">
             <dgm:constrLst>
-              <dgm:constr type="t" for="ch" forName="parentText"/>
-              <dgm:constr type="l" for="ch" forName="parentText"/>
-              <dgm:constr type="w" for="ch" forName="parentText" refType="w" fact="0.4"/>
-              <dgm:constr type="h" for="ch" forName="parentText" refType="h"/>
-              <dgm:constr type="w" for="ch" forName="parentText" refType="w" op="lte" fact="0.5"/>
-              <dgm:constr type="w" for="ch" forName="parentText" refType="h" refFor="ch" refForName="parentText" op="lte" fact="0.7"/>
-              <dgm:constr type="h" for="ch" forName="parentText" refType="w" refFor="ch" refForName="parentText" op="lte" fact="3"/>
-              <dgm:constr type="l" for="ch" forName="descendantText" refType="w" refFor="ch" refForName="parentText"/>
-              <dgm:constr type="w" for="ch" forName="descendantText" refType="w"/>
-              <dgm:constr type="wOff" for="ch" forName="descendantText" refType="w" refFor="ch" refForName="parentText" fact="-1"/>
-              <dgm:constr type="t" for="ch" forName="descendantText"/>
-              <dgm:constr type="b" for="ch" forName="descendantText" refType="h" refFor="ch" refForName="parentText"/>
-              <dgm:constr type="bOff" for="ch" forName="descendantText" refType="w" refFor="ch" refForName="parentText" fact="-0.5"/>
+              <dgm:constr type="w" for="ch" forName="parentShp" refType="w" fact="0.4"/>
+              <dgm:constr type="h" for="ch" forName="parentShp" refType="h"/>
+              <dgm:constr type="w" for="ch" forName="childShp" refType="w" fact="0.6"/>
+              <dgm:constr type="h" for="ch" forName="childShp" refType="h" refFor="ch" refForName="parentShp"/>
             </dgm:constrLst>
           </dgm:if>
-          <dgm:else name="Name3">
+          <dgm:else name="Name7">
             <dgm:constrLst>
-              <dgm:constr type="t" for="ch" forName="parentText"/>
-              <dgm:constr type="r" for="ch" forName="parentText" refType="w"/>
-              <dgm:constr type="w" for="ch" forName="parentText" refType="w" fact="0.4"/>
-              <dgm:constr type="h" for="ch" forName="parentText" refType="h"/>
-              <dgm:constr type="w" for="ch" forName="parentText" refType="w" op="lte" fact="0.5"/>
-              <dgm:constr type="w" for="ch" forName="parentText" refType="h" refFor="ch" refForName="parentText" op="lte" fact="0.7"/>
-              <dgm:constr type="h" for="ch" forName="parentText" refType="w" refFor="ch" refForName="parentText" op="lte" fact="3"/>
-              <dgm:constr type="l" for="ch" forName="descendantText"/>
-              <dgm:constr type="w" for="ch" forName="descendantText" refType="w"/>
-              <dgm:constr type="wOff" for="ch" forName="descendantText" refType="w" refFor="ch" refForName="parentText" fact="-1"/>
-              <dgm:constr type="t" for="ch" forName="descendantText"/>
-              <dgm:constr type="b" for="ch" forName="descendantText" refType="h" refFor="ch" refForName="parentText"/>
-              <dgm:constr type="bOff" for="ch" forName="descendantText" refType="w" refFor="ch" refForName="parentText" fact="-0.5"/>
+              <dgm:constr type="w" for="ch" forName="parentShp" refType="w" fact="0.4"/>
+              <dgm:constr type="h" for="ch" forName="parentShp" refType="h"/>
+              <dgm:constr type="w" for="ch" forName="childShp" refType="w" fact="0.6"/>
+              <dgm:constr type="h" for="ch" forName="childShp" refType="h" refFor="ch" refForName="parentShp"/>
             </dgm:constrLst>
           </dgm:else>
         </dgm:choose>
         <dgm:ruleLst/>
-        <dgm:layoutNode name="parentText" styleLbl="alignNode1">
+        <dgm:layoutNode name="parentShp" styleLbl="node1">
           <dgm:varLst>
-            <dgm:chMax val="1"/>
             <dgm:bulletEnabled val="1"/>
           </dgm:varLst>
           <dgm:alg type="tx"/>
-          <dgm:shape xmlns:r="http://schemas.openxmlformats.org/officeDocument/2006/relationships" rot="90" type="chevron" r:blip="">
+          <dgm:shape xmlns:r="http://schemas.openxmlformats.org/officeDocument/2006/relationships" type="roundRect" r:blip="">
             <dgm:adjLst/>
           </dgm:shape>
           <dgm:presOf axis="self" ptType="node"/>
           <dgm:constrLst>
-            <dgm:constr type="lMarg" refType="primFontSz" fact="0.05"/>
-            <dgm:constr type="rMarg" refType="primFontSz" fact="0.05"/>
-            <dgm:constr type="tMarg" refType="primFontSz" fact="0.05"/>
-            <dgm:constr type="bMarg" refType="primFontSz" fact="0.05"/>
+            <dgm:constr type="tMarg" refType="primFontSz" fact="0.15"/>
+            <dgm:constr type="bMarg" refType="primFontSz" fact="0.15"/>
+            <dgm:constr type="lMarg" refType="primFontSz" fact="0.3"/>
+            <dgm:constr type="rMarg" refType="primFontSz" fact="0.3"/>
           </dgm:constrLst>
           <dgm:ruleLst>
-            <dgm:rule type="h" val="100" fact="NaN" max="NaN"/>
-            <dgm:rule type="primFontSz" val="24" fact="NaN" max="NaN"/>
-            <dgm:rule type="h" val="110" fact="NaN" max="NaN"/>
-            <dgm:rule type="primFontSz" val="18" fact="NaN" max="NaN"/>
-            <dgm:rule type="h" val="INF" fact="NaN" max="NaN"/>
             <dgm:rule type="primFontSz" val="5" fact="NaN" max="NaN"/>
           </dgm:ruleLst>
         </dgm:layoutNode>
-        <dgm:layoutNode name="descendantText" styleLbl="alignAcc1">
+        <dgm:layoutNode name="childShp" styleLbl="bgAccFollowNode1">
           <dgm:varLst>
             <dgm:bulletEnabled val="1"/>
           </dgm:varLst>
-          <dgm:choose name="Name4">
-            <dgm:if name="Name5" func="var" arg="dir" op="equ" val="norm">
-              <dgm:alg type="tx">
-                <dgm:param type="stBulletLvl" val="1"/>
-                <dgm:param type="txAnchorVertCh" val="mid"/>
-              </dgm:alg>
-              <dgm:shape xmlns:r="http://schemas.openxmlformats.org/officeDocument/2006/relationships" rot="90" type="round2SameRect" r:blip="">
-                <dgm:adjLst/>
+          <dgm:alg type="tx">
+            <dgm:param type="stBulletLvl" val="1"/>
+          </dgm:alg>
+          <dgm:choose name="Name8">
+            <dgm:if name="Name9" func="var" arg="dir" op="equ" val="norm">
+              <dgm:shape xmlns:r="http://schemas.openxmlformats.org/officeDocument/2006/relationships" type="rightArrow" r:blip="" zOrderOff="-2">
+                <dgm:adjLst>
+                  <dgm:adj idx="1" val="0.75"/>
+                </dgm:adjLst>
               </dgm:shape>
             </dgm:if>
-            <dgm:else name="Name6">
-              <dgm:alg type="tx">
-                <dgm:param type="stBulletLvl" val="1"/>
-                <dgm:param type="txAnchorVertCh" val="mid"/>
-              </dgm:alg>
-              <dgm:shape xmlns:r="http://schemas.openxmlformats.org/officeDocument/2006/relationships" rot="-90" type="round2SameRect" r:blip="">
-                <dgm:adjLst/>
+            <dgm:else name="Name10">
+              <dgm:shape xmlns:r="http://schemas.openxmlformats.org/officeDocument/2006/relationships" rot="180" type="rightArrow" r:blip="" zOrderOff="-2">
+                <dgm:adjLst>
+                  <dgm:adj idx="1" val="0.75"/>
+                </dgm:adjLst>
               </dgm:shape>
             </dgm:else>
           </dgm:choose>
           <dgm:presOf axis="des" ptType="node"/>
-          <dgm:choose name="Name7">
-            <dgm:if name="Name8" func="var" arg="dir" op="equ" val="norm">
-              <dgm:constrLst>
-                <dgm:constr type="secFontSz" refType="primFontSz"/>
-                <dgm:constr type="tMarg" refType="primFontSz" fact="0.05"/>
-                <dgm:constr type="bMarg" refType="primFontSz" fact="0.05"/>
-                <dgm:constr type="rMarg" refType="primFontSz" fact="0.05"/>
-              </dgm:constrLst>
-            </dgm:if>
-            <dgm:else name="Name9">
-              <dgm:constrLst>
-                <dgm:constr type="secFontSz" refType="primFontSz"/>
-                <dgm:constr type="tMarg" refType="primFontSz" fact="0.05"/>
-                <dgm:constr type="bMarg" refType="primFontSz" fact="0.05"/>
-                <dgm:constr type="lMarg" refType="primFontSz" fact="0.05"/>
-              </dgm:constrLst>
-            </dgm:else>
-          </dgm:choose>
+          <dgm:constrLst>
+            <dgm:constr type="secFontSz" refType="primFontSz"/>
+            <dgm:constr type="tMarg" refType="primFontSz" fact="0.05"/>
+            <dgm:constr type="bMarg" refType="primFontSz" fact="0.05"/>
+            <dgm:constr type="lMarg" refType="primFontSz" fact="0.05"/>
+            <dgm:constr type="rMarg" refType="primFontSz" fact="0.05"/>
+          </dgm:constrLst>
           <dgm:ruleLst>
             <dgm:rule type="primFontSz" val="5" fact="NaN" max="NaN"/>
           </dgm:ruleLst>
         </dgm:layoutNode>
       </dgm:layoutNode>
-      <dgm:forEach name="Name10" axis="followSib" ptType="sibTrans" cnt="1">
-        <dgm:layoutNode name="sp">
+      <dgm:forEach name="Name11" axis="followSib" ptType="sibTrans" cnt="1">
+        <dgm:layoutNode name="spacing">
           <dgm:alg type="sp"/>
           <dgm:shape xmlns:r="http://schemas.openxmlformats.org/officeDocument/2006/relationships" r:blip="">
             <dgm:adjLst/>
           </dgm:shape>
-          <dgm:presOf axis="self"/>
-          <dgm:constrLst>
-            <dgm:constr type="w" val="1"/>
-            <dgm:constr type="h" val="37.5"/>
-          </dgm:constrLst>
+          <dgm:presOf/>
+          <dgm:constrLst/>
           <dgm:ruleLst/>
         </dgm:layoutNode>
       </dgm:forEach>
@@ -14910,7 +14697,7 @@
           <a:p>
             <a:fld id="{F09497FB-3453-4226-8953-5479DA0EE8DF}" type="datetimeFigureOut">
               <a:rPr lang="en-US" smtClean="0"/>
-              <a:t>3/13/2018</a:t>
+              <a:t>3/15/2018</a:t>
             </a:fld>
             <a:endParaRPr lang="en-US"/>
           </a:p>
@@ -15401,7 +15188,7 @@
           <a:p>
             <a:fld id="{7374D69A-1842-4B4A-A2D0-729A8043D63C}" type="slidenum">
               <a:rPr lang="en-US" smtClean="0"/>
-              <a:t>2</a:t>
+              <a:t>3</a:t>
             </a:fld>
             <a:endParaRPr lang="en-US"/>
           </a:p>
@@ -15466,37 +15253,8 @@
           <a:p>
             <a:r>
               <a:rPr lang="en-US" dirty="0"/>
-              <a:t>Describe the exploration and cleanup process</a:t>
+              <a:t>We set out to answer 9 questions related to stories, languages and categories.</a:t>
             </a:r>
-          </a:p>
-          <a:p>
-            <a:r>
-              <a:rPr lang="en-US" dirty="0"/>
-              <a:t>Discuss insights you had while exploring the data that you didn't anticipate</a:t>
-            </a:r>
-          </a:p>
-          <a:p>
-            <a:r>
-              <a:rPr lang="en-US" dirty="0"/>
-              <a:t>Discuss any problems that arose after exploring the data, and how you resolved them</a:t>
-            </a:r>
-          </a:p>
-          <a:p>
-            <a:r>
-              <a:rPr lang="en-US" dirty="0"/>
-              <a:t>Present and discuss interesting figures developed during exploration, ideally with the help of </a:t>
-            </a:r>
-            <a:r>
-              <a:rPr lang="en-US" dirty="0" err="1"/>
-              <a:t>Jupyter</a:t>
-            </a:r>
-            <a:r>
-              <a:rPr lang="en-US" dirty="0"/>
-              <a:t> Notebook</a:t>
-            </a:r>
-          </a:p>
-          <a:p>
-            <a:endParaRPr lang="en-US" dirty="0"/>
           </a:p>
         </p:txBody>
       </p:sp>
@@ -15526,7 +15284,7 @@
     </p:spTree>
     <p:extLst>
       <p:ext uri="{BB962C8B-B14F-4D97-AF65-F5344CB8AC3E}">
-        <p14:creationId xmlns:p14="http://schemas.microsoft.com/office/powerpoint/2010/main" val="3650904253"/>
+        <p14:creationId xmlns:p14="http://schemas.microsoft.com/office/powerpoint/2010/main" val="510132832"/>
       </p:ext>
     </p:extLst>
   </p:cSld>
@@ -15642,7 +15400,7 @@
     </p:spTree>
     <p:extLst>
       <p:ext uri="{BB962C8B-B14F-4D97-AF65-F5344CB8AC3E}">
-        <p14:creationId xmlns:p14="http://schemas.microsoft.com/office/powerpoint/2010/main" val="700736003"/>
+        <p14:creationId xmlns:p14="http://schemas.microsoft.com/office/powerpoint/2010/main" val="3650904253"/>
       </p:ext>
     </p:extLst>
   </p:cSld>
@@ -15696,6 +15454,38 @@
           <a:bodyPr/>
           <a:lstStyle/>
           <a:p>
+            <a:r>
+              <a:rPr lang="en-US" dirty="0"/>
+              <a:t>Describe the exploration and cleanup process</a:t>
+            </a:r>
+          </a:p>
+          <a:p>
+            <a:r>
+              <a:rPr lang="en-US" dirty="0"/>
+              <a:t>Discuss insights you had while exploring the data that you didn't anticipate</a:t>
+            </a:r>
+          </a:p>
+          <a:p>
+            <a:r>
+              <a:rPr lang="en-US" dirty="0"/>
+              <a:t>Discuss any problems that arose after exploring the data, and how you resolved them</a:t>
+            </a:r>
+          </a:p>
+          <a:p>
+            <a:r>
+              <a:rPr lang="en-US" dirty="0"/>
+              <a:t>Present and discuss interesting figures developed during exploration, ideally with the help of </a:t>
+            </a:r>
+            <a:r>
+              <a:rPr lang="en-US" dirty="0" err="1"/>
+              <a:t>Jupyter</a:t>
+            </a:r>
+            <a:r>
+              <a:rPr lang="en-US" dirty="0"/>
+              <a:t> Notebook</a:t>
+            </a:r>
+          </a:p>
+          <a:p>
             <a:endParaRPr lang="en-US" dirty="0"/>
           </a:p>
         </p:txBody>
@@ -15717,7 +15507,7 @@
           <a:p>
             <a:fld id="{7374D69A-1842-4B4A-A2D0-729A8043D63C}" type="slidenum">
               <a:rPr lang="en-US" smtClean="0"/>
-              <a:t>7</a:t>
+              <a:t>6</a:t>
             </a:fld>
             <a:endParaRPr lang="en-US"/>
           </a:p>
@@ -15726,7 +15516,7 @@
     </p:spTree>
     <p:extLst>
       <p:ext uri="{BB962C8B-B14F-4D97-AF65-F5344CB8AC3E}">
-        <p14:creationId xmlns:p14="http://schemas.microsoft.com/office/powerpoint/2010/main" val="3824826512"/>
+        <p14:creationId xmlns:p14="http://schemas.microsoft.com/office/powerpoint/2010/main" val="700736003"/>
       </p:ext>
     </p:extLst>
   </p:cSld>
@@ -15810,6 +15600,90 @@
     </p:spTree>
     <p:extLst>
       <p:ext uri="{BB962C8B-B14F-4D97-AF65-F5344CB8AC3E}">
+        <p14:creationId xmlns:p14="http://schemas.microsoft.com/office/powerpoint/2010/main" val="3824826512"/>
+      </p:ext>
+    </p:extLst>
+  </p:cSld>
+  <p:clrMapOvr>
+    <a:masterClrMapping/>
+  </p:clrMapOvr>
+</p:notes>
+</file>
+
+<file path=ppt/notesSlides/notesSlide6.xml><?xml version="1.0" encoding="utf-8"?>
+<p:notes xmlns:a="http://schemas.openxmlformats.org/drawingml/2006/main" xmlns:r="http://schemas.openxmlformats.org/officeDocument/2006/relationships" xmlns:p="http://schemas.openxmlformats.org/presentationml/2006/main">
+  <p:cSld>
+    <p:spTree>
+      <p:nvGrpSpPr>
+        <p:cNvPr id="1" name=""/>
+        <p:cNvGrpSpPr/>
+        <p:nvPr/>
+      </p:nvGrpSpPr>
+      <p:grpSpPr>
+        <a:xfrm>
+          <a:off x="0" y="0"/>
+          <a:ext cx="0" cy="0"/>
+          <a:chOff x="0" y="0"/>
+          <a:chExt cx="0" cy="0"/>
+        </a:xfrm>
+      </p:grpSpPr>
+      <p:sp>
+        <p:nvSpPr>
+          <p:cNvPr id="2" name="Slide Image Placeholder 1"/>
+          <p:cNvSpPr>
+            <a:spLocks noGrp="1" noRot="1" noChangeAspect="1"/>
+          </p:cNvSpPr>
+          <p:nvPr>
+            <p:ph type="sldImg"/>
+          </p:nvPr>
+        </p:nvSpPr>
+        <p:spPr/>
+      </p:sp>
+      <p:sp>
+        <p:nvSpPr>
+          <p:cNvPr id="3" name="Notes Placeholder 2"/>
+          <p:cNvSpPr>
+            <a:spLocks noGrp="1"/>
+          </p:cNvSpPr>
+          <p:nvPr>
+            <p:ph type="body" idx="1"/>
+          </p:nvPr>
+        </p:nvSpPr>
+        <p:spPr/>
+        <p:txBody>
+          <a:bodyPr/>
+          <a:lstStyle/>
+          <a:p>
+            <a:endParaRPr lang="en-US" dirty="0"/>
+          </a:p>
+        </p:txBody>
+      </p:sp>
+      <p:sp>
+        <p:nvSpPr>
+          <p:cNvPr id="4" name="Slide Number Placeholder 3"/>
+          <p:cNvSpPr>
+            <a:spLocks noGrp="1"/>
+          </p:cNvSpPr>
+          <p:nvPr>
+            <p:ph type="sldNum" sz="quarter" idx="10"/>
+          </p:nvPr>
+        </p:nvSpPr>
+        <p:spPr/>
+        <p:txBody>
+          <a:bodyPr/>
+          <a:lstStyle/>
+          <a:p>
+            <a:fld id="{7374D69A-1842-4B4A-A2D0-729A8043D63C}" type="slidenum">
+              <a:rPr lang="en-US" smtClean="0"/>
+              <a:t>9</a:t>
+            </a:fld>
+            <a:endParaRPr lang="en-US"/>
+          </a:p>
+        </p:txBody>
+      </p:sp>
+    </p:spTree>
+    <p:extLst>
+      <p:ext uri="{BB962C8B-B14F-4D97-AF65-F5344CB8AC3E}">
         <p14:creationId xmlns:p14="http://schemas.microsoft.com/office/powerpoint/2010/main" val="1371019719"/>
       </p:ext>
     </p:extLst>
@@ -15820,7 +15694,7 @@
 </p:notes>
 </file>
 
-<file path=ppt/notesSlides/notesSlide6.xml><?xml version="1.0" encoding="utf-8"?>
+<file path=ppt/notesSlides/notesSlide7.xml><?xml version="1.0" encoding="utf-8"?>
 <p:notes xmlns:a="http://schemas.openxmlformats.org/drawingml/2006/main" xmlns:r="http://schemas.openxmlformats.org/officeDocument/2006/relationships" xmlns:p="http://schemas.openxmlformats.org/presentationml/2006/main">
   <p:cSld>
     <p:spTree>
@@ -15908,7 +15782,7 @@
           <a:p>
             <a:fld id="{7374D69A-1842-4B4A-A2D0-729A8043D63C}" type="slidenum">
               <a:rPr lang="en-US" smtClean="0"/>
-              <a:t>10</a:t>
+              <a:t>11</a:t>
             </a:fld>
             <a:endParaRPr lang="en-US"/>
           </a:p>
@@ -16127,7 +16001,7 @@
           <a:p>
             <a:fld id="{534280B5-DAB8-4122-A2BF-8E3B4D97F156}" type="datetime1">
               <a:rPr lang="en-US" smtClean="0"/>
-              <a:t>3/13/2018</a:t>
+              <a:t>3/15/2018</a:t>
             </a:fld>
             <a:endParaRPr lang="en-US"/>
           </a:p>
@@ -16320,7 +16194,7 @@
           <a:p>
             <a:fld id="{090EA9C5-4B89-48FE-9F5A-77A8FC13FFC0}" type="datetime1">
               <a:rPr lang="en-US" smtClean="0"/>
-              <a:t>3/13/2018</a:t>
+              <a:t>3/15/2018</a:t>
             </a:fld>
             <a:endParaRPr lang="en-US"/>
           </a:p>
@@ -16503,7 +16377,7 @@
           <a:p>
             <a:fld id="{0460DCC1-E266-4546-A3B3-9B9DA52575BD}" type="datetime1">
               <a:rPr lang="en-US" smtClean="0"/>
-              <a:t>3/13/2018</a:t>
+              <a:t>3/15/2018</a:t>
             </a:fld>
             <a:endParaRPr lang="en-US"/>
           </a:p>
@@ -16676,7 +16550,7 @@
           <a:p>
             <a:fld id="{50E87220-2BA9-4F79-BE2A-015E85F5DED7}" type="datetime1">
               <a:rPr lang="en-US" smtClean="0"/>
-              <a:t>3/13/2018</a:t>
+              <a:t>3/15/2018</a:t>
             </a:fld>
             <a:endParaRPr lang="en-US"/>
           </a:p>
@@ -16935,7 +16809,7 @@
           <a:p>
             <a:fld id="{D7A3A64B-E8DB-423D-9487-3AC58993C762}" type="datetime1">
               <a:rPr lang="en-US" smtClean="0"/>
-              <a:t>3/13/2018</a:t>
+              <a:t>3/15/2018</a:t>
             </a:fld>
             <a:endParaRPr lang="en-US"/>
           </a:p>
@@ -17226,7 +17100,7 @@
           <a:p>
             <a:fld id="{C4CFC941-9496-4D3D-A785-0873BFF6757A}" type="datetime1">
               <a:rPr lang="en-US" smtClean="0"/>
-              <a:t>3/13/2018</a:t>
+              <a:t>3/15/2018</a:t>
             </a:fld>
             <a:endParaRPr lang="en-US"/>
           </a:p>
@@ -17667,7 +17541,7 @@
           <a:p>
             <a:fld id="{C5484F68-FC4A-4B25-BD83-30FD7C23EAD2}" type="datetime1">
               <a:rPr lang="en-US" smtClean="0"/>
-              <a:t>3/13/2018</a:t>
+              <a:t>3/15/2018</a:t>
             </a:fld>
             <a:endParaRPr lang="en-US"/>
           </a:p>
@@ -17788,7 +17662,7 @@
           <a:p>
             <a:fld id="{7D18015E-D067-463F-8E5F-DE70F652035E}" type="datetime1">
               <a:rPr lang="en-US" smtClean="0"/>
-              <a:t>3/13/2018</a:t>
+              <a:t>3/15/2018</a:t>
             </a:fld>
             <a:endParaRPr lang="en-US"/>
           </a:p>
@@ -17886,7 +17760,7 @@
           <a:p>
             <a:fld id="{49FC611A-9076-4C0D-846A-19B2B9053219}" type="datetime1">
               <a:rPr lang="en-US" smtClean="0"/>
-              <a:t>3/13/2018</a:t>
+              <a:t>3/15/2018</a:t>
             </a:fld>
             <a:endParaRPr lang="en-US"/>
           </a:p>
@@ -18245,7 +18119,7 @@
           <a:p>
             <a:fld id="{2226986F-B5E3-4F43-9091-4824EB0C515D}" type="datetime1">
               <a:rPr lang="en-US" smtClean="0"/>
-              <a:t>3/13/2018</a:t>
+              <a:t>3/15/2018</a:t>
             </a:fld>
             <a:endParaRPr lang="en-US"/>
           </a:p>
@@ -18567,7 +18441,7 @@
           <a:p>
             <a:fld id="{39F3C355-D01D-4027-AC43-3F550774DC58}" type="datetime1">
               <a:rPr lang="en-US" smtClean="0"/>
-              <a:t>3/13/2018</a:t>
+              <a:t>3/15/2018</a:t>
             </a:fld>
             <a:endParaRPr lang="en-US"/>
           </a:p>
@@ -18803,7 +18677,7 @@
           <a:p>
             <a:fld id="{E41391E7-4CD0-4F99-B13E-7E3251F2552B}" type="datetime1">
               <a:rPr lang="en-US" smtClean="0"/>
-              <a:t>3/13/2018</a:t>
+              <a:t>3/15/2018</a:t>
             </a:fld>
             <a:endParaRPr lang="en-US"/>
           </a:p>
@@ -19262,15 +19136,7 @@
           <a:p>
             <a:r>
               <a:rPr lang="en-US" dirty="0"/>
-              <a:t>Investigation of </a:t>
-            </a:r>
-            <a:r>
-              <a:rPr lang="en-US" dirty="0" err="1"/>
-              <a:t>wattpad</a:t>
-            </a:r>
-            <a:r>
-              <a:rPr lang="en-US" dirty="0"/>
-              <a:t> stories</a:t>
+              <a:t>Investigation of Wattpad stories</a:t>
             </a:r>
           </a:p>
         </p:txBody>
@@ -19392,6 +19258,248 @@
           <p:cNvPr id="2" name="Title 1">
             <a:extLst>
               <a:ext uri="{FF2B5EF4-FFF2-40B4-BE49-F238E27FC236}">
+                <a16:creationId xmlns:a16="http://schemas.microsoft.com/office/drawing/2014/main" id="{CBB67211-7222-4824-8A16-800B1CF60E4D}"/>
+              </a:ext>
+            </a:extLst>
+          </p:cNvPr>
+          <p:cNvSpPr>
+            <a:spLocks noGrp="1"/>
+          </p:cNvSpPr>
+          <p:nvPr>
+            <p:ph type="title"/>
+          </p:nvPr>
+        </p:nvSpPr>
+        <p:spPr/>
+        <p:txBody>
+          <a:bodyPr anchor="t"/>
+          <a:lstStyle/>
+          <a:p>
+            <a:r>
+              <a:rPr lang="en-US" dirty="0"/>
+              <a:t>Story Ratings</a:t>
+            </a:r>
+          </a:p>
+        </p:txBody>
+      </p:sp>
+      <p:sp>
+        <p:nvSpPr>
+          <p:cNvPr id="3" name="Footer Placeholder 2">
+            <a:extLst>
+              <a:ext uri="{FF2B5EF4-FFF2-40B4-BE49-F238E27FC236}">
+                <a16:creationId xmlns:a16="http://schemas.microsoft.com/office/drawing/2014/main" id="{A8DFC824-3571-469A-8F8B-60EAD2C772DB}"/>
+              </a:ext>
+            </a:extLst>
+          </p:cNvPr>
+          <p:cNvSpPr>
+            <a:spLocks noGrp="1"/>
+          </p:cNvSpPr>
+          <p:nvPr>
+            <p:ph type="ftr" sz="quarter" idx="11"/>
+          </p:nvPr>
+        </p:nvSpPr>
+        <p:spPr/>
+        <p:txBody>
+          <a:bodyPr/>
+          <a:lstStyle/>
+          <a:p>
+            <a:r>
+              <a:rPr lang="en-US"/>
+              <a:t>UTDataJan Tues/Thurs Team3</a:t>
+            </a:r>
+          </a:p>
+        </p:txBody>
+      </p:sp>
+      <p:sp>
+        <p:nvSpPr>
+          <p:cNvPr id="8" name="Slide Number Placeholder 7">
+            <a:extLst>
+              <a:ext uri="{FF2B5EF4-FFF2-40B4-BE49-F238E27FC236}">
+                <a16:creationId xmlns:a16="http://schemas.microsoft.com/office/drawing/2014/main" id="{A8F804FB-BE7D-4872-8227-E1DBE36AEF4A}"/>
+              </a:ext>
+            </a:extLst>
+          </p:cNvPr>
+          <p:cNvSpPr>
+            <a:spLocks noGrp="1"/>
+          </p:cNvSpPr>
+          <p:nvPr>
+            <p:ph type="sldNum" sz="quarter" idx="12"/>
+          </p:nvPr>
+        </p:nvSpPr>
+        <p:spPr/>
+        <p:txBody>
+          <a:bodyPr/>
+          <a:lstStyle/>
+          <a:p>
+            <a:fld id="{64D12EC4-2D04-0A4F-A74B-758ED03DD9F6}" type="slidenum">
+              <a:rPr lang="en-US" smtClean="0"/>
+              <a:t>10</a:t>
+            </a:fld>
+            <a:endParaRPr lang="en-US"/>
+          </a:p>
+        </p:txBody>
+      </p:sp>
+      <p:sp>
+        <p:nvSpPr>
+          <p:cNvPr id="7" name="TextBox 6">
+            <a:extLst>
+              <a:ext uri="{FF2B5EF4-FFF2-40B4-BE49-F238E27FC236}">
+                <a16:creationId xmlns:a16="http://schemas.microsoft.com/office/drawing/2014/main" id="{CDA3CEA4-0A37-4979-8625-AF47DFCE0CDD}"/>
+              </a:ext>
+            </a:extLst>
+          </p:cNvPr>
+          <p:cNvSpPr txBox="1"/>
+          <p:nvPr/>
+        </p:nvSpPr>
+        <p:spPr>
+          <a:xfrm>
+            <a:off x="1519797" y="5291092"/>
+            <a:ext cx="6329780" cy="646331"/>
+          </a:xfrm>
+          <a:prstGeom prst="rect">
+            <a:avLst/>
+          </a:prstGeom>
+          <a:solidFill>
+            <a:schemeClr val="accent1"/>
+          </a:solidFill>
+        </p:spPr>
+        <p:txBody>
+          <a:bodyPr wrap="square" rtlCol="0">
+            <a:spAutoFit/>
+          </a:bodyPr>
+          <a:lstStyle/>
+          <a:p>
+            <a:r>
+              <a:rPr lang="en-US">
+                <a:solidFill>
+                  <a:schemeClr val="bg1"/>
+                </a:solidFill>
+              </a:rPr>
+              <a:t>Indication </a:t>
+            </a:r>
+            <a:r>
+              <a:rPr lang="en-US" dirty="0">
+                <a:solidFill>
+                  <a:schemeClr val="bg1"/>
+                </a:solidFill>
+              </a:rPr>
+              <a:t>that dataset is pulling most recent records, as the majority of stories are rated low</a:t>
+            </a:r>
+          </a:p>
+        </p:txBody>
+      </p:sp>
+      <p:pic>
+        <p:nvPicPr>
+          <p:cNvPr id="9" name="Picture 8">
+            <a:extLst>
+              <a:ext uri="{FF2B5EF4-FFF2-40B4-BE49-F238E27FC236}">
+                <a16:creationId xmlns:a16="http://schemas.microsoft.com/office/drawing/2014/main" id="{8ABDA9DA-6A3A-403E-B6B9-3816D3D5048E}"/>
+              </a:ext>
+            </a:extLst>
+          </p:cNvPr>
+          <p:cNvPicPr>
+            <a:picLocks noChangeAspect="1"/>
+          </p:cNvPicPr>
+          <p:nvPr/>
+        </p:nvPicPr>
+        <p:blipFill>
+          <a:blip r:embed="rId2"/>
+          <a:stretch>
+            <a:fillRect/>
+          </a:stretch>
+        </p:blipFill>
+        <p:spPr>
+          <a:xfrm>
+            <a:off x="514350" y="1559473"/>
+            <a:ext cx="4259453" cy="3407562"/>
+          </a:xfrm>
+          <a:prstGeom prst="rect">
+            <a:avLst/>
+          </a:prstGeom>
+          <a:ln>
+            <a:solidFill>
+              <a:schemeClr val="accent1">
+                <a:hueOff val="0"/>
+                <a:satOff val="0"/>
+                <a:lumOff val="0"/>
+              </a:schemeClr>
+            </a:solidFill>
+          </a:ln>
+        </p:spPr>
+      </p:pic>
+      <p:pic>
+        <p:nvPicPr>
+          <p:cNvPr id="11" name="Picture 10">
+            <a:extLst>
+              <a:ext uri="{FF2B5EF4-FFF2-40B4-BE49-F238E27FC236}">
+                <a16:creationId xmlns:a16="http://schemas.microsoft.com/office/drawing/2014/main" id="{FDFEE32F-76A5-4E59-8264-1E61283D18CD}"/>
+              </a:ext>
+            </a:extLst>
+          </p:cNvPr>
+          <p:cNvPicPr>
+            <a:picLocks noChangeAspect="1"/>
+          </p:cNvPicPr>
+          <p:nvPr/>
+        </p:nvPicPr>
+        <p:blipFill>
+          <a:blip r:embed="rId3"/>
+          <a:stretch>
+            <a:fillRect/>
+          </a:stretch>
+        </p:blipFill>
+        <p:spPr>
+          <a:xfrm>
+            <a:off x="4684687" y="1559473"/>
+            <a:ext cx="4327864" cy="3462291"/>
+          </a:xfrm>
+          <a:prstGeom prst="rect">
+            <a:avLst/>
+          </a:prstGeom>
+          <a:ln>
+            <a:solidFill>
+              <a:schemeClr val="accent1">
+                <a:hueOff val="0"/>
+                <a:satOff val="0"/>
+                <a:lumOff val="0"/>
+              </a:schemeClr>
+            </a:solidFill>
+          </a:ln>
+        </p:spPr>
+      </p:pic>
+    </p:spTree>
+    <p:extLst>
+      <p:ext uri="{BB962C8B-B14F-4D97-AF65-F5344CB8AC3E}">
+        <p14:creationId xmlns:p14="http://schemas.microsoft.com/office/powerpoint/2010/main" val="3415291721"/>
+      </p:ext>
+    </p:extLst>
+  </p:cSld>
+  <p:clrMapOvr>
+    <a:masterClrMapping/>
+  </p:clrMapOvr>
+</p:sld>
+</file>
+
+<file path=ppt/slides/slide11.xml><?xml version="1.0" encoding="utf-8"?>
+<p:sld xmlns:a="http://schemas.openxmlformats.org/drawingml/2006/main" xmlns:r="http://schemas.openxmlformats.org/officeDocument/2006/relationships" xmlns:p="http://schemas.openxmlformats.org/presentationml/2006/main">
+  <p:cSld>
+    <p:spTree>
+      <p:nvGrpSpPr>
+        <p:cNvPr id="1" name=""/>
+        <p:cNvGrpSpPr/>
+        <p:nvPr/>
+      </p:nvGrpSpPr>
+      <p:grpSpPr>
+        <a:xfrm>
+          <a:off x="0" y="0"/>
+          <a:ext cx="0" cy="0"/>
+          <a:chOff x="0" y="0"/>
+          <a:chExt cx="0" cy="0"/>
+        </a:xfrm>
+      </p:grpSpPr>
+      <p:sp>
+        <p:nvSpPr>
+          <p:cNvPr id="2" name="Title 1">
+            <a:extLst>
+              <a:ext uri="{FF2B5EF4-FFF2-40B4-BE49-F238E27FC236}">
                 <a16:creationId xmlns:a16="http://schemas.microsoft.com/office/drawing/2014/main" id="{0FBD85DC-EE15-4B84-BE85-5D5AEB4E5D33}"/>
               </a:ext>
             </a:extLst>
@@ -19436,10 +19544,10 @@
           <a:bodyPr/>
           <a:lstStyle/>
           <a:p>
-            <a:r>
-              <a:rPr lang="en-US" dirty="0"/>
-              <a:t>Discuss your findings. Did you find what you expected to find? If not, why not? What inferences or general conclusions can you draw from your analysis?</a:t>
-            </a:r>
+            <a:pPr marL="0" indent="0">
+              <a:buNone/>
+            </a:pPr>
+            <a:endParaRPr lang="en-US" dirty="0"/>
           </a:p>
           <a:p>
             <a:endParaRPr lang="en-US" dirty="0"/>
@@ -19497,7 +19605,7 @@
           <a:p>
             <a:fld id="{64D12EC4-2D04-0A4F-A74B-758ED03DD9F6}" type="slidenum">
               <a:rPr lang="en-US" smtClean="0"/>
-              <a:t>10</a:t>
+              <a:t>11</a:t>
             </a:fld>
             <a:endParaRPr lang="en-US"/>
           </a:p>
@@ -19516,7 +19624,7 @@
 </p:sld>
 </file>
 
-<file path=ppt/slides/slide11.xml><?xml version="1.0" encoding="utf-8"?>
+<file path=ppt/slides/slide12.xml><?xml version="1.0" encoding="utf-8"?>
 <p:sld xmlns:a="http://schemas.openxmlformats.org/drawingml/2006/main" xmlns:r="http://schemas.openxmlformats.org/officeDocument/2006/relationships" xmlns:p="http://schemas.openxmlformats.org/presentationml/2006/main">
   <p:cSld>
     <p:spTree>
@@ -19640,7 +19748,7 @@
           <a:p>
             <a:fld id="{64D12EC4-2D04-0A4F-A74B-758ED03DD9F6}" type="slidenum">
               <a:rPr lang="en-US" smtClean="0"/>
-              <a:t>11</a:t>
+              <a:t>12</a:t>
             </a:fld>
             <a:endParaRPr lang="en-US"/>
           </a:p>
@@ -19659,7 +19767,7 @@
 </p:sld>
 </file>
 
-<file path=ppt/slides/slide12.xml><?xml version="1.0" encoding="utf-8"?>
+<file path=ppt/slides/slide13.xml><?xml version="1.0" encoding="utf-8"?>
 <p:sld xmlns:a="http://schemas.openxmlformats.org/drawingml/2006/main" xmlns:r="http://schemas.openxmlformats.org/officeDocument/2006/relationships" xmlns:p="http://schemas.openxmlformats.org/presentationml/2006/main">
   <p:cSld>
     <p:spTree>
@@ -19761,6 +19869,224 @@
       </p:grpSpPr>
       <p:sp>
         <p:nvSpPr>
+          <p:cNvPr id="2" name="Footer Placeholder 1">
+            <a:extLst>
+              <a:ext uri="{FF2B5EF4-FFF2-40B4-BE49-F238E27FC236}">
+                <a16:creationId xmlns:a16="http://schemas.microsoft.com/office/drawing/2014/main" id="{3CB0DB29-7307-45B2-93CD-13322BC9042A}"/>
+              </a:ext>
+            </a:extLst>
+          </p:cNvPr>
+          <p:cNvSpPr>
+            <a:spLocks noGrp="1"/>
+          </p:cNvSpPr>
+          <p:nvPr>
+            <p:ph type="ftr" sz="quarter" idx="11"/>
+          </p:nvPr>
+        </p:nvSpPr>
+        <p:spPr/>
+        <p:txBody>
+          <a:bodyPr/>
+          <a:lstStyle/>
+          <a:p>
+            <a:r>
+              <a:rPr lang="en-US"/>
+              <a:t>UTDataJan Tues/Thurs Team3</a:t>
+            </a:r>
+          </a:p>
+        </p:txBody>
+      </p:sp>
+      <p:sp>
+        <p:nvSpPr>
+          <p:cNvPr id="3" name="Slide Number Placeholder 2">
+            <a:extLst>
+              <a:ext uri="{FF2B5EF4-FFF2-40B4-BE49-F238E27FC236}">
+                <a16:creationId xmlns:a16="http://schemas.microsoft.com/office/drawing/2014/main" id="{FE44AB65-CEB8-43A7-A2CF-9198E360A395}"/>
+              </a:ext>
+            </a:extLst>
+          </p:cNvPr>
+          <p:cNvSpPr>
+            <a:spLocks noGrp="1"/>
+          </p:cNvSpPr>
+          <p:nvPr>
+            <p:ph type="sldNum" sz="quarter" idx="12"/>
+          </p:nvPr>
+        </p:nvSpPr>
+        <p:spPr/>
+        <p:txBody>
+          <a:bodyPr/>
+          <a:lstStyle/>
+          <a:p>
+            <a:fld id="{64D12EC4-2D04-0A4F-A74B-758ED03DD9F6}" type="slidenum">
+              <a:rPr lang="en-US" smtClean="0"/>
+              <a:t>2</a:t>
+            </a:fld>
+            <a:endParaRPr lang="en-US" dirty="0"/>
+          </a:p>
+        </p:txBody>
+      </p:sp>
+      <p:pic>
+        <p:nvPicPr>
+          <p:cNvPr id="5" name="Picture 4">
+            <a:extLst>
+              <a:ext uri="{FF2B5EF4-FFF2-40B4-BE49-F238E27FC236}">
+                <a16:creationId xmlns:a16="http://schemas.microsoft.com/office/drawing/2014/main" id="{3536C819-B101-4783-B04E-D48383674CD0}"/>
+              </a:ext>
+            </a:extLst>
+          </p:cNvPr>
+          <p:cNvPicPr>
+            <a:picLocks noChangeAspect="1"/>
+          </p:cNvPicPr>
+          <p:nvPr/>
+        </p:nvPicPr>
+        <p:blipFill>
+          <a:blip r:embed="rId2"/>
+          <a:stretch>
+            <a:fillRect/>
+          </a:stretch>
+        </p:blipFill>
+        <p:spPr>
+          <a:xfrm>
+            <a:off x="1908107" y="539137"/>
+            <a:ext cx="5613947" cy="3942416"/>
+          </a:xfrm>
+          <a:prstGeom prst="rect">
+            <a:avLst/>
+          </a:prstGeom>
+        </p:spPr>
+      </p:pic>
+      <p:pic>
+        <p:nvPicPr>
+          <p:cNvPr id="6" name="Picture 5">
+            <a:extLst>
+              <a:ext uri="{FF2B5EF4-FFF2-40B4-BE49-F238E27FC236}">
+                <a16:creationId xmlns:a16="http://schemas.microsoft.com/office/drawing/2014/main" id="{4298C1F8-8A4C-4D1C-9D78-A17D7343E771}"/>
+              </a:ext>
+            </a:extLst>
+          </p:cNvPr>
+          <p:cNvPicPr>
+            <a:picLocks noChangeAspect="1"/>
+          </p:cNvPicPr>
+          <p:nvPr/>
+        </p:nvPicPr>
+        <p:blipFill>
+          <a:blip r:embed="rId3"/>
+          <a:stretch>
+            <a:fillRect/>
+          </a:stretch>
+        </p:blipFill>
+        <p:spPr>
+          <a:xfrm>
+            <a:off x="3610318" y="852880"/>
+            <a:ext cx="2209524" cy="619048"/>
+          </a:xfrm>
+          <a:prstGeom prst="rect">
+            <a:avLst/>
+          </a:prstGeom>
+        </p:spPr>
+      </p:pic>
+      <p:sp>
+        <p:nvSpPr>
+          <p:cNvPr id="8" name="Rectangle 7">
+            <a:extLst>
+              <a:ext uri="{FF2B5EF4-FFF2-40B4-BE49-F238E27FC236}">
+                <a16:creationId xmlns:a16="http://schemas.microsoft.com/office/drawing/2014/main" id="{FD4A57F6-21E4-4729-B876-8BF9D33F7ED9}"/>
+              </a:ext>
+            </a:extLst>
+          </p:cNvPr>
+          <p:cNvSpPr/>
+          <p:nvPr/>
+        </p:nvSpPr>
+        <p:spPr>
+          <a:xfrm>
+            <a:off x="1152916" y="4608514"/>
+            <a:ext cx="7124330" cy="1815882"/>
+          </a:xfrm>
+          <a:prstGeom prst="rect">
+            <a:avLst/>
+          </a:prstGeom>
+        </p:spPr>
+        <p:txBody>
+          <a:bodyPr wrap="square">
+            <a:spAutoFit/>
+          </a:bodyPr>
+          <a:lstStyle/>
+          <a:p>
+            <a:pPr algn="ctr"/>
+            <a:r>
+              <a:rPr lang="en-US" sz="1600" dirty="0">
+                <a:solidFill>
+                  <a:srgbClr val="24292E"/>
+                </a:solidFill>
+                <a:latin typeface="-apple-system"/>
+              </a:rPr>
+              <a:t>"Wattpad takes everything you love about storytelling, and turns it into a social, on-the-go experience. The result is a one-of-a-kind adventure in creation and discovery of stories. Today, the global Wattpad community is made up of more than 65 million people. We’re proudly based in Toronto, Canada, but Wattpad stories transcend borders, interests, and language.“</a:t>
+            </a:r>
+          </a:p>
+          <a:p>
+            <a:pPr algn="ctr"/>
+            <a:endParaRPr lang="en-US" sz="1600" dirty="0">
+              <a:solidFill>
+                <a:srgbClr val="24292E"/>
+              </a:solidFill>
+              <a:latin typeface="-apple-system"/>
+            </a:endParaRPr>
+          </a:p>
+          <a:p>
+            <a:pPr algn="ctr"/>
+            <a:r>
+              <a:rPr lang="en-US" sz="1600" i="1" dirty="0">
+                <a:solidFill>
+                  <a:srgbClr val="24292E"/>
+                </a:solidFill>
+                <a:latin typeface="-apple-system"/>
+                <a:hlinkClick r:id="rId4"/>
+              </a:rPr>
+              <a:t>https://www.wattpad.com/about/</a:t>
+            </a:r>
+            <a:r>
+              <a:rPr lang="en-US" sz="1600" i="1" dirty="0">
+                <a:solidFill>
+                  <a:srgbClr val="24292E"/>
+                </a:solidFill>
+                <a:latin typeface="-apple-system"/>
+              </a:rPr>
+              <a:t> </a:t>
+            </a:r>
+          </a:p>
+        </p:txBody>
+      </p:sp>
+    </p:spTree>
+    <p:extLst>
+      <p:ext uri="{BB962C8B-B14F-4D97-AF65-F5344CB8AC3E}">
+        <p14:creationId xmlns:p14="http://schemas.microsoft.com/office/powerpoint/2010/main" val="2495291481"/>
+      </p:ext>
+    </p:extLst>
+  </p:cSld>
+  <p:clrMapOvr>
+    <a:masterClrMapping/>
+  </p:clrMapOvr>
+</p:sld>
+</file>
+
+<file path=ppt/slides/slide3.xml><?xml version="1.0" encoding="utf-8"?>
+<p:sld xmlns:a="http://schemas.openxmlformats.org/drawingml/2006/main" xmlns:r="http://schemas.openxmlformats.org/officeDocument/2006/relationships" xmlns:p="http://schemas.openxmlformats.org/presentationml/2006/main">
+  <p:cSld>
+    <p:spTree>
+      <p:nvGrpSpPr>
+        <p:cNvPr id="1" name=""/>
+        <p:cNvGrpSpPr/>
+        <p:nvPr/>
+      </p:nvGrpSpPr>
+      <p:grpSpPr>
+        <a:xfrm>
+          <a:off x="0" y="0"/>
+          <a:ext cx="0" cy="0"/>
+          <a:chOff x="0" y="0"/>
+          <a:chExt cx="0" cy="0"/>
+        </a:xfrm>
+      </p:grpSpPr>
+      <p:sp>
+        <p:nvSpPr>
           <p:cNvPr id="2" name="Title 1">
             <a:extLst>
               <a:ext uri="{FF2B5EF4-FFF2-40B4-BE49-F238E27FC236}">
@@ -19777,7 +20103,7 @@
         </p:nvSpPr>
         <p:spPr/>
         <p:txBody>
-          <a:bodyPr/>
+          <a:bodyPr anchor="ctr"/>
           <a:lstStyle/>
           <a:p>
             <a:r>
@@ -19838,7 +20164,7 @@
           <a:p>
             <a:fld id="{64D12EC4-2D04-0A4F-A74B-758ED03DD9F6}" type="slidenum">
               <a:rPr lang="en-US" smtClean="0"/>
-              <a:t>2</a:t>
+              <a:t>3</a:t>
             </a:fld>
             <a:endParaRPr lang="en-US"/>
           </a:p>
@@ -19885,7 +20211,7 @@
 </p:sld>
 </file>
 
-<file path=ppt/slides/slide3.xml><?xml version="1.0" encoding="utf-8"?>
+<file path=ppt/slides/slide4.xml><?xml version="1.0" encoding="utf-8"?>
 <p:sld xmlns:a="http://schemas.openxmlformats.org/drawingml/2006/main" xmlns:r="http://schemas.openxmlformats.org/officeDocument/2006/relationships" xmlns:p="http://schemas.openxmlformats.org/presentationml/2006/main">
   <p:cSld>
     <p:spTree>
@@ -19920,7 +20246,7 @@
         </p:nvSpPr>
         <p:spPr/>
         <p:txBody>
-          <a:bodyPr/>
+          <a:bodyPr anchor="t"/>
           <a:lstStyle/>
           <a:p>
             <a:r>
@@ -19945,14 +20271,14 @@
           <p:nvPr>
             <p:extLst>
               <p:ext uri="{D42A27DB-BD31-4B8C-83A1-F6EECF244321}">
-                <p14:modId xmlns:p14="http://schemas.microsoft.com/office/powerpoint/2010/main" val="1027714053"/>
+                <p14:modId xmlns:p14="http://schemas.microsoft.com/office/powerpoint/2010/main" val="1900391432"/>
               </p:ext>
             </p:extLst>
           </p:nvPr>
         </p:nvGraphicFramePr>
         <p:xfrm>
-          <a:off x="781235" y="1607126"/>
-          <a:ext cx="7625918" cy="3550920"/>
+          <a:off x="648729" y="1202818"/>
+          <a:ext cx="7625918" cy="4439920"/>
         </p:xfrm>
         <a:graphic>
           <a:graphicData uri="http://schemas.openxmlformats.org/drawingml/2006/table">
@@ -20017,7 +20343,40 @@
                     <a:p>
                       <a:r>
                         <a:rPr lang="en-US" sz="1400" dirty="0"/>
-                        <a:t>What types of stories are popular?</a:t>
+                        <a:t>What is the average popularity by read count, vote count, comment count?</a:t>
+                      </a:r>
+                    </a:p>
+                  </a:txBody>
+                  <a:tcPr/>
+                </a:tc>
+                <a:tc>
+                  <a:txBody>
+                    <a:bodyPr/>
+                    <a:lstStyle/>
+                    <a:p>
+                      <a:r>
+                        <a:rPr lang="en-US" sz="1400" dirty="0"/>
+                        <a:t>Story ID, Read Count, Vote Count, Comment Count</a:t>
+                      </a:r>
+                    </a:p>
+                  </a:txBody>
+                  <a:tcPr/>
+                </a:tc>
+                <a:extLst>
+                  <a:ext uri="{0D108BD9-81ED-4DB2-BD59-A6C34878D82A}">
+                    <a16:rowId xmlns:a16="http://schemas.microsoft.com/office/drawing/2014/main" val="3548622607"/>
+                  </a:ext>
+                </a:extLst>
+              </a:tr>
+              <a:tr h="370840">
+                <a:tc>
+                  <a:txBody>
+                    <a:bodyPr/>
+                    <a:lstStyle/>
+                    <a:p>
+                      <a:r>
+                        <a:rPr lang="en-US" sz="1400" dirty="0"/>
+                        <a:t>What are the most popular categories?</a:t>
                       </a:r>
                     </a:p>
                   </a:txBody>
@@ -20240,6 +20599,39 @@
                   </a:ext>
                 </a:extLst>
               </a:tr>
+              <a:tr h="370840">
+                <a:tc>
+                  <a:txBody>
+                    <a:bodyPr/>
+                    <a:lstStyle/>
+                    <a:p>
+                      <a:r>
+                        <a:rPr lang="en-US" sz="1400" dirty="0"/>
+                        <a:t>What are the most popular languages?</a:t>
+                      </a:r>
+                    </a:p>
+                  </a:txBody>
+                  <a:tcPr/>
+                </a:tc>
+                <a:tc>
+                  <a:txBody>
+                    <a:bodyPr/>
+                    <a:lstStyle/>
+                    <a:p>
+                      <a:r>
+                        <a:rPr lang="en-US" sz="1400" dirty="0"/>
+                        <a:t>Story ID, language</a:t>
+                      </a:r>
+                    </a:p>
+                  </a:txBody>
+                  <a:tcPr/>
+                </a:tc>
+                <a:extLst>
+                  <a:ext uri="{0D108BD9-81ED-4DB2-BD59-A6C34878D82A}">
+                    <a16:rowId xmlns:a16="http://schemas.microsoft.com/office/drawing/2014/main" val="894899982"/>
+                  </a:ext>
+                </a:extLst>
+              </a:tr>
             </a:tbl>
           </a:graphicData>
         </a:graphic>
@@ -20336,7 +20728,7 @@
           <a:p>
             <a:fld id="{64D12EC4-2D04-0A4F-A74B-758ED03DD9F6}" type="slidenum">
               <a:rPr lang="en-US" smtClean="0"/>
-              <a:t>3</a:t>
+              <a:t>4</a:t>
             </a:fld>
             <a:endParaRPr lang="en-US"/>
           </a:p>
@@ -20355,7 +20747,7 @@
 </p:sld>
 </file>
 
-<file path=ppt/slides/slide4.xml><?xml version="1.0" encoding="utf-8"?>
+<file path=ppt/slides/slide5.xml><?xml version="1.0" encoding="utf-8"?>
 <p:sld xmlns:a="http://schemas.openxmlformats.org/drawingml/2006/main" xmlns:r="http://schemas.openxmlformats.org/officeDocument/2006/relationships" xmlns:p="http://schemas.openxmlformats.org/presentationml/2006/main">
   <p:cSld>
     <p:spTree>
@@ -20390,7 +20782,7 @@
         </p:nvSpPr>
         <p:spPr/>
         <p:txBody>
-          <a:bodyPr/>
+          <a:bodyPr anchor="t"/>
           <a:lstStyle/>
           <a:p>
             <a:r>
@@ -20416,13 +20808,13 @@
             <p:ph idx="1"/>
             <p:extLst>
               <p:ext uri="{D42A27DB-BD31-4B8C-83A1-F6EECF244321}">
-                <p14:modId xmlns:p14="http://schemas.microsoft.com/office/powerpoint/2010/main" val="851709475"/>
+                <p14:modId xmlns:p14="http://schemas.microsoft.com/office/powerpoint/2010/main" val="1075004781"/>
               </p:ext>
             </p:extLst>
           </p:nvPr>
         </p:nvGraphicFramePr>
         <p:xfrm>
-          <a:off x="1633491" y="5300370"/>
+          <a:off x="1500326" y="5291564"/>
           <a:ext cx="6461279" cy="1076368"/>
         </p:xfrm>
         <a:graphic>
@@ -20545,13 +20937,13 @@
           <p:nvPr>
             <p:extLst>
               <p:ext uri="{D42A27DB-BD31-4B8C-83A1-F6EECF244321}">
-                <p14:modId xmlns:p14="http://schemas.microsoft.com/office/powerpoint/2010/main" val="3053381956"/>
+                <p14:modId xmlns:p14="http://schemas.microsoft.com/office/powerpoint/2010/main" val="907135623"/>
               </p:ext>
             </p:extLst>
           </p:nvPr>
         </p:nvGraphicFramePr>
         <p:xfrm>
-          <a:off x="1909947" y="1699296"/>
+          <a:off x="1909947" y="1530620"/>
           <a:ext cx="5245524" cy="3387607"/>
         </p:xfrm>
         <a:graphic>
@@ -20611,7 +21003,7 @@
           <a:p>
             <a:fld id="{64D12EC4-2D04-0A4F-A74B-758ED03DD9F6}" type="slidenum">
               <a:rPr lang="en-US" smtClean="0"/>
-              <a:t>4</a:t>
+              <a:t>5</a:t>
             </a:fld>
             <a:endParaRPr lang="en-US"/>
           </a:p>
@@ -20630,7 +21022,7 @@
 </p:sld>
 </file>
 
-<file path=ppt/slides/slide5.xml><?xml version="1.0" encoding="utf-8"?>
+<file path=ppt/slides/slide6.xml><?xml version="1.0" encoding="utf-8"?>
 <p:sld xmlns:a="http://schemas.openxmlformats.org/drawingml/2006/main" xmlns:r="http://schemas.openxmlformats.org/officeDocument/2006/relationships" xmlns:p="http://schemas.openxmlformats.org/presentationml/2006/main">
   <p:cSld>
     <p:spTree>
@@ -20665,7 +21057,7 @@
         </p:nvSpPr>
         <p:spPr/>
         <p:txBody>
-          <a:bodyPr/>
+          <a:bodyPr anchor="t"/>
           <a:lstStyle/>
           <a:p>
             <a:r>
@@ -20952,7 +21344,7 @@
           <p:nvPr>
             <p:extLst>
               <p:ext uri="{D42A27DB-BD31-4B8C-83A1-F6EECF244321}">
-                <p14:modId xmlns:p14="http://schemas.microsoft.com/office/powerpoint/2010/main" val="3092084478"/>
+                <p14:modId xmlns:p14="http://schemas.microsoft.com/office/powerpoint/2010/main" val="747614015"/>
               </p:ext>
             </p:extLst>
           </p:nvPr>
@@ -21018,7 +21410,7 @@
           <a:p>
             <a:fld id="{64D12EC4-2D04-0A4F-A74B-758ED03DD9F6}" type="slidenum">
               <a:rPr lang="en-US" smtClean="0"/>
-              <a:t>5</a:t>
+              <a:t>6</a:t>
             </a:fld>
             <a:endParaRPr lang="en-US"/>
           </a:p>
@@ -21037,7 +21429,7 @@
 </p:sld>
 </file>
 
-<file path=ppt/slides/slide6.xml><?xml version="1.0" encoding="utf-8"?>
+<file path=ppt/slides/slide7.xml><?xml version="1.0" encoding="utf-8"?>
 <p:sld xmlns:a="http://schemas.openxmlformats.org/drawingml/2006/main" xmlns:r="http://schemas.openxmlformats.org/officeDocument/2006/relationships" xmlns:p="http://schemas.openxmlformats.org/presentationml/2006/main">
   <p:cSld>
     <p:spTree>
@@ -21072,7 +21464,7 @@
         </p:nvSpPr>
         <p:spPr/>
         <p:txBody>
-          <a:bodyPr/>
+          <a:bodyPr anchor="t"/>
           <a:lstStyle/>
           <a:p>
             <a:r>
@@ -21082,69 +21474,6 @@
           </a:p>
         </p:txBody>
       </p:sp>
-      <p:pic>
-        <p:nvPicPr>
-          <p:cNvPr id="4" name="Picture 3">
-            <a:extLst>
-              <a:ext uri="{FF2B5EF4-FFF2-40B4-BE49-F238E27FC236}">
-                <a16:creationId xmlns:a16="http://schemas.microsoft.com/office/drawing/2014/main" id="{6C95034A-00C4-492D-A61F-41C5FBBA9C28}"/>
-              </a:ext>
-            </a:extLst>
-          </p:cNvPr>
-          <p:cNvPicPr>
-            <a:picLocks noChangeAspect="1"/>
-          </p:cNvPicPr>
-          <p:nvPr/>
-        </p:nvPicPr>
-        <p:blipFill>
-          <a:blip r:embed="rId2"/>
-          <a:stretch>
-            <a:fillRect/>
-          </a:stretch>
-        </p:blipFill>
-        <p:spPr>
-          <a:xfrm>
-            <a:off x="759249" y="1638294"/>
-            <a:ext cx="4084268" cy="3267415"/>
-          </a:xfrm>
-          <a:prstGeom prst="rect">
-            <a:avLst/>
-          </a:prstGeom>
-          <a:ln>
-            <a:solidFill>
-              <a:schemeClr val="accent1"/>
-            </a:solidFill>
-          </a:ln>
-        </p:spPr>
-      </p:pic>
-      <p:graphicFrame>
-        <p:nvGraphicFramePr>
-          <p:cNvPr id="12" name="Diagram 11">
-            <a:extLst>
-              <a:ext uri="{FF2B5EF4-FFF2-40B4-BE49-F238E27FC236}">
-                <a16:creationId xmlns:a16="http://schemas.microsoft.com/office/drawing/2014/main" id="{E712B085-ED4C-4365-BCA8-065149D64E5F}"/>
-              </a:ext>
-            </a:extLst>
-          </p:cNvPr>
-          <p:cNvGraphicFramePr/>
-          <p:nvPr>
-            <p:extLst>
-              <p:ext uri="{D42A27DB-BD31-4B8C-83A1-F6EECF244321}">
-                <p14:modId xmlns:p14="http://schemas.microsoft.com/office/powerpoint/2010/main" val="1990691645"/>
-              </p:ext>
-            </p:extLst>
-          </p:nvPr>
-        </p:nvGraphicFramePr>
-        <p:xfrm>
-          <a:off x="4843517" y="2285355"/>
-          <a:ext cx="4042299" cy="2366544"/>
-        </p:xfrm>
-        <a:graphic>
-          <a:graphicData uri="http://schemas.openxmlformats.org/drawingml/2006/diagram">
-            <dgm:relIds xmlns:dgm="http://schemas.openxmlformats.org/drawingml/2006/diagram" xmlns:r="http://schemas.openxmlformats.org/officeDocument/2006/relationships" r:dm="rId3" r:lo="rId4" r:qs="rId5" r:cs="rId6"/>
-          </a:graphicData>
-        </a:graphic>
-      </p:graphicFrame>
       <p:sp>
         <p:nvSpPr>
           <p:cNvPr id="13" name="TextBox 12">
@@ -21159,8 +21488,8 @@
         </p:nvSpPr>
         <p:spPr>
           <a:xfrm>
-            <a:off x="1319082" y="5264459"/>
-            <a:ext cx="7048870" cy="646331"/>
+            <a:off x="1395394" y="5008378"/>
+            <a:ext cx="6859058" cy="923330"/>
           </a:xfrm>
           <a:prstGeom prst="rect">
             <a:avLst/>
@@ -21175,14 +21504,31 @@
           </a:bodyPr>
           <a:lstStyle/>
           <a:p>
-            <a:pPr algn="ctr"/>
+            <a:pPr marL="285750" indent="-285750">
+              <a:buFont typeface="Arial" panose="020B0604020202020204" pitchFamily="34" charset="0"/>
+              <a:buChar char="•"/>
+            </a:pPr>
             <a:r>
               <a:rPr lang="en-US" dirty="0">
                 <a:solidFill>
                   <a:schemeClr val="bg1"/>
                 </a:solidFill>
               </a:rPr>
-              <a:t>Stories posted annually generally have increased since 2011, with the exception of decrease in growth during 2016.</a:t>
+              <a:t>Number of stories created increase annually with 2018 at the highest</a:t>
+            </a:r>
+          </a:p>
+          <a:p>
+            <a:pPr marL="285750" indent="-285750">
+              <a:buFont typeface="Arial" panose="020B0604020202020204" pitchFamily="34" charset="0"/>
+              <a:buChar char="•"/>
+            </a:pPr>
+            <a:r>
+              <a:rPr lang="en-US" dirty="0">
+                <a:solidFill>
+                  <a:schemeClr val="bg1"/>
+                </a:solidFill>
+              </a:rPr>
+              <a:t>Indicates that the data set analyzed has pulled only the most recent records</a:t>
             </a:r>
           </a:p>
         </p:txBody>
@@ -21238,183 +21584,79 @@
           <a:p>
             <a:fld id="{64D12EC4-2D04-0A4F-A74B-758ED03DD9F6}" type="slidenum">
               <a:rPr lang="en-US" smtClean="0"/>
-              <a:t>6</a:t>
+              <a:t>7</a:t>
             </a:fld>
-            <a:endParaRPr lang="en-US"/>
+            <a:endParaRPr lang="en-US" dirty="0"/>
           </a:p>
         </p:txBody>
       </p:sp>
       <p:graphicFrame>
         <p:nvGraphicFramePr>
-          <p:cNvPr id="6" name="Table 5">
+          <p:cNvPr id="8" name="Diagram 7">
             <a:extLst>
               <a:ext uri="{FF2B5EF4-FFF2-40B4-BE49-F238E27FC236}">
-                <a16:creationId xmlns:a16="http://schemas.microsoft.com/office/drawing/2014/main" id="{8082210D-87F4-4121-9C76-73A145306157}"/>
+                <a16:creationId xmlns:a16="http://schemas.microsoft.com/office/drawing/2014/main" id="{3BDE02B9-A981-46B2-A230-9666D301E95C}"/>
               </a:ext>
             </a:extLst>
           </p:cNvPr>
-          <p:cNvGraphicFramePr>
-            <a:graphicFrameLocks noGrp="1"/>
-          </p:cNvGraphicFramePr>
+          <p:cNvGraphicFramePr/>
           <p:nvPr>
             <p:extLst>
               <p:ext uri="{D42A27DB-BD31-4B8C-83A1-F6EECF244321}">
-                <p14:modId xmlns:p14="http://schemas.microsoft.com/office/powerpoint/2010/main" val="1564959225"/>
+                <p14:modId xmlns:p14="http://schemas.microsoft.com/office/powerpoint/2010/main" val="1225164936"/>
               </p:ext>
             </p:extLst>
           </p:nvPr>
         </p:nvGraphicFramePr>
         <p:xfrm>
-          <a:off x="4601222" y="521616"/>
-          <a:ext cx="3971278" cy="1483360"/>
+          <a:off x="-130088" y="1963062"/>
+          <a:ext cx="4848479" cy="2047536"/>
         </p:xfrm>
         <a:graphic>
-          <a:graphicData uri="http://schemas.openxmlformats.org/drawingml/2006/table">
-            <a:tbl>
-              <a:tblPr bandRow="1">
-                <a:tableStyleId>{5C22544A-7EE6-4342-B048-85BDC9FD1C3A}</a:tableStyleId>
-              </a:tblPr>
-              <a:tblGrid>
-                <a:gridCol w="956191">
-                  <a:extLst>
-                    <a:ext uri="{9D8B030D-6E8A-4147-A177-3AD203B41FA5}">
-                      <a16:colId xmlns:a16="http://schemas.microsoft.com/office/drawing/2014/main" val="484288319"/>
-                    </a:ext>
-                  </a:extLst>
-                </a:gridCol>
-                <a:gridCol w="3015087">
-                  <a:extLst>
-                    <a:ext uri="{9D8B030D-6E8A-4147-A177-3AD203B41FA5}">
-                      <a16:colId xmlns:a16="http://schemas.microsoft.com/office/drawing/2014/main" val="1693164808"/>
-                    </a:ext>
-                  </a:extLst>
-                </a:gridCol>
-              </a:tblGrid>
-              <a:tr h="370840">
-                <a:tc>
-                  <a:txBody>
-                    <a:bodyPr/>
-                    <a:lstStyle/>
-                    <a:p>
-                      <a:r>
-                        <a:rPr lang="en-US" dirty="0"/>
-                        <a:t>244</a:t>
-                      </a:r>
-                    </a:p>
-                  </a:txBody>
-                  <a:tcPr/>
-                </a:tc>
-                <a:tc>
-                  <a:txBody>
-                    <a:bodyPr/>
-                    <a:lstStyle/>
-                    <a:p>
-                      <a:endParaRPr lang="en-US" dirty="0"/>
-                    </a:p>
-                  </a:txBody>
-                  <a:tcPr/>
-                </a:tc>
-                <a:extLst>
-                  <a:ext uri="{0D108BD9-81ED-4DB2-BD59-A6C34878D82A}">
-                    <a16:rowId xmlns:a16="http://schemas.microsoft.com/office/drawing/2014/main" val="2905951812"/>
-                  </a:ext>
-                </a:extLst>
-              </a:tr>
-              <a:tr h="370840">
-                <a:tc>
-                  <a:txBody>
-                    <a:bodyPr/>
-                    <a:lstStyle/>
-                    <a:p>
-                      <a:r>
-                        <a:rPr lang="en-US" dirty="0"/>
-                        <a:t>12</a:t>
-                      </a:r>
-                    </a:p>
-                  </a:txBody>
-                  <a:tcPr/>
-                </a:tc>
-                <a:tc>
-                  <a:txBody>
-                    <a:bodyPr/>
-                    <a:lstStyle/>
-                    <a:p>
-                      <a:endParaRPr lang="en-US"/>
-                    </a:p>
-                  </a:txBody>
-                  <a:tcPr/>
-                </a:tc>
-                <a:extLst>
-                  <a:ext uri="{0D108BD9-81ED-4DB2-BD59-A6C34878D82A}">
-                    <a16:rowId xmlns:a16="http://schemas.microsoft.com/office/drawing/2014/main" val="3162044423"/>
-                  </a:ext>
-                </a:extLst>
-              </a:tr>
-              <a:tr h="370840">
-                <a:tc>
-                  <a:txBody>
-                    <a:bodyPr/>
-                    <a:lstStyle/>
-                    <a:p>
-                      <a:r>
-                        <a:rPr lang="en-US" dirty="0"/>
-                        <a:t>75</a:t>
-                      </a:r>
-                    </a:p>
-                  </a:txBody>
-                  <a:tcPr/>
-                </a:tc>
-                <a:tc>
-                  <a:txBody>
-                    <a:bodyPr/>
-                    <a:lstStyle/>
-                    <a:p>
-                      <a:endParaRPr lang="en-US"/>
-                    </a:p>
-                  </a:txBody>
-                  <a:tcPr/>
-                </a:tc>
-                <a:extLst>
-                  <a:ext uri="{0D108BD9-81ED-4DB2-BD59-A6C34878D82A}">
-                    <a16:rowId xmlns:a16="http://schemas.microsoft.com/office/drawing/2014/main" val="2053007058"/>
-                  </a:ext>
-                </a:extLst>
-              </a:tr>
-              <a:tr h="370840">
-                <a:tc>
-                  <a:txBody>
-                    <a:bodyPr/>
-                    <a:lstStyle/>
-                    <a:p>
-                      <a:endParaRPr lang="en-US"/>
-                    </a:p>
-                  </a:txBody>
-                  <a:tcPr/>
-                </a:tc>
-                <a:tc>
-                  <a:txBody>
-                    <a:bodyPr/>
-                    <a:lstStyle/>
-                    <a:p>
-                      <a:endParaRPr lang="en-US" dirty="0"/>
-                    </a:p>
-                  </a:txBody>
-                  <a:tcPr/>
-                </a:tc>
-                <a:extLst>
-                  <a:ext uri="{0D108BD9-81ED-4DB2-BD59-A6C34878D82A}">
-                    <a16:rowId xmlns:a16="http://schemas.microsoft.com/office/drawing/2014/main" val="3138361017"/>
-                  </a:ext>
-                </a:extLst>
-              </a:tr>
-            </a:tbl>
+          <a:graphicData uri="http://schemas.openxmlformats.org/drawingml/2006/diagram">
+            <dgm:relIds xmlns:dgm="http://schemas.openxmlformats.org/drawingml/2006/diagram" xmlns:r="http://schemas.openxmlformats.org/officeDocument/2006/relationships" r:dm="rId2" r:lo="rId3" r:qs="rId4" r:cs="rId5"/>
           </a:graphicData>
         </a:graphic>
       </p:graphicFrame>
+      <p:pic>
+        <p:nvPicPr>
+          <p:cNvPr id="10" name="Picture 9">
+            <a:extLst>
+              <a:ext uri="{FF2B5EF4-FFF2-40B4-BE49-F238E27FC236}">
+                <a16:creationId xmlns:a16="http://schemas.microsoft.com/office/drawing/2014/main" id="{98947516-0F8C-435F-BE13-D41F622E070A}"/>
+              </a:ext>
+            </a:extLst>
+          </p:cNvPr>
+          <p:cNvPicPr>
+            <a:picLocks noChangeAspect="1"/>
+          </p:cNvPicPr>
+          <p:nvPr/>
+        </p:nvPicPr>
+        <p:blipFill>
+          <a:blip r:embed="rId7"/>
+          <a:stretch>
+            <a:fillRect/>
+          </a:stretch>
+        </p:blipFill>
+        <p:spPr>
+          <a:xfrm>
+            <a:off x="4532709" y="1328632"/>
+            <a:ext cx="4068921" cy="3255137"/>
+          </a:xfrm>
+          <a:prstGeom prst="rect">
+            <a:avLst/>
+          </a:prstGeom>
+          <a:ln>
+            <a:solidFill>
+              <a:schemeClr val="accent1"/>
+            </a:solidFill>
+          </a:ln>
+        </p:spPr>
+      </p:pic>
     </p:spTree>
     <p:extLst>
       <p:ext uri="{BB962C8B-B14F-4D97-AF65-F5344CB8AC3E}">
-        <p14:creationId xmlns:p14="http://schemas.microsoft.com/office/powerpoint/2010/main" val="2616930399"/>
+        <p14:creationId xmlns:p14="http://schemas.microsoft.com/office/powerpoint/2010/main" val="423649454"/>
       </p:ext>
     </p:extLst>
   </p:cSld>
@@ -21424,7 +21666,7 @@
 </p:sld>
 </file>
 
-<file path=ppt/slides/slide7.xml><?xml version="1.0" encoding="utf-8"?>
+<file path=ppt/slides/slide8.xml><?xml version="1.0" encoding="utf-8"?>
 <p:sld xmlns:a="http://schemas.openxmlformats.org/drawingml/2006/main" xmlns:r="http://schemas.openxmlformats.org/officeDocument/2006/relationships" xmlns:p="http://schemas.openxmlformats.org/presentationml/2006/main">
   <p:cSld>
     <p:spTree>
@@ -21459,12 +21701,12 @@
         </p:nvSpPr>
         <p:spPr/>
         <p:txBody>
-          <a:bodyPr/>
+          <a:bodyPr anchor="t"/>
           <a:lstStyle/>
           <a:p>
             <a:r>
               <a:rPr lang="en-US" dirty="0"/>
-              <a:t>Story Tag Popularity</a:t>
+              <a:t>Story Tag</a:t>
             </a:r>
           </a:p>
         </p:txBody>
@@ -21491,43 +21733,8 @@
         </p:blipFill>
         <p:spPr>
           <a:xfrm>
-            <a:off x="421436" y="1828801"/>
+            <a:off x="306492" y="1451642"/>
             <a:ext cx="4454715" cy="3643744"/>
-          </a:xfrm>
-          <a:prstGeom prst="rect">
-            <a:avLst/>
-          </a:prstGeom>
-          <a:ln>
-            <a:solidFill>
-              <a:schemeClr val="accent1"/>
-            </a:solidFill>
-          </a:ln>
-        </p:spPr>
-      </p:pic>
-      <p:pic>
-        <p:nvPicPr>
-          <p:cNvPr id="6" name="Picture 5">
-            <a:extLst>
-              <a:ext uri="{FF2B5EF4-FFF2-40B4-BE49-F238E27FC236}">
-                <a16:creationId xmlns:a16="http://schemas.microsoft.com/office/drawing/2014/main" id="{92CF471D-A2FB-48FE-B4B0-F3DA156ED066}"/>
-              </a:ext>
-            </a:extLst>
-          </p:cNvPr>
-          <p:cNvPicPr>
-            <a:picLocks noChangeAspect="1"/>
-          </p:cNvPicPr>
-          <p:nvPr/>
-        </p:nvPicPr>
-        <p:blipFill>
-          <a:blip r:embed="rId4"/>
-          <a:stretch>
-            <a:fillRect/>
-          </a:stretch>
-        </p:blipFill>
-        <p:spPr>
-          <a:xfrm>
-            <a:off x="4947634" y="1828801"/>
-            <a:ext cx="3696349" cy="3643744"/>
           </a:xfrm>
           <a:prstGeom prst="rect">
             <a:avLst/>
@@ -21553,8 +21760,8 @@
         </p:nvSpPr>
         <p:spPr>
           <a:xfrm>
-            <a:off x="1882065" y="5672831"/>
-            <a:ext cx="5291091" cy="369332"/>
+            <a:off x="1202927" y="5244424"/>
+            <a:ext cx="7279688" cy="923330"/>
           </a:xfrm>
           <a:prstGeom prst="rect">
             <a:avLst/>
@@ -21569,13 +21776,25 @@
           </a:bodyPr>
           <a:lstStyle/>
           <a:p>
+            <a:pPr algn="ctr"/>
             <a:r>
               <a:rPr lang="en-US" dirty="0">
                 <a:solidFill>
                   <a:schemeClr val="bg1"/>
                 </a:solidFill>
               </a:rPr>
-              <a:t>Most popular tags are Romance, Love and Fanfiction</a:t>
+              <a:t>Wattpad writers and users like Love and Romance</a:t>
+            </a:r>
+          </a:p>
+          <a:p>
+            <a:pPr algn="ctr"/>
+            <a:r>
+              <a:rPr lang="en-US" dirty="0">
+                <a:solidFill>
+                  <a:schemeClr val="bg1"/>
+                </a:solidFill>
+              </a:rPr>
+              <a:t>(Love and romance are most applied tags, and tagged to stories with highest number of votes)</a:t>
             </a:r>
           </a:p>
         </p:txBody>
@@ -21608,35 +21827,41 @@
           </a:p>
         </p:txBody>
       </p:sp>
-      <p:sp>
-        <p:nvSpPr>
-          <p:cNvPr id="5" name="Slide Number Placeholder 4">
+      <p:pic>
+        <p:nvPicPr>
+          <p:cNvPr id="9" name="Picture 8">
             <a:extLst>
               <a:ext uri="{FF2B5EF4-FFF2-40B4-BE49-F238E27FC236}">
-                <a16:creationId xmlns:a16="http://schemas.microsoft.com/office/drawing/2014/main" id="{E4910F76-C505-4DFC-B391-70F7865B5C64}"/>
+                <a16:creationId xmlns:a16="http://schemas.microsoft.com/office/drawing/2014/main" id="{D78D307F-8429-482B-BFAB-80DE265EA38E}"/>
               </a:ext>
             </a:extLst>
           </p:cNvPr>
-          <p:cNvSpPr>
-            <a:spLocks noGrp="1"/>
-          </p:cNvSpPr>
-          <p:nvPr>
-            <p:ph type="sldNum" sz="quarter" idx="12"/>
-          </p:nvPr>
-        </p:nvSpPr>
-        <p:spPr/>
-        <p:txBody>
-          <a:bodyPr/>
-          <a:lstStyle/>
-          <a:p>
-            <a:fld id="{64D12EC4-2D04-0A4F-A74B-758ED03DD9F6}" type="slidenum">
-              <a:rPr lang="en-US" smtClean="0"/>
-              <a:t>7</a:t>
-            </a:fld>
-            <a:endParaRPr lang="en-US"/>
-          </a:p>
-        </p:txBody>
-      </p:sp>
+          <p:cNvPicPr>
+            <a:picLocks noChangeAspect="1"/>
+          </p:cNvPicPr>
+          <p:nvPr/>
+        </p:nvPicPr>
+        <p:blipFill>
+          <a:blip r:embed="rId4"/>
+          <a:stretch>
+            <a:fillRect/>
+          </a:stretch>
+        </p:blipFill>
+        <p:spPr>
+          <a:xfrm>
+            <a:off x="4762872" y="1451642"/>
+            <a:ext cx="3903270" cy="3646458"/>
+          </a:xfrm>
+          <a:prstGeom prst="rect">
+            <a:avLst/>
+          </a:prstGeom>
+          <a:ln>
+            <a:solidFill>
+              <a:schemeClr val="accent1"/>
+            </a:solidFill>
+          </a:ln>
+        </p:spPr>
+      </p:pic>
     </p:spTree>
     <p:extLst>
       <p:ext uri="{BB962C8B-B14F-4D97-AF65-F5344CB8AC3E}">
@@ -21650,7 +21875,7 @@
 </p:sld>
 </file>
 
-<file path=ppt/slides/slide8.xml><?xml version="1.0" encoding="utf-8"?>
+<file path=ppt/slides/slide9.xml><?xml version="1.0" encoding="utf-8"?>
 <p:sld xmlns:a="http://schemas.openxmlformats.org/drawingml/2006/main" xmlns:r="http://schemas.openxmlformats.org/officeDocument/2006/relationships" xmlns:p="http://schemas.openxmlformats.org/presentationml/2006/main">
   <p:cSld>
     <p:spTree>
@@ -21685,7 +21910,7 @@
         </p:nvSpPr>
         <p:spPr/>
         <p:txBody>
-          <a:bodyPr/>
+          <a:bodyPr anchor="t"/>
           <a:lstStyle/>
           <a:p>
             <a:r>
@@ -21795,6 +22020,10 @@
           </a:bodyPr>
           <a:lstStyle/>
           <a:p>
+            <a:pPr marL="285750" indent="-285750">
+              <a:buFont typeface="Arial" panose="020B0604020202020204" pitchFamily="34" charset="0"/>
+              <a:buChar char="•"/>
+            </a:pPr>
             <a:r>
               <a:rPr lang="en-US" dirty="0">
                 <a:solidFill>
@@ -21805,6 +22034,10 @@
             </a:r>
           </a:p>
           <a:p>
+            <a:pPr marL="285750" indent="-285750">
+              <a:buFont typeface="Arial" panose="020B0604020202020204" pitchFamily="34" charset="0"/>
+              <a:buChar char="•"/>
+            </a:pPr>
             <a:r>
               <a:rPr lang="en-US" dirty="0">
                 <a:solidFill>
@@ -21848,252 +22081,6 @@
     <p:extLst>
       <p:ext uri="{BB962C8B-B14F-4D97-AF65-F5344CB8AC3E}">
         <p14:creationId xmlns:p14="http://schemas.microsoft.com/office/powerpoint/2010/main" val="104536331"/>
-      </p:ext>
-    </p:extLst>
-  </p:cSld>
-  <p:clrMapOvr>
-    <a:masterClrMapping/>
-  </p:clrMapOvr>
-</p:sld>
-</file>
-
-<file path=ppt/slides/slide9.xml><?xml version="1.0" encoding="utf-8"?>
-<p:sld xmlns:a="http://schemas.openxmlformats.org/drawingml/2006/main" xmlns:r="http://schemas.openxmlformats.org/officeDocument/2006/relationships" xmlns:p="http://schemas.openxmlformats.org/presentationml/2006/main">
-  <p:cSld>
-    <p:spTree>
-      <p:nvGrpSpPr>
-        <p:cNvPr id="1" name=""/>
-        <p:cNvGrpSpPr/>
-        <p:nvPr/>
-      </p:nvGrpSpPr>
-      <p:grpSpPr>
-        <a:xfrm>
-          <a:off x="0" y="0"/>
-          <a:ext cx="0" cy="0"/>
-          <a:chOff x="0" y="0"/>
-          <a:chExt cx="0" cy="0"/>
-        </a:xfrm>
-      </p:grpSpPr>
-      <p:sp>
-        <p:nvSpPr>
-          <p:cNvPr id="2" name="Title 1">
-            <a:extLst>
-              <a:ext uri="{FF2B5EF4-FFF2-40B4-BE49-F238E27FC236}">
-                <a16:creationId xmlns:a16="http://schemas.microsoft.com/office/drawing/2014/main" id="{CBB67211-7222-4824-8A16-800B1CF60E4D}"/>
-              </a:ext>
-            </a:extLst>
-          </p:cNvPr>
-          <p:cNvSpPr>
-            <a:spLocks noGrp="1"/>
-          </p:cNvSpPr>
-          <p:nvPr>
-            <p:ph type="title"/>
-          </p:nvPr>
-        </p:nvSpPr>
-        <p:spPr/>
-        <p:txBody>
-          <a:bodyPr/>
-          <a:lstStyle/>
-          <a:p>
-            <a:r>
-              <a:rPr lang="en-US" dirty="0"/>
-              <a:t>Story Ratings</a:t>
-            </a:r>
-          </a:p>
-        </p:txBody>
-      </p:sp>
-      <p:pic>
-        <p:nvPicPr>
-          <p:cNvPr id="4" name="Picture 3">
-            <a:extLst>
-              <a:ext uri="{FF2B5EF4-FFF2-40B4-BE49-F238E27FC236}">
-                <a16:creationId xmlns:a16="http://schemas.microsoft.com/office/drawing/2014/main" id="{ADCE6F1D-8EF1-47CA-B2E2-93D680770915}"/>
-              </a:ext>
-            </a:extLst>
-          </p:cNvPr>
-          <p:cNvPicPr>
-            <a:picLocks noChangeAspect="1"/>
-          </p:cNvPicPr>
-          <p:nvPr/>
-        </p:nvPicPr>
-        <p:blipFill>
-          <a:blip r:embed="rId2"/>
-          <a:stretch>
-            <a:fillRect/>
-          </a:stretch>
-        </p:blipFill>
-        <p:spPr>
-          <a:xfrm>
-            <a:off x="796875" y="1990609"/>
-            <a:ext cx="3735834" cy="2988667"/>
-          </a:xfrm>
-          <a:prstGeom prst="rect">
-            <a:avLst/>
-          </a:prstGeom>
-          <a:ln>
-            <a:solidFill>
-              <a:schemeClr val="accent1"/>
-            </a:solidFill>
-          </a:ln>
-        </p:spPr>
-      </p:pic>
-      <p:pic>
-        <p:nvPicPr>
-          <p:cNvPr id="6" name="Picture 5">
-            <a:extLst>
-              <a:ext uri="{FF2B5EF4-FFF2-40B4-BE49-F238E27FC236}">
-                <a16:creationId xmlns:a16="http://schemas.microsoft.com/office/drawing/2014/main" id="{D07E9D19-2236-4D61-95F4-682FC0A63B01}"/>
-              </a:ext>
-            </a:extLst>
-          </p:cNvPr>
-          <p:cNvPicPr>
-            <a:picLocks noChangeAspect="1"/>
-          </p:cNvPicPr>
-          <p:nvPr/>
-        </p:nvPicPr>
-        <p:blipFill>
-          <a:blip r:embed="rId3"/>
-          <a:stretch>
-            <a:fillRect/>
-          </a:stretch>
-        </p:blipFill>
-        <p:spPr>
-          <a:xfrm>
-            <a:off x="4684687" y="1990609"/>
-            <a:ext cx="3735835" cy="2988668"/>
-          </a:xfrm>
-          <a:prstGeom prst="rect">
-            <a:avLst/>
-          </a:prstGeom>
-          <a:ln>
-            <a:solidFill>
-              <a:schemeClr val="accent1">
-                <a:hueOff val="0"/>
-                <a:satOff val="0"/>
-                <a:lumOff val="0"/>
-              </a:schemeClr>
-            </a:solidFill>
-          </a:ln>
-        </p:spPr>
-      </p:pic>
-      <p:sp>
-        <p:nvSpPr>
-          <p:cNvPr id="3" name="Footer Placeholder 2">
-            <a:extLst>
-              <a:ext uri="{FF2B5EF4-FFF2-40B4-BE49-F238E27FC236}">
-                <a16:creationId xmlns:a16="http://schemas.microsoft.com/office/drawing/2014/main" id="{A8DFC824-3571-469A-8F8B-60EAD2C772DB}"/>
-              </a:ext>
-            </a:extLst>
-          </p:cNvPr>
-          <p:cNvSpPr>
-            <a:spLocks noGrp="1"/>
-          </p:cNvSpPr>
-          <p:nvPr>
-            <p:ph type="ftr" sz="quarter" idx="11"/>
-          </p:nvPr>
-        </p:nvSpPr>
-        <p:spPr/>
-        <p:txBody>
-          <a:bodyPr/>
-          <a:lstStyle/>
-          <a:p>
-            <a:r>
-              <a:rPr lang="en-US"/>
-              <a:t>UTDataJan Tues/Thurs Team3</a:t>
-            </a:r>
-          </a:p>
-        </p:txBody>
-      </p:sp>
-      <p:sp>
-        <p:nvSpPr>
-          <p:cNvPr id="8" name="Slide Number Placeholder 7">
-            <a:extLst>
-              <a:ext uri="{FF2B5EF4-FFF2-40B4-BE49-F238E27FC236}">
-                <a16:creationId xmlns:a16="http://schemas.microsoft.com/office/drawing/2014/main" id="{A8F804FB-BE7D-4872-8227-E1DBE36AEF4A}"/>
-              </a:ext>
-            </a:extLst>
-          </p:cNvPr>
-          <p:cNvSpPr>
-            <a:spLocks noGrp="1"/>
-          </p:cNvSpPr>
-          <p:nvPr>
-            <p:ph type="sldNum" sz="quarter" idx="12"/>
-          </p:nvPr>
-        </p:nvSpPr>
-        <p:spPr/>
-        <p:txBody>
-          <a:bodyPr/>
-          <a:lstStyle/>
-          <a:p>
-            <a:fld id="{64D12EC4-2D04-0A4F-A74B-758ED03DD9F6}" type="slidenum">
-              <a:rPr lang="en-US" smtClean="0"/>
-              <a:t>9</a:t>
-            </a:fld>
-            <a:endParaRPr lang="en-US"/>
-          </a:p>
-        </p:txBody>
-      </p:sp>
-      <p:sp>
-        <p:nvSpPr>
-          <p:cNvPr id="7" name="TextBox 6">
-            <a:extLst>
-              <a:ext uri="{FF2B5EF4-FFF2-40B4-BE49-F238E27FC236}">
-                <a16:creationId xmlns:a16="http://schemas.microsoft.com/office/drawing/2014/main" id="{CDA3CEA4-0A37-4979-8625-AF47DFCE0CDD}"/>
-              </a:ext>
-            </a:extLst>
-          </p:cNvPr>
-          <p:cNvSpPr txBox="1"/>
-          <p:nvPr/>
-        </p:nvSpPr>
-        <p:spPr>
-          <a:xfrm>
-            <a:off x="1519797" y="5291092"/>
-            <a:ext cx="6329780" cy="646331"/>
-          </a:xfrm>
-          <a:prstGeom prst="rect">
-            <a:avLst/>
-          </a:prstGeom>
-          <a:solidFill>
-            <a:schemeClr val="accent1"/>
-          </a:solidFill>
-        </p:spPr>
-        <p:txBody>
-          <a:bodyPr wrap="square" rtlCol="0">
-            <a:spAutoFit/>
-          </a:bodyPr>
-          <a:lstStyle/>
-          <a:p>
-            <a:r>
-              <a:rPr lang="en-US" dirty="0">
-                <a:solidFill>
-                  <a:schemeClr val="bg1"/>
-                </a:solidFill>
-              </a:rPr>
-              <a:t>Popularity based on vote count appears to be a factor in </a:t>
-            </a:r>
-            <a:r>
-              <a:rPr lang="en-US" dirty="0" err="1">
-                <a:solidFill>
-                  <a:schemeClr val="bg1"/>
-                </a:solidFill>
-              </a:rPr>
-              <a:t>wattpad’s</a:t>
-            </a:r>
-            <a:r>
-              <a:rPr lang="en-US" dirty="0">
-                <a:solidFill>
-                  <a:schemeClr val="bg1"/>
-                </a:solidFill>
-              </a:rPr>
-              <a:t> assigned ratings, but is not the only factor </a:t>
-            </a:r>
-          </a:p>
-        </p:txBody>
-      </p:sp>
-    </p:spTree>
-    <p:extLst>
-      <p:ext uri="{BB962C8B-B14F-4D97-AF65-F5344CB8AC3E}">
-        <p14:creationId xmlns:p14="http://schemas.microsoft.com/office/powerpoint/2010/main" val="3415291721"/>
       </p:ext>
     </p:extLst>
   </p:cSld>

--- a/WattpadPrez.pptx
+++ b/WattpadPrez.pptx
@@ -5,7 +5,7 @@
     <p:sldMasterId id="2147483772" r:id="rId1"/>
   </p:sldMasterIdLst>
   <p:notesMasterIdLst>
-    <p:notesMasterId r:id="rId15"/>
+    <p:notesMasterId r:id="rId14"/>
   </p:notesMasterIdLst>
   <p:sldIdLst>
     <p:sldId id="256" r:id="rId2"/>
@@ -13,14 +13,13 @@
     <p:sldId id="257" r:id="rId4"/>
     <p:sldId id="258" r:id="rId5"/>
     <p:sldId id="259" r:id="rId6"/>
-    <p:sldId id="269" r:id="rId7"/>
-    <p:sldId id="271" r:id="rId8"/>
-    <p:sldId id="265" r:id="rId9"/>
-    <p:sldId id="267" r:id="rId10"/>
-    <p:sldId id="268" r:id="rId11"/>
-    <p:sldId id="261" r:id="rId12"/>
-    <p:sldId id="262" r:id="rId13"/>
-    <p:sldId id="263" r:id="rId14"/>
+    <p:sldId id="271" r:id="rId7"/>
+    <p:sldId id="265" r:id="rId8"/>
+    <p:sldId id="267" r:id="rId9"/>
+    <p:sldId id="268" r:id="rId10"/>
+    <p:sldId id="261" r:id="rId11"/>
+    <p:sldId id="262" r:id="rId12"/>
+    <p:sldId id="263" r:id="rId13"/>
   </p:sldIdLst>
   <p:sldSz cx="9144000" cy="6858000" type="screen4x3"/>
   <p:notesSz cx="6858000" cy="9144000"/>
@@ -2384,753 +2383,6 @@
 </file>
 
 <file path=ppt/diagrams/colors4.xml><?xml version="1.0" encoding="utf-8"?>
-<dgm:colorsDef xmlns:dgm="http://schemas.openxmlformats.org/drawingml/2006/diagram" xmlns:a="http://schemas.openxmlformats.org/drawingml/2006/main" uniqueId="urn:microsoft.com/office/officeart/2005/8/colors/accent1_2">
-  <dgm:title val=""/>
-  <dgm:desc val=""/>
-  <dgm:catLst>
-    <dgm:cat type="accent1" pri="11200"/>
-  </dgm:catLst>
-  <dgm:styleLbl name="node0">
-    <dgm:fillClrLst meth="repeat">
-      <a:schemeClr val="accent1"/>
-    </dgm:fillClrLst>
-    <dgm:linClrLst meth="repeat">
-      <a:schemeClr val="lt1"/>
-    </dgm:linClrLst>
-    <dgm:effectClrLst/>
-    <dgm:txLinClrLst/>
-    <dgm:txFillClrLst/>
-    <dgm:txEffectClrLst/>
-  </dgm:styleLbl>
-  <dgm:styleLbl name="alignNode1">
-    <dgm:fillClrLst meth="repeat">
-      <a:schemeClr val="accent1"/>
-    </dgm:fillClrLst>
-    <dgm:linClrLst meth="repeat">
-      <a:schemeClr val="accent1"/>
-    </dgm:linClrLst>
-    <dgm:effectClrLst/>
-    <dgm:txLinClrLst/>
-    <dgm:txFillClrLst/>
-    <dgm:txEffectClrLst/>
-  </dgm:styleLbl>
-  <dgm:styleLbl name="node1">
-    <dgm:fillClrLst meth="repeat">
-      <a:schemeClr val="accent1"/>
-    </dgm:fillClrLst>
-    <dgm:linClrLst meth="repeat">
-      <a:schemeClr val="lt1"/>
-    </dgm:linClrLst>
-    <dgm:effectClrLst/>
-    <dgm:txLinClrLst/>
-    <dgm:txFillClrLst/>
-    <dgm:txEffectClrLst/>
-  </dgm:styleLbl>
-  <dgm:styleLbl name="lnNode1">
-    <dgm:fillClrLst meth="repeat">
-      <a:schemeClr val="accent1"/>
-    </dgm:fillClrLst>
-    <dgm:linClrLst meth="repeat">
-      <a:schemeClr val="lt1"/>
-    </dgm:linClrLst>
-    <dgm:effectClrLst/>
-    <dgm:txLinClrLst/>
-    <dgm:txFillClrLst/>
-    <dgm:txEffectClrLst/>
-  </dgm:styleLbl>
-  <dgm:styleLbl name="vennNode1">
-    <dgm:fillClrLst meth="repeat">
-      <a:schemeClr val="accent1">
-        <a:alpha val="50000"/>
-      </a:schemeClr>
-    </dgm:fillClrLst>
-    <dgm:linClrLst meth="repeat">
-      <a:schemeClr val="lt1"/>
-    </dgm:linClrLst>
-    <dgm:effectClrLst/>
-    <dgm:txLinClrLst/>
-    <dgm:txFillClrLst/>
-    <dgm:txEffectClrLst/>
-  </dgm:styleLbl>
-  <dgm:styleLbl name="node2">
-    <dgm:fillClrLst meth="repeat">
-      <a:schemeClr val="accent1"/>
-    </dgm:fillClrLst>
-    <dgm:linClrLst meth="repeat">
-      <a:schemeClr val="lt1"/>
-    </dgm:linClrLst>
-    <dgm:effectClrLst/>
-    <dgm:txLinClrLst/>
-    <dgm:txFillClrLst/>
-    <dgm:txEffectClrLst/>
-  </dgm:styleLbl>
-  <dgm:styleLbl name="node3">
-    <dgm:fillClrLst meth="repeat">
-      <a:schemeClr val="accent1"/>
-    </dgm:fillClrLst>
-    <dgm:linClrLst meth="repeat">
-      <a:schemeClr val="lt1"/>
-    </dgm:linClrLst>
-    <dgm:effectClrLst/>
-    <dgm:txLinClrLst/>
-    <dgm:txFillClrLst/>
-    <dgm:txEffectClrLst/>
-  </dgm:styleLbl>
-  <dgm:styleLbl name="node4">
-    <dgm:fillClrLst meth="repeat">
-      <a:schemeClr val="accent1"/>
-    </dgm:fillClrLst>
-    <dgm:linClrLst meth="repeat">
-      <a:schemeClr val="lt1"/>
-    </dgm:linClrLst>
-    <dgm:effectClrLst/>
-    <dgm:txLinClrLst/>
-    <dgm:txFillClrLst/>
-    <dgm:txEffectClrLst/>
-  </dgm:styleLbl>
-  <dgm:styleLbl name="fgImgPlace1">
-    <dgm:fillClrLst meth="repeat">
-      <a:schemeClr val="accent1">
-        <a:tint val="50000"/>
-      </a:schemeClr>
-    </dgm:fillClrLst>
-    <dgm:linClrLst meth="repeat">
-      <a:schemeClr val="lt1"/>
-    </dgm:linClrLst>
-    <dgm:effectClrLst/>
-    <dgm:txLinClrLst/>
-    <dgm:txFillClrLst meth="repeat">
-      <a:schemeClr val="lt1"/>
-    </dgm:txFillClrLst>
-    <dgm:txEffectClrLst/>
-  </dgm:styleLbl>
-  <dgm:styleLbl name="alignImgPlace1">
-    <dgm:fillClrLst meth="repeat">
-      <a:schemeClr val="accent1">
-        <a:tint val="50000"/>
-      </a:schemeClr>
-    </dgm:fillClrLst>
-    <dgm:linClrLst meth="repeat">
-      <a:schemeClr val="lt1"/>
-    </dgm:linClrLst>
-    <dgm:effectClrLst/>
-    <dgm:txLinClrLst/>
-    <dgm:txFillClrLst meth="repeat">
-      <a:schemeClr val="lt1"/>
-    </dgm:txFillClrLst>
-    <dgm:txEffectClrLst/>
-  </dgm:styleLbl>
-  <dgm:styleLbl name="bgImgPlace1">
-    <dgm:fillClrLst meth="repeat">
-      <a:schemeClr val="accent1">
-        <a:tint val="50000"/>
-      </a:schemeClr>
-    </dgm:fillClrLst>
-    <dgm:linClrLst meth="repeat">
-      <a:schemeClr val="lt1"/>
-    </dgm:linClrLst>
-    <dgm:effectClrLst/>
-    <dgm:txLinClrLst/>
-    <dgm:txFillClrLst meth="repeat">
-      <a:schemeClr val="lt1"/>
-    </dgm:txFillClrLst>
-    <dgm:txEffectClrLst/>
-  </dgm:styleLbl>
-  <dgm:styleLbl name="sibTrans2D1">
-    <dgm:fillClrLst meth="repeat">
-      <a:schemeClr val="accent1">
-        <a:tint val="60000"/>
-      </a:schemeClr>
-    </dgm:fillClrLst>
-    <dgm:linClrLst meth="repeat">
-      <a:schemeClr val="accent1">
-        <a:tint val="60000"/>
-      </a:schemeClr>
-    </dgm:linClrLst>
-    <dgm:effectClrLst/>
-    <dgm:txLinClrLst/>
-    <dgm:txFillClrLst/>
-    <dgm:txEffectClrLst/>
-  </dgm:styleLbl>
-  <dgm:styleLbl name="fgSibTrans2D1">
-    <dgm:fillClrLst meth="repeat">
-      <a:schemeClr val="accent1">
-        <a:tint val="60000"/>
-      </a:schemeClr>
-    </dgm:fillClrLst>
-    <dgm:linClrLst meth="repeat">
-      <a:schemeClr val="accent1">
-        <a:tint val="60000"/>
-      </a:schemeClr>
-    </dgm:linClrLst>
-    <dgm:effectClrLst/>
-    <dgm:txLinClrLst/>
-    <dgm:txFillClrLst/>
-    <dgm:txEffectClrLst/>
-  </dgm:styleLbl>
-  <dgm:styleLbl name="bgSibTrans2D1">
-    <dgm:fillClrLst meth="repeat">
-      <a:schemeClr val="accent1">
-        <a:tint val="60000"/>
-      </a:schemeClr>
-    </dgm:fillClrLst>
-    <dgm:linClrLst meth="repeat">
-      <a:schemeClr val="accent1">
-        <a:tint val="60000"/>
-      </a:schemeClr>
-    </dgm:linClrLst>
-    <dgm:effectClrLst/>
-    <dgm:txLinClrLst/>
-    <dgm:txFillClrLst/>
-    <dgm:txEffectClrLst/>
-  </dgm:styleLbl>
-  <dgm:styleLbl name="sibTrans1D1">
-    <dgm:fillClrLst meth="repeat">
-      <a:schemeClr val="accent1"/>
-    </dgm:fillClrLst>
-    <dgm:linClrLst meth="repeat">
-      <a:schemeClr val="accent1"/>
-    </dgm:linClrLst>
-    <dgm:effectClrLst/>
-    <dgm:txLinClrLst/>
-    <dgm:txFillClrLst meth="repeat">
-      <a:schemeClr val="tx1"/>
-    </dgm:txFillClrLst>
-    <dgm:txEffectClrLst/>
-  </dgm:styleLbl>
-  <dgm:styleLbl name="callout">
-    <dgm:fillClrLst meth="repeat">
-      <a:schemeClr val="accent1"/>
-    </dgm:fillClrLst>
-    <dgm:linClrLst meth="repeat">
-      <a:schemeClr val="accent1">
-        <a:tint val="50000"/>
-      </a:schemeClr>
-    </dgm:linClrLst>
-    <dgm:effectClrLst/>
-    <dgm:txLinClrLst/>
-    <dgm:txFillClrLst meth="repeat">
-      <a:schemeClr val="tx1"/>
-    </dgm:txFillClrLst>
-    <dgm:txEffectClrLst/>
-  </dgm:styleLbl>
-  <dgm:styleLbl name="asst0">
-    <dgm:fillClrLst meth="repeat">
-      <a:schemeClr val="accent1"/>
-    </dgm:fillClrLst>
-    <dgm:linClrLst meth="repeat">
-      <a:schemeClr val="lt1"/>
-    </dgm:linClrLst>
-    <dgm:effectClrLst/>
-    <dgm:txLinClrLst/>
-    <dgm:txFillClrLst/>
-    <dgm:txEffectClrLst/>
-  </dgm:styleLbl>
-  <dgm:styleLbl name="asst1">
-    <dgm:fillClrLst meth="repeat">
-      <a:schemeClr val="accent1"/>
-    </dgm:fillClrLst>
-    <dgm:linClrLst meth="repeat">
-      <a:schemeClr val="lt1"/>
-    </dgm:linClrLst>
-    <dgm:effectClrLst/>
-    <dgm:txLinClrLst/>
-    <dgm:txFillClrLst/>
-    <dgm:txEffectClrLst/>
-  </dgm:styleLbl>
-  <dgm:styleLbl name="asst2">
-    <dgm:fillClrLst meth="repeat">
-      <a:schemeClr val="accent1"/>
-    </dgm:fillClrLst>
-    <dgm:linClrLst meth="repeat">
-      <a:schemeClr val="lt1"/>
-    </dgm:linClrLst>
-    <dgm:effectClrLst/>
-    <dgm:txLinClrLst/>
-    <dgm:txFillClrLst/>
-    <dgm:txEffectClrLst/>
-  </dgm:styleLbl>
-  <dgm:styleLbl name="asst3">
-    <dgm:fillClrLst meth="repeat">
-      <a:schemeClr val="accent1"/>
-    </dgm:fillClrLst>
-    <dgm:linClrLst meth="repeat">
-      <a:schemeClr val="lt1"/>
-    </dgm:linClrLst>
-    <dgm:effectClrLst/>
-    <dgm:txLinClrLst/>
-    <dgm:txFillClrLst/>
-    <dgm:txEffectClrLst/>
-  </dgm:styleLbl>
-  <dgm:styleLbl name="asst4">
-    <dgm:fillClrLst meth="repeat">
-      <a:schemeClr val="accent1"/>
-    </dgm:fillClrLst>
-    <dgm:linClrLst meth="repeat">
-      <a:schemeClr val="lt1"/>
-    </dgm:linClrLst>
-    <dgm:effectClrLst/>
-    <dgm:txLinClrLst/>
-    <dgm:txFillClrLst/>
-    <dgm:txEffectClrLst/>
-  </dgm:styleLbl>
-  <dgm:styleLbl name="parChTrans2D1">
-    <dgm:fillClrLst meth="repeat">
-      <a:schemeClr val="accent1">
-        <a:tint val="60000"/>
-      </a:schemeClr>
-    </dgm:fillClrLst>
-    <dgm:linClrLst meth="repeat">
-      <a:schemeClr val="accent1">
-        <a:tint val="60000"/>
-      </a:schemeClr>
-    </dgm:linClrLst>
-    <dgm:effectClrLst/>
-    <dgm:txLinClrLst/>
-    <dgm:txFillClrLst meth="repeat">
-      <a:schemeClr val="lt1"/>
-    </dgm:txFillClrLst>
-    <dgm:txEffectClrLst/>
-  </dgm:styleLbl>
-  <dgm:styleLbl name="parChTrans2D2">
-    <dgm:fillClrLst meth="repeat">
-      <a:schemeClr val="accent1"/>
-    </dgm:fillClrLst>
-    <dgm:linClrLst meth="repeat">
-      <a:schemeClr val="accent1"/>
-    </dgm:linClrLst>
-    <dgm:effectClrLst/>
-    <dgm:txLinClrLst/>
-    <dgm:txFillClrLst meth="repeat">
-      <a:schemeClr val="lt1"/>
-    </dgm:txFillClrLst>
-    <dgm:txEffectClrLst/>
-  </dgm:styleLbl>
-  <dgm:styleLbl name="parChTrans2D3">
-    <dgm:fillClrLst meth="repeat">
-      <a:schemeClr val="accent1"/>
-    </dgm:fillClrLst>
-    <dgm:linClrLst meth="repeat">
-      <a:schemeClr val="accent1"/>
-    </dgm:linClrLst>
-    <dgm:effectClrLst/>
-    <dgm:txLinClrLst/>
-    <dgm:txFillClrLst meth="repeat">
-      <a:schemeClr val="lt1"/>
-    </dgm:txFillClrLst>
-    <dgm:txEffectClrLst/>
-  </dgm:styleLbl>
-  <dgm:styleLbl name="parChTrans2D4">
-    <dgm:fillClrLst meth="repeat">
-      <a:schemeClr val="accent1"/>
-    </dgm:fillClrLst>
-    <dgm:linClrLst meth="repeat">
-      <a:schemeClr val="accent1"/>
-    </dgm:linClrLst>
-    <dgm:effectClrLst/>
-    <dgm:txLinClrLst/>
-    <dgm:txFillClrLst meth="repeat">
-      <a:schemeClr val="lt1"/>
-    </dgm:txFillClrLst>
-    <dgm:txEffectClrLst/>
-  </dgm:styleLbl>
-  <dgm:styleLbl name="parChTrans1D1">
-    <dgm:fillClrLst meth="repeat">
-      <a:schemeClr val="accent1"/>
-    </dgm:fillClrLst>
-    <dgm:linClrLst meth="repeat">
-      <a:schemeClr val="accent1">
-        <a:shade val="60000"/>
-      </a:schemeClr>
-    </dgm:linClrLst>
-    <dgm:effectClrLst/>
-    <dgm:txLinClrLst/>
-    <dgm:txFillClrLst meth="repeat">
-      <a:schemeClr val="tx1"/>
-    </dgm:txFillClrLst>
-    <dgm:txEffectClrLst/>
-  </dgm:styleLbl>
-  <dgm:styleLbl name="parChTrans1D2">
-    <dgm:fillClrLst meth="repeat">
-      <a:schemeClr val="accent1"/>
-    </dgm:fillClrLst>
-    <dgm:linClrLst meth="repeat">
-      <a:schemeClr val="accent1">
-        <a:shade val="60000"/>
-      </a:schemeClr>
-    </dgm:linClrLst>
-    <dgm:effectClrLst/>
-    <dgm:txLinClrLst/>
-    <dgm:txFillClrLst meth="repeat">
-      <a:schemeClr val="tx1"/>
-    </dgm:txFillClrLst>
-    <dgm:txEffectClrLst/>
-  </dgm:styleLbl>
-  <dgm:styleLbl name="parChTrans1D3">
-    <dgm:fillClrLst meth="repeat">
-      <a:schemeClr val="accent1"/>
-    </dgm:fillClrLst>
-    <dgm:linClrLst meth="repeat">
-      <a:schemeClr val="accent1">
-        <a:shade val="80000"/>
-      </a:schemeClr>
-    </dgm:linClrLst>
-    <dgm:effectClrLst/>
-    <dgm:txLinClrLst/>
-    <dgm:txFillClrLst meth="repeat">
-      <a:schemeClr val="tx1"/>
-    </dgm:txFillClrLst>
-    <dgm:txEffectClrLst/>
-  </dgm:styleLbl>
-  <dgm:styleLbl name="parChTrans1D4">
-    <dgm:fillClrLst meth="repeat">
-      <a:schemeClr val="accent1"/>
-    </dgm:fillClrLst>
-    <dgm:linClrLst meth="repeat">
-      <a:schemeClr val="accent1">
-        <a:shade val="80000"/>
-      </a:schemeClr>
-    </dgm:linClrLst>
-    <dgm:effectClrLst/>
-    <dgm:txLinClrLst/>
-    <dgm:txFillClrLst meth="repeat">
-      <a:schemeClr val="tx1"/>
-    </dgm:txFillClrLst>
-    <dgm:txEffectClrLst/>
-  </dgm:styleLbl>
-  <dgm:styleLbl name="fgAcc1">
-    <dgm:fillClrLst meth="repeat">
-      <a:schemeClr val="lt1">
-        <a:alpha val="90000"/>
-      </a:schemeClr>
-    </dgm:fillClrLst>
-    <dgm:linClrLst meth="repeat">
-      <a:schemeClr val="accent1"/>
-    </dgm:linClrLst>
-    <dgm:effectClrLst/>
-    <dgm:txLinClrLst/>
-    <dgm:txFillClrLst meth="repeat">
-      <a:schemeClr val="dk1"/>
-    </dgm:txFillClrLst>
-    <dgm:txEffectClrLst/>
-  </dgm:styleLbl>
-  <dgm:styleLbl name="conFgAcc1">
-    <dgm:fillClrLst meth="repeat">
-      <a:schemeClr val="lt1">
-        <a:alpha val="90000"/>
-      </a:schemeClr>
-    </dgm:fillClrLst>
-    <dgm:linClrLst meth="repeat">
-      <a:schemeClr val="accent1"/>
-    </dgm:linClrLst>
-    <dgm:effectClrLst/>
-    <dgm:txLinClrLst/>
-    <dgm:txFillClrLst meth="repeat">
-      <a:schemeClr val="dk1"/>
-    </dgm:txFillClrLst>
-    <dgm:txEffectClrLst/>
-  </dgm:styleLbl>
-  <dgm:styleLbl name="alignAcc1">
-    <dgm:fillClrLst meth="repeat">
-      <a:schemeClr val="lt1">
-        <a:alpha val="90000"/>
-      </a:schemeClr>
-    </dgm:fillClrLst>
-    <dgm:linClrLst meth="repeat">
-      <a:schemeClr val="accent1"/>
-    </dgm:linClrLst>
-    <dgm:effectClrLst/>
-    <dgm:txLinClrLst/>
-    <dgm:txFillClrLst meth="repeat">
-      <a:schemeClr val="dk1"/>
-    </dgm:txFillClrLst>
-    <dgm:txEffectClrLst/>
-  </dgm:styleLbl>
-  <dgm:styleLbl name="trAlignAcc1">
-    <dgm:fillClrLst meth="repeat">
-      <a:schemeClr val="lt1">
-        <a:alpha val="40000"/>
-      </a:schemeClr>
-    </dgm:fillClrLst>
-    <dgm:linClrLst meth="repeat">
-      <a:schemeClr val="accent1"/>
-    </dgm:linClrLst>
-    <dgm:effectClrLst/>
-    <dgm:txLinClrLst/>
-    <dgm:txFillClrLst meth="repeat">
-      <a:schemeClr val="dk1"/>
-    </dgm:txFillClrLst>
-    <dgm:txEffectClrLst/>
-  </dgm:styleLbl>
-  <dgm:styleLbl name="bgAcc1">
-    <dgm:fillClrLst meth="repeat">
-      <a:schemeClr val="lt1">
-        <a:alpha val="90000"/>
-      </a:schemeClr>
-    </dgm:fillClrLst>
-    <dgm:linClrLst meth="repeat">
-      <a:schemeClr val="accent1"/>
-    </dgm:linClrLst>
-    <dgm:effectClrLst/>
-    <dgm:txLinClrLst/>
-    <dgm:txFillClrLst meth="repeat">
-      <a:schemeClr val="dk1"/>
-    </dgm:txFillClrLst>
-    <dgm:txEffectClrLst/>
-  </dgm:styleLbl>
-  <dgm:styleLbl name="solidFgAcc1">
-    <dgm:fillClrLst meth="repeat">
-      <a:schemeClr val="lt1"/>
-    </dgm:fillClrLst>
-    <dgm:linClrLst meth="repeat">
-      <a:schemeClr val="accent1"/>
-    </dgm:linClrLst>
-    <dgm:effectClrLst/>
-    <dgm:txLinClrLst/>
-    <dgm:txFillClrLst meth="repeat">
-      <a:schemeClr val="dk1"/>
-    </dgm:txFillClrLst>
-    <dgm:txEffectClrLst/>
-  </dgm:styleLbl>
-  <dgm:styleLbl name="solidAlignAcc1">
-    <dgm:fillClrLst meth="repeat">
-      <a:schemeClr val="lt1"/>
-    </dgm:fillClrLst>
-    <dgm:linClrLst meth="repeat">
-      <a:schemeClr val="accent1"/>
-    </dgm:linClrLst>
-    <dgm:effectClrLst/>
-    <dgm:txLinClrLst/>
-    <dgm:txFillClrLst meth="repeat">
-      <a:schemeClr val="dk1"/>
-    </dgm:txFillClrLst>
-    <dgm:txEffectClrLst/>
-  </dgm:styleLbl>
-  <dgm:styleLbl name="solidBgAcc1">
-    <dgm:fillClrLst meth="repeat">
-      <a:schemeClr val="lt1"/>
-    </dgm:fillClrLst>
-    <dgm:linClrLst meth="repeat">
-      <a:schemeClr val="accent1"/>
-    </dgm:linClrLst>
-    <dgm:effectClrLst/>
-    <dgm:txLinClrLst/>
-    <dgm:txFillClrLst meth="repeat">
-      <a:schemeClr val="dk1"/>
-    </dgm:txFillClrLst>
-    <dgm:txEffectClrLst/>
-  </dgm:styleLbl>
-  <dgm:styleLbl name="fgAccFollowNode1">
-    <dgm:fillClrLst meth="repeat">
-      <a:schemeClr val="accent1">
-        <a:alpha val="90000"/>
-        <a:tint val="40000"/>
-      </a:schemeClr>
-    </dgm:fillClrLst>
-    <dgm:linClrLst meth="repeat">
-      <a:schemeClr val="accent1">
-        <a:alpha val="90000"/>
-        <a:tint val="40000"/>
-      </a:schemeClr>
-    </dgm:linClrLst>
-    <dgm:effectClrLst/>
-    <dgm:txLinClrLst/>
-    <dgm:txFillClrLst meth="repeat">
-      <a:schemeClr val="dk1"/>
-    </dgm:txFillClrLst>
-    <dgm:txEffectClrLst/>
-  </dgm:styleLbl>
-  <dgm:styleLbl name="alignAccFollowNode1">
-    <dgm:fillClrLst meth="repeat">
-      <a:schemeClr val="accent1">
-        <a:alpha val="90000"/>
-        <a:tint val="40000"/>
-      </a:schemeClr>
-    </dgm:fillClrLst>
-    <dgm:linClrLst meth="repeat">
-      <a:schemeClr val="accent1">
-        <a:alpha val="90000"/>
-        <a:tint val="40000"/>
-      </a:schemeClr>
-    </dgm:linClrLst>
-    <dgm:effectClrLst/>
-    <dgm:txLinClrLst/>
-    <dgm:txFillClrLst meth="repeat">
-      <a:schemeClr val="dk1"/>
-    </dgm:txFillClrLst>
-    <dgm:txEffectClrLst/>
-  </dgm:styleLbl>
-  <dgm:styleLbl name="bgAccFollowNode1">
-    <dgm:fillClrLst meth="repeat">
-      <a:schemeClr val="accent1">
-        <a:alpha val="90000"/>
-        <a:tint val="40000"/>
-      </a:schemeClr>
-    </dgm:fillClrLst>
-    <dgm:linClrLst meth="repeat">
-      <a:schemeClr val="accent1">
-        <a:alpha val="90000"/>
-        <a:tint val="40000"/>
-      </a:schemeClr>
-    </dgm:linClrLst>
-    <dgm:effectClrLst/>
-    <dgm:txLinClrLst/>
-    <dgm:txFillClrLst meth="repeat">
-      <a:schemeClr val="dk1"/>
-    </dgm:txFillClrLst>
-    <dgm:txEffectClrLst/>
-  </dgm:styleLbl>
-  <dgm:styleLbl name="fgAcc0">
-    <dgm:fillClrLst meth="repeat">
-      <a:schemeClr val="lt1">
-        <a:alpha val="90000"/>
-      </a:schemeClr>
-    </dgm:fillClrLst>
-    <dgm:linClrLst meth="repeat">
-      <a:schemeClr val="accent1"/>
-    </dgm:linClrLst>
-    <dgm:effectClrLst/>
-    <dgm:txLinClrLst/>
-    <dgm:txFillClrLst meth="repeat">
-      <a:schemeClr val="dk1"/>
-    </dgm:txFillClrLst>
-    <dgm:txEffectClrLst/>
-  </dgm:styleLbl>
-  <dgm:styleLbl name="fgAcc2">
-    <dgm:fillClrLst meth="repeat">
-      <a:schemeClr val="lt1">
-        <a:alpha val="90000"/>
-      </a:schemeClr>
-    </dgm:fillClrLst>
-    <dgm:linClrLst meth="repeat">
-      <a:schemeClr val="accent1"/>
-    </dgm:linClrLst>
-    <dgm:effectClrLst/>
-    <dgm:txLinClrLst/>
-    <dgm:txFillClrLst meth="repeat">
-      <a:schemeClr val="dk1"/>
-    </dgm:txFillClrLst>
-    <dgm:txEffectClrLst/>
-  </dgm:styleLbl>
-  <dgm:styleLbl name="fgAcc3">
-    <dgm:fillClrLst meth="repeat">
-      <a:schemeClr val="lt1">
-        <a:alpha val="90000"/>
-      </a:schemeClr>
-    </dgm:fillClrLst>
-    <dgm:linClrLst meth="repeat">
-      <a:schemeClr val="accent1"/>
-    </dgm:linClrLst>
-    <dgm:effectClrLst/>
-    <dgm:txLinClrLst/>
-    <dgm:txFillClrLst meth="repeat">
-      <a:schemeClr val="dk1"/>
-    </dgm:txFillClrLst>
-    <dgm:txEffectClrLst/>
-  </dgm:styleLbl>
-  <dgm:styleLbl name="fgAcc4">
-    <dgm:fillClrLst meth="repeat">
-      <a:schemeClr val="lt1">
-        <a:alpha val="90000"/>
-      </a:schemeClr>
-    </dgm:fillClrLst>
-    <dgm:linClrLst meth="repeat">
-      <a:schemeClr val="accent1"/>
-    </dgm:linClrLst>
-    <dgm:effectClrLst/>
-    <dgm:txLinClrLst/>
-    <dgm:txFillClrLst meth="repeat">
-      <a:schemeClr val="dk1"/>
-    </dgm:txFillClrLst>
-    <dgm:txEffectClrLst/>
-  </dgm:styleLbl>
-  <dgm:styleLbl name="bgShp">
-    <dgm:fillClrLst meth="repeat">
-      <a:schemeClr val="accent1">
-        <a:tint val="40000"/>
-      </a:schemeClr>
-    </dgm:fillClrLst>
-    <dgm:linClrLst meth="repeat">
-      <a:schemeClr val="accent1"/>
-    </dgm:linClrLst>
-    <dgm:effectClrLst/>
-    <dgm:txLinClrLst/>
-    <dgm:txFillClrLst meth="repeat">
-      <a:schemeClr val="dk1"/>
-    </dgm:txFillClrLst>
-    <dgm:txEffectClrLst/>
-  </dgm:styleLbl>
-  <dgm:styleLbl name="dkBgShp">
-    <dgm:fillClrLst meth="repeat">
-      <a:schemeClr val="accent1">
-        <a:shade val="80000"/>
-      </a:schemeClr>
-    </dgm:fillClrLst>
-    <dgm:linClrLst meth="repeat">
-      <a:schemeClr val="accent1"/>
-    </dgm:linClrLst>
-    <dgm:effectClrLst/>
-    <dgm:txLinClrLst/>
-    <dgm:txFillClrLst meth="repeat">
-      <a:schemeClr val="lt1"/>
-    </dgm:txFillClrLst>
-    <dgm:txEffectClrLst/>
-  </dgm:styleLbl>
-  <dgm:styleLbl name="trBgShp">
-    <dgm:fillClrLst meth="repeat">
-      <a:schemeClr val="accent1">
-        <a:tint val="50000"/>
-        <a:alpha val="40000"/>
-      </a:schemeClr>
-    </dgm:fillClrLst>
-    <dgm:linClrLst meth="repeat">
-      <a:schemeClr val="accent1"/>
-    </dgm:linClrLst>
-    <dgm:effectClrLst/>
-    <dgm:txLinClrLst/>
-    <dgm:txFillClrLst meth="repeat">
-      <a:schemeClr val="lt1"/>
-    </dgm:txFillClrLst>
-    <dgm:txEffectClrLst/>
-  </dgm:styleLbl>
-  <dgm:styleLbl name="fgShp">
-    <dgm:fillClrLst meth="repeat">
-      <a:schemeClr val="accent1">
-        <a:tint val="60000"/>
-      </a:schemeClr>
-    </dgm:fillClrLst>
-    <dgm:linClrLst meth="repeat">
-      <a:schemeClr val="lt1"/>
-    </dgm:linClrLst>
-    <dgm:effectClrLst/>
-    <dgm:txLinClrLst/>
-    <dgm:txFillClrLst meth="repeat">
-      <a:schemeClr val="dk1"/>
-    </dgm:txFillClrLst>
-    <dgm:txEffectClrLst/>
-  </dgm:styleLbl>
-  <dgm:styleLbl name="revTx">
-    <dgm:fillClrLst meth="repeat">
-      <a:schemeClr val="lt1">
-        <a:alpha val="0"/>
-      </a:schemeClr>
-    </dgm:fillClrLst>
-    <dgm:linClrLst meth="repeat">
-      <a:schemeClr val="dk1">
-        <a:alpha val="0"/>
-      </a:schemeClr>
-    </dgm:linClrLst>
-    <dgm:effectClrLst/>
-    <dgm:txLinClrLst/>
-    <dgm:txFillClrLst meth="repeat">
-      <a:schemeClr val="tx1"/>
-    </dgm:txFillClrLst>
-    <dgm:txEffectClrLst/>
-  </dgm:styleLbl>
-</dgm:colorsDef>
-</file>
-
-<file path=ppt/diagrams/colors5.xml><?xml version="1.0" encoding="utf-8"?>
 <dgm:colorsDef xmlns:dgm="http://schemas.openxmlformats.org/drawingml/2006/diagram" xmlns:a="http://schemas.openxmlformats.org/drawingml/2006/main" uniqueId="urn:microsoft.com/office/officeart/2005/8/colors/accent1_2">
   <dgm:title val=""/>
   <dgm:desc val=""/>
@@ -4043,10 +3295,16 @@
         <a:lstStyle/>
         <a:p>
           <a:r>
-            <a:rPr lang="en-US"/>
-            <a:t>Desire to understand the users—readers and writers—and wattpad’s global footprint.</a:t>
+            <a:rPr lang="en-US" dirty="0"/>
+            <a:t>Desire to understand the users—readers and writers—and </a:t>
           </a:r>
-          <a:endParaRPr lang="en-US" dirty="0"/>
+          <a:br>
+            <a:rPr lang="en-US" dirty="0"/>
+          </a:br>
+          <a:r>
+            <a:rPr lang="en-US" dirty="0"/>
+            <a:t>Wattpad’s global footprint.</a:t>
+          </a:r>
         </a:p>
       </dgm:t>
     </dgm:pt>
@@ -4081,23 +3339,7 @@
         <a:p>
           <a:r>
             <a:rPr lang="en-US" dirty="0"/>
-            <a:t>The ability to answer these questions using the </a:t>
-          </a:r>
-          <a:r>
-            <a:rPr lang="en-US" dirty="0" err="1"/>
-            <a:t>wattpad</a:t>
-          </a:r>
-          <a:r>
-            <a:rPr lang="en-US" dirty="0"/>
-            <a:t> </a:t>
-          </a:r>
-          <a:r>
-            <a:rPr lang="en-US" dirty="0" err="1"/>
-            <a:t>api</a:t>
-          </a:r>
-          <a:r>
-            <a:rPr lang="en-US" dirty="0"/>
-            <a:t> was very unsatisfactory after reviewing the data. </a:t>
+            <a:t>The dataset available from the Wattpad API does not represent historical usage of the app. User data was not available, so research questions focused on story data.</a:t>
           </a:r>
         </a:p>
       </dgm:t>
@@ -4298,13 +3540,8 @@
         <a:p>
           <a:r>
             <a:rPr lang="en-US" dirty="0"/>
-            <a:t>3. Pulling Data into </a:t>
+            <a:t>3. Pulling Data into Data Frame</a:t>
           </a:r>
-          <a:r>
-            <a:rPr lang="en-US" dirty="0" err="1"/>
-            <a:t>DataFrame</a:t>
-          </a:r>
-          <a:endParaRPr lang="en-US" dirty="0"/>
         </a:p>
       </dgm:t>
     </dgm:pt>
@@ -4510,121 +3747,7 @@
         </a:p>
       </dgm:t>
     </dgm:pt>
-    <dgm:pt modelId="{689EE40F-58C5-4899-994D-A0AE7C37F287}" type="pres">
-      <dgm:prSet presAssocID="{99D679E9-0302-437B-84C7-20469D697BBE}" presName="Name0" presStyleCnt="0">
-        <dgm:presLayoutVars>
-          <dgm:dir/>
-          <dgm:resizeHandles val="exact"/>
-        </dgm:presLayoutVars>
-      </dgm:prSet>
-      <dgm:spPr/>
-    </dgm:pt>
-    <dgm:pt modelId="{167ABEB0-BF7E-49FE-9D6F-91278D80B628}" type="pres">
-      <dgm:prSet presAssocID="{99D679E9-0302-437B-84C7-20469D697BBE}" presName="cycle" presStyleCnt="0"/>
-      <dgm:spPr/>
-    </dgm:pt>
-    <dgm:pt modelId="{04667BCA-4EF1-4F91-B042-D624289C1A7A}" type="pres">
-      <dgm:prSet presAssocID="{49597628-5326-4464-81E3-3DD76B349DB5}" presName="nodeFirstNode" presStyleLbl="node1" presStyleIdx="0" presStyleCnt="6">
-        <dgm:presLayoutVars>
-          <dgm:bulletEnabled val="1"/>
-        </dgm:presLayoutVars>
-      </dgm:prSet>
-      <dgm:spPr/>
-    </dgm:pt>
-    <dgm:pt modelId="{1A6F55E1-B9F5-4A77-A404-730300E6D30C}" type="pres">
-      <dgm:prSet presAssocID="{5B21D8A2-27C4-4089-9AD3-70C76ED63F99}" presName="sibTransFirstNode" presStyleLbl="bgShp" presStyleIdx="0" presStyleCnt="1"/>
-      <dgm:spPr/>
-    </dgm:pt>
-    <dgm:pt modelId="{BBB7A82D-0E6F-414A-AE45-B33AB0D65C7E}" type="pres">
-      <dgm:prSet presAssocID="{948E0275-6B73-4392-9A32-725FB3C246D3}" presName="nodeFollowingNodes" presStyleLbl="node1" presStyleIdx="1" presStyleCnt="6">
-        <dgm:presLayoutVars>
-          <dgm:bulletEnabled val="1"/>
-        </dgm:presLayoutVars>
-      </dgm:prSet>
-      <dgm:spPr/>
-    </dgm:pt>
-    <dgm:pt modelId="{030A2682-FA39-4C11-A835-C07983D64FD9}" type="pres">
-      <dgm:prSet presAssocID="{11DEF567-7D82-4160-893F-4C4EF499C252}" presName="nodeFollowingNodes" presStyleLbl="node1" presStyleIdx="2" presStyleCnt="6">
-        <dgm:presLayoutVars>
-          <dgm:bulletEnabled val="1"/>
-        </dgm:presLayoutVars>
-      </dgm:prSet>
-      <dgm:spPr/>
-    </dgm:pt>
-    <dgm:pt modelId="{7EA2F5B9-FE28-4D81-A98C-356AECCDBD16}" type="pres">
-      <dgm:prSet presAssocID="{942E9672-7844-494F-A646-C7E0198D3D21}" presName="nodeFollowingNodes" presStyleLbl="node1" presStyleIdx="3" presStyleCnt="6">
-        <dgm:presLayoutVars>
-          <dgm:bulletEnabled val="1"/>
-        </dgm:presLayoutVars>
-      </dgm:prSet>
-      <dgm:spPr/>
-    </dgm:pt>
-    <dgm:pt modelId="{42372FEB-4240-4BA3-A15C-4CCBF6639E85}" type="pres">
-      <dgm:prSet presAssocID="{23FB60B2-B6D6-4B6A-861F-AEABAB90B365}" presName="nodeFollowingNodes" presStyleLbl="node1" presStyleIdx="4" presStyleCnt="6">
-        <dgm:presLayoutVars>
-          <dgm:bulletEnabled val="1"/>
-        </dgm:presLayoutVars>
-      </dgm:prSet>
-      <dgm:spPr/>
-    </dgm:pt>
-    <dgm:pt modelId="{94A22519-3E4A-47D6-976D-EB8C619BA936}" type="pres">
-      <dgm:prSet presAssocID="{2D1D813F-C691-450C-883B-EBFBD7F0BE37}" presName="nodeFollowingNodes" presStyleLbl="node1" presStyleIdx="5" presStyleCnt="6">
-        <dgm:presLayoutVars>
-          <dgm:bulletEnabled val="1"/>
-        </dgm:presLayoutVars>
-      </dgm:prSet>
-      <dgm:spPr/>
-    </dgm:pt>
-  </dgm:ptLst>
-  <dgm:cxnLst>
-    <dgm:cxn modelId="{8668DC2D-CC2B-49D9-B260-F2A1C868B2DE}" type="presOf" srcId="{2D1D813F-C691-450C-883B-EBFBD7F0BE37}" destId="{94A22519-3E4A-47D6-976D-EB8C619BA936}" srcOrd="0" destOrd="0" presId="urn:microsoft.com/office/officeart/2005/8/layout/cycle3"/>
-    <dgm:cxn modelId="{A04D3865-563B-4DF2-AC0F-00A2A86D3914}" type="presOf" srcId="{5B21D8A2-27C4-4089-9AD3-70C76ED63F99}" destId="{1A6F55E1-B9F5-4A77-A404-730300E6D30C}" srcOrd="0" destOrd="0" presId="urn:microsoft.com/office/officeart/2005/8/layout/cycle3"/>
-    <dgm:cxn modelId="{87BF924D-1332-4880-9641-86112FC2AD0A}" type="presOf" srcId="{942E9672-7844-494F-A646-C7E0198D3D21}" destId="{7EA2F5B9-FE28-4D81-A98C-356AECCDBD16}" srcOrd="0" destOrd="0" presId="urn:microsoft.com/office/officeart/2005/8/layout/cycle3"/>
-    <dgm:cxn modelId="{5F22BD50-EB9A-4D6B-A712-AB1090B578A5}" srcId="{99D679E9-0302-437B-84C7-20469D697BBE}" destId="{942E9672-7844-494F-A646-C7E0198D3D21}" srcOrd="3" destOrd="0" parTransId="{EDFAED95-C5C4-4789-9CAE-8F6702D87D61}" sibTransId="{8EF59262-2C7B-40C0-BF43-1F58EDCC41EC}"/>
-    <dgm:cxn modelId="{A151529A-5E44-4C64-8BEE-DDAD64F941E5}" srcId="{99D679E9-0302-437B-84C7-20469D697BBE}" destId="{23FB60B2-B6D6-4B6A-861F-AEABAB90B365}" srcOrd="4" destOrd="0" parTransId="{FA561D46-EC74-429D-A4CE-F750BD823584}" sibTransId="{749D85A1-7C09-4C92-9A3D-53F921527246}"/>
-    <dgm:cxn modelId="{CE6DB8A1-CB23-4C3B-A2D7-10BE7EDD89E1}" srcId="{99D679E9-0302-437B-84C7-20469D697BBE}" destId="{948E0275-6B73-4392-9A32-725FB3C246D3}" srcOrd="1" destOrd="0" parTransId="{DF02544E-8BEF-4C9B-A5BB-E473CB486636}" sibTransId="{490FFD53-8A1B-42EB-869F-95A2582A2CC6}"/>
-    <dgm:cxn modelId="{C877BEAA-066C-4A8C-BB71-2E25F7F403C7}" srcId="{99D679E9-0302-437B-84C7-20469D697BBE}" destId="{49597628-5326-4464-81E3-3DD76B349DB5}" srcOrd="0" destOrd="0" parTransId="{4E66DF14-1D27-4F65-AB9F-7884C9581930}" sibTransId="{5B21D8A2-27C4-4089-9AD3-70C76ED63F99}"/>
-    <dgm:cxn modelId="{C6A37DAD-6C75-41C3-A231-6C4E41874EBA}" srcId="{99D679E9-0302-437B-84C7-20469D697BBE}" destId="{2D1D813F-C691-450C-883B-EBFBD7F0BE37}" srcOrd="5" destOrd="0" parTransId="{72702369-2AC6-4F3D-BBE1-DBCAD41CD9A3}" sibTransId="{719619D7-61EA-47D8-A0BA-9E8ADB9812B6}"/>
-    <dgm:cxn modelId="{B5D47ACA-4F6C-4A53-A5A1-48CCAD2CDBEB}" type="presOf" srcId="{948E0275-6B73-4392-9A32-725FB3C246D3}" destId="{BBB7A82D-0E6F-414A-AE45-B33AB0D65C7E}" srcOrd="0" destOrd="0" presId="urn:microsoft.com/office/officeart/2005/8/layout/cycle3"/>
-    <dgm:cxn modelId="{750D7BDD-02AB-4238-81F2-65465509748C}" type="presOf" srcId="{49597628-5326-4464-81E3-3DD76B349DB5}" destId="{04667BCA-4EF1-4F91-B042-D624289C1A7A}" srcOrd="0" destOrd="0" presId="urn:microsoft.com/office/officeart/2005/8/layout/cycle3"/>
-    <dgm:cxn modelId="{0D55FAE5-90D6-4F48-BC5D-13EC2C929091}" type="presOf" srcId="{99D679E9-0302-437B-84C7-20469D697BBE}" destId="{689EE40F-58C5-4899-994D-A0AE7C37F287}" srcOrd="0" destOrd="0" presId="urn:microsoft.com/office/officeart/2005/8/layout/cycle3"/>
-    <dgm:cxn modelId="{01DBB6F0-3345-49F9-A62E-7419105903D3}" srcId="{99D679E9-0302-437B-84C7-20469D697BBE}" destId="{11DEF567-7D82-4160-893F-4C4EF499C252}" srcOrd="2" destOrd="0" parTransId="{B038063A-1133-4C8A-8CF8-2C301D486058}" sibTransId="{B1BC43C3-4A00-4627-A53E-F1B7FBF76E25}"/>
-    <dgm:cxn modelId="{E02B1AF3-0B3A-4188-A621-416B26E6688E}" type="presOf" srcId="{11DEF567-7D82-4160-893F-4C4EF499C252}" destId="{030A2682-FA39-4C11-A835-C07983D64FD9}" srcOrd="0" destOrd="0" presId="urn:microsoft.com/office/officeart/2005/8/layout/cycle3"/>
-    <dgm:cxn modelId="{22F829F6-9ACD-48BB-BFF8-E7FD4118BD77}" type="presOf" srcId="{23FB60B2-B6D6-4B6A-861F-AEABAB90B365}" destId="{42372FEB-4240-4BA3-A15C-4CCBF6639E85}" srcOrd="0" destOrd="0" presId="urn:microsoft.com/office/officeart/2005/8/layout/cycle3"/>
-    <dgm:cxn modelId="{2B8D88A9-DF16-4FF8-AFF0-9BAC4A91A07A}" type="presParOf" srcId="{689EE40F-58C5-4899-994D-A0AE7C37F287}" destId="{167ABEB0-BF7E-49FE-9D6F-91278D80B628}" srcOrd="0" destOrd="0" presId="urn:microsoft.com/office/officeart/2005/8/layout/cycle3"/>
-    <dgm:cxn modelId="{779AD341-BCA3-4777-8A91-19DEF4B07C5A}" type="presParOf" srcId="{167ABEB0-BF7E-49FE-9D6F-91278D80B628}" destId="{04667BCA-4EF1-4F91-B042-D624289C1A7A}" srcOrd="0" destOrd="0" presId="urn:microsoft.com/office/officeart/2005/8/layout/cycle3"/>
-    <dgm:cxn modelId="{5A1F5988-AC84-491D-A9D4-B37FA9A55E46}" type="presParOf" srcId="{167ABEB0-BF7E-49FE-9D6F-91278D80B628}" destId="{1A6F55E1-B9F5-4A77-A404-730300E6D30C}" srcOrd="1" destOrd="0" presId="urn:microsoft.com/office/officeart/2005/8/layout/cycle3"/>
-    <dgm:cxn modelId="{5406AC9F-BF81-4A33-BBA3-B42DAFF4ACF2}" type="presParOf" srcId="{167ABEB0-BF7E-49FE-9D6F-91278D80B628}" destId="{BBB7A82D-0E6F-414A-AE45-B33AB0D65C7E}" srcOrd="2" destOrd="0" presId="urn:microsoft.com/office/officeart/2005/8/layout/cycle3"/>
-    <dgm:cxn modelId="{09487D80-1A73-4954-B6BC-ECB69625C5B6}" type="presParOf" srcId="{167ABEB0-BF7E-49FE-9D6F-91278D80B628}" destId="{030A2682-FA39-4C11-A835-C07983D64FD9}" srcOrd="3" destOrd="0" presId="urn:microsoft.com/office/officeart/2005/8/layout/cycle3"/>
-    <dgm:cxn modelId="{C7AFF32B-5DFD-469A-A38C-49C7AB439A6B}" type="presParOf" srcId="{167ABEB0-BF7E-49FE-9D6F-91278D80B628}" destId="{7EA2F5B9-FE28-4D81-A98C-356AECCDBD16}" srcOrd="4" destOrd="0" presId="urn:microsoft.com/office/officeart/2005/8/layout/cycle3"/>
-    <dgm:cxn modelId="{13E8D554-593F-4167-A34C-33C4DAD4B3B2}" type="presParOf" srcId="{167ABEB0-BF7E-49FE-9D6F-91278D80B628}" destId="{42372FEB-4240-4BA3-A15C-4CCBF6639E85}" srcOrd="5" destOrd="0" presId="urn:microsoft.com/office/officeart/2005/8/layout/cycle3"/>
-    <dgm:cxn modelId="{DBD49837-1479-417A-A2F8-B4F0FBE5A942}" type="presParOf" srcId="{167ABEB0-BF7E-49FE-9D6F-91278D80B628}" destId="{94A22519-3E4A-47D6-976D-EB8C619BA936}" srcOrd="6" destOrd="0" presId="urn:microsoft.com/office/officeart/2005/8/layout/cycle3"/>
-  </dgm:cxnLst>
-  <dgm:bg/>
-  <dgm:whole/>
-  <dgm:extLst>
-    <a:ext uri="http://schemas.microsoft.com/office/drawing/2008/diagram">
-      <dsp:dataModelExt xmlns:dsp="http://schemas.microsoft.com/office/drawing/2008/diagram" relId="rId7" minVer="http://schemas.openxmlformats.org/drawingml/2006/diagram"/>
-    </a:ext>
-  </dgm:extLst>
-</dgm:dataModel>
-</file>
-
-<file path=ppt/diagrams/data3.xml><?xml version="1.0" encoding="utf-8"?>
-<dgm:dataModel xmlns:dgm="http://schemas.openxmlformats.org/drawingml/2006/diagram" xmlns:a="http://schemas.openxmlformats.org/drawingml/2006/main">
-  <dgm:ptLst>
-    <dgm:pt modelId="{99D679E9-0302-437B-84C7-20469D697BBE}" type="doc">
-      <dgm:prSet loTypeId="urn:microsoft.com/office/officeart/2005/8/layout/cycle3" loCatId="cycle" qsTypeId="urn:microsoft.com/office/officeart/2005/8/quickstyle/simple1" qsCatId="simple" csTypeId="urn:microsoft.com/office/officeart/2005/8/colors/accent1_2" csCatId="accent1" phldr="1"/>
-      <dgm:spPr/>
-      <dgm:t>
-        <a:bodyPr/>
-        <a:lstStyle/>
-        <a:p>
-          <a:endParaRPr lang="en-US"/>
-        </a:p>
-      </dgm:t>
-    </dgm:pt>
-    <dgm:pt modelId="{47837BD0-FD7A-46C1-B657-4D41129142D3}">
+    <dgm:pt modelId="{75DD27E0-3D56-415C-859A-7C2319ABB1AB}">
       <dgm:prSet phldrT="[Text]"/>
       <dgm:spPr/>
       <dgm:t>
@@ -4633,12 +3756,12 @@
         <a:p>
           <a:r>
             <a:rPr lang="en-US" dirty="0"/>
-            <a:t>1. Pull CSV to create Visualizations</a:t>
+            <a:t>Create plots / Standard formats</a:t>
           </a:r>
         </a:p>
       </dgm:t>
     </dgm:pt>
-    <dgm:pt modelId="{9C02B5F1-BF4A-4CD1-9E66-34FC08D9C9D5}" type="parTrans" cxnId="{80B9883F-7F12-4850-BBFC-7AD6E234F803}">
+    <dgm:pt modelId="{B42F13B6-77BF-400C-8745-3C21D23C698B}" type="parTrans" cxnId="{ACBD2FEC-4832-44C8-8A93-8F266A0DAB28}">
       <dgm:prSet/>
       <dgm:spPr/>
       <dgm:t>
@@ -4649,7 +3772,7 @@
         </a:p>
       </dgm:t>
     </dgm:pt>
-    <dgm:pt modelId="{4C9E4FDD-4AFD-430E-AE89-901A33582B8F}" type="sibTrans" cxnId="{80B9883F-7F12-4850-BBFC-7AD6E234F803}">
+    <dgm:pt modelId="{1DE4F908-34B8-4514-9C84-B75DA2DD865A}" type="sibTrans" cxnId="{ACBD2FEC-4832-44C8-8A93-8F266A0DAB28}">
       <dgm:prSet/>
       <dgm:spPr/>
       <dgm:t>
@@ -4660,7 +3783,7 @@
         </a:p>
       </dgm:t>
     </dgm:pt>
-    <dgm:pt modelId="{CDDBFC5D-ECBC-44F2-8442-FB42E809FB1B}">
+    <dgm:pt modelId="{9880466F-86A2-4F94-8106-81664839037B}">
       <dgm:prSet phldrT="[Text]"/>
       <dgm:spPr/>
       <dgm:t>
@@ -4669,12 +3792,12 @@
         <a:p>
           <a:r>
             <a:rPr lang="en-US" dirty="0"/>
-            <a:t>2. Create Plots</a:t>
+            <a:t>Adjust API query / Research questions</a:t>
           </a:r>
         </a:p>
       </dgm:t>
     </dgm:pt>
-    <dgm:pt modelId="{47D45F70-B7A5-4BB5-B02B-C07ABAED0446}" type="parTrans" cxnId="{E9666822-17F3-4107-BB71-4628D6793269}">
+    <dgm:pt modelId="{CE182EE5-E6A3-4FFB-85B7-70D287FFBEE3}" type="parTrans" cxnId="{E3EFE3C8-C9BA-4C83-98B5-B95A0215E3BE}">
       <dgm:prSet/>
       <dgm:spPr/>
       <dgm:t>
@@ -4685,79 +3808,7 @@
         </a:p>
       </dgm:t>
     </dgm:pt>
-    <dgm:pt modelId="{BD4FA84A-3375-466F-9BD9-721253B66C7A}" type="sibTrans" cxnId="{E9666822-17F3-4107-BB71-4628D6793269}">
-      <dgm:prSet/>
-      <dgm:spPr/>
-      <dgm:t>
-        <a:bodyPr/>
-        <a:lstStyle/>
-        <a:p>
-          <a:endParaRPr lang="en-US"/>
-        </a:p>
-      </dgm:t>
-    </dgm:pt>
-    <dgm:pt modelId="{A709315A-C37C-497D-A3E9-5A1AB9DD21E1}">
-      <dgm:prSet phldrT="[Text]"/>
-      <dgm:spPr/>
-      <dgm:t>
-        <a:bodyPr/>
-        <a:lstStyle/>
-        <a:p>
-          <a:r>
-            <a:rPr lang="en-US" dirty="0"/>
-            <a:t>3. Standardize Plot Formatting</a:t>
-          </a:r>
-        </a:p>
-      </dgm:t>
-    </dgm:pt>
-    <dgm:pt modelId="{B13F7AE6-6B12-4A30-B3EC-CDD5AC4A635D}" type="parTrans" cxnId="{2983457C-C09A-4010-AC6D-442CF6068C31}">
-      <dgm:prSet/>
-      <dgm:spPr/>
-      <dgm:t>
-        <a:bodyPr/>
-        <a:lstStyle/>
-        <a:p>
-          <a:endParaRPr lang="en-US"/>
-        </a:p>
-      </dgm:t>
-    </dgm:pt>
-    <dgm:pt modelId="{E4820C56-FD48-4DA5-9F65-AC2E01E1556F}" type="sibTrans" cxnId="{2983457C-C09A-4010-AC6D-442CF6068C31}">
-      <dgm:prSet/>
-      <dgm:spPr/>
-      <dgm:t>
-        <a:bodyPr/>
-        <a:lstStyle/>
-        <a:p>
-          <a:endParaRPr lang="en-US"/>
-        </a:p>
-      </dgm:t>
-    </dgm:pt>
-    <dgm:pt modelId="{9A7B47BD-CBD5-44E0-AC95-28EA736CDA4E}">
-      <dgm:prSet phldrT="[Text]"/>
-      <dgm:spPr/>
-      <dgm:t>
-        <a:bodyPr/>
-        <a:lstStyle/>
-        <a:p>
-          <a:r>
-            <a:rPr lang="en-US" dirty="0"/>
-            <a:t>4. Adjust Research Questions / API query</a:t>
-          </a:r>
-        </a:p>
-      </dgm:t>
-    </dgm:pt>
-    <dgm:pt modelId="{C9529D58-3FB0-40C9-AEA2-2DC2ED05C3FD}" type="parTrans" cxnId="{DC8D971D-6585-4536-BFAA-EA6D1FF8840A}">
-      <dgm:prSet/>
-      <dgm:spPr/>
-      <dgm:t>
-        <a:bodyPr/>
-        <a:lstStyle/>
-        <a:p>
-          <a:endParaRPr lang="en-US"/>
-        </a:p>
-      </dgm:t>
-    </dgm:pt>
-    <dgm:pt modelId="{A53B0D3D-B013-4199-B21F-79F5114E4E86}" type="sibTrans" cxnId="{DC8D971D-6585-4536-BFAA-EA6D1FF8840A}">
+    <dgm:pt modelId="{1BD1693A-A857-437E-9C86-5E4A501872E3}" type="sibTrans" cxnId="{E3EFE3C8-C9BA-4C83-98B5-B95A0215E3BE}">
       <dgm:prSet/>
       <dgm:spPr/>
       <dgm:t>
@@ -4777,40 +3828,72 @@
       </dgm:prSet>
       <dgm:spPr/>
     </dgm:pt>
-    <dgm:pt modelId="{1A8DB152-674F-4646-93F9-C47B1B8706A7}" type="pres">
+    <dgm:pt modelId="{167ABEB0-BF7E-49FE-9D6F-91278D80B628}" type="pres">
       <dgm:prSet presAssocID="{99D679E9-0302-437B-84C7-20469D697BBE}" presName="cycle" presStyleCnt="0"/>
       <dgm:spPr/>
     </dgm:pt>
-    <dgm:pt modelId="{DAEB7A74-755A-4FC1-AF2E-1B59F6171EEB}" type="pres">
-      <dgm:prSet presAssocID="{47837BD0-FD7A-46C1-B657-4D41129142D3}" presName="nodeFirstNode" presStyleLbl="node1" presStyleIdx="0" presStyleCnt="4">
+    <dgm:pt modelId="{04667BCA-4EF1-4F91-B042-D624289C1A7A}" type="pres">
+      <dgm:prSet presAssocID="{49597628-5326-4464-81E3-3DD76B349DB5}" presName="nodeFirstNode" presStyleLbl="node1" presStyleIdx="0" presStyleCnt="8">
         <dgm:presLayoutVars>
           <dgm:bulletEnabled val="1"/>
         </dgm:presLayoutVars>
       </dgm:prSet>
       <dgm:spPr/>
     </dgm:pt>
-    <dgm:pt modelId="{6AA77F48-6467-4250-8201-33A2C08FAFB3}" type="pres">
-      <dgm:prSet presAssocID="{4C9E4FDD-4AFD-430E-AE89-901A33582B8F}" presName="sibTransFirstNode" presStyleLbl="bgShp" presStyleIdx="0" presStyleCnt="1"/>
+    <dgm:pt modelId="{1A6F55E1-B9F5-4A77-A404-730300E6D30C}" type="pres">
+      <dgm:prSet presAssocID="{5B21D8A2-27C4-4089-9AD3-70C76ED63F99}" presName="sibTransFirstNode" presStyleLbl="bgShp" presStyleIdx="0" presStyleCnt="1"/>
       <dgm:spPr/>
     </dgm:pt>
-    <dgm:pt modelId="{3A6AFD6C-E8DE-46A9-B4E2-02CF04D7B01A}" type="pres">
-      <dgm:prSet presAssocID="{CDDBFC5D-ECBC-44F2-8442-FB42E809FB1B}" presName="nodeFollowingNodes" presStyleLbl="node1" presStyleIdx="1" presStyleCnt="4">
+    <dgm:pt modelId="{BBB7A82D-0E6F-414A-AE45-B33AB0D65C7E}" type="pres">
+      <dgm:prSet presAssocID="{948E0275-6B73-4392-9A32-725FB3C246D3}" presName="nodeFollowingNodes" presStyleLbl="node1" presStyleIdx="1" presStyleCnt="8">
         <dgm:presLayoutVars>
           <dgm:bulletEnabled val="1"/>
         </dgm:presLayoutVars>
       </dgm:prSet>
       <dgm:spPr/>
     </dgm:pt>
-    <dgm:pt modelId="{29F9A111-7840-4259-ABAE-783A9058A573}" type="pres">
-      <dgm:prSet presAssocID="{A709315A-C37C-497D-A3E9-5A1AB9DD21E1}" presName="nodeFollowingNodes" presStyleLbl="node1" presStyleIdx="2" presStyleCnt="4">
+    <dgm:pt modelId="{030A2682-FA39-4C11-A835-C07983D64FD9}" type="pres">
+      <dgm:prSet presAssocID="{11DEF567-7D82-4160-893F-4C4EF499C252}" presName="nodeFollowingNodes" presStyleLbl="node1" presStyleIdx="2" presStyleCnt="8">
         <dgm:presLayoutVars>
           <dgm:bulletEnabled val="1"/>
         </dgm:presLayoutVars>
       </dgm:prSet>
       <dgm:spPr/>
     </dgm:pt>
-    <dgm:pt modelId="{CCFF67A0-9E18-417C-A35E-0ABAF61D5CCA}" type="pres">
-      <dgm:prSet presAssocID="{9A7B47BD-CBD5-44E0-AC95-28EA736CDA4E}" presName="nodeFollowingNodes" presStyleLbl="node1" presStyleIdx="3" presStyleCnt="4">
+    <dgm:pt modelId="{7EA2F5B9-FE28-4D81-A98C-356AECCDBD16}" type="pres">
+      <dgm:prSet presAssocID="{942E9672-7844-494F-A646-C7E0198D3D21}" presName="nodeFollowingNodes" presStyleLbl="node1" presStyleIdx="3" presStyleCnt="8">
+        <dgm:presLayoutVars>
+          <dgm:bulletEnabled val="1"/>
+        </dgm:presLayoutVars>
+      </dgm:prSet>
+      <dgm:spPr/>
+    </dgm:pt>
+    <dgm:pt modelId="{42372FEB-4240-4BA3-A15C-4CCBF6639E85}" type="pres">
+      <dgm:prSet presAssocID="{23FB60B2-B6D6-4B6A-861F-AEABAB90B365}" presName="nodeFollowingNodes" presStyleLbl="node1" presStyleIdx="4" presStyleCnt="8">
+        <dgm:presLayoutVars>
+          <dgm:bulletEnabled val="1"/>
+        </dgm:presLayoutVars>
+      </dgm:prSet>
+      <dgm:spPr/>
+    </dgm:pt>
+    <dgm:pt modelId="{94A22519-3E4A-47D6-976D-EB8C619BA936}" type="pres">
+      <dgm:prSet presAssocID="{2D1D813F-C691-450C-883B-EBFBD7F0BE37}" presName="nodeFollowingNodes" presStyleLbl="node1" presStyleIdx="5" presStyleCnt="8">
+        <dgm:presLayoutVars>
+          <dgm:bulletEnabled val="1"/>
+        </dgm:presLayoutVars>
+      </dgm:prSet>
+      <dgm:spPr/>
+    </dgm:pt>
+    <dgm:pt modelId="{10C54153-B172-4C4B-A3C4-EF7F821A7655}" type="pres">
+      <dgm:prSet presAssocID="{75DD27E0-3D56-415C-859A-7C2319ABB1AB}" presName="nodeFollowingNodes" presStyleLbl="node1" presStyleIdx="6" presStyleCnt="8">
+        <dgm:presLayoutVars>
+          <dgm:bulletEnabled val="1"/>
+        </dgm:presLayoutVars>
+      </dgm:prSet>
+      <dgm:spPr/>
+    </dgm:pt>
+    <dgm:pt modelId="{1D5FF721-57EF-4A4B-8F42-E4130B5B87FC}" type="pres">
+      <dgm:prSet presAssocID="{9880466F-86A2-4F94-8106-81664839037B}" presName="nodeFollowingNodes" presStyleLbl="node1" presStyleIdx="7" presStyleCnt="8">
         <dgm:presLayoutVars>
           <dgm:bulletEnabled val="1"/>
         </dgm:presLayoutVars>
@@ -4819,22 +3902,34 @@
     </dgm:pt>
   </dgm:ptLst>
   <dgm:cxnLst>
-    <dgm:cxn modelId="{36B2C50A-6BC0-4544-85A1-BFA31238CC8D}" type="presOf" srcId="{A709315A-C37C-497D-A3E9-5A1AB9DD21E1}" destId="{29F9A111-7840-4259-ABAE-783A9058A573}" srcOrd="0" destOrd="0" presId="urn:microsoft.com/office/officeart/2005/8/layout/cycle3"/>
-    <dgm:cxn modelId="{DC8D971D-6585-4536-BFAA-EA6D1FF8840A}" srcId="{99D679E9-0302-437B-84C7-20469D697BBE}" destId="{9A7B47BD-CBD5-44E0-AC95-28EA736CDA4E}" srcOrd="3" destOrd="0" parTransId="{C9529D58-3FB0-40C9-AEA2-2DC2ED05C3FD}" sibTransId="{A53B0D3D-B013-4199-B21F-79F5114E4E86}"/>
-    <dgm:cxn modelId="{E9666822-17F3-4107-BB71-4628D6793269}" srcId="{99D679E9-0302-437B-84C7-20469D697BBE}" destId="{CDDBFC5D-ECBC-44F2-8442-FB42E809FB1B}" srcOrd="1" destOrd="0" parTransId="{47D45F70-B7A5-4BB5-B02B-C07ABAED0446}" sibTransId="{BD4FA84A-3375-466F-9BD9-721253B66C7A}"/>
-    <dgm:cxn modelId="{80B9883F-7F12-4850-BBFC-7AD6E234F803}" srcId="{99D679E9-0302-437B-84C7-20469D697BBE}" destId="{47837BD0-FD7A-46C1-B657-4D41129142D3}" srcOrd="0" destOrd="0" parTransId="{9C02B5F1-BF4A-4CD1-9E66-34FC08D9C9D5}" sibTransId="{4C9E4FDD-4AFD-430E-AE89-901A33582B8F}"/>
-    <dgm:cxn modelId="{4151CE49-1C24-450E-96A4-8388CECF370A}" type="presOf" srcId="{4C9E4FDD-4AFD-430E-AE89-901A33582B8F}" destId="{6AA77F48-6467-4250-8201-33A2C08FAFB3}" srcOrd="0" destOrd="0" presId="urn:microsoft.com/office/officeart/2005/8/layout/cycle3"/>
-    <dgm:cxn modelId="{2983457C-C09A-4010-AC6D-442CF6068C31}" srcId="{99D679E9-0302-437B-84C7-20469D697BBE}" destId="{A709315A-C37C-497D-A3E9-5A1AB9DD21E1}" srcOrd="2" destOrd="0" parTransId="{B13F7AE6-6B12-4A30-B3EC-CDD5AC4A635D}" sibTransId="{E4820C56-FD48-4DA5-9F65-AC2E01E1556F}"/>
-    <dgm:cxn modelId="{8C65208B-8D7E-4BDA-8B20-CAFC2F014317}" type="presOf" srcId="{9A7B47BD-CBD5-44E0-AC95-28EA736CDA4E}" destId="{CCFF67A0-9E18-417C-A35E-0ABAF61D5CCA}" srcOrd="0" destOrd="0" presId="urn:microsoft.com/office/officeart/2005/8/layout/cycle3"/>
-    <dgm:cxn modelId="{05AE04BC-EFA4-4E9E-9C65-13591C43B697}" type="presOf" srcId="{47837BD0-FD7A-46C1-B657-4D41129142D3}" destId="{DAEB7A74-755A-4FC1-AF2E-1B59F6171EEB}" srcOrd="0" destOrd="0" presId="urn:microsoft.com/office/officeart/2005/8/layout/cycle3"/>
-    <dgm:cxn modelId="{196F97D0-E3BC-44AE-9A9A-E53962B89F35}" type="presOf" srcId="{CDDBFC5D-ECBC-44F2-8442-FB42E809FB1B}" destId="{3A6AFD6C-E8DE-46A9-B4E2-02CF04D7B01A}" srcOrd="0" destOrd="0" presId="urn:microsoft.com/office/officeart/2005/8/layout/cycle3"/>
+    <dgm:cxn modelId="{8668DC2D-CC2B-49D9-B260-F2A1C868B2DE}" type="presOf" srcId="{2D1D813F-C691-450C-883B-EBFBD7F0BE37}" destId="{94A22519-3E4A-47D6-976D-EB8C619BA936}" srcOrd="0" destOrd="0" presId="urn:microsoft.com/office/officeart/2005/8/layout/cycle3"/>
+    <dgm:cxn modelId="{A04D3865-563B-4DF2-AC0F-00A2A86D3914}" type="presOf" srcId="{5B21D8A2-27C4-4089-9AD3-70C76ED63F99}" destId="{1A6F55E1-B9F5-4A77-A404-730300E6D30C}" srcOrd="0" destOrd="0" presId="urn:microsoft.com/office/officeart/2005/8/layout/cycle3"/>
+    <dgm:cxn modelId="{87BF924D-1332-4880-9641-86112FC2AD0A}" type="presOf" srcId="{942E9672-7844-494F-A646-C7E0198D3D21}" destId="{7EA2F5B9-FE28-4D81-A98C-356AECCDBD16}" srcOrd="0" destOrd="0" presId="urn:microsoft.com/office/officeart/2005/8/layout/cycle3"/>
+    <dgm:cxn modelId="{5F22BD50-EB9A-4D6B-A712-AB1090B578A5}" srcId="{99D679E9-0302-437B-84C7-20469D697BBE}" destId="{942E9672-7844-494F-A646-C7E0198D3D21}" srcOrd="3" destOrd="0" parTransId="{EDFAED95-C5C4-4789-9CAE-8F6702D87D61}" sibTransId="{8EF59262-2C7B-40C0-BF43-1F58EDCC41EC}"/>
+    <dgm:cxn modelId="{3ED8A486-7D6A-478D-B912-1BBBAF295D12}" type="presOf" srcId="{9880466F-86A2-4F94-8106-81664839037B}" destId="{1D5FF721-57EF-4A4B-8F42-E4130B5B87FC}" srcOrd="0" destOrd="0" presId="urn:microsoft.com/office/officeart/2005/8/layout/cycle3"/>
+    <dgm:cxn modelId="{A151529A-5E44-4C64-8BEE-DDAD64F941E5}" srcId="{99D679E9-0302-437B-84C7-20469D697BBE}" destId="{23FB60B2-B6D6-4B6A-861F-AEABAB90B365}" srcOrd="4" destOrd="0" parTransId="{FA561D46-EC74-429D-A4CE-F750BD823584}" sibTransId="{749D85A1-7C09-4C92-9A3D-53F921527246}"/>
+    <dgm:cxn modelId="{CE6DB8A1-CB23-4C3B-A2D7-10BE7EDD89E1}" srcId="{99D679E9-0302-437B-84C7-20469D697BBE}" destId="{948E0275-6B73-4392-9A32-725FB3C246D3}" srcOrd="1" destOrd="0" parTransId="{DF02544E-8BEF-4C9B-A5BB-E473CB486636}" sibTransId="{490FFD53-8A1B-42EB-869F-95A2582A2CC6}"/>
+    <dgm:cxn modelId="{CCE1A5A2-7DBA-4591-BA0B-6301CA412F8F}" type="presOf" srcId="{75DD27E0-3D56-415C-859A-7C2319ABB1AB}" destId="{10C54153-B172-4C4B-A3C4-EF7F821A7655}" srcOrd="0" destOrd="0" presId="urn:microsoft.com/office/officeart/2005/8/layout/cycle3"/>
+    <dgm:cxn modelId="{C877BEAA-066C-4A8C-BB71-2E25F7F403C7}" srcId="{99D679E9-0302-437B-84C7-20469D697BBE}" destId="{49597628-5326-4464-81E3-3DD76B349DB5}" srcOrd="0" destOrd="0" parTransId="{4E66DF14-1D27-4F65-AB9F-7884C9581930}" sibTransId="{5B21D8A2-27C4-4089-9AD3-70C76ED63F99}"/>
+    <dgm:cxn modelId="{C6A37DAD-6C75-41C3-A231-6C4E41874EBA}" srcId="{99D679E9-0302-437B-84C7-20469D697BBE}" destId="{2D1D813F-C691-450C-883B-EBFBD7F0BE37}" srcOrd="5" destOrd="0" parTransId="{72702369-2AC6-4F3D-BBE1-DBCAD41CD9A3}" sibTransId="{719619D7-61EA-47D8-A0BA-9E8ADB9812B6}"/>
+    <dgm:cxn modelId="{E3EFE3C8-C9BA-4C83-98B5-B95A0215E3BE}" srcId="{99D679E9-0302-437B-84C7-20469D697BBE}" destId="{9880466F-86A2-4F94-8106-81664839037B}" srcOrd="7" destOrd="0" parTransId="{CE182EE5-E6A3-4FFB-85B7-70D287FFBEE3}" sibTransId="{1BD1693A-A857-437E-9C86-5E4A501872E3}"/>
+    <dgm:cxn modelId="{B5D47ACA-4F6C-4A53-A5A1-48CCAD2CDBEB}" type="presOf" srcId="{948E0275-6B73-4392-9A32-725FB3C246D3}" destId="{BBB7A82D-0E6F-414A-AE45-B33AB0D65C7E}" srcOrd="0" destOrd="0" presId="urn:microsoft.com/office/officeart/2005/8/layout/cycle3"/>
+    <dgm:cxn modelId="{750D7BDD-02AB-4238-81F2-65465509748C}" type="presOf" srcId="{49597628-5326-4464-81E3-3DD76B349DB5}" destId="{04667BCA-4EF1-4F91-B042-D624289C1A7A}" srcOrd="0" destOrd="0" presId="urn:microsoft.com/office/officeart/2005/8/layout/cycle3"/>
     <dgm:cxn modelId="{0D55FAE5-90D6-4F48-BC5D-13EC2C929091}" type="presOf" srcId="{99D679E9-0302-437B-84C7-20469D697BBE}" destId="{689EE40F-58C5-4899-994D-A0AE7C37F287}" srcOrd="0" destOrd="0" presId="urn:microsoft.com/office/officeart/2005/8/layout/cycle3"/>
-    <dgm:cxn modelId="{FAA00263-4EB4-4B62-BA69-4F9E5C923A3E}" type="presParOf" srcId="{689EE40F-58C5-4899-994D-A0AE7C37F287}" destId="{1A8DB152-674F-4646-93F9-C47B1B8706A7}" srcOrd="0" destOrd="0" presId="urn:microsoft.com/office/officeart/2005/8/layout/cycle3"/>
-    <dgm:cxn modelId="{EBA5E602-EF44-43AC-90CB-3C40D661D95C}" type="presParOf" srcId="{1A8DB152-674F-4646-93F9-C47B1B8706A7}" destId="{DAEB7A74-755A-4FC1-AF2E-1B59F6171EEB}" srcOrd="0" destOrd="0" presId="urn:microsoft.com/office/officeart/2005/8/layout/cycle3"/>
-    <dgm:cxn modelId="{14E64169-CA8B-44C7-9A49-A1B5538F4634}" type="presParOf" srcId="{1A8DB152-674F-4646-93F9-C47B1B8706A7}" destId="{6AA77F48-6467-4250-8201-33A2C08FAFB3}" srcOrd="1" destOrd="0" presId="urn:microsoft.com/office/officeart/2005/8/layout/cycle3"/>
-    <dgm:cxn modelId="{1ACA1142-7E25-4CCC-B7F2-B82954608BCD}" type="presParOf" srcId="{1A8DB152-674F-4646-93F9-C47B1B8706A7}" destId="{3A6AFD6C-E8DE-46A9-B4E2-02CF04D7B01A}" srcOrd="2" destOrd="0" presId="urn:microsoft.com/office/officeart/2005/8/layout/cycle3"/>
-    <dgm:cxn modelId="{881AD252-1E9E-45DD-AB10-4F2A5F9C332C}" type="presParOf" srcId="{1A8DB152-674F-4646-93F9-C47B1B8706A7}" destId="{29F9A111-7840-4259-ABAE-783A9058A573}" srcOrd="3" destOrd="0" presId="urn:microsoft.com/office/officeart/2005/8/layout/cycle3"/>
-    <dgm:cxn modelId="{04041730-7645-4934-BFE5-7F212D4F2768}" type="presParOf" srcId="{1A8DB152-674F-4646-93F9-C47B1B8706A7}" destId="{CCFF67A0-9E18-417C-A35E-0ABAF61D5CCA}" srcOrd="4" destOrd="0" presId="urn:microsoft.com/office/officeart/2005/8/layout/cycle3"/>
+    <dgm:cxn modelId="{ACBD2FEC-4832-44C8-8A93-8F266A0DAB28}" srcId="{99D679E9-0302-437B-84C7-20469D697BBE}" destId="{75DD27E0-3D56-415C-859A-7C2319ABB1AB}" srcOrd="6" destOrd="0" parTransId="{B42F13B6-77BF-400C-8745-3C21D23C698B}" sibTransId="{1DE4F908-34B8-4514-9C84-B75DA2DD865A}"/>
+    <dgm:cxn modelId="{01DBB6F0-3345-49F9-A62E-7419105903D3}" srcId="{99D679E9-0302-437B-84C7-20469D697BBE}" destId="{11DEF567-7D82-4160-893F-4C4EF499C252}" srcOrd="2" destOrd="0" parTransId="{B038063A-1133-4C8A-8CF8-2C301D486058}" sibTransId="{B1BC43C3-4A00-4627-A53E-F1B7FBF76E25}"/>
+    <dgm:cxn modelId="{E02B1AF3-0B3A-4188-A621-416B26E6688E}" type="presOf" srcId="{11DEF567-7D82-4160-893F-4C4EF499C252}" destId="{030A2682-FA39-4C11-A835-C07983D64FD9}" srcOrd="0" destOrd="0" presId="urn:microsoft.com/office/officeart/2005/8/layout/cycle3"/>
+    <dgm:cxn modelId="{22F829F6-9ACD-48BB-BFF8-E7FD4118BD77}" type="presOf" srcId="{23FB60B2-B6D6-4B6A-861F-AEABAB90B365}" destId="{42372FEB-4240-4BA3-A15C-4CCBF6639E85}" srcOrd="0" destOrd="0" presId="urn:microsoft.com/office/officeart/2005/8/layout/cycle3"/>
+    <dgm:cxn modelId="{2B8D88A9-DF16-4FF8-AFF0-9BAC4A91A07A}" type="presParOf" srcId="{689EE40F-58C5-4899-994D-A0AE7C37F287}" destId="{167ABEB0-BF7E-49FE-9D6F-91278D80B628}" srcOrd="0" destOrd="0" presId="urn:microsoft.com/office/officeart/2005/8/layout/cycle3"/>
+    <dgm:cxn modelId="{779AD341-BCA3-4777-8A91-19DEF4B07C5A}" type="presParOf" srcId="{167ABEB0-BF7E-49FE-9D6F-91278D80B628}" destId="{04667BCA-4EF1-4F91-B042-D624289C1A7A}" srcOrd="0" destOrd="0" presId="urn:microsoft.com/office/officeart/2005/8/layout/cycle3"/>
+    <dgm:cxn modelId="{5A1F5988-AC84-491D-A9D4-B37FA9A55E46}" type="presParOf" srcId="{167ABEB0-BF7E-49FE-9D6F-91278D80B628}" destId="{1A6F55E1-B9F5-4A77-A404-730300E6D30C}" srcOrd="1" destOrd="0" presId="urn:microsoft.com/office/officeart/2005/8/layout/cycle3"/>
+    <dgm:cxn modelId="{5406AC9F-BF81-4A33-BBA3-B42DAFF4ACF2}" type="presParOf" srcId="{167ABEB0-BF7E-49FE-9D6F-91278D80B628}" destId="{BBB7A82D-0E6F-414A-AE45-B33AB0D65C7E}" srcOrd="2" destOrd="0" presId="urn:microsoft.com/office/officeart/2005/8/layout/cycle3"/>
+    <dgm:cxn modelId="{09487D80-1A73-4954-B6BC-ECB69625C5B6}" type="presParOf" srcId="{167ABEB0-BF7E-49FE-9D6F-91278D80B628}" destId="{030A2682-FA39-4C11-A835-C07983D64FD9}" srcOrd="3" destOrd="0" presId="urn:microsoft.com/office/officeart/2005/8/layout/cycle3"/>
+    <dgm:cxn modelId="{C7AFF32B-5DFD-469A-A38C-49C7AB439A6B}" type="presParOf" srcId="{167ABEB0-BF7E-49FE-9D6F-91278D80B628}" destId="{7EA2F5B9-FE28-4D81-A98C-356AECCDBD16}" srcOrd="4" destOrd="0" presId="urn:microsoft.com/office/officeart/2005/8/layout/cycle3"/>
+    <dgm:cxn modelId="{13E8D554-593F-4167-A34C-33C4DAD4B3B2}" type="presParOf" srcId="{167ABEB0-BF7E-49FE-9D6F-91278D80B628}" destId="{42372FEB-4240-4BA3-A15C-4CCBF6639E85}" srcOrd="5" destOrd="0" presId="urn:microsoft.com/office/officeart/2005/8/layout/cycle3"/>
+    <dgm:cxn modelId="{DBD49837-1479-417A-A2F8-B4F0FBE5A942}" type="presParOf" srcId="{167ABEB0-BF7E-49FE-9D6F-91278D80B628}" destId="{94A22519-3E4A-47D6-976D-EB8C619BA936}" srcOrd="6" destOrd="0" presId="urn:microsoft.com/office/officeart/2005/8/layout/cycle3"/>
+    <dgm:cxn modelId="{3B879AAB-876B-4B62-9BE1-35C81585B180}" type="presParOf" srcId="{167ABEB0-BF7E-49FE-9D6F-91278D80B628}" destId="{10C54153-B172-4C4B-A3C4-EF7F821A7655}" srcOrd="7" destOrd="0" presId="urn:microsoft.com/office/officeart/2005/8/layout/cycle3"/>
+    <dgm:cxn modelId="{694ADC5B-1549-4C83-9C55-8E6B400249D5}" type="presParOf" srcId="{167ABEB0-BF7E-49FE-9D6F-91278D80B628}" destId="{1D5FF721-57EF-4A4B-8F42-E4130B5B87FC}" srcOrd="8" destOrd="0" presId="urn:microsoft.com/office/officeart/2005/8/layout/cycle3"/>
   </dgm:cxnLst>
   <dgm:bg/>
   <dgm:whole/>
@@ -4846,7 +3941,7 @@
 </dgm:dataModel>
 </file>
 
-<file path=ppt/diagrams/data4.xml><?xml version="1.0" encoding="utf-8"?>
+<file path=ppt/diagrams/data3.xml><?xml version="1.0" encoding="utf-8"?>
 <dgm:dataModel xmlns:dgm="http://schemas.openxmlformats.org/drawingml/2006/diagram" xmlns:a="http://schemas.openxmlformats.org/drawingml/2006/main">
   <dgm:ptLst>
     <dgm:pt modelId="{ED942960-5F75-4B1C-A4FF-76070CBDAA9F}" type="doc">
@@ -5222,7 +4317,7 @@
 </dgm:dataModel>
 </file>
 
-<file path=ppt/diagrams/data5.xml><?xml version="1.0" encoding="utf-8"?>
+<file path=ppt/diagrams/data4.xml><?xml version="1.0" encoding="utf-8"?>
 <dgm:dataModel xmlns:dgm="http://schemas.openxmlformats.org/drawingml/2006/diagram" xmlns:a="http://schemas.openxmlformats.org/drawingml/2006/main">
   <dgm:ptLst>
     <dgm:pt modelId="{2DD104F2-8D73-4C3B-8ABC-574466C70F78}" type="doc">
@@ -5281,7 +4376,7 @@
         <a:p>
           <a:r>
             <a:rPr lang="en-US" dirty="0"/>
-            <a:t>API not well documented, difficulty with pagination</a:t>
+            <a:t>API not well documented, difficulty with pagination, API call queries</a:t>
           </a:r>
         </a:p>
       </dgm:t>
@@ -5502,7 +4597,7 @@
         <a:p>
           <a:r>
             <a:rPr lang="en-US" dirty="0"/>
-            <a:t>Research better sources to understand mobile reader trends</a:t>
+            <a:t>Analyze individual story parts</a:t>
           </a:r>
         </a:p>
       </dgm:t>
@@ -5555,6 +4650,82 @@
       </dgm:t>
     </dgm:pt>
     <dgm:pt modelId="{91E03D65-5E3F-41B3-AE4B-EED4475C950C}" type="sibTrans" cxnId="{A6574F67-24B3-4162-9BB2-89A09963F046}">
+      <dgm:prSet/>
+      <dgm:spPr/>
+      <dgm:t>
+        <a:bodyPr/>
+        <a:lstStyle/>
+        <a:p>
+          <a:endParaRPr lang="en-US"/>
+        </a:p>
+      </dgm:t>
+    </dgm:pt>
+    <dgm:pt modelId="{C572A845-EF3C-4474-98CD-19A3C35737AF}">
+      <dgm:prSet phldrT="[Text]"/>
+      <dgm:spPr/>
+      <dgm:t>
+        <a:bodyPr/>
+        <a:lstStyle/>
+        <a:p>
+          <a:r>
+            <a:rPr lang="en-US"/>
+            <a:t>Research </a:t>
+          </a:r>
+          <a:r>
+            <a:rPr lang="en-US" dirty="0"/>
+            <a:t>better sources to understand mobile reader trends</a:t>
+          </a:r>
+        </a:p>
+      </dgm:t>
+    </dgm:pt>
+    <dgm:pt modelId="{7DCF1361-DE50-46B8-A4FA-CA930CB52C3F}" type="parTrans" cxnId="{59AD50C8-D94E-4725-88A5-B28597E9C0B4}">
+      <dgm:prSet/>
+      <dgm:spPr/>
+      <dgm:t>
+        <a:bodyPr/>
+        <a:lstStyle/>
+        <a:p>
+          <a:endParaRPr lang="en-US"/>
+        </a:p>
+      </dgm:t>
+    </dgm:pt>
+    <dgm:pt modelId="{197EB8A4-6E12-4B40-9B67-B00C41D7C2FD}" type="sibTrans" cxnId="{59AD50C8-D94E-4725-88A5-B28597E9C0B4}">
+      <dgm:prSet/>
+      <dgm:spPr/>
+      <dgm:t>
+        <a:bodyPr/>
+        <a:lstStyle/>
+        <a:p>
+          <a:endParaRPr lang="en-US"/>
+        </a:p>
+      </dgm:t>
+    </dgm:pt>
+    <dgm:pt modelId="{E76E1A38-9995-4927-A810-63B3D65CAF36}">
+      <dgm:prSet phldrT="[Text]"/>
+      <dgm:spPr/>
+      <dgm:t>
+        <a:bodyPr/>
+        <a:lstStyle/>
+        <a:p>
+          <a:r>
+            <a:rPr lang="en-US" dirty="0"/>
+            <a:t>Utilize other NLP tools to see if they yield different results</a:t>
+          </a:r>
+        </a:p>
+      </dgm:t>
+    </dgm:pt>
+    <dgm:pt modelId="{6EE703FB-CB04-493F-9845-99505A73ADEE}" type="parTrans" cxnId="{8571184F-DC67-4D00-B8E9-B9C52CBCEAC6}">
+      <dgm:prSet/>
+      <dgm:spPr/>
+      <dgm:t>
+        <a:bodyPr/>
+        <a:lstStyle/>
+        <a:p>
+          <a:endParaRPr lang="en-US"/>
+        </a:p>
+      </dgm:t>
+    </dgm:pt>
+    <dgm:pt modelId="{3FAB730D-9803-424F-B19A-EA3D88A65F3A}" type="sibTrans" cxnId="{8571184F-DC67-4D00-B8E9-B9C52CBCEAC6}">
       <dgm:prSet/>
       <dgm:spPr/>
       <dgm:t>
@@ -5631,20 +4802,24 @@
     <dgm:cxn modelId="{B8E15019-0D72-4C36-893E-A05735D09556}" srcId="{89F64F39-F60D-494A-AF17-7CF348F0E20D}" destId="{E1004633-3FCD-4C29-B55E-6DEFF8189CD8}" srcOrd="1" destOrd="0" parTransId="{F20B873D-E1CA-41A3-B799-D7FF3F61AB39}" sibTransId="{688CA3C7-F2A9-49F3-A5F3-28D4DC987404}"/>
     <dgm:cxn modelId="{6BC9421B-D68F-45B5-955C-2F76FFBCDB39}" srcId="{2DD104F2-8D73-4C3B-8ABC-574466C70F78}" destId="{4986DC61-CA36-4B25-BCF3-2036250D1CA4}" srcOrd="0" destOrd="0" parTransId="{F63CDC38-7D06-48A4-821B-A17011B40F75}" sibTransId="{ABD19198-03DB-4651-9D9C-E421E590F933}"/>
     <dgm:cxn modelId="{6B84FE65-9D6B-43A8-82F9-B5932DA8C78A}" type="presOf" srcId="{4986DC61-CA36-4B25-BCF3-2036250D1CA4}" destId="{67BA6A4D-432A-46EF-9188-55ED588E26BC}" srcOrd="0" destOrd="0" presId="urn:microsoft.com/office/officeart/2005/8/layout/vList2"/>
-    <dgm:cxn modelId="{A6574F67-24B3-4162-9BB2-89A09963F046}" srcId="{F20CB36D-E6C1-4326-A77E-36788D38A1F0}" destId="{285E87B9-C385-45E5-B49D-97DC8E3AD870}" srcOrd="1" destOrd="0" parTransId="{68B49FC3-4888-4192-A79E-B446B333F4DC}" sibTransId="{91E03D65-5E3F-41B3-AE4B-EED4475C950C}"/>
+    <dgm:cxn modelId="{A6574F67-24B3-4162-9BB2-89A09963F046}" srcId="{F20CB36D-E6C1-4326-A77E-36788D38A1F0}" destId="{285E87B9-C385-45E5-B49D-97DC8E3AD870}" srcOrd="2" destOrd="0" parTransId="{68B49FC3-4888-4192-A79E-B446B333F4DC}" sibTransId="{91E03D65-5E3F-41B3-AE4B-EED4475C950C}"/>
     <dgm:cxn modelId="{39366169-585A-4806-AC59-35D2F64C4B03}" srcId="{2DD104F2-8D73-4C3B-8ABC-574466C70F78}" destId="{89F64F39-F60D-494A-AF17-7CF348F0E20D}" srcOrd="1" destOrd="0" parTransId="{60B4B980-8C94-48E3-B8B2-443055B45A8D}" sibTransId="{653F7DD4-29E3-43AC-8AF3-639D6107E238}"/>
     <dgm:cxn modelId="{B78EDE4C-386E-46C9-9D58-CD7CE25A6945}" type="presOf" srcId="{E1004633-3FCD-4C29-B55E-6DEFF8189CD8}" destId="{A845C7C5-23EF-4A51-AEF2-6D4FC7EB4F76}" srcOrd="0" destOrd="1" presId="urn:microsoft.com/office/officeart/2005/8/layout/vList2"/>
+    <dgm:cxn modelId="{8571184F-DC67-4D00-B8E9-B9C52CBCEAC6}" srcId="{F20CB36D-E6C1-4326-A77E-36788D38A1F0}" destId="{E76E1A38-9995-4927-A810-63B3D65CAF36}" srcOrd="3" destOrd="0" parTransId="{6EE703FB-CB04-493F-9845-99505A73ADEE}" sibTransId="{3FAB730D-9803-424F-B19A-EA3D88A65F3A}"/>
     <dgm:cxn modelId="{C737A676-F3F9-47F5-9A53-EA4B1FF4C00C}" srcId="{89F64F39-F60D-494A-AF17-7CF348F0E20D}" destId="{A6DB2849-4F7C-4953-812A-F4C4FBC361EC}" srcOrd="0" destOrd="0" parTransId="{00FBEE38-C290-4CF9-9280-578E69649899}" sibTransId="{C1A9B333-DD2D-463B-8734-027D484CF921}"/>
+    <dgm:cxn modelId="{48D9D656-B66B-4906-AEEE-04112EF50BE4}" type="presOf" srcId="{C572A845-EF3C-4474-98CD-19A3C35737AF}" destId="{7A098F94-9050-45A9-8238-17FABB62CD0E}" srcOrd="0" destOrd="1" presId="urn:microsoft.com/office/officeart/2005/8/layout/vList2"/>
     <dgm:cxn modelId="{B7AEBE84-E320-44B8-96E9-091D50011D01}" type="presOf" srcId="{2DD104F2-8D73-4C3B-8ABC-574466C70F78}" destId="{80B0F033-6073-4272-ACD4-DCA553ED4D51}" srcOrd="0" destOrd="0" presId="urn:microsoft.com/office/officeart/2005/8/layout/vList2"/>
     <dgm:cxn modelId="{72320F8A-366B-415A-9977-3FFA906B9C90}" type="presOf" srcId="{B683A59A-7073-41CC-A9E6-A5BE7909E098}" destId="{C01F3D39-844C-4BBB-95DC-E9B59C93868A}" srcOrd="0" destOrd="1" presId="urn:microsoft.com/office/officeart/2005/8/layout/vList2"/>
     <dgm:cxn modelId="{253B3290-91FF-404B-A941-5B9A5E7FBD53}" type="presOf" srcId="{657A868B-A709-4801-9B05-46952B91D0C0}" destId="{C01F3D39-844C-4BBB-95DC-E9B59C93868A}" srcOrd="0" destOrd="0" presId="urn:microsoft.com/office/officeart/2005/8/layout/vList2"/>
     <dgm:cxn modelId="{D24C6798-5A04-4AF2-B6AC-A8E37A663359}" srcId="{F20CB36D-E6C1-4326-A77E-36788D38A1F0}" destId="{420BBAA9-1CC2-436A-BCA1-CE7E498C786C}" srcOrd="0" destOrd="0" parTransId="{E940260D-7AC7-4CDA-A220-6695CEE14E87}" sibTransId="{B9D59476-D4BC-451C-991D-98711FE05A2C}"/>
-    <dgm:cxn modelId="{659E73A1-0CC4-4C4F-9A2A-4ECBCFAD35F7}" type="presOf" srcId="{285E87B9-C385-45E5-B49D-97DC8E3AD870}" destId="{7A098F94-9050-45A9-8238-17FABB62CD0E}" srcOrd="0" destOrd="1" presId="urn:microsoft.com/office/officeart/2005/8/layout/vList2"/>
+    <dgm:cxn modelId="{659E73A1-0CC4-4C4F-9A2A-4ECBCFAD35F7}" type="presOf" srcId="{285E87B9-C385-45E5-B49D-97DC8E3AD870}" destId="{7A098F94-9050-45A9-8238-17FABB62CD0E}" srcOrd="0" destOrd="2" presId="urn:microsoft.com/office/officeart/2005/8/layout/vList2"/>
     <dgm:cxn modelId="{B898EEAE-DEF7-4420-8B54-B43B08E30C29}" type="presOf" srcId="{420BBAA9-1CC2-436A-BCA1-CE7E498C786C}" destId="{7A098F94-9050-45A9-8238-17FABB62CD0E}" srcOrd="0" destOrd="0" presId="urn:microsoft.com/office/officeart/2005/8/layout/vList2"/>
     <dgm:cxn modelId="{084C92B5-986D-4B73-A367-B58B8A842EAA}" srcId="{2DD104F2-8D73-4C3B-8ABC-574466C70F78}" destId="{F20CB36D-E6C1-4326-A77E-36788D38A1F0}" srcOrd="2" destOrd="0" parTransId="{0C0DB344-9F99-4F9E-A191-CB591CA4E22D}" sibTransId="{70BABAE2-7E80-487D-B455-D80122A36E33}"/>
     <dgm:cxn modelId="{A33118B6-732F-49BC-8021-BEAF1ED6D9BF}" type="presOf" srcId="{89F64F39-F60D-494A-AF17-7CF348F0E20D}" destId="{F961A7FF-0092-44E8-B26B-69AD610E0C4B}" srcOrd="0" destOrd="0" presId="urn:microsoft.com/office/officeart/2005/8/layout/vList2"/>
     <dgm:cxn modelId="{77A769BA-188C-48C6-ADFD-5D0190552D01}" type="presOf" srcId="{F20CB36D-E6C1-4326-A77E-36788D38A1F0}" destId="{23267A73-86E6-43DC-B4DE-0B4C0681E8EA}" srcOrd="0" destOrd="0" presId="urn:microsoft.com/office/officeart/2005/8/layout/vList2"/>
+    <dgm:cxn modelId="{59AD50C8-D94E-4725-88A5-B28597E9C0B4}" srcId="{F20CB36D-E6C1-4326-A77E-36788D38A1F0}" destId="{C572A845-EF3C-4474-98CD-19A3C35737AF}" srcOrd="1" destOrd="0" parTransId="{7DCF1361-DE50-46B8-A4FA-CA930CB52C3F}" sibTransId="{197EB8A4-6E12-4B40-9B67-B00C41D7C2FD}"/>
     <dgm:cxn modelId="{20229FCA-C565-4C26-91F9-EBD23ACCBE71}" srcId="{4986DC61-CA36-4B25-BCF3-2036250D1CA4}" destId="{B683A59A-7073-41CC-A9E6-A5BE7909E098}" srcOrd="1" destOrd="0" parTransId="{3CA29D70-5E76-4DFE-B123-EEAF0041D69F}" sibTransId="{C9BB48A8-2A65-48EC-8042-84903A236351}"/>
+    <dgm:cxn modelId="{3E2C92D8-1B19-4EAC-9F60-22B7EF5D5F71}" type="presOf" srcId="{E76E1A38-9995-4927-A810-63B3D65CAF36}" destId="{7A098F94-9050-45A9-8238-17FABB62CD0E}" srcOrd="0" destOrd="3" presId="urn:microsoft.com/office/officeart/2005/8/layout/vList2"/>
     <dgm:cxn modelId="{8FDF46E5-2C14-43EC-89CD-E2F130B6C148}" type="presOf" srcId="{A6DB2849-4F7C-4953-812A-F4C4FBC361EC}" destId="{A845C7C5-23EF-4A51-AEF2-6D4FC7EB4F76}" srcOrd="0" destOrd="0" presId="urn:microsoft.com/office/officeart/2005/8/layout/vList2"/>
     <dgm:cxn modelId="{F4BABEA5-0B07-49F7-ABF5-AC0CDA3D41A2}" type="presParOf" srcId="{80B0F033-6073-4272-ACD4-DCA553ED4D51}" destId="{67BA6A4D-432A-46EF-9188-55ED588E26BC}" srcOrd="0" destOrd="0" presId="urn:microsoft.com/office/officeart/2005/8/layout/vList2"/>
     <dgm:cxn modelId="{E62F7D21-3EFB-487A-9EC8-3A00DF0554D1}" type="presParOf" srcId="{80B0F033-6073-4272-ACD4-DCA553ED4D51}" destId="{C01F3D39-844C-4BBB-95DC-E9B59C93868A}" srcOrd="1" destOrd="0" presId="urn:microsoft.com/office/officeart/2005/8/layout/vList2"/>
@@ -5678,8 +4853,8 @@
       </dsp:nvSpPr>
       <dsp:spPr>
         <a:xfrm>
-          <a:off x="0" y="281202"/>
-          <a:ext cx="7528264" cy="1077300"/>
+          <a:off x="0" y="356374"/>
+          <a:ext cx="7528264" cy="963900"/>
         </a:xfrm>
         <a:prstGeom prst="rect">
           <a:avLst/>
@@ -5719,12 +4894,12 @@
         <a:fontRef idx="minor"/>
       </dsp:style>
       <dsp:txBody>
-        <a:bodyPr spcFirstLastPara="0" vert="horz" wrap="square" lIns="584277" tIns="395732" rIns="584277" bIns="135128" numCol="1" spcCol="1270" anchor="t" anchorCtr="0">
+        <a:bodyPr spcFirstLastPara="0" vert="horz" wrap="square" lIns="584277" tIns="354076" rIns="584277" bIns="120904" numCol="1" spcCol="1270" anchor="t" anchorCtr="0">
           <a:noAutofit/>
         </a:bodyPr>
         <a:lstStyle/>
         <a:p>
-          <a:pPr marL="171450" lvl="1" indent="-171450" algn="l" defTabSz="844550">
+          <a:pPr marL="171450" lvl="1" indent="-171450" algn="l" defTabSz="755650">
             <a:lnSpc>
               <a:spcPct val="90000"/>
             </a:lnSpc>
@@ -5737,14 +4912,14 @@
             <a:buChar char="•"/>
           </a:pPr>
           <a:r>
-            <a:rPr lang="en-US" sz="1900" kern="1200" dirty="0"/>
+            <a:rPr lang="en-US" sz="1700" kern="1200" dirty="0"/>
             <a:t>Wattpad is a good source to explore the increasing trend of creating and consuming stories on-the-go. </a:t>
           </a:r>
         </a:p>
       </dsp:txBody>
       <dsp:txXfrm>
-        <a:off x="0" y="281202"/>
-        <a:ext cx="7528264" cy="1077300"/>
+        <a:off x="0" y="356374"/>
+        <a:ext cx="7528264" cy="963900"/>
       </dsp:txXfrm>
     </dsp:sp>
     <dsp:sp modelId="{DA360FC1-3271-4F9D-9D4E-09B25F29B168}">
@@ -5754,8 +4929,8 @@
       </dsp:nvSpPr>
       <dsp:spPr>
         <a:xfrm>
-          <a:off x="376413" y="762"/>
-          <a:ext cx="5269784" cy="560880"/>
+          <a:off x="376413" y="105454"/>
+          <a:ext cx="5269784" cy="501840"/>
         </a:xfrm>
         <a:prstGeom prst="roundRect">
           <a:avLst/>
@@ -5801,7 +4976,7 @@
         </a:bodyPr>
         <a:lstStyle/>
         <a:p>
-          <a:pPr marL="0" lvl="0" indent="0" algn="l" defTabSz="844550">
+          <a:pPr marL="0" lvl="0" indent="0" algn="l" defTabSz="755650">
             <a:lnSpc>
               <a:spcPct val="90000"/>
             </a:lnSpc>
@@ -5814,14 +4989,14 @@
             <a:buNone/>
           </a:pPr>
           <a:r>
-            <a:rPr lang="en-US" sz="1900" kern="1200" dirty="0"/>
+            <a:rPr lang="en-US" sz="1700" kern="1200" dirty="0"/>
             <a:t>Hypothesis</a:t>
           </a:r>
         </a:p>
       </dsp:txBody>
       <dsp:txXfrm>
-        <a:off x="403793" y="28142"/>
-        <a:ext cx="5215024" cy="506120"/>
+        <a:off x="400911" y="129952"/>
+        <a:ext cx="5220788" cy="452844"/>
       </dsp:txXfrm>
     </dsp:sp>
     <dsp:sp modelId="{7D87A494-EAE4-4300-987B-29A952643DE7}">
@@ -5831,8 +5006,8 @@
       </dsp:nvSpPr>
       <dsp:spPr>
         <a:xfrm>
-          <a:off x="0" y="1741542"/>
-          <a:ext cx="7528264" cy="1077300"/>
+          <a:off x="0" y="1662994"/>
+          <a:ext cx="7528264" cy="963900"/>
         </a:xfrm>
         <a:prstGeom prst="rect">
           <a:avLst/>
@@ -5872,12 +5047,12 @@
         <a:fontRef idx="minor"/>
       </dsp:style>
       <dsp:txBody>
-        <a:bodyPr spcFirstLastPara="0" vert="horz" wrap="square" lIns="584277" tIns="395732" rIns="584277" bIns="135128" numCol="1" spcCol="1270" anchor="t" anchorCtr="0">
+        <a:bodyPr spcFirstLastPara="0" vert="horz" wrap="square" lIns="584277" tIns="354076" rIns="584277" bIns="120904" numCol="1" spcCol="1270" anchor="t" anchorCtr="0">
           <a:noAutofit/>
         </a:bodyPr>
         <a:lstStyle/>
         <a:p>
-          <a:pPr marL="171450" lvl="1" indent="-171450" algn="l" defTabSz="844550">
+          <a:pPr marL="171450" lvl="1" indent="-171450" algn="l" defTabSz="755650">
             <a:lnSpc>
               <a:spcPct val="90000"/>
             </a:lnSpc>
@@ -5890,15 +5065,21 @@
             <a:buChar char="•"/>
           </a:pPr>
           <a:r>
-            <a:rPr lang="en-US" sz="1900" kern="1200"/>
-            <a:t>Desire to understand the users—readers and writers—and wattpad’s global footprint.</a:t>
+            <a:rPr lang="en-US" sz="1700" kern="1200" dirty="0"/>
+            <a:t>Desire to understand the users—readers and writers—and </a:t>
           </a:r>
-          <a:endParaRPr lang="en-US" sz="1900" kern="1200" dirty="0"/>
+          <a:br>
+            <a:rPr lang="en-US" sz="1700" kern="1200" dirty="0"/>
+          </a:br>
+          <a:r>
+            <a:rPr lang="en-US" sz="1700" kern="1200" dirty="0"/>
+            <a:t>Wattpad’s global footprint.</a:t>
+          </a:r>
         </a:p>
       </dsp:txBody>
       <dsp:txXfrm>
-        <a:off x="0" y="1741542"/>
-        <a:ext cx="7528264" cy="1077300"/>
+        <a:off x="0" y="1662994"/>
+        <a:ext cx="7528264" cy="963900"/>
       </dsp:txXfrm>
     </dsp:sp>
     <dsp:sp modelId="{CFFC71E0-FF9E-46DC-88D0-00683D84A12F}">
@@ -5908,8 +5089,8 @@
       </dsp:nvSpPr>
       <dsp:spPr>
         <a:xfrm>
-          <a:off x="376413" y="1461102"/>
-          <a:ext cx="5269784" cy="560880"/>
+          <a:off x="376413" y="1412074"/>
+          <a:ext cx="5269784" cy="501840"/>
         </a:xfrm>
         <a:prstGeom prst="roundRect">
           <a:avLst/>
@@ -5955,7 +5136,7 @@
         </a:bodyPr>
         <a:lstStyle/>
         <a:p>
-          <a:pPr marL="0" lvl="0" indent="0" algn="l" defTabSz="844550">
+          <a:pPr marL="0" lvl="0" indent="0" algn="l" defTabSz="755650">
             <a:lnSpc>
               <a:spcPct val="90000"/>
             </a:lnSpc>
@@ -5968,14 +5149,14 @@
             <a:buNone/>
           </a:pPr>
           <a:r>
-            <a:rPr lang="en-US" sz="1900" kern="1200" dirty="0"/>
+            <a:rPr lang="en-US" sz="1700" kern="1200" dirty="0"/>
             <a:t>Motivation</a:t>
           </a:r>
         </a:p>
       </dsp:txBody>
       <dsp:txXfrm>
-        <a:off x="403793" y="1488482"/>
-        <a:ext cx="5215024" cy="506120"/>
+        <a:off x="400911" y="1436572"/>
+        <a:ext cx="5220788" cy="452844"/>
       </dsp:txXfrm>
     </dsp:sp>
     <dsp:sp modelId="{C3A460A6-B292-4611-A145-9CA9243BE78E}">
@@ -5985,8 +5166,8 @@
       </dsp:nvSpPr>
       <dsp:spPr>
         <a:xfrm>
-          <a:off x="0" y="3201882"/>
-          <a:ext cx="7528264" cy="1077300"/>
+          <a:off x="0" y="2969614"/>
+          <a:ext cx="7528264" cy="1204875"/>
         </a:xfrm>
         <a:prstGeom prst="rect">
           <a:avLst/>
@@ -6026,12 +5207,12 @@
         <a:fontRef idx="minor"/>
       </dsp:style>
       <dsp:txBody>
-        <a:bodyPr spcFirstLastPara="0" vert="horz" wrap="square" lIns="584277" tIns="395732" rIns="584277" bIns="135128" numCol="1" spcCol="1270" anchor="t" anchorCtr="0">
+        <a:bodyPr spcFirstLastPara="0" vert="horz" wrap="square" lIns="584277" tIns="354076" rIns="584277" bIns="120904" numCol="1" spcCol="1270" anchor="t" anchorCtr="0">
           <a:noAutofit/>
         </a:bodyPr>
         <a:lstStyle/>
         <a:p>
-          <a:pPr marL="171450" lvl="1" indent="-171450" algn="l" defTabSz="844550">
+          <a:pPr marL="171450" lvl="1" indent="-171450" algn="l" defTabSz="755650">
             <a:lnSpc>
               <a:spcPct val="90000"/>
             </a:lnSpc>
@@ -6044,30 +5225,14 @@
             <a:buChar char="•"/>
           </a:pPr>
           <a:r>
-            <a:rPr lang="en-US" sz="1900" kern="1200" dirty="0"/>
-            <a:t>The ability to answer these questions using the </a:t>
-          </a:r>
-          <a:r>
-            <a:rPr lang="en-US" sz="1900" kern="1200" dirty="0" err="1"/>
-            <a:t>wattpad</a:t>
-          </a:r>
-          <a:r>
-            <a:rPr lang="en-US" sz="1900" kern="1200" dirty="0"/>
-            <a:t> </a:t>
-          </a:r>
-          <a:r>
-            <a:rPr lang="en-US" sz="1900" kern="1200" dirty="0" err="1"/>
-            <a:t>api</a:t>
-          </a:r>
-          <a:r>
-            <a:rPr lang="en-US" sz="1900" kern="1200" dirty="0"/>
-            <a:t> was very unsatisfactory after reviewing the data. </a:t>
+            <a:rPr lang="en-US" sz="1700" kern="1200" dirty="0"/>
+            <a:t>The dataset available from the Wattpad API does not represent historical usage of the app. User data was not available, so research questions focused on story data.</a:t>
           </a:r>
         </a:p>
       </dsp:txBody>
       <dsp:txXfrm>
-        <a:off x="0" y="3201882"/>
-        <a:ext cx="7528264" cy="1077300"/>
+        <a:off x="0" y="2969614"/>
+        <a:ext cx="7528264" cy="1204875"/>
       </dsp:txXfrm>
     </dsp:sp>
     <dsp:sp modelId="{CE3FD329-4782-43E3-967F-3A9D3FC7698E}">
@@ -6077,8 +5242,8 @@
       </dsp:nvSpPr>
       <dsp:spPr>
         <a:xfrm>
-          <a:off x="376413" y="2921442"/>
-          <a:ext cx="5269784" cy="560880"/>
+          <a:off x="376413" y="2718694"/>
+          <a:ext cx="5269784" cy="501840"/>
         </a:xfrm>
         <a:prstGeom prst="roundRect">
           <a:avLst/>
@@ -6124,7 +5289,7 @@
         </a:bodyPr>
         <a:lstStyle/>
         <a:p>
-          <a:pPr marL="0" lvl="0" indent="0" algn="l" defTabSz="844550">
+          <a:pPr marL="0" lvl="0" indent="0" algn="l" defTabSz="755650">
             <a:lnSpc>
               <a:spcPct val="90000"/>
             </a:lnSpc>
@@ -6137,14 +5302,14 @@
             <a:buNone/>
           </a:pPr>
           <a:r>
-            <a:rPr lang="en-US" sz="1900" kern="1200" dirty="0"/>
+            <a:rPr lang="en-US" sz="1700" kern="1200" dirty="0"/>
             <a:t>Summary &amp; Outcome</a:t>
           </a:r>
         </a:p>
       </dsp:txBody>
       <dsp:txXfrm>
-        <a:off x="403793" y="2948822"/>
-        <a:ext cx="5215024" cy="506120"/>
+        <a:off x="400911" y="2743192"/>
+        <a:ext cx="5220788" cy="452844"/>
       </dsp:txXfrm>
     </dsp:sp>
   </dsp:spTree>
@@ -6166,16 +5331,16 @@
       </dsp:nvSpPr>
       <dsp:spPr>
         <a:xfrm>
-          <a:off x="920962" y="-4450"/>
-          <a:ext cx="3403598" cy="3403598"/>
+          <a:off x="1097004" y="-33129"/>
+          <a:ext cx="3672883" cy="3672883"/>
         </a:xfrm>
         <a:prstGeom prst="circularArrow">
           <a:avLst>
-            <a:gd name="adj1" fmla="val 5274"/>
-            <a:gd name="adj2" fmla="val 312630"/>
-            <a:gd name="adj3" fmla="val 14288098"/>
-            <a:gd name="adj4" fmla="val 17092013"/>
-            <a:gd name="adj5" fmla="val 5477"/>
+            <a:gd name="adj1" fmla="val 5544"/>
+            <a:gd name="adj2" fmla="val 330680"/>
+            <a:gd name="adj3" fmla="val 14667151"/>
+            <a:gd name="adj4" fmla="val 16864092"/>
+            <a:gd name="adj5" fmla="val 5757"/>
           </a:avLst>
         </a:prstGeom>
         <a:solidFill>
@@ -6212,8 +5377,8 @@
       </dsp:nvSpPr>
       <dsp:spPr>
         <a:xfrm>
-          <a:off x="1997806" y="555"/>
-          <a:ext cx="1249910" cy="624955"/>
+          <a:off x="2423530" y="1311"/>
+          <a:ext cx="1019830" cy="509915"/>
         </a:xfrm>
         <a:prstGeom prst="roundRect">
           <a:avLst/>
@@ -6254,12 +5419,12 @@
         </a:fontRef>
       </dsp:style>
       <dsp:txBody>
-        <a:bodyPr spcFirstLastPara="0" vert="horz" wrap="square" lIns="41910" tIns="41910" rIns="41910" bIns="41910" numCol="1" spcCol="1270" anchor="ctr" anchorCtr="0">
+        <a:bodyPr spcFirstLastPara="0" vert="horz" wrap="square" lIns="34290" tIns="34290" rIns="34290" bIns="34290" numCol="1" spcCol="1270" anchor="ctr" anchorCtr="0">
           <a:noAutofit/>
         </a:bodyPr>
         <a:lstStyle/>
         <a:p>
-          <a:pPr marL="0" lvl="0" indent="0" algn="ctr" defTabSz="488950">
+          <a:pPr marL="0" lvl="0" indent="0" algn="ctr" defTabSz="400050">
             <a:lnSpc>
               <a:spcPct val="90000"/>
             </a:lnSpc>
@@ -6272,14 +5437,14 @@
             <a:buNone/>
           </a:pPr>
           <a:r>
-            <a:rPr lang="en-US" sz="1100" kern="1200" dirty="0"/>
+            <a:rPr lang="en-US" sz="900" kern="1200" dirty="0"/>
             <a:t>1. Document Research Questions</a:t>
           </a:r>
         </a:p>
       </dsp:txBody>
       <dsp:txXfrm>
-        <a:off x="2028314" y="31063"/>
-        <a:ext cx="1188894" cy="563939"/>
+        <a:off x="2448422" y="26203"/>
+        <a:ext cx="970046" cy="460131"/>
       </dsp:txXfrm>
     </dsp:sp>
     <dsp:sp modelId="{BBB7A82D-0E6F-414A-AE45-B33AB0D65C7E}">
@@ -6289,8 +5454,8 @@
       </dsp:nvSpPr>
       <dsp:spPr>
         <a:xfrm>
-          <a:off x="3193588" y="690940"/>
-          <a:ext cx="1249910" cy="624955"/>
+          <a:off x="3531044" y="460059"/>
+          <a:ext cx="1019830" cy="509915"/>
         </a:xfrm>
         <a:prstGeom prst="roundRect">
           <a:avLst/>
@@ -6331,12 +5496,12 @@
         </a:fontRef>
       </dsp:style>
       <dsp:txBody>
-        <a:bodyPr spcFirstLastPara="0" vert="horz" wrap="square" lIns="41910" tIns="41910" rIns="41910" bIns="41910" numCol="1" spcCol="1270" anchor="ctr" anchorCtr="0">
+        <a:bodyPr spcFirstLastPara="0" vert="horz" wrap="square" lIns="34290" tIns="34290" rIns="34290" bIns="34290" numCol="1" spcCol="1270" anchor="ctr" anchorCtr="0">
           <a:noAutofit/>
         </a:bodyPr>
         <a:lstStyle/>
         <a:p>
-          <a:pPr marL="0" lvl="0" indent="0" algn="ctr" defTabSz="488950">
+          <a:pPr marL="0" lvl="0" indent="0" algn="ctr" defTabSz="400050">
             <a:lnSpc>
               <a:spcPct val="90000"/>
             </a:lnSpc>
@@ -6349,14 +5514,14 @@
             <a:buNone/>
           </a:pPr>
           <a:r>
-            <a:rPr lang="en-US" sz="1100" kern="1200" dirty="0"/>
+            <a:rPr lang="en-US" sz="900" kern="1200" dirty="0"/>
             <a:t>2. Connect to the API</a:t>
           </a:r>
         </a:p>
       </dsp:txBody>
       <dsp:txXfrm>
-        <a:off x="3224096" y="721448"/>
-        <a:ext cx="1188894" cy="563939"/>
+        <a:off x="3555936" y="484951"/>
+        <a:ext cx="970046" cy="460131"/>
       </dsp:txXfrm>
     </dsp:sp>
     <dsp:sp modelId="{030A2682-FA39-4C11-A835-C07983D64FD9}">
@@ -6366,8 +5531,8 @@
       </dsp:nvSpPr>
       <dsp:spPr>
         <a:xfrm>
-          <a:off x="3193588" y="2071711"/>
-          <a:ext cx="1249910" cy="624955"/>
+          <a:off x="3989792" y="1567573"/>
+          <a:ext cx="1019830" cy="509915"/>
         </a:xfrm>
         <a:prstGeom prst="roundRect">
           <a:avLst/>
@@ -6408,12 +5573,12 @@
         </a:fontRef>
       </dsp:style>
       <dsp:txBody>
-        <a:bodyPr spcFirstLastPara="0" vert="horz" wrap="square" lIns="41910" tIns="41910" rIns="41910" bIns="41910" numCol="1" spcCol="1270" anchor="ctr" anchorCtr="0">
+        <a:bodyPr spcFirstLastPara="0" vert="horz" wrap="square" lIns="34290" tIns="34290" rIns="34290" bIns="34290" numCol="1" spcCol="1270" anchor="ctr" anchorCtr="0">
           <a:noAutofit/>
         </a:bodyPr>
         <a:lstStyle/>
         <a:p>
-          <a:pPr marL="0" lvl="0" indent="0" algn="ctr" defTabSz="488950">
+          <a:pPr marL="0" lvl="0" indent="0" algn="ctr" defTabSz="400050">
             <a:lnSpc>
               <a:spcPct val="90000"/>
             </a:lnSpc>
@@ -6426,19 +5591,14 @@
             <a:buNone/>
           </a:pPr>
           <a:r>
-            <a:rPr lang="en-US" sz="1100" kern="1200" dirty="0"/>
-            <a:t>3. Pulling Data into </a:t>
+            <a:rPr lang="en-US" sz="900" kern="1200" dirty="0"/>
+            <a:t>3. Pulling Data into Data Frame</a:t>
           </a:r>
-          <a:r>
-            <a:rPr lang="en-US" sz="1100" kern="1200" dirty="0" err="1"/>
-            <a:t>DataFrame</a:t>
-          </a:r>
-          <a:endParaRPr lang="en-US" sz="1100" kern="1200" dirty="0"/>
         </a:p>
       </dsp:txBody>
       <dsp:txXfrm>
-        <a:off x="3224096" y="2102219"/>
-        <a:ext cx="1188894" cy="563939"/>
+        <a:off x="4014684" y="1592465"/>
+        <a:ext cx="970046" cy="460131"/>
       </dsp:txXfrm>
     </dsp:sp>
     <dsp:sp modelId="{7EA2F5B9-FE28-4D81-A98C-356AECCDBD16}">
@@ -6448,8 +5608,8 @@
       </dsp:nvSpPr>
       <dsp:spPr>
         <a:xfrm>
-          <a:off x="1997806" y="2762096"/>
-          <a:ext cx="1249910" cy="624955"/>
+          <a:off x="3531044" y="2675087"/>
+          <a:ext cx="1019830" cy="509915"/>
         </a:xfrm>
         <a:prstGeom prst="roundRect">
           <a:avLst/>
@@ -6490,12 +5650,12 @@
         </a:fontRef>
       </dsp:style>
       <dsp:txBody>
-        <a:bodyPr spcFirstLastPara="0" vert="horz" wrap="square" lIns="41910" tIns="41910" rIns="41910" bIns="41910" numCol="1" spcCol="1270" anchor="ctr" anchorCtr="0">
+        <a:bodyPr spcFirstLastPara="0" vert="horz" wrap="square" lIns="34290" tIns="34290" rIns="34290" bIns="34290" numCol="1" spcCol="1270" anchor="ctr" anchorCtr="0">
           <a:noAutofit/>
         </a:bodyPr>
         <a:lstStyle/>
         <a:p>
-          <a:pPr marL="0" lvl="0" indent="0" algn="ctr" defTabSz="488950">
+          <a:pPr marL="0" lvl="0" indent="0" algn="ctr" defTabSz="400050">
             <a:lnSpc>
               <a:spcPct val="90000"/>
             </a:lnSpc>
@@ -6508,14 +5668,14 @@
             <a:buNone/>
           </a:pPr>
           <a:r>
-            <a:rPr lang="en-US" sz="1100" kern="1200" dirty="0"/>
+            <a:rPr lang="en-US" sz="900" kern="1200" dirty="0"/>
             <a:t>4. Run script daily, merge and remove duplicates**</a:t>
           </a:r>
         </a:p>
       </dsp:txBody>
       <dsp:txXfrm>
-        <a:off x="2028314" y="2792604"/>
-        <a:ext cx="1188894" cy="563939"/>
+        <a:off x="3555936" y="2699979"/>
+        <a:ext cx="970046" cy="460131"/>
       </dsp:txXfrm>
     </dsp:sp>
     <dsp:sp modelId="{42372FEB-4240-4BA3-A15C-4CCBF6639E85}">
@@ -6525,8 +5685,8 @@
       </dsp:nvSpPr>
       <dsp:spPr>
         <a:xfrm>
-          <a:off x="802025" y="2071711"/>
-          <a:ext cx="1249910" cy="624955"/>
+          <a:off x="2423530" y="3133834"/>
+          <a:ext cx="1019830" cy="509915"/>
         </a:xfrm>
         <a:prstGeom prst="roundRect">
           <a:avLst/>
@@ -6567,12 +5727,12 @@
         </a:fontRef>
       </dsp:style>
       <dsp:txBody>
-        <a:bodyPr spcFirstLastPara="0" vert="horz" wrap="square" lIns="41910" tIns="41910" rIns="41910" bIns="41910" numCol="1" spcCol="1270" anchor="ctr" anchorCtr="0">
+        <a:bodyPr spcFirstLastPara="0" vert="horz" wrap="square" lIns="34290" tIns="34290" rIns="34290" bIns="34290" numCol="1" spcCol="1270" anchor="ctr" anchorCtr="0">
           <a:noAutofit/>
         </a:bodyPr>
         <a:lstStyle/>
         <a:p>
-          <a:pPr marL="0" lvl="0" indent="0" algn="ctr" defTabSz="488950">
+          <a:pPr marL="0" lvl="0" indent="0" algn="ctr" defTabSz="400050">
             <a:lnSpc>
               <a:spcPct val="90000"/>
             </a:lnSpc>
@@ -6585,14 +5745,14 @@
             <a:buNone/>
           </a:pPr>
           <a:r>
-            <a:rPr lang="en-US" sz="1100" kern="1200" dirty="0"/>
+            <a:rPr lang="en-US" sz="900" kern="1200" dirty="0"/>
             <a:t>5. Remove unwanted data </a:t>
           </a:r>
         </a:p>
       </dsp:txBody>
       <dsp:txXfrm>
-        <a:off x="832533" y="2102219"/>
-        <a:ext cx="1188894" cy="563939"/>
+        <a:off x="2448422" y="3158726"/>
+        <a:ext cx="970046" cy="460131"/>
       </dsp:txXfrm>
     </dsp:sp>
     <dsp:sp modelId="{94A22519-3E4A-47D6-976D-EB8C619BA936}">
@@ -6602,8 +5762,8 @@
       </dsp:nvSpPr>
       <dsp:spPr>
         <a:xfrm>
-          <a:off x="802025" y="690940"/>
-          <a:ext cx="1249910" cy="624955"/>
+          <a:off x="1316016" y="2675087"/>
+          <a:ext cx="1019830" cy="509915"/>
         </a:xfrm>
         <a:prstGeom prst="roundRect">
           <a:avLst/>
@@ -6644,12 +5804,12 @@
         </a:fontRef>
       </dsp:style>
       <dsp:txBody>
-        <a:bodyPr spcFirstLastPara="0" vert="horz" wrap="square" lIns="41910" tIns="41910" rIns="41910" bIns="41910" numCol="1" spcCol="1270" anchor="ctr" anchorCtr="0">
+        <a:bodyPr spcFirstLastPara="0" vert="horz" wrap="square" lIns="34290" tIns="34290" rIns="34290" bIns="34290" numCol="1" spcCol="1270" anchor="ctr" anchorCtr="0">
           <a:noAutofit/>
         </a:bodyPr>
         <a:lstStyle/>
         <a:p>
-          <a:pPr marL="0" lvl="0" indent="0" algn="ctr" defTabSz="488950">
+          <a:pPr marL="0" lvl="0" indent="0" algn="ctr" defTabSz="400050">
             <a:lnSpc>
               <a:spcPct val="90000"/>
             </a:lnSpc>
@@ -6662,83 +5822,25 @@
             <a:buNone/>
           </a:pPr>
           <a:r>
-            <a:rPr lang="en-US" sz="1100" kern="1200" dirty="0"/>
+            <a:rPr lang="en-US" sz="900" kern="1200" dirty="0"/>
             <a:t>6. Export to CSV</a:t>
           </a:r>
         </a:p>
       </dsp:txBody>
       <dsp:txXfrm>
-        <a:off x="832533" y="721448"/>
-        <a:ext cx="1188894" cy="563939"/>
+        <a:off x="1340908" y="2699979"/>
+        <a:ext cx="970046" cy="460131"/>
       </dsp:txXfrm>
     </dsp:sp>
-  </dsp:spTree>
-</dsp:drawing>
-</file>
-
-<file path=ppt/diagrams/drawing3.xml><?xml version="1.0" encoding="utf-8"?>
-<dsp:drawing xmlns:dgm="http://schemas.openxmlformats.org/drawingml/2006/diagram" xmlns:dsp="http://schemas.microsoft.com/office/drawing/2008/diagram" xmlns:a="http://schemas.openxmlformats.org/drawingml/2006/main">
-  <dsp:spTree>
-    <dsp:nvGrpSpPr>
-      <dsp:cNvPr id="0" name=""/>
-      <dsp:cNvGrpSpPr/>
-    </dsp:nvGrpSpPr>
-    <dsp:grpSpPr/>
-    <dsp:sp modelId="{6AA77F48-6467-4250-8201-33A2C08FAFB3}">
+    <dsp:sp modelId="{10C54153-B172-4C4B-A3C4-EF7F821A7655}">
       <dsp:nvSpPr>
         <dsp:cNvPr id="0" name=""/>
         <dsp:cNvSpPr/>
       </dsp:nvSpPr>
       <dsp:spPr>
         <a:xfrm>
-          <a:off x="496607" y="11600"/>
-          <a:ext cx="3075717" cy="3075717"/>
-        </a:xfrm>
-        <a:prstGeom prst="circularArrow">
-          <a:avLst>
-            <a:gd name="adj1" fmla="val 4668"/>
-            <a:gd name="adj2" fmla="val 272909"/>
-            <a:gd name="adj3" fmla="val 13181699"/>
-            <a:gd name="adj4" fmla="val 17796847"/>
-            <a:gd name="adj5" fmla="val 4847"/>
-          </a:avLst>
-        </a:prstGeom>
-        <a:solidFill>
-          <a:schemeClr val="accent1">
-            <a:tint val="40000"/>
-            <a:hueOff val="0"/>
-            <a:satOff val="0"/>
-            <a:lumOff val="0"/>
-            <a:alphaOff val="0"/>
-          </a:schemeClr>
-        </a:solidFill>
-        <a:ln>
-          <a:noFill/>
-        </a:ln>
-        <a:effectLst/>
-      </dsp:spPr>
-      <dsp:style>
-        <a:lnRef idx="0">
-          <a:scrgbClr r="0" g="0" b="0"/>
-        </a:lnRef>
-        <a:fillRef idx="1">
-          <a:scrgbClr r="0" g="0" b="0"/>
-        </a:fillRef>
-        <a:effectRef idx="0">
-          <a:scrgbClr r="0" g="0" b="0"/>
-        </a:effectRef>
-        <a:fontRef idx="minor"/>
-      </dsp:style>
-    </dsp:sp>
-    <dsp:sp modelId="{DAEB7A74-755A-4FC1-AF2E-1B59F6171EEB}">
-      <dsp:nvSpPr>
-        <dsp:cNvPr id="0" name=""/>
-        <dsp:cNvSpPr/>
-      </dsp:nvSpPr>
-      <dsp:spPr>
-        <a:xfrm>
-          <a:off x="1104651" y="49277"/>
-          <a:ext cx="1859629" cy="929814"/>
+          <a:off x="857268" y="1567573"/>
+          <a:ext cx="1019830" cy="509915"/>
         </a:xfrm>
         <a:prstGeom prst="roundRect">
           <a:avLst/>
@@ -6779,12 +5881,12 @@
         </a:fontRef>
       </dsp:style>
       <dsp:txBody>
-        <a:bodyPr spcFirstLastPara="0" vert="horz" wrap="square" lIns="60960" tIns="60960" rIns="60960" bIns="60960" numCol="1" spcCol="1270" anchor="ctr" anchorCtr="0">
+        <a:bodyPr spcFirstLastPara="0" vert="horz" wrap="square" lIns="34290" tIns="34290" rIns="34290" bIns="34290" numCol="1" spcCol="1270" anchor="ctr" anchorCtr="0">
           <a:noAutofit/>
         </a:bodyPr>
         <a:lstStyle/>
         <a:p>
-          <a:pPr marL="0" lvl="0" indent="0" algn="ctr" defTabSz="711200">
+          <a:pPr marL="0" lvl="0" indent="0" algn="ctr" defTabSz="400050">
             <a:lnSpc>
               <a:spcPct val="90000"/>
             </a:lnSpc>
@@ -6797,25 +5899,25 @@
             <a:buNone/>
           </a:pPr>
           <a:r>
-            <a:rPr lang="en-US" sz="1600" kern="1200" dirty="0"/>
-            <a:t>1. Pull CSV to create Visualizations</a:t>
+            <a:rPr lang="en-US" sz="900" kern="1200" dirty="0"/>
+            <a:t>Create plots / Standard formats</a:t>
           </a:r>
         </a:p>
       </dsp:txBody>
       <dsp:txXfrm>
-        <a:off x="1150041" y="94667"/>
-        <a:ext cx="1768849" cy="839034"/>
+        <a:off x="882160" y="1592465"/>
+        <a:ext cx="970046" cy="460131"/>
       </dsp:txXfrm>
     </dsp:sp>
-    <dsp:sp modelId="{3A6AFD6C-E8DE-46A9-B4E2-02CF04D7B01A}">
+    <dsp:sp modelId="{1D5FF721-57EF-4A4B-8F42-E4130B5B87FC}">
       <dsp:nvSpPr>
         <dsp:cNvPr id="0" name=""/>
         <dsp:cNvSpPr/>
       </dsp:nvSpPr>
       <dsp:spPr>
         <a:xfrm>
-          <a:off x="2209038" y="1153664"/>
-          <a:ext cx="1859629" cy="929814"/>
+          <a:off x="1316016" y="460059"/>
+          <a:ext cx="1019830" cy="509915"/>
         </a:xfrm>
         <a:prstGeom prst="roundRect">
           <a:avLst/>
@@ -6856,12 +5958,12 @@
         </a:fontRef>
       </dsp:style>
       <dsp:txBody>
-        <a:bodyPr spcFirstLastPara="0" vert="horz" wrap="square" lIns="60960" tIns="60960" rIns="60960" bIns="60960" numCol="1" spcCol="1270" anchor="ctr" anchorCtr="0">
+        <a:bodyPr spcFirstLastPara="0" vert="horz" wrap="square" lIns="34290" tIns="34290" rIns="34290" bIns="34290" numCol="1" spcCol="1270" anchor="ctr" anchorCtr="0">
           <a:noAutofit/>
         </a:bodyPr>
         <a:lstStyle/>
         <a:p>
-          <a:pPr marL="0" lvl="0" indent="0" algn="ctr" defTabSz="711200">
+          <a:pPr marL="0" lvl="0" indent="0" algn="ctr" defTabSz="400050">
             <a:lnSpc>
               <a:spcPct val="90000"/>
             </a:lnSpc>
@@ -6874,175 +5976,21 @@
             <a:buNone/>
           </a:pPr>
           <a:r>
-            <a:rPr lang="en-US" sz="1600" kern="1200" dirty="0"/>
-            <a:t>2. Create Plots</a:t>
+            <a:rPr lang="en-US" sz="900" kern="1200" dirty="0"/>
+            <a:t>Adjust API query / Research questions</a:t>
           </a:r>
         </a:p>
       </dsp:txBody>
       <dsp:txXfrm>
-        <a:off x="2254428" y="1199054"/>
-        <a:ext cx="1768849" cy="839034"/>
-      </dsp:txXfrm>
-    </dsp:sp>
-    <dsp:sp modelId="{29F9A111-7840-4259-ABAE-783A9058A573}">
-      <dsp:nvSpPr>
-        <dsp:cNvPr id="0" name=""/>
-        <dsp:cNvSpPr/>
-      </dsp:nvSpPr>
-      <dsp:spPr>
-        <a:xfrm>
-          <a:off x="1104651" y="2258051"/>
-          <a:ext cx="1859629" cy="929814"/>
-        </a:xfrm>
-        <a:prstGeom prst="roundRect">
-          <a:avLst/>
-        </a:prstGeom>
-        <a:solidFill>
-          <a:schemeClr val="accent1">
-            <a:hueOff val="0"/>
-            <a:satOff val="0"/>
-            <a:lumOff val="0"/>
-            <a:alphaOff val="0"/>
-          </a:schemeClr>
-        </a:solidFill>
-        <a:ln w="12700" cap="flat" cmpd="sng" algn="ctr">
-          <a:solidFill>
-            <a:schemeClr val="lt1">
-              <a:hueOff val="0"/>
-              <a:satOff val="0"/>
-              <a:lumOff val="0"/>
-              <a:alphaOff val="0"/>
-            </a:schemeClr>
-          </a:solidFill>
-          <a:prstDash val="solid"/>
-        </a:ln>
-        <a:effectLst/>
-      </dsp:spPr>
-      <dsp:style>
-        <a:lnRef idx="2">
-          <a:scrgbClr r="0" g="0" b="0"/>
-        </a:lnRef>
-        <a:fillRef idx="1">
-          <a:scrgbClr r="0" g="0" b="0"/>
-        </a:fillRef>
-        <a:effectRef idx="0">
-          <a:scrgbClr r="0" g="0" b="0"/>
-        </a:effectRef>
-        <a:fontRef idx="minor">
-          <a:schemeClr val="lt1"/>
-        </a:fontRef>
-      </dsp:style>
-      <dsp:txBody>
-        <a:bodyPr spcFirstLastPara="0" vert="horz" wrap="square" lIns="60960" tIns="60960" rIns="60960" bIns="60960" numCol="1" spcCol="1270" anchor="ctr" anchorCtr="0">
-          <a:noAutofit/>
-        </a:bodyPr>
-        <a:lstStyle/>
-        <a:p>
-          <a:pPr marL="0" lvl="0" indent="0" algn="ctr" defTabSz="711200">
-            <a:lnSpc>
-              <a:spcPct val="90000"/>
-            </a:lnSpc>
-            <a:spcBef>
-              <a:spcPct val="0"/>
-            </a:spcBef>
-            <a:spcAft>
-              <a:spcPct val="35000"/>
-            </a:spcAft>
-            <a:buNone/>
-          </a:pPr>
-          <a:r>
-            <a:rPr lang="en-US" sz="1600" kern="1200" dirty="0"/>
-            <a:t>3. Standardize Plot Formatting</a:t>
-          </a:r>
-        </a:p>
-      </dsp:txBody>
-      <dsp:txXfrm>
-        <a:off x="1150041" y="2303441"/>
-        <a:ext cx="1768849" cy="839034"/>
-      </dsp:txXfrm>
-    </dsp:sp>
-    <dsp:sp modelId="{CCFF67A0-9E18-417C-A35E-0ABAF61D5CCA}">
-      <dsp:nvSpPr>
-        <dsp:cNvPr id="0" name=""/>
-        <dsp:cNvSpPr/>
-      </dsp:nvSpPr>
-      <dsp:spPr>
-        <a:xfrm>
-          <a:off x="264" y="1153664"/>
-          <a:ext cx="1859629" cy="929814"/>
-        </a:xfrm>
-        <a:prstGeom prst="roundRect">
-          <a:avLst/>
-        </a:prstGeom>
-        <a:solidFill>
-          <a:schemeClr val="accent1">
-            <a:hueOff val="0"/>
-            <a:satOff val="0"/>
-            <a:lumOff val="0"/>
-            <a:alphaOff val="0"/>
-          </a:schemeClr>
-        </a:solidFill>
-        <a:ln w="12700" cap="flat" cmpd="sng" algn="ctr">
-          <a:solidFill>
-            <a:schemeClr val="lt1">
-              <a:hueOff val="0"/>
-              <a:satOff val="0"/>
-              <a:lumOff val="0"/>
-              <a:alphaOff val="0"/>
-            </a:schemeClr>
-          </a:solidFill>
-          <a:prstDash val="solid"/>
-        </a:ln>
-        <a:effectLst/>
-      </dsp:spPr>
-      <dsp:style>
-        <a:lnRef idx="2">
-          <a:scrgbClr r="0" g="0" b="0"/>
-        </a:lnRef>
-        <a:fillRef idx="1">
-          <a:scrgbClr r="0" g="0" b="0"/>
-        </a:fillRef>
-        <a:effectRef idx="0">
-          <a:scrgbClr r="0" g="0" b="0"/>
-        </a:effectRef>
-        <a:fontRef idx="minor">
-          <a:schemeClr val="lt1"/>
-        </a:fontRef>
-      </dsp:style>
-      <dsp:txBody>
-        <a:bodyPr spcFirstLastPara="0" vert="horz" wrap="square" lIns="60960" tIns="60960" rIns="60960" bIns="60960" numCol="1" spcCol="1270" anchor="ctr" anchorCtr="0">
-          <a:noAutofit/>
-        </a:bodyPr>
-        <a:lstStyle/>
-        <a:p>
-          <a:pPr marL="0" lvl="0" indent="0" algn="ctr" defTabSz="711200">
-            <a:lnSpc>
-              <a:spcPct val="90000"/>
-            </a:lnSpc>
-            <a:spcBef>
-              <a:spcPct val="0"/>
-            </a:spcBef>
-            <a:spcAft>
-              <a:spcPct val="35000"/>
-            </a:spcAft>
-            <a:buNone/>
-          </a:pPr>
-          <a:r>
-            <a:rPr lang="en-US" sz="1600" kern="1200" dirty="0"/>
-            <a:t>4. Adjust Research Questions / API query</a:t>
-          </a:r>
-        </a:p>
-      </dsp:txBody>
-      <dsp:txXfrm>
-        <a:off x="45654" y="1199054"/>
-        <a:ext cx="1768849" cy="839034"/>
+        <a:off x="1340908" y="484951"/>
+        <a:ext cx="970046" cy="460131"/>
       </dsp:txXfrm>
     </dsp:sp>
   </dsp:spTree>
 </dsp:drawing>
 </file>
 
-<file path=ppt/diagrams/drawing4.xml><?xml version="1.0" encoding="utf-8"?>
+<file path=ppt/diagrams/drawing3.xml><?xml version="1.0" encoding="utf-8"?>
 <dsp:drawing xmlns:dgm="http://schemas.openxmlformats.org/drawingml/2006/diagram" xmlns:dsp="http://schemas.microsoft.com/office/drawing/2008/diagram" xmlns:a="http://schemas.openxmlformats.org/drawingml/2006/main">
   <dsp:spTree>
     <dsp:nvGrpSpPr>
@@ -7559,7 +6507,7 @@
 </dsp:drawing>
 </file>
 
-<file path=ppt/diagrams/drawing5.xml><?xml version="1.0" encoding="utf-8"?>
+<file path=ppt/diagrams/drawing4.xml><?xml version="1.0" encoding="utf-8"?>
 <dsp:drawing xmlns:dgm="http://schemas.openxmlformats.org/drawingml/2006/diagram" xmlns:dsp="http://schemas.microsoft.com/office/drawing/2008/diagram" xmlns:a="http://schemas.openxmlformats.org/drawingml/2006/main">
   <dsp:spTree>
     <dsp:nvGrpSpPr>
@@ -7574,8 +6522,8 @@
       </dsp:nvSpPr>
       <dsp:spPr>
         <a:xfrm>
-          <a:off x="0" y="113472"/>
-          <a:ext cx="6915705" cy="623610"/>
+          <a:off x="0" y="33034"/>
+          <a:ext cx="6915705" cy="551655"/>
         </a:xfrm>
         <a:prstGeom prst="roundRect">
           <a:avLst/>
@@ -7616,12 +6564,12 @@
         </a:fontRef>
       </dsp:style>
       <dsp:txBody>
-        <a:bodyPr spcFirstLastPara="0" vert="horz" wrap="square" lIns="99060" tIns="99060" rIns="99060" bIns="99060" numCol="1" spcCol="1270" anchor="ctr" anchorCtr="0">
+        <a:bodyPr spcFirstLastPara="0" vert="horz" wrap="square" lIns="87630" tIns="87630" rIns="87630" bIns="87630" numCol="1" spcCol="1270" anchor="ctr" anchorCtr="0">
           <a:noAutofit/>
         </a:bodyPr>
         <a:lstStyle/>
         <a:p>
-          <a:pPr marL="0" lvl="0" indent="0" algn="l" defTabSz="1155700">
+          <a:pPr marL="0" lvl="0" indent="0" algn="l" defTabSz="1022350">
             <a:lnSpc>
               <a:spcPct val="90000"/>
             </a:lnSpc>
@@ -7634,14 +6582,14 @@
             <a:buNone/>
           </a:pPr>
           <a:r>
-            <a:rPr lang="en-US" sz="2600" kern="1200" dirty="0"/>
+            <a:rPr lang="en-US" sz="2300" kern="1200" dirty="0"/>
             <a:t>Difficulties</a:t>
           </a:r>
         </a:p>
       </dsp:txBody>
       <dsp:txXfrm>
-        <a:off x="30442" y="143914"/>
-        <a:ext cx="6854821" cy="562726"/>
+        <a:off x="26930" y="59964"/>
+        <a:ext cx="6861845" cy="497795"/>
       </dsp:txXfrm>
     </dsp:sp>
     <dsp:sp modelId="{C01F3D39-844C-4BBB-95DC-E9B59C93868A}">
@@ -7651,8 +6599,8 @@
       </dsp:nvSpPr>
       <dsp:spPr>
         <a:xfrm>
-          <a:off x="0" y="737082"/>
-          <a:ext cx="6915705" cy="699660"/>
+          <a:off x="0" y="584690"/>
+          <a:ext cx="6915705" cy="618930"/>
         </a:xfrm>
         <a:prstGeom prst="rect">
           <a:avLst/>
@@ -7676,12 +6624,12 @@
         <a:fontRef idx="minor"/>
       </dsp:style>
       <dsp:txBody>
-        <a:bodyPr spcFirstLastPara="0" vert="horz" wrap="square" lIns="219574" tIns="33020" rIns="184912" bIns="33020" numCol="1" spcCol="1270" anchor="t" anchorCtr="0">
+        <a:bodyPr spcFirstLastPara="0" vert="horz" wrap="square" lIns="219574" tIns="29210" rIns="163576" bIns="29210" numCol="1" spcCol="1270" anchor="t" anchorCtr="0">
           <a:noAutofit/>
         </a:bodyPr>
         <a:lstStyle/>
         <a:p>
-          <a:pPr marL="228600" lvl="1" indent="-228600" algn="l" defTabSz="889000">
+          <a:pPr marL="171450" lvl="1" indent="-171450" algn="l" defTabSz="800100">
             <a:lnSpc>
               <a:spcPct val="90000"/>
             </a:lnSpc>
@@ -7694,12 +6642,12 @@
             <a:buChar char="•"/>
           </a:pPr>
           <a:r>
-            <a:rPr lang="en-US" sz="2000" kern="1200" dirty="0"/>
-            <a:t>API not well documented, difficulty with pagination</a:t>
+            <a:rPr lang="en-US" sz="1800" kern="1200" dirty="0"/>
+            <a:t>API not well documented, difficulty with pagination, API call queries</a:t>
           </a:r>
         </a:p>
         <a:p>
-          <a:pPr marL="228600" lvl="1" indent="-228600" algn="l" defTabSz="889000">
+          <a:pPr marL="171450" lvl="1" indent="-171450" algn="l" defTabSz="800100">
             <a:lnSpc>
               <a:spcPct val="90000"/>
             </a:lnSpc>
@@ -7712,14 +6660,14 @@
             <a:buChar char="•"/>
           </a:pPr>
           <a:r>
-            <a:rPr lang="en-US" sz="2000" kern="1200" dirty="0"/>
+            <a:rPr lang="en-US" sz="1800" kern="1200" dirty="0"/>
             <a:t>Datasets do not appear to represent app as a whole</a:t>
           </a:r>
         </a:p>
       </dsp:txBody>
       <dsp:txXfrm>
-        <a:off x="0" y="737082"/>
-        <a:ext cx="6915705" cy="699660"/>
+        <a:off x="0" y="584690"/>
+        <a:ext cx="6915705" cy="618930"/>
       </dsp:txXfrm>
     </dsp:sp>
     <dsp:sp modelId="{F961A7FF-0092-44E8-B26B-69AD610E0C4B}">
@@ -7729,8 +6677,8 @@
       </dsp:nvSpPr>
       <dsp:spPr>
         <a:xfrm>
-          <a:off x="0" y="1436742"/>
-          <a:ext cx="6915705" cy="623610"/>
+          <a:off x="0" y="1203620"/>
+          <a:ext cx="6915705" cy="551655"/>
         </a:xfrm>
         <a:prstGeom prst="roundRect">
           <a:avLst/>
@@ -7771,12 +6719,12 @@
         </a:fontRef>
       </dsp:style>
       <dsp:txBody>
-        <a:bodyPr spcFirstLastPara="0" vert="horz" wrap="square" lIns="99060" tIns="99060" rIns="99060" bIns="99060" numCol="1" spcCol="1270" anchor="ctr" anchorCtr="0">
+        <a:bodyPr spcFirstLastPara="0" vert="horz" wrap="square" lIns="87630" tIns="87630" rIns="87630" bIns="87630" numCol="1" spcCol="1270" anchor="ctr" anchorCtr="0">
           <a:noAutofit/>
         </a:bodyPr>
         <a:lstStyle/>
         <a:p>
-          <a:pPr marL="0" lvl="0" indent="0" algn="l" defTabSz="1155700">
+          <a:pPr marL="0" lvl="0" indent="0" algn="l" defTabSz="1022350">
             <a:lnSpc>
               <a:spcPct val="90000"/>
             </a:lnSpc>
@@ -7789,19 +6737,19 @@
             <a:buNone/>
           </a:pPr>
           <a:r>
-            <a:rPr lang="en-US" sz="2600" kern="1200" dirty="0"/>
+            <a:rPr lang="en-US" sz="2300" kern="1200" dirty="0"/>
             <a:t>Unanswered</a:t>
           </a:r>
           <a:r>
-            <a:rPr lang="en-US" sz="2600" kern="1200" baseline="0" dirty="0"/>
+            <a:rPr lang="en-US" sz="2300" kern="1200" baseline="0" dirty="0"/>
             <a:t> questions</a:t>
           </a:r>
-          <a:endParaRPr lang="en-US" sz="2600" kern="1200" dirty="0"/>
+          <a:endParaRPr lang="en-US" sz="2300" kern="1200" dirty="0"/>
         </a:p>
       </dsp:txBody>
       <dsp:txXfrm>
-        <a:off x="30442" y="1467184"/>
-        <a:ext cx="6854821" cy="562726"/>
+        <a:off x="26930" y="1230550"/>
+        <a:ext cx="6861845" cy="497795"/>
       </dsp:txXfrm>
     </dsp:sp>
     <dsp:sp modelId="{A845C7C5-23EF-4A51-AEF2-6D4FC7EB4F76}">
@@ -7811,8 +6759,8 @@
       </dsp:nvSpPr>
       <dsp:spPr>
         <a:xfrm>
-          <a:off x="0" y="2060352"/>
-          <a:ext cx="6915705" cy="699660"/>
+          <a:off x="0" y="1755275"/>
+          <a:ext cx="6915705" cy="618930"/>
         </a:xfrm>
         <a:prstGeom prst="rect">
           <a:avLst/>
@@ -7836,12 +6784,12 @@
         <a:fontRef idx="minor"/>
       </dsp:style>
       <dsp:txBody>
-        <a:bodyPr spcFirstLastPara="0" vert="horz" wrap="square" lIns="219574" tIns="33020" rIns="184912" bIns="33020" numCol="1" spcCol="1270" anchor="t" anchorCtr="0">
+        <a:bodyPr spcFirstLastPara="0" vert="horz" wrap="square" lIns="219574" tIns="29210" rIns="163576" bIns="29210" numCol="1" spcCol="1270" anchor="t" anchorCtr="0">
           <a:noAutofit/>
         </a:bodyPr>
         <a:lstStyle/>
         <a:p>
-          <a:pPr marL="228600" lvl="1" indent="-228600" algn="l" defTabSz="889000">
+          <a:pPr marL="171450" lvl="1" indent="-171450" algn="l" defTabSz="800100">
             <a:lnSpc>
               <a:spcPct val="90000"/>
             </a:lnSpc>
@@ -7854,12 +6802,12 @@
             <a:buChar char="•"/>
           </a:pPr>
           <a:r>
-            <a:rPr lang="en-US" sz="2000" kern="1200" dirty="0"/>
+            <a:rPr lang="en-US" sz="1800" kern="1200" dirty="0"/>
             <a:t>Number of users globally and locally?</a:t>
           </a:r>
         </a:p>
         <a:p>
-          <a:pPr marL="228600" lvl="1" indent="-228600" algn="l" defTabSz="889000">
+          <a:pPr marL="171450" lvl="1" indent="-171450" algn="l" defTabSz="800100">
             <a:lnSpc>
               <a:spcPct val="90000"/>
             </a:lnSpc>
@@ -7872,14 +6820,14 @@
             <a:buChar char="•"/>
           </a:pPr>
           <a:r>
-            <a:rPr lang="en-US" sz="2000" kern="1200" dirty="0"/>
+            <a:rPr lang="en-US" sz="1800" kern="1200" dirty="0"/>
             <a:t>Which markets and languages are most widely read?</a:t>
           </a:r>
         </a:p>
       </dsp:txBody>
       <dsp:txXfrm>
-        <a:off x="0" y="2060352"/>
-        <a:ext cx="6915705" cy="699660"/>
+        <a:off x="0" y="1755275"/>
+        <a:ext cx="6915705" cy="618930"/>
       </dsp:txXfrm>
     </dsp:sp>
     <dsp:sp modelId="{23267A73-86E6-43DC-B4DE-0B4C0681E8EA}">
@@ -7889,8 +6837,8 @@
       </dsp:nvSpPr>
       <dsp:spPr>
         <a:xfrm>
-          <a:off x="0" y="2760012"/>
-          <a:ext cx="6915705" cy="623610"/>
+          <a:off x="0" y="2374205"/>
+          <a:ext cx="6915705" cy="551655"/>
         </a:xfrm>
         <a:prstGeom prst="roundRect">
           <a:avLst/>
@@ -7931,12 +6879,12 @@
         </a:fontRef>
       </dsp:style>
       <dsp:txBody>
-        <a:bodyPr spcFirstLastPara="0" vert="horz" wrap="square" lIns="99060" tIns="99060" rIns="99060" bIns="99060" numCol="1" spcCol="1270" anchor="ctr" anchorCtr="0">
+        <a:bodyPr spcFirstLastPara="0" vert="horz" wrap="square" lIns="87630" tIns="87630" rIns="87630" bIns="87630" numCol="1" spcCol="1270" anchor="ctr" anchorCtr="0">
           <a:noAutofit/>
         </a:bodyPr>
         <a:lstStyle/>
         <a:p>
-          <a:pPr marL="0" lvl="0" indent="0" algn="l" defTabSz="1155700">
+          <a:pPr marL="0" lvl="0" indent="0" algn="l" defTabSz="1022350">
             <a:lnSpc>
               <a:spcPct val="90000"/>
             </a:lnSpc>
@@ -7949,14 +6897,14 @@
             <a:buNone/>
           </a:pPr>
           <a:r>
-            <a:rPr lang="en-US" sz="2600" kern="1200" dirty="0"/>
+            <a:rPr lang="en-US" sz="2300" kern="1200" dirty="0"/>
             <a:t>If We Had More Time…</a:t>
           </a:r>
         </a:p>
       </dsp:txBody>
       <dsp:txXfrm>
-        <a:off x="30442" y="2790454"/>
-        <a:ext cx="6854821" cy="562726"/>
+        <a:off x="26930" y="2401135"/>
+        <a:ext cx="6861845" cy="497795"/>
       </dsp:txXfrm>
     </dsp:sp>
     <dsp:sp modelId="{7A098F94-9050-45A9-8238-17FABB62CD0E}">
@@ -7966,8 +6914,8 @@
       </dsp:nvSpPr>
       <dsp:spPr>
         <a:xfrm>
-          <a:off x="0" y="3383622"/>
-          <a:ext cx="6915705" cy="699660"/>
+          <a:off x="0" y="2925860"/>
+          <a:ext cx="6915705" cy="1237860"/>
         </a:xfrm>
         <a:prstGeom prst="rect">
           <a:avLst/>
@@ -7991,12 +6939,12 @@
         <a:fontRef idx="minor"/>
       </dsp:style>
       <dsp:txBody>
-        <a:bodyPr spcFirstLastPara="0" vert="horz" wrap="square" lIns="219574" tIns="33020" rIns="184912" bIns="33020" numCol="1" spcCol="1270" anchor="t" anchorCtr="0">
+        <a:bodyPr spcFirstLastPara="0" vert="horz" wrap="square" lIns="219574" tIns="29210" rIns="163576" bIns="29210" numCol="1" spcCol="1270" anchor="t" anchorCtr="0">
           <a:noAutofit/>
         </a:bodyPr>
         <a:lstStyle/>
         <a:p>
-          <a:pPr marL="228600" lvl="1" indent="-228600" algn="l" defTabSz="889000">
+          <a:pPr marL="171450" lvl="1" indent="-171450" algn="l" defTabSz="800100">
             <a:lnSpc>
               <a:spcPct val="90000"/>
             </a:lnSpc>
@@ -8009,12 +6957,12 @@
             <a:buChar char="•"/>
           </a:pPr>
           <a:r>
-            <a:rPr lang="en-US" sz="2000" kern="1200" dirty="0"/>
-            <a:t>Research better sources to understand mobile reader trends</a:t>
+            <a:rPr lang="en-US" sz="1800" kern="1200" dirty="0"/>
+            <a:t>Analyze individual story parts</a:t>
           </a:r>
         </a:p>
         <a:p>
-          <a:pPr marL="228600" lvl="1" indent="-228600" algn="l" defTabSz="889000">
+          <a:pPr marL="171450" lvl="1" indent="-171450" algn="l" defTabSz="800100">
             <a:lnSpc>
               <a:spcPct val="90000"/>
             </a:lnSpc>
@@ -8027,14 +6975,54 @@
             <a:buChar char="•"/>
           </a:pPr>
           <a:r>
-            <a:rPr lang="en-US" sz="2000" kern="1200" dirty="0"/>
+            <a:rPr lang="en-US" sz="1800" kern="1200"/>
+            <a:t>Research </a:t>
+          </a:r>
+          <a:r>
+            <a:rPr lang="en-US" sz="1800" kern="1200" dirty="0"/>
+            <a:t>better sources to understand mobile reader trends</a:t>
+          </a:r>
+        </a:p>
+        <a:p>
+          <a:pPr marL="171450" lvl="1" indent="-171450" algn="l" defTabSz="800100">
+            <a:lnSpc>
+              <a:spcPct val="90000"/>
+            </a:lnSpc>
+            <a:spcBef>
+              <a:spcPct val="0"/>
+            </a:spcBef>
+            <a:spcAft>
+              <a:spcPct val="20000"/>
+            </a:spcAft>
+            <a:buChar char="•"/>
+          </a:pPr>
+          <a:r>
+            <a:rPr lang="en-US" sz="1800" kern="1200" dirty="0"/>
             <a:t>Query API daily and continue to build existing dataset</a:t>
+          </a:r>
+        </a:p>
+        <a:p>
+          <a:pPr marL="171450" lvl="1" indent="-171450" algn="l" defTabSz="800100">
+            <a:lnSpc>
+              <a:spcPct val="90000"/>
+            </a:lnSpc>
+            <a:spcBef>
+              <a:spcPct val="0"/>
+            </a:spcBef>
+            <a:spcAft>
+              <a:spcPct val="20000"/>
+            </a:spcAft>
+            <a:buChar char="•"/>
+          </a:pPr>
+          <a:r>
+            <a:rPr lang="en-US" sz="1800" kern="1200" dirty="0"/>
+            <a:t>Utilize other NLP tools to see if they yield different results</a:t>
           </a:r>
         </a:p>
       </dsp:txBody>
       <dsp:txXfrm>
-        <a:off x="0" y="3383622"/>
-        <a:ext cx="6915705" cy="699660"/>
+        <a:off x="0" y="2925860"/>
+        <a:ext cx="6915705" cy="1237860"/>
       </dsp:txXfrm>
     </dsp:sp>
   </dsp:spTree>
@@ -8670,409 +7658,6 @@
 </file>
 
 <file path=ppt/diagrams/layout3.xml><?xml version="1.0" encoding="utf-8"?>
-<dgm:layoutDef xmlns:dgm="http://schemas.openxmlformats.org/drawingml/2006/diagram" xmlns:a="http://schemas.openxmlformats.org/drawingml/2006/main" uniqueId="urn:microsoft.com/office/officeart/2005/8/layout/cycle3">
-  <dgm:title val=""/>
-  <dgm:desc val=""/>
-  <dgm:catLst>
-    <dgm:cat type="cycle" pri="5000"/>
-  </dgm:catLst>
-  <dgm:sampData>
-    <dgm:dataModel>
-      <dgm:ptLst>
-        <dgm:pt modelId="0" type="doc"/>
-        <dgm:pt modelId="1">
-          <dgm:prSet phldr="1"/>
-        </dgm:pt>
-        <dgm:pt modelId="2">
-          <dgm:prSet phldr="1"/>
-        </dgm:pt>
-        <dgm:pt modelId="3">
-          <dgm:prSet phldr="1"/>
-        </dgm:pt>
-        <dgm:pt modelId="4">
-          <dgm:prSet phldr="1"/>
-        </dgm:pt>
-        <dgm:pt modelId="5">
-          <dgm:prSet phldr="1"/>
-        </dgm:pt>
-      </dgm:ptLst>
-      <dgm:cxnLst>
-        <dgm:cxn modelId="6" srcId="0" destId="1" srcOrd="0" destOrd="0"/>
-        <dgm:cxn modelId="7" srcId="0" destId="2" srcOrd="1" destOrd="0"/>
-        <dgm:cxn modelId="8" srcId="0" destId="3" srcOrd="2" destOrd="0"/>
-        <dgm:cxn modelId="9" srcId="0" destId="4" srcOrd="3" destOrd="0"/>
-        <dgm:cxn modelId="10" srcId="0" destId="5" srcOrd="4" destOrd="0"/>
-      </dgm:cxnLst>
-      <dgm:bg/>
-      <dgm:whole/>
-    </dgm:dataModel>
-  </dgm:sampData>
-  <dgm:styleData>
-    <dgm:dataModel>
-      <dgm:ptLst>
-        <dgm:pt modelId="0" type="doc"/>
-        <dgm:pt modelId="1"/>
-        <dgm:pt modelId="2"/>
-        <dgm:pt modelId="3"/>
-      </dgm:ptLst>
-      <dgm:cxnLst>
-        <dgm:cxn modelId="4" srcId="0" destId="1" srcOrd="0" destOrd="0"/>
-        <dgm:cxn modelId="5" srcId="0" destId="2" srcOrd="1" destOrd="0"/>
-        <dgm:cxn modelId="6" srcId="0" destId="3" srcOrd="2" destOrd="0"/>
-      </dgm:cxnLst>
-      <dgm:bg/>
-      <dgm:whole/>
-    </dgm:dataModel>
-  </dgm:styleData>
-  <dgm:clrData>
-    <dgm:dataModel>
-      <dgm:ptLst>
-        <dgm:pt modelId="0" type="doc"/>
-        <dgm:pt modelId="1"/>
-        <dgm:pt modelId="2"/>
-        <dgm:pt modelId="3"/>
-        <dgm:pt modelId="4"/>
-        <dgm:pt modelId="5"/>
-        <dgm:pt modelId="6"/>
-      </dgm:ptLst>
-      <dgm:cxnLst>
-        <dgm:cxn modelId="7" srcId="0" destId="1" srcOrd="0" destOrd="0"/>
-        <dgm:cxn modelId="8" srcId="0" destId="2" srcOrd="1" destOrd="0"/>
-        <dgm:cxn modelId="9" srcId="0" destId="3" srcOrd="2" destOrd="0"/>
-        <dgm:cxn modelId="10" srcId="0" destId="4" srcOrd="3" destOrd="0"/>
-        <dgm:cxn modelId="11" srcId="0" destId="5" srcOrd="4" destOrd="0"/>
-        <dgm:cxn modelId="12" srcId="0" destId="6" srcOrd="5" destOrd="0"/>
-      </dgm:cxnLst>
-      <dgm:bg/>
-      <dgm:whole/>
-    </dgm:dataModel>
-  </dgm:clrData>
-  <dgm:layoutNode name="Name0">
-    <dgm:varLst>
-      <dgm:dir/>
-      <dgm:resizeHandles val="exact"/>
-    </dgm:varLst>
-    <dgm:choose name="Name1">
-      <dgm:if name="Name2" axis="ch" ptType="node" func="cnt" op="equ" val="2">
-        <dgm:alg type="composite">
-          <dgm:param type="ar" val="0.9"/>
-        </dgm:alg>
-        <dgm:shape xmlns:r="http://schemas.openxmlformats.org/officeDocument/2006/relationships" r:blip="">
-          <dgm:adjLst/>
-        </dgm:shape>
-        <dgm:presOf/>
-        <dgm:constrLst>
-          <dgm:constr type="primFontSz" for="ch" ptType="node" op="equ" val="65"/>
-          <dgm:constr type="ctrX" for="ch" forName="node1" refType="w" fact="0.5"/>
-          <dgm:constr type="t" for="ch" forName="node1"/>
-          <dgm:constr type="w" for="ch" forName="node1" refType="w" fact="0.8"/>
-          <dgm:constr type="h" for="ch" forName="node1" refType="w" refFor="ch" refForName="node1" fact="0.5"/>
-          <dgm:constr type="ctrX" for="ch" forName="sibTrans" refType="w" fact="0.5"/>
-          <dgm:constr type="t" for="ch" forName="sibTrans"/>
-          <dgm:constr type="w" for="ch" forName="sibTrans" refType="w" fact="0.8"/>
-          <dgm:constr type="h" for="ch" forName="sibTrans" refType="w" refFor="ch" refForName="node1" fact="0.5"/>
-          <dgm:constr type="userA" for="ch" forName="sibTrans" refType="w" fact="1.07"/>
-          <dgm:constr type="ctrX" for="ch" forName="node2" refType="w" fact="0.5"/>
-          <dgm:constr type="b" for="ch" forName="node2" refType="h"/>
-          <dgm:constr type="w" for="ch" forName="node2" refType="w" fact="0.8"/>
-          <dgm:constr type="h" for="ch" forName="node2" refType="w" refFor="ch" refForName="node1" fact="0.5"/>
-          <dgm:constr type="l" for="ch" forName="sp1"/>
-          <dgm:constr type="t" for="ch" forName="sp1" refType="h" fact="0.5"/>
-          <dgm:constr type="w" for="ch" forName="sp1" val="1"/>
-          <dgm:constr type="h" for="ch" forName="sp1" val="1"/>
-          <dgm:constr type="r" for="ch" forName="sp2" refType="w"/>
-          <dgm:constr type="t" for="ch" forName="sp2" refType="h" fact="0.5"/>
-          <dgm:constr type="w" for="ch" forName="sp2" val="1"/>
-          <dgm:constr type="h" for="ch" forName="sp2" val="1"/>
-        </dgm:constrLst>
-        <dgm:ruleLst/>
-      </dgm:if>
-      <dgm:else name="Name3">
-        <dgm:alg type="composite"/>
-        <dgm:shape xmlns:r="http://schemas.openxmlformats.org/officeDocument/2006/relationships" r:blip="">
-          <dgm:adjLst/>
-        </dgm:shape>
-        <dgm:presOf/>
-        <dgm:constrLst>
-          <dgm:constr type="primFontSz" for="ch" ptType="node" op="equ" val="65"/>
-        </dgm:constrLst>
-        <dgm:ruleLst/>
-      </dgm:else>
-    </dgm:choose>
-    <dgm:choose name="Name4">
-      <dgm:if name="Name5" axis="ch" ptType="node" func="cnt" op="equ" val="2">
-        <dgm:layoutNode name="node1">
-          <dgm:varLst>
-            <dgm:bulletEnabled val="1"/>
-          </dgm:varLst>
-          <dgm:alg type="tx"/>
-          <dgm:shape xmlns:r="http://schemas.openxmlformats.org/officeDocument/2006/relationships" type="roundRect" r:blip="">
-            <dgm:adjLst/>
-          </dgm:shape>
-          <dgm:presOf axis="ch desOrSelf" ptType="node node" st="1 1" cnt="1 0"/>
-          <dgm:constrLst>
-            <dgm:constr type="tMarg" refType="primFontSz" fact="0.3"/>
-            <dgm:constr type="bMarg" refType="primFontSz" fact="0.3"/>
-            <dgm:constr type="lMarg" refType="primFontSz" fact="0.3"/>
-            <dgm:constr type="rMarg" refType="primFontSz" fact="0.3"/>
-          </dgm:constrLst>
-          <dgm:ruleLst>
-            <dgm:rule type="primFontSz" val="5" fact="NaN" max="NaN"/>
-          </dgm:ruleLst>
-        </dgm:layoutNode>
-        <dgm:layoutNode name="sibTrans" styleLbl="bgShp">
-          <dgm:choose name="Name6">
-            <dgm:if name="Name7" func="var" arg="dir" op="equ" val="norm">
-              <dgm:alg type="conn">
-                <dgm:param type="connRout" val="longCurve"/>
-                <dgm:param type="begPts" val="midR"/>
-                <dgm:param type="endPts" val="midL"/>
-                <dgm:param type="dstNode" val="node1"/>
-              </dgm:alg>
-              <dgm:shape xmlns:r="http://schemas.openxmlformats.org/officeDocument/2006/relationships" type="conn" r:blip="" zOrderOff="-2">
-                <dgm:adjLst/>
-              </dgm:shape>
-              <dgm:presOf axis="ch" ptType="sibTrans"/>
-              <dgm:constrLst>
-                <dgm:constr type="userA"/>
-                <dgm:constr type="diam" refType="userA" fact="-1"/>
-                <dgm:constr type="wArH" refType="userA" fact="0.05"/>
-                <dgm:constr type="hArH" refType="userA" fact="0.1"/>
-                <dgm:constr type="stemThick" refType="userA" fact="0.06"/>
-                <dgm:constr type="begPad" refType="connDist" fact="-0.2"/>
-                <dgm:constr type="endPad" refType="connDist" fact="0.05"/>
-              </dgm:constrLst>
-            </dgm:if>
-            <dgm:else name="Name8">
-              <dgm:alg type="conn">
-                <dgm:param type="connRout" val="longCurve"/>
-                <dgm:param type="begPts" val="midL"/>
-                <dgm:param type="endPts" val="midR"/>
-                <dgm:param type="dstNode" val="node1"/>
-              </dgm:alg>
-              <dgm:shape xmlns:r="http://schemas.openxmlformats.org/officeDocument/2006/relationships" type="conn" r:blip="" zOrderOff="-2">
-                <dgm:adjLst/>
-              </dgm:shape>
-              <dgm:presOf axis="ch" ptType="sibTrans"/>
-              <dgm:constrLst>
-                <dgm:constr type="userA"/>
-                <dgm:constr type="diam" refType="userA"/>
-                <dgm:constr type="wArH" refType="userA" fact="0.05"/>
-                <dgm:constr type="hArH" refType="userA" fact="0.1"/>
-                <dgm:constr type="stemThick" refType="userA" fact="0.06"/>
-                <dgm:constr type="begPad" refType="connDist" fact="-0.2"/>
-                <dgm:constr type="endPad" refType="connDist" fact="0.05"/>
-              </dgm:constrLst>
-            </dgm:else>
-          </dgm:choose>
-          <dgm:ruleLst/>
-        </dgm:layoutNode>
-        <dgm:layoutNode name="node2">
-          <dgm:varLst>
-            <dgm:bulletEnabled val="1"/>
-          </dgm:varLst>
-          <dgm:alg type="tx"/>
-          <dgm:shape xmlns:r="http://schemas.openxmlformats.org/officeDocument/2006/relationships" type="roundRect" r:blip="">
-            <dgm:adjLst/>
-          </dgm:shape>
-          <dgm:presOf axis="ch desOrSelf" ptType="node node" st="2 1" cnt="1 0"/>
-          <dgm:constrLst>
-            <dgm:constr type="tMarg" refType="primFontSz" fact="0.3"/>
-            <dgm:constr type="bMarg" refType="primFontSz" fact="0.3"/>
-            <dgm:constr type="lMarg" refType="primFontSz" fact="0.3"/>
-            <dgm:constr type="rMarg" refType="primFontSz" fact="0.3"/>
-          </dgm:constrLst>
-          <dgm:ruleLst>
-            <dgm:rule type="primFontSz" val="5" fact="NaN" max="NaN"/>
-          </dgm:ruleLst>
-        </dgm:layoutNode>
-        <dgm:layoutNode name="sp1">
-          <dgm:alg type="sp"/>
-          <dgm:shape xmlns:r="http://schemas.openxmlformats.org/officeDocument/2006/relationships" r:blip="">
-            <dgm:adjLst/>
-          </dgm:shape>
-          <dgm:presOf/>
-          <dgm:constrLst/>
-          <dgm:ruleLst/>
-        </dgm:layoutNode>
-        <dgm:layoutNode name="sp2">
-          <dgm:alg type="sp"/>
-          <dgm:shape xmlns:r="http://schemas.openxmlformats.org/officeDocument/2006/relationships" r:blip="">
-            <dgm:adjLst/>
-          </dgm:shape>
-          <dgm:presOf/>
-          <dgm:constrLst/>
-          <dgm:ruleLst/>
-        </dgm:layoutNode>
-      </dgm:if>
-      <dgm:else name="Name9">
-        <dgm:layoutNode name="cycle">
-          <dgm:choose name="Name10">
-            <dgm:if name="Name11" func="var" arg="dir" op="equ" val="norm">
-              <dgm:alg type="cycle">
-                <dgm:param type="stAng" val="0"/>
-                <dgm:param type="spanAng" val="360"/>
-              </dgm:alg>
-              <dgm:shape xmlns:r="http://schemas.openxmlformats.org/officeDocument/2006/relationships" r:blip="">
-                <dgm:adjLst/>
-              </dgm:shape>
-              <dgm:presOf/>
-              <dgm:constrLst>
-                <dgm:constr type="diam" refType="w"/>
-                <dgm:constr type="w" for="ch" ptType="node" refType="w"/>
-                <dgm:constr type="sibSp" val="15"/>
-                <dgm:constr type="userA" for="ch" ptType="sibTrans" refType="diam" op="equ" fact="-1"/>
-                <dgm:constr type="wArH" for="ch" ptType="sibTrans" refType="diam" op="equ" fact="0.05"/>
-                <dgm:constr type="hArH" for="ch" ptType="sibTrans" refType="diam" op="equ" fact="0.1"/>
-                <dgm:constr type="stemThick" for="ch" ptType="sibTrans" refType="diam" op="equ" fact="0.065"/>
-                <dgm:constr type="primFontSz" for="ch" ptType="node" op="equ"/>
-              </dgm:constrLst>
-            </dgm:if>
-            <dgm:else name="Name12">
-              <dgm:alg type="cycle">
-                <dgm:param type="stAng" val="0"/>
-                <dgm:param type="spanAng" val="-360"/>
-              </dgm:alg>
-              <dgm:shape xmlns:r="http://schemas.openxmlformats.org/officeDocument/2006/relationships" r:blip="">
-                <dgm:adjLst/>
-              </dgm:shape>
-              <dgm:presOf/>
-              <dgm:constrLst>
-                <dgm:constr type="diam" refType="w"/>
-                <dgm:constr type="w" for="ch" ptType="node" refType="w"/>
-                <dgm:constr type="sibSp" val="15"/>
-                <dgm:constr type="userA" for="ch" ptType="sibTrans" refType="diam" op="equ"/>
-                <dgm:constr type="wArH" for="ch" ptType="sibTrans" refType="diam" op="equ" fact="0.05"/>
-                <dgm:constr type="hArH" for="ch" ptType="sibTrans" refType="diam" op="equ" fact="0.1"/>
-                <dgm:constr type="stemThick" for="ch" ptType="sibTrans" refType="diam" op="equ" fact="0.065"/>
-                <dgm:constr type="primFontSz" for="ch" ptType="node" op="equ"/>
-              </dgm:constrLst>
-            </dgm:else>
-          </dgm:choose>
-          <dgm:ruleLst/>
-          <dgm:forEach name="nodesFirstNodeForEach" axis="ch" ptType="node" cnt="1">
-            <dgm:layoutNode name="nodeFirstNode">
-              <dgm:varLst>
-                <dgm:bulletEnabled val="1"/>
-              </dgm:varLst>
-              <dgm:alg type="tx"/>
-              <dgm:shape xmlns:r="http://schemas.openxmlformats.org/officeDocument/2006/relationships" type="roundRect" r:blip="">
-                <dgm:adjLst/>
-              </dgm:shape>
-              <dgm:presOf axis="desOrSelf" ptType="node"/>
-              <dgm:constrLst>
-                <dgm:constr type="h" refType="w" fact="0.5"/>
-                <dgm:constr type="primFontSz" val="65"/>
-                <dgm:constr type="tMarg" refType="primFontSz" fact="0.3"/>
-                <dgm:constr type="bMarg" refType="primFontSz" fact="0.3"/>
-                <dgm:constr type="lMarg" refType="primFontSz" fact="0.3"/>
-                <dgm:constr type="rMarg" refType="primFontSz" fact="0.3"/>
-              </dgm:constrLst>
-              <dgm:ruleLst>
-                <dgm:rule type="primFontSz" val="5" fact="NaN" max="NaN"/>
-              </dgm:ruleLst>
-            </dgm:layoutNode>
-            <dgm:forEach name="sibTransForEach" axis="followSib" ptType="sibTrans" cnt="1">
-              <dgm:layoutNode name="sibTransFirstNode" styleLbl="bgShp">
-                <dgm:choose name="Name13">
-                  <dgm:if name="Name14" func="var" arg="dir" op="equ" val="norm">
-                    <dgm:alg type="conn">
-                      <dgm:param type="connRout" val="longCurve"/>
-                      <dgm:param type="begPts" val="midR"/>
-                      <dgm:param type="endPts" val="midL"/>
-                      <dgm:param type="dstNode" val="nodeFirstNode"/>
-                    </dgm:alg>
-                  </dgm:if>
-                  <dgm:else name="Name15">
-                    <dgm:alg type="conn">
-                      <dgm:param type="connRout" val="longCurve"/>
-                      <dgm:param type="begPts" val="midL"/>
-                      <dgm:param type="endPts" val="midR"/>
-                      <dgm:param type="dstNode" val="nodeFirstNode"/>
-                    </dgm:alg>
-                  </dgm:else>
-                </dgm:choose>
-                <dgm:shape xmlns:r="http://schemas.openxmlformats.org/officeDocument/2006/relationships" type="conn" r:blip="" zOrderOff="-2">
-                  <dgm:adjLst/>
-                </dgm:shape>
-                <dgm:presOf axis="self"/>
-                <dgm:choose name="Name16">
-                  <dgm:if name="Name17" axis="par ch" ptType="doc node" func="cnt" op="equ" val="3">
-                    <dgm:constrLst>
-                      <dgm:constr type="userA"/>
-                      <dgm:constr type="diam" refType="userA" fact="1.01"/>
-                      <dgm:constr type="begPad" refType="connDist" fact="-0.2"/>
-                      <dgm:constr type="endPad" refType="connDist" fact="0.05"/>
-                    </dgm:constrLst>
-                  </dgm:if>
-                  <dgm:if name="Name18" axis="par ch" ptType="doc node" func="cnt" op="equ" val="4">
-                    <dgm:constrLst>
-                      <dgm:constr type="userA"/>
-                      <dgm:constr type="diam" refType="userA" fact="1.26"/>
-                      <dgm:constr type="begPad" refType="connDist" fact="-0.2"/>
-                      <dgm:constr type="endPad" refType="connDist" fact="0.05"/>
-                    </dgm:constrLst>
-                  </dgm:if>
-                  <dgm:if name="Name19" axis="par ch" ptType="doc node" func="cnt" op="equ" val="5">
-                    <dgm:constrLst>
-                      <dgm:constr type="userA"/>
-                      <dgm:constr type="diam" refType="userA" fact="1.04"/>
-                      <dgm:constr type="begPad" refType="connDist" fact="-0.2"/>
-                      <dgm:constr type="endPad" refType="connDist" fact="0.05"/>
-                    </dgm:constrLst>
-                  </dgm:if>
-                  <dgm:if name="Name20" axis="par ch" ptType="doc node" func="cnt" op="equ" val="6">
-                    <dgm:constrLst>
-                      <dgm:constr type="userA"/>
-                      <dgm:constr type="diam" refType="userA" fact="1.1"/>
-                      <dgm:constr type="begPad" refType="connDist" fact="-0.2"/>
-                      <dgm:constr type="endPad" refType="connDist" fact="0.05"/>
-                    </dgm:constrLst>
-                  </dgm:if>
-                  <dgm:else name="Name21">
-                    <dgm:constrLst>
-                      <dgm:constr type="userA"/>
-                      <dgm:constr type="diam" refType="userA" fact="1.04"/>
-                      <dgm:constr type="begPad" refType="connDist" fact="-0.2"/>
-                      <dgm:constr type="endPad" refType="connDist" fact="0.05"/>
-                    </dgm:constrLst>
-                  </dgm:else>
-                </dgm:choose>
-                <dgm:ruleLst/>
-              </dgm:layoutNode>
-            </dgm:forEach>
-          </dgm:forEach>
-          <dgm:forEach name="followingNodesForEach" axis="ch" ptType="node" st="2">
-            <dgm:layoutNode name="nodeFollowingNodes">
-              <dgm:varLst>
-                <dgm:bulletEnabled val="1"/>
-              </dgm:varLst>
-              <dgm:alg type="tx"/>
-              <dgm:shape xmlns:r="http://schemas.openxmlformats.org/officeDocument/2006/relationships" type="roundRect" r:blip="">
-                <dgm:adjLst/>
-              </dgm:shape>
-              <dgm:presOf axis="desOrSelf" ptType="node"/>
-              <dgm:constrLst>
-                <dgm:constr type="h" refType="w" fact="0.5"/>
-                <dgm:constr type="primFontSz" val="65"/>
-                <dgm:constr type="tMarg" refType="primFontSz" fact="0.3"/>
-                <dgm:constr type="bMarg" refType="primFontSz" fact="0.3"/>
-                <dgm:constr type="lMarg" refType="primFontSz" fact="0.3"/>
-                <dgm:constr type="rMarg" refType="primFontSz" fact="0.3"/>
-              </dgm:constrLst>
-              <dgm:ruleLst>
-                <dgm:rule type="primFontSz" val="5" fact="NaN" max="NaN"/>
-              </dgm:ruleLst>
-            </dgm:layoutNode>
-          </dgm:forEach>
-        </dgm:layoutNode>
-      </dgm:else>
-    </dgm:choose>
-  </dgm:layoutNode>
-</dgm:layoutDef>
-</file>
-
-<file path=ppt/diagrams/layout4.xml><?xml version="1.0" encoding="utf-8"?>
 <dgm:layoutDef xmlns:dgm="http://schemas.openxmlformats.org/drawingml/2006/diagram" xmlns:a="http://schemas.openxmlformats.org/drawingml/2006/main" uniqueId="urn:microsoft.com/office/officeart/2005/8/layout/vList6">
   <dgm:title val=""/>
   <dgm:desc val=""/>
@@ -9278,7 +7863,7 @@
 </dgm:layoutDef>
 </file>
 
-<file path=ppt/diagrams/layout5.xml><?xml version="1.0" encoding="utf-8"?>
+<file path=ppt/diagrams/layout4.xml><?xml version="1.0" encoding="utf-8"?>
 <dgm:layoutDef xmlns:dgm="http://schemas.openxmlformats.org/drawingml/2006/diagram" xmlns:a="http://schemas.openxmlformats.org/drawingml/2006/main" uniqueId="urn:microsoft.com/office/officeart/2005/8/layout/vList2">
   <dgm:title val=""/>
   <dgm:desc val=""/>
@@ -12548,1040 +11133,6 @@
 </file>
 
 <file path=ppt/diagrams/quickStyle4.xml><?xml version="1.0" encoding="utf-8"?>
-<dgm:styleDef xmlns:dgm="http://schemas.openxmlformats.org/drawingml/2006/diagram" xmlns:a="http://schemas.openxmlformats.org/drawingml/2006/main" uniqueId="urn:microsoft.com/office/officeart/2005/8/quickstyle/simple1">
-  <dgm:title val=""/>
-  <dgm:desc val=""/>
-  <dgm:catLst>
-    <dgm:cat type="simple" pri="10100"/>
-  </dgm:catLst>
-  <dgm:scene3d>
-    <a:camera prst="orthographicFront"/>
-    <a:lightRig rig="threePt" dir="t"/>
-  </dgm:scene3d>
-  <dgm:styleLbl name="node0">
-    <dgm:scene3d>
-      <a:camera prst="orthographicFront"/>
-      <a:lightRig rig="threePt" dir="t"/>
-    </dgm:scene3d>
-    <dgm:sp3d/>
-    <dgm:txPr/>
-    <dgm:style>
-      <a:lnRef idx="2">
-        <a:scrgbClr r="0" g="0" b="0"/>
-      </a:lnRef>
-      <a:fillRef idx="1">
-        <a:scrgbClr r="0" g="0" b="0"/>
-      </a:fillRef>
-      <a:effectRef idx="0">
-        <a:scrgbClr r="0" g="0" b="0"/>
-      </a:effectRef>
-      <a:fontRef idx="minor">
-        <a:schemeClr val="lt1"/>
-      </a:fontRef>
-    </dgm:style>
-  </dgm:styleLbl>
-  <dgm:styleLbl name="lnNode1">
-    <dgm:scene3d>
-      <a:camera prst="orthographicFront"/>
-      <a:lightRig rig="threePt" dir="t"/>
-    </dgm:scene3d>
-    <dgm:sp3d/>
-    <dgm:txPr/>
-    <dgm:style>
-      <a:lnRef idx="2">
-        <a:scrgbClr r="0" g="0" b="0"/>
-      </a:lnRef>
-      <a:fillRef idx="1">
-        <a:scrgbClr r="0" g="0" b="0"/>
-      </a:fillRef>
-      <a:effectRef idx="0">
-        <a:scrgbClr r="0" g="0" b="0"/>
-      </a:effectRef>
-      <a:fontRef idx="minor">
-        <a:schemeClr val="lt1"/>
-      </a:fontRef>
-    </dgm:style>
-  </dgm:styleLbl>
-  <dgm:styleLbl name="vennNode1">
-    <dgm:scene3d>
-      <a:camera prst="orthographicFront"/>
-      <a:lightRig rig="threePt" dir="t"/>
-    </dgm:scene3d>
-    <dgm:sp3d/>
-    <dgm:txPr/>
-    <dgm:style>
-      <a:lnRef idx="2">
-        <a:scrgbClr r="0" g="0" b="0"/>
-      </a:lnRef>
-      <a:fillRef idx="1">
-        <a:scrgbClr r="0" g="0" b="0"/>
-      </a:fillRef>
-      <a:effectRef idx="0">
-        <a:scrgbClr r="0" g="0" b="0"/>
-      </a:effectRef>
-      <a:fontRef idx="minor">
-        <a:schemeClr val="tx1"/>
-      </a:fontRef>
-    </dgm:style>
-  </dgm:styleLbl>
-  <dgm:styleLbl name="alignNode1">
-    <dgm:scene3d>
-      <a:camera prst="orthographicFront"/>
-      <a:lightRig rig="threePt" dir="t"/>
-    </dgm:scene3d>
-    <dgm:sp3d/>
-    <dgm:txPr/>
-    <dgm:style>
-      <a:lnRef idx="2">
-        <a:scrgbClr r="0" g="0" b="0"/>
-      </a:lnRef>
-      <a:fillRef idx="1">
-        <a:scrgbClr r="0" g="0" b="0"/>
-      </a:fillRef>
-      <a:effectRef idx="0">
-        <a:scrgbClr r="0" g="0" b="0"/>
-      </a:effectRef>
-      <a:fontRef idx="minor">
-        <a:schemeClr val="lt1"/>
-      </a:fontRef>
-    </dgm:style>
-  </dgm:styleLbl>
-  <dgm:styleLbl name="node1">
-    <dgm:scene3d>
-      <a:camera prst="orthographicFront"/>
-      <a:lightRig rig="threePt" dir="t"/>
-    </dgm:scene3d>
-    <dgm:sp3d/>
-    <dgm:txPr/>
-    <dgm:style>
-      <a:lnRef idx="2">
-        <a:scrgbClr r="0" g="0" b="0"/>
-      </a:lnRef>
-      <a:fillRef idx="1">
-        <a:scrgbClr r="0" g="0" b="0"/>
-      </a:fillRef>
-      <a:effectRef idx="0">
-        <a:scrgbClr r="0" g="0" b="0"/>
-      </a:effectRef>
-      <a:fontRef idx="minor">
-        <a:schemeClr val="lt1"/>
-      </a:fontRef>
-    </dgm:style>
-  </dgm:styleLbl>
-  <dgm:styleLbl name="node2">
-    <dgm:scene3d>
-      <a:camera prst="orthographicFront"/>
-      <a:lightRig rig="threePt" dir="t"/>
-    </dgm:scene3d>
-    <dgm:sp3d/>
-    <dgm:txPr/>
-    <dgm:style>
-      <a:lnRef idx="2">
-        <a:scrgbClr r="0" g="0" b="0"/>
-      </a:lnRef>
-      <a:fillRef idx="1">
-        <a:scrgbClr r="0" g="0" b="0"/>
-      </a:fillRef>
-      <a:effectRef idx="0">
-        <a:scrgbClr r="0" g="0" b="0"/>
-      </a:effectRef>
-      <a:fontRef idx="minor">
-        <a:schemeClr val="lt1"/>
-      </a:fontRef>
-    </dgm:style>
-  </dgm:styleLbl>
-  <dgm:styleLbl name="node3">
-    <dgm:scene3d>
-      <a:camera prst="orthographicFront"/>
-      <a:lightRig rig="threePt" dir="t"/>
-    </dgm:scene3d>
-    <dgm:sp3d/>
-    <dgm:txPr/>
-    <dgm:style>
-      <a:lnRef idx="2">
-        <a:scrgbClr r="0" g="0" b="0"/>
-      </a:lnRef>
-      <a:fillRef idx="1">
-        <a:scrgbClr r="0" g="0" b="0"/>
-      </a:fillRef>
-      <a:effectRef idx="0">
-        <a:scrgbClr r="0" g="0" b="0"/>
-      </a:effectRef>
-      <a:fontRef idx="minor">
-        <a:schemeClr val="lt1"/>
-      </a:fontRef>
-    </dgm:style>
-  </dgm:styleLbl>
-  <dgm:styleLbl name="node4">
-    <dgm:scene3d>
-      <a:camera prst="orthographicFront"/>
-      <a:lightRig rig="threePt" dir="t"/>
-    </dgm:scene3d>
-    <dgm:sp3d/>
-    <dgm:txPr/>
-    <dgm:style>
-      <a:lnRef idx="2">
-        <a:scrgbClr r="0" g="0" b="0"/>
-      </a:lnRef>
-      <a:fillRef idx="1">
-        <a:scrgbClr r="0" g="0" b="0"/>
-      </a:fillRef>
-      <a:effectRef idx="0">
-        <a:scrgbClr r="0" g="0" b="0"/>
-      </a:effectRef>
-      <a:fontRef idx="minor">
-        <a:schemeClr val="lt1"/>
-      </a:fontRef>
-    </dgm:style>
-  </dgm:styleLbl>
-  <dgm:styleLbl name="fgImgPlace1">
-    <dgm:scene3d>
-      <a:camera prst="orthographicFront"/>
-      <a:lightRig rig="threePt" dir="t"/>
-    </dgm:scene3d>
-    <dgm:sp3d/>
-    <dgm:txPr/>
-    <dgm:style>
-      <a:lnRef idx="2">
-        <a:scrgbClr r="0" g="0" b="0"/>
-      </a:lnRef>
-      <a:fillRef idx="1">
-        <a:scrgbClr r="0" g="0" b="0"/>
-      </a:fillRef>
-      <a:effectRef idx="0">
-        <a:scrgbClr r="0" g="0" b="0"/>
-      </a:effectRef>
-      <a:fontRef idx="minor"/>
-    </dgm:style>
-  </dgm:styleLbl>
-  <dgm:styleLbl name="alignImgPlace1">
-    <dgm:scene3d>
-      <a:camera prst="orthographicFront"/>
-      <a:lightRig rig="threePt" dir="t"/>
-    </dgm:scene3d>
-    <dgm:sp3d/>
-    <dgm:txPr/>
-    <dgm:style>
-      <a:lnRef idx="2">
-        <a:scrgbClr r="0" g="0" b="0"/>
-      </a:lnRef>
-      <a:fillRef idx="1">
-        <a:scrgbClr r="0" g="0" b="0"/>
-      </a:fillRef>
-      <a:effectRef idx="0">
-        <a:scrgbClr r="0" g="0" b="0"/>
-      </a:effectRef>
-      <a:fontRef idx="minor"/>
-    </dgm:style>
-  </dgm:styleLbl>
-  <dgm:styleLbl name="bgImgPlace1">
-    <dgm:scene3d>
-      <a:camera prst="orthographicFront"/>
-      <a:lightRig rig="threePt" dir="t"/>
-    </dgm:scene3d>
-    <dgm:sp3d/>
-    <dgm:txPr/>
-    <dgm:style>
-      <a:lnRef idx="2">
-        <a:scrgbClr r="0" g="0" b="0"/>
-      </a:lnRef>
-      <a:fillRef idx="1">
-        <a:scrgbClr r="0" g="0" b="0"/>
-      </a:fillRef>
-      <a:effectRef idx="0">
-        <a:scrgbClr r="0" g="0" b="0"/>
-      </a:effectRef>
-      <a:fontRef idx="minor"/>
-    </dgm:style>
-  </dgm:styleLbl>
-  <dgm:styleLbl name="sibTrans2D1">
-    <dgm:scene3d>
-      <a:camera prst="orthographicFront"/>
-      <a:lightRig rig="threePt" dir="t"/>
-    </dgm:scene3d>
-    <dgm:sp3d/>
-    <dgm:txPr/>
-    <dgm:style>
-      <a:lnRef idx="0">
-        <a:scrgbClr r="0" g="0" b="0"/>
-      </a:lnRef>
-      <a:fillRef idx="1">
-        <a:scrgbClr r="0" g="0" b="0"/>
-      </a:fillRef>
-      <a:effectRef idx="0">
-        <a:scrgbClr r="0" g="0" b="0"/>
-      </a:effectRef>
-      <a:fontRef idx="minor">
-        <a:schemeClr val="lt1"/>
-      </a:fontRef>
-    </dgm:style>
-  </dgm:styleLbl>
-  <dgm:styleLbl name="fgSibTrans2D1">
-    <dgm:scene3d>
-      <a:camera prst="orthographicFront"/>
-      <a:lightRig rig="threePt" dir="t"/>
-    </dgm:scene3d>
-    <dgm:sp3d/>
-    <dgm:txPr/>
-    <dgm:style>
-      <a:lnRef idx="0">
-        <a:scrgbClr r="0" g="0" b="0"/>
-      </a:lnRef>
-      <a:fillRef idx="1">
-        <a:scrgbClr r="0" g="0" b="0"/>
-      </a:fillRef>
-      <a:effectRef idx="0">
-        <a:scrgbClr r="0" g="0" b="0"/>
-      </a:effectRef>
-      <a:fontRef idx="minor">
-        <a:schemeClr val="lt1"/>
-      </a:fontRef>
-    </dgm:style>
-  </dgm:styleLbl>
-  <dgm:styleLbl name="bgSibTrans2D1">
-    <dgm:scene3d>
-      <a:camera prst="orthographicFront"/>
-      <a:lightRig rig="threePt" dir="t"/>
-    </dgm:scene3d>
-    <dgm:sp3d/>
-    <dgm:txPr/>
-    <dgm:style>
-      <a:lnRef idx="0">
-        <a:scrgbClr r="0" g="0" b="0"/>
-      </a:lnRef>
-      <a:fillRef idx="1">
-        <a:scrgbClr r="0" g="0" b="0"/>
-      </a:fillRef>
-      <a:effectRef idx="0">
-        <a:scrgbClr r="0" g="0" b="0"/>
-      </a:effectRef>
-      <a:fontRef idx="minor">
-        <a:schemeClr val="lt1"/>
-      </a:fontRef>
-    </dgm:style>
-  </dgm:styleLbl>
-  <dgm:styleLbl name="sibTrans1D1">
-    <dgm:scene3d>
-      <a:camera prst="orthographicFront"/>
-      <a:lightRig rig="threePt" dir="t"/>
-    </dgm:scene3d>
-    <dgm:sp3d/>
-    <dgm:txPr/>
-    <dgm:style>
-      <a:lnRef idx="1">
-        <a:scrgbClr r="0" g="0" b="0"/>
-      </a:lnRef>
-      <a:fillRef idx="0">
-        <a:scrgbClr r="0" g="0" b="0"/>
-      </a:fillRef>
-      <a:effectRef idx="0">
-        <a:scrgbClr r="0" g="0" b="0"/>
-      </a:effectRef>
-      <a:fontRef idx="minor"/>
-    </dgm:style>
-  </dgm:styleLbl>
-  <dgm:styleLbl name="callout">
-    <dgm:scene3d>
-      <a:camera prst="orthographicFront"/>
-      <a:lightRig rig="threePt" dir="t"/>
-    </dgm:scene3d>
-    <dgm:sp3d/>
-    <dgm:txPr/>
-    <dgm:style>
-      <a:lnRef idx="2">
-        <a:scrgbClr r="0" g="0" b="0"/>
-      </a:lnRef>
-      <a:fillRef idx="1">
-        <a:scrgbClr r="0" g="0" b="0"/>
-      </a:fillRef>
-      <a:effectRef idx="0">
-        <a:scrgbClr r="0" g="0" b="0"/>
-      </a:effectRef>
-      <a:fontRef idx="minor"/>
-    </dgm:style>
-  </dgm:styleLbl>
-  <dgm:styleLbl name="asst0">
-    <dgm:scene3d>
-      <a:camera prst="orthographicFront"/>
-      <a:lightRig rig="threePt" dir="t"/>
-    </dgm:scene3d>
-    <dgm:sp3d/>
-    <dgm:txPr/>
-    <dgm:style>
-      <a:lnRef idx="2">
-        <a:scrgbClr r="0" g="0" b="0"/>
-      </a:lnRef>
-      <a:fillRef idx="1">
-        <a:scrgbClr r="0" g="0" b="0"/>
-      </a:fillRef>
-      <a:effectRef idx="0">
-        <a:scrgbClr r="0" g="0" b="0"/>
-      </a:effectRef>
-      <a:fontRef idx="minor">
-        <a:schemeClr val="lt1"/>
-      </a:fontRef>
-    </dgm:style>
-  </dgm:styleLbl>
-  <dgm:styleLbl name="asst1">
-    <dgm:scene3d>
-      <a:camera prst="orthographicFront"/>
-      <a:lightRig rig="threePt" dir="t"/>
-    </dgm:scene3d>
-    <dgm:sp3d/>
-    <dgm:txPr/>
-    <dgm:style>
-      <a:lnRef idx="2">
-        <a:scrgbClr r="0" g="0" b="0"/>
-      </a:lnRef>
-      <a:fillRef idx="1">
-        <a:scrgbClr r="0" g="0" b="0"/>
-      </a:fillRef>
-      <a:effectRef idx="0">
-        <a:scrgbClr r="0" g="0" b="0"/>
-      </a:effectRef>
-      <a:fontRef idx="minor">
-        <a:schemeClr val="lt1"/>
-      </a:fontRef>
-    </dgm:style>
-  </dgm:styleLbl>
-  <dgm:styleLbl name="asst2">
-    <dgm:scene3d>
-      <a:camera prst="orthographicFront"/>
-      <a:lightRig rig="threePt" dir="t"/>
-    </dgm:scene3d>
-    <dgm:sp3d/>
-    <dgm:txPr/>
-    <dgm:style>
-      <a:lnRef idx="2">
-        <a:scrgbClr r="0" g="0" b="0"/>
-      </a:lnRef>
-      <a:fillRef idx="1">
-        <a:scrgbClr r="0" g="0" b="0"/>
-      </a:fillRef>
-      <a:effectRef idx="0">
-        <a:scrgbClr r="0" g="0" b="0"/>
-      </a:effectRef>
-      <a:fontRef idx="minor">
-        <a:schemeClr val="lt1"/>
-      </a:fontRef>
-    </dgm:style>
-  </dgm:styleLbl>
-  <dgm:styleLbl name="asst3">
-    <dgm:scene3d>
-      <a:camera prst="orthographicFront"/>
-      <a:lightRig rig="threePt" dir="t"/>
-    </dgm:scene3d>
-    <dgm:sp3d/>
-    <dgm:txPr/>
-    <dgm:style>
-      <a:lnRef idx="2">
-        <a:scrgbClr r="0" g="0" b="0"/>
-      </a:lnRef>
-      <a:fillRef idx="1">
-        <a:scrgbClr r="0" g="0" b="0"/>
-      </a:fillRef>
-      <a:effectRef idx="0">
-        <a:scrgbClr r="0" g="0" b="0"/>
-      </a:effectRef>
-      <a:fontRef idx="minor">
-        <a:schemeClr val="lt1"/>
-      </a:fontRef>
-    </dgm:style>
-  </dgm:styleLbl>
-  <dgm:styleLbl name="asst4">
-    <dgm:scene3d>
-      <a:camera prst="orthographicFront"/>
-      <a:lightRig rig="threePt" dir="t"/>
-    </dgm:scene3d>
-    <dgm:sp3d/>
-    <dgm:txPr/>
-    <dgm:style>
-      <a:lnRef idx="2">
-        <a:scrgbClr r="0" g="0" b="0"/>
-      </a:lnRef>
-      <a:fillRef idx="1">
-        <a:scrgbClr r="0" g="0" b="0"/>
-      </a:fillRef>
-      <a:effectRef idx="0">
-        <a:scrgbClr r="0" g="0" b="0"/>
-      </a:effectRef>
-      <a:fontRef idx="minor">
-        <a:schemeClr val="lt1"/>
-      </a:fontRef>
-    </dgm:style>
-  </dgm:styleLbl>
-  <dgm:styleLbl name="parChTrans2D1">
-    <dgm:scene3d>
-      <a:camera prst="orthographicFront"/>
-      <a:lightRig rig="threePt" dir="t"/>
-    </dgm:scene3d>
-    <dgm:sp3d/>
-    <dgm:txPr/>
-    <dgm:style>
-      <a:lnRef idx="2">
-        <a:scrgbClr r="0" g="0" b="0"/>
-      </a:lnRef>
-      <a:fillRef idx="1">
-        <a:scrgbClr r="0" g="0" b="0"/>
-      </a:fillRef>
-      <a:effectRef idx="0">
-        <a:scrgbClr r="0" g="0" b="0"/>
-      </a:effectRef>
-      <a:fontRef idx="minor">
-        <a:schemeClr val="lt1"/>
-      </a:fontRef>
-    </dgm:style>
-  </dgm:styleLbl>
-  <dgm:styleLbl name="parChTrans2D2">
-    <dgm:scene3d>
-      <a:camera prst="orthographicFront"/>
-      <a:lightRig rig="threePt" dir="t"/>
-    </dgm:scene3d>
-    <dgm:sp3d/>
-    <dgm:txPr/>
-    <dgm:style>
-      <a:lnRef idx="2">
-        <a:scrgbClr r="0" g="0" b="0"/>
-      </a:lnRef>
-      <a:fillRef idx="1">
-        <a:scrgbClr r="0" g="0" b="0"/>
-      </a:fillRef>
-      <a:effectRef idx="0">
-        <a:scrgbClr r="0" g="0" b="0"/>
-      </a:effectRef>
-      <a:fontRef idx="minor">
-        <a:schemeClr val="lt1"/>
-      </a:fontRef>
-    </dgm:style>
-  </dgm:styleLbl>
-  <dgm:styleLbl name="parChTrans2D3">
-    <dgm:scene3d>
-      <a:camera prst="orthographicFront"/>
-      <a:lightRig rig="threePt" dir="t"/>
-    </dgm:scene3d>
-    <dgm:sp3d/>
-    <dgm:txPr/>
-    <dgm:style>
-      <a:lnRef idx="2">
-        <a:scrgbClr r="0" g="0" b="0"/>
-      </a:lnRef>
-      <a:fillRef idx="1">
-        <a:scrgbClr r="0" g="0" b="0"/>
-      </a:fillRef>
-      <a:effectRef idx="0">
-        <a:scrgbClr r="0" g="0" b="0"/>
-      </a:effectRef>
-      <a:fontRef idx="minor">
-        <a:schemeClr val="lt1"/>
-      </a:fontRef>
-    </dgm:style>
-  </dgm:styleLbl>
-  <dgm:styleLbl name="parChTrans2D4">
-    <dgm:scene3d>
-      <a:camera prst="orthographicFront"/>
-      <a:lightRig rig="threePt" dir="t"/>
-    </dgm:scene3d>
-    <dgm:sp3d/>
-    <dgm:txPr/>
-    <dgm:style>
-      <a:lnRef idx="2">
-        <a:scrgbClr r="0" g="0" b="0"/>
-      </a:lnRef>
-      <a:fillRef idx="1">
-        <a:scrgbClr r="0" g="0" b="0"/>
-      </a:fillRef>
-      <a:effectRef idx="0">
-        <a:scrgbClr r="0" g="0" b="0"/>
-      </a:effectRef>
-      <a:fontRef idx="minor">
-        <a:schemeClr val="lt1"/>
-      </a:fontRef>
-    </dgm:style>
-  </dgm:styleLbl>
-  <dgm:styleLbl name="parChTrans1D1">
-    <dgm:scene3d>
-      <a:camera prst="orthographicFront"/>
-      <a:lightRig rig="threePt" dir="t"/>
-    </dgm:scene3d>
-    <dgm:sp3d/>
-    <dgm:txPr/>
-    <dgm:style>
-      <a:lnRef idx="2">
-        <a:scrgbClr r="0" g="0" b="0"/>
-      </a:lnRef>
-      <a:fillRef idx="0">
-        <a:scrgbClr r="0" g="0" b="0"/>
-      </a:fillRef>
-      <a:effectRef idx="0">
-        <a:scrgbClr r="0" g="0" b="0"/>
-      </a:effectRef>
-      <a:fontRef idx="minor"/>
-    </dgm:style>
-  </dgm:styleLbl>
-  <dgm:styleLbl name="parChTrans1D2">
-    <dgm:scene3d>
-      <a:camera prst="orthographicFront"/>
-      <a:lightRig rig="threePt" dir="t"/>
-    </dgm:scene3d>
-    <dgm:sp3d/>
-    <dgm:txPr/>
-    <dgm:style>
-      <a:lnRef idx="2">
-        <a:scrgbClr r="0" g="0" b="0"/>
-      </a:lnRef>
-      <a:fillRef idx="0">
-        <a:scrgbClr r="0" g="0" b="0"/>
-      </a:fillRef>
-      <a:effectRef idx="0">
-        <a:scrgbClr r="0" g="0" b="0"/>
-      </a:effectRef>
-      <a:fontRef idx="minor"/>
-    </dgm:style>
-  </dgm:styleLbl>
-  <dgm:styleLbl name="parChTrans1D3">
-    <dgm:scene3d>
-      <a:camera prst="orthographicFront"/>
-      <a:lightRig rig="threePt" dir="t"/>
-    </dgm:scene3d>
-    <dgm:sp3d/>
-    <dgm:txPr/>
-    <dgm:style>
-      <a:lnRef idx="2">
-        <a:scrgbClr r="0" g="0" b="0"/>
-      </a:lnRef>
-      <a:fillRef idx="0">
-        <a:scrgbClr r="0" g="0" b="0"/>
-      </a:fillRef>
-      <a:effectRef idx="0">
-        <a:scrgbClr r="0" g="0" b="0"/>
-      </a:effectRef>
-      <a:fontRef idx="minor"/>
-    </dgm:style>
-  </dgm:styleLbl>
-  <dgm:styleLbl name="parChTrans1D4">
-    <dgm:scene3d>
-      <a:camera prst="orthographicFront"/>
-      <a:lightRig rig="threePt" dir="t"/>
-    </dgm:scene3d>
-    <dgm:sp3d/>
-    <dgm:txPr/>
-    <dgm:style>
-      <a:lnRef idx="2">
-        <a:scrgbClr r="0" g="0" b="0"/>
-      </a:lnRef>
-      <a:fillRef idx="0">
-        <a:scrgbClr r="0" g="0" b="0"/>
-      </a:fillRef>
-      <a:effectRef idx="0">
-        <a:scrgbClr r="0" g="0" b="0"/>
-      </a:effectRef>
-      <a:fontRef idx="minor"/>
-    </dgm:style>
-  </dgm:styleLbl>
-  <dgm:styleLbl name="fgAcc1">
-    <dgm:scene3d>
-      <a:camera prst="orthographicFront"/>
-      <a:lightRig rig="threePt" dir="t"/>
-    </dgm:scene3d>
-    <dgm:sp3d/>
-    <dgm:txPr/>
-    <dgm:style>
-      <a:lnRef idx="2">
-        <a:scrgbClr r="0" g="0" b="0"/>
-      </a:lnRef>
-      <a:fillRef idx="1">
-        <a:scrgbClr r="0" g="0" b="0"/>
-      </a:fillRef>
-      <a:effectRef idx="0">
-        <a:scrgbClr r="0" g="0" b="0"/>
-      </a:effectRef>
-      <a:fontRef idx="minor"/>
-    </dgm:style>
-  </dgm:styleLbl>
-  <dgm:styleLbl name="conFgAcc1">
-    <dgm:scene3d>
-      <a:camera prst="orthographicFront"/>
-      <a:lightRig rig="threePt" dir="t"/>
-    </dgm:scene3d>
-    <dgm:sp3d/>
-    <dgm:txPr/>
-    <dgm:style>
-      <a:lnRef idx="2">
-        <a:scrgbClr r="0" g="0" b="0"/>
-      </a:lnRef>
-      <a:fillRef idx="1">
-        <a:scrgbClr r="0" g="0" b="0"/>
-      </a:fillRef>
-      <a:effectRef idx="0">
-        <a:scrgbClr r="0" g="0" b="0"/>
-      </a:effectRef>
-      <a:fontRef idx="minor"/>
-    </dgm:style>
-  </dgm:styleLbl>
-  <dgm:styleLbl name="alignAcc1">
-    <dgm:scene3d>
-      <a:camera prst="orthographicFront"/>
-      <a:lightRig rig="threePt" dir="t"/>
-    </dgm:scene3d>
-    <dgm:sp3d/>
-    <dgm:txPr/>
-    <dgm:style>
-      <a:lnRef idx="2">
-        <a:scrgbClr r="0" g="0" b="0"/>
-      </a:lnRef>
-      <a:fillRef idx="1">
-        <a:scrgbClr r="0" g="0" b="0"/>
-      </a:fillRef>
-      <a:effectRef idx="0">
-        <a:scrgbClr r="0" g="0" b="0"/>
-      </a:effectRef>
-      <a:fontRef idx="minor"/>
-    </dgm:style>
-  </dgm:styleLbl>
-  <dgm:styleLbl name="trAlignAcc1">
-    <dgm:scene3d>
-      <a:camera prst="orthographicFront"/>
-      <a:lightRig rig="threePt" dir="t"/>
-    </dgm:scene3d>
-    <dgm:sp3d/>
-    <dgm:txPr/>
-    <dgm:style>
-      <a:lnRef idx="1">
-        <a:scrgbClr r="0" g="0" b="0"/>
-      </a:lnRef>
-      <a:fillRef idx="1">
-        <a:scrgbClr r="0" g="0" b="0"/>
-      </a:fillRef>
-      <a:effectRef idx="0">
-        <a:scrgbClr r="0" g="0" b="0"/>
-      </a:effectRef>
-      <a:fontRef idx="minor"/>
-    </dgm:style>
-  </dgm:styleLbl>
-  <dgm:styleLbl name="bgAcc1">
-    <dgm:scene3d>
-      <a:camera prst="orthographicFront"/>
-      <a:lightRig rig="threePt" dir="t"/>
-    </dgm:scene3d>
-    <dgm:sp3d/>
-    <dgm:txPr/>
-    <dgm:style>
-      <a:lnRef idx="2">
-        <a:scrgbClr r="0" g="0" b="0"/>
-      </a:lnRef>
-      <a:fillRef idx="1">
-        <a:scrgbClr r="0" g="0" b="0"/>
-      </a:fillRef>
-      <a:effectRef idx="0">
-        <a:scrgbClr r="0" g="0" b="0"/>
-      </a:effectRef>
-      <a:fontRef idx="minor"/>
-    </dgm:style>
-  </dgm:styleLbl>
-  <dgm:styleLbl name="solidFgAcc1">
-    <dgm:scene3d>
-      <a:camera prst="orthographicFront"/>
-      <a:lightRig rig="threePt" dir="t"/>
-    </dgm:scene3d>
-    <dgm:sp3d/>
-    <dgm:txPr/>
-    <dgm:style>
-      <a:lnRef idx="2">
-        <a:scrgbClr r="0" g="0" b="0"/>
-      </a:lnRef>
-      <a:fillRef idx="1">
-        <a:scrgbClr r="0" g="0" b="0"/>
-      </a:fillRef>
-      <a:effectRef idx="0">
-        <a:scrgbClr r="0" g="0" b="0"/>
-      </a:effectRef>
-      <a:fontRef idx="minor"/>
-    </dgm:style>
-  </dgm:styleLbl>
-  <dgm:styleLbl name="solidAlignAcc1">
-    <dgm:scene3d>
-      <a:camera prst="orthographicFront"/>
-      <a:lightRig rig="threePt" dir="t"/>
-    </dgm:scene3d>
-    <dgm:sp3d/>
-    <dgm:txPr/>
-    <dgm:style>
-      <a:lnRef idx="2">
-        <a:scrgbClr r="0" g="0" b="0"/>
-      </a:lnRef>
-      <a:fillRef idx="1">
-        <a:scrgbClr r="0" g="0" b="0"/>
-      </a:fillRef>
-      <a:effectRef idx="0">
-        <a:scrgbClr r="0" g="0" b="0"/>
-      </a:effectRef>
-      <a:fontRef idx="minor"/>
-    </dgm:style>
-  </dgm:styleLbl>
-  <dgm:styleLbl name="solidBgAcc1">
-    <dgm:scene3d>
-      <a:camera prst="orthographicFront"/>
-      <a:lightRig rig="threePt" dir="t"/>
-    </dgm:scene3d>
-    <dgm:sp3d/>
-    <dgm:txPr/>
-    <dgm:style>
-      <a:lnRef idx="2">
-        <a:scrgbClr r="0" g="0" b="0"/>
-      </a:lnRef>
-      <a:fillRef idx="1">
-        <a:scrgbClr r="0" g="0" b="0"/>
-      </a:fillRef>
-      <a:effectRef idx="0">
-        <a:scrgbClr r="0" g="0" b="0"/>
-      </a:effectRef>
-      <a:fontRef idx="minor"/>
-    </dgm:style>
-  </dgm:styleLbl>
-  <dgm:styleLbl name="fgAccFollowNode1">
-    <dgm:scene3d>
-      <a:camera prst="orthographicFront"/>
-      <a:lightRig rig="threePt" dir="t"/>
-    </dgm:scene3d>
-    <dgm:sp3d/>
-    <dgm:txPr/>
-    <dgm:style>
-      <a:lnRef idx="2">
-        <a:scrgbClr r="0" g="0" b="0"/>
-      </a:lnRef>
-      <a:fillRef idx="1">
-        <a:scrgbClr r="0" g="0" b="0"/>
-      </a:fillRef>
-      <a:effectRef idx="0">
-        <a:scrgbClr r="0" g="0" b="0"/>
-      </a:effectRef>
-      <a:fontRef idx="minor"/>
-    </dgm:style>
-  </dgm:styleLbl>
-  <dgm:styleLbl name="alignAccFollowNode1">
-    <dgm:scene3d>
-      <a:camera prst="orthographicFront"/>
-      <a:lightRig rig="threePt" dir="t"/>
-    </dgm:scene3d>
-    <dgm:sp3d/>
-    <dgm:txPr/>
-    <dgm:style>
-      <a:lnRef idx="2">
-        <a:scrgbClr r="0" g="0" b="0"/>
-      </a:lnRef>
-      <a:fillRef idx="1">
-        <a:scrgbClr r="0" g="0" b="0"/>
-      </a:fillRef>
-      <a:effectRef idx="0">
-        <a:scrgbClr r="0" g="0" b="0"/>
-      </a:effectRef>
-      <a:fontRef idx="minor"/>
-    </dgm:style>
-  </dgm:styleLbl>
-  <dgm:styleLbl name="bgAccFollowNode1">
-    <dgm:scene3d>
-      <a:camera prst="orthographicFront"/>
-      <a:lightRig rig="threePt" dir="t"/>
-    </dgm:scene3d>
-    <dgm:sp3d/>
-    <dgm:txPr/>
-    <dgm:style>
-      <a:lnRef idx="2">
-        <a:scrgbClr r="0" g="0" b="0"/>
-      </a:lnRef>
-      <a:fillRef idx="1">
-        <a:scrgbClr r="0" g="0" b="0"/>
-      </a:fillRef>
-      <a:effectRef idx="0">
-        <a:scrgbClr r="0" g="0" b="0"/>
-      </a:effectRef>
-      <a:fontRef idx="minor"/>
-    </dgm:style>
-  </dgm:styleLbl>
-  <dgm:styleLbl name="fgAcc0">
-    <dgm:scene3d>
-      <a:camera prst="orthographicFront"/>
-      <a:lightRig rig="threePt" dir="t"/>
-    </dgm:scene3d>
-    <dgm:sp3d/>
-    <dgm:txPr/>
-    <dgm:style>
-      <a:lnRef idx="2">
-        <a:scrgbClr r="0" g="0" b="0"/>
-      </a:lnRef>
-      <a:fillRef idx="1">
-        <a:scrgbClr r="0" g="0" b="0"/>
-      </a:fillRef>
-      <a:effectRef idx="0">
-        <a:scrgbClr r="0" g="0" b="0"/>
-      </a:effectRef>
-      <a:fontRef idx="minor"/>
-    </dgm:style>
-  </dgm:styleLbl>
-  <dgm:styleLbl name="fgAcc2">
-    <dgm:scene3d>
-      <a:camera prst="orthographicFront"/>
-      <a:lightRig rig="threePt" dir="t"/>
-    </dgm:scene3d>
-    <dgm:sp3d/>
-    <dgm:txPr/>
-    <dgm:style>
-      <a:lnRef idx="2">
-        <a:scrgbClr r="0" g="0" b="0"/>
-      </a:lnRef>
-      <a:fillRef idx="1">
-        <a:scrgbClr r="0" g="0" b="0"/>
-      </a:fillRef>
-      <a:effectRef idx="0">
-        <a:scrgbClr r="0" g="0" b="0"/>
-      </a:effectRef>
-      <a:fontRef idx="minor"/>
-    </dgm:style>
-  </dgm:styleLbl>
-  <dgm:styleLbl name="fgAcc3">
-    <dgm:scene3d>
-      <a:camera prst="orthographicFront"/>
-      <a:lightRig rig="threePt" dir="t"/>
-    </dgm:scene3d>
-    <dgm:sp3d/>
-    <dgm:txPr/>
-    <dgm:style>
-      <a:lnRef idx="2">
-        <a:scrgbClr r="0" g="0" b="0"/>
-      </a:lnRef>
-      <a:fillRef idx="1">
-        <a:scrgbClr r="0" g="0" b="0"/>
-      </a:fillRef>
-      <a:effectRef idx="0">
-        <a:scrgbClr r="0" g="0" b="0"/>
-      </a:effectRef>
-      <a:fontRef idx="minor"/>
-    </dgm:style>
-  </dgm:styleLbl>
-  <dgm:styleLbl name="fgAcc4">
-    <dgm:scene3d>
-      <a:camera prst="orthographicFront"/>
-      <a:lightRig rig="threePt" dir="t"/>
-    </dgm:scene3d>
-    <dgm:sp3d/>
-    <dgm:txPr/>
-    <dgm:style>
-      <a:lnRef idx="2">
-        <a:scrgbClr r="0" g="0" b="0"/>
-      </a:lnRef>
-      <a:fillRef idx="1">
-        <a:scrgbClr r="0" g="0" b="0"/>
-      </a:fillRef>
-      <a:effectRef idx="0">
-        <a:scrgbClr r="0" g="0" b="0"/>
-      </a:effectRef>
-      <a:fontRef idx="minor"/>
-    </dgm:style>
-  </dgm:styleLbl>
-  <dgm:styleLbl name="bgShp">
-    <dgm:scene3d>
-      <a:camera prst="orthographicFront"/>
-      <a:lightRig rig="threePt" dir="t"/>
-    </dgm:scene3d>
-    <dgm:sp3d/>
-    <dgm:txPr/>
-    <dgm:style>
-      <a:lnRef idx="0">
-        <a:scrgbClr r="0" g="0" b="0"/>
-      </a:lnRef>
-      <a:fillRef idx="1">
-        <a:scrgbClr r="0" g="0" b="0"/>
-      </a:fillRef>
-      <a:effectRef idx="0">
-        <a:scrgbClr r="0" g="0" b="0"/>
-      </a:effectRef>
-      <a:fontRef idx="minor"/>
-    </dgm:style>
-  </dgm:styleLbl>
-  <dgm:styleLbl name="dkBgShp">
-    <dgm:scene3d>
-      <a:camera prst="orthographicFront"/>
-      <a:lightRig rig="threePt" dir="t"/>
-    </dgm:scene3d>
-    <dgm:sp3d/>
-    <dgm:txPr/>
-    <dgm:style>
-      <a:lnRef idx="0">
-        <a:scrgbClr r="0" g="0" b="0"/>
-      </a:lnRef>
-      <a:fillRef idx="1">
-        <a:scrgbClr r="0" g="0" b="0"/>
-      </a:fillRef>
-      <a:effectRef idx="0">
-        <a:scrgbClr r="0" g="0" b="0"/>
-      </a:effectRef>
-      <a:fontRef idx="minor"/>
-    </dgm:style>
-  </dgm:styleLbl>
-  <dgm:styleLbl name="trBgShp">
-    <dgm:scene3d>
-      <a:camera prst="orthographicFront"/>
-      <a:lightRig rig="threePt" dir="t"/>
-    </dgm:scene3d>
-    <dgm:sp3d/>
-    <dgm:txPr/>
-    <dgm:style>
-      <a:lnRef idx="0">
-        <a:scrgbClr r="0" g="0" b="0"/>
-      </a:lnRef>
-      <a:fillRef idx="1">
-        <a:scrgbClr r="0" g="0" b="0"/>
-      </a:fillRef>
-      <a:effectRef idx="0">
-        <a:scrgbClr r="0" g="0" b="0"/>
-      </a:effectRef>
-      <a:fontRef idx="minor"/>
-    </dgm:style>
-  </dgm:styleLbl>
-  <dgm:styleLbl name="fgShp">
-    <dgm:scene3d>
-      <a:camera prst="orthographicFront"/>
-      <a:lightRig rig="threePt" dir="t"/>
-    </dgm:scene3d>
-    <dgm:sp3d/>
-    <dgm:txPr/>
-    <dgm:style>
-      <a:lnRef idx="2">
-        <a:scrgbClr r="0" g="0" b="0"/>
-      </a:lnRef>
-      <a:fillRef idx="1">
-        <a:scrgbClr r="0" g="0" b="0"/>
-      </a:fillRef>
-      <a:effectRef idx="0">
-        <a:scrgbClr r="0" g="0" b="0"/>
-      </a:effectRef>
-      <a:fontRef idx="minor"/>
-    </dgm:style>
-  </dgm:styleLbl>
-  <dgm:styleLbl name="revTx">
-    <dgm:scene3d>
-      <a:camera prst="orthographicFront"/>
-      <a:lightRig rig="threePt" dir="t"/>
-    </dgm:scene3d>
-    <dgm:sp3d/>
-    <dgm:txPr/>
-    <dgm:style>
-      <a:lnRef idx="0">
-        <a:scrgbClr r="0" g="0" b="0"/>
-      </a:lnRef>
-      <a:fillRef idx="0">
-        <a:scrgbClr r="0" g="0" b="0"/>
-      </a:fillRef>
-      <a:effectRef idx="0">
-        <a:scrgbClr r="0" g="0" b="0"/>
-      </a:effectRef>
-      <a:fontRef idx="minor"/>
-    </dgm:style>
-  </dgm:styleLbl>
-</dgm:styleDef>
-</file>
-
-<file path=ppt/diagrams/quickStyle5.xml><?xml version="1.0" encoding="utf-8"?>
 <dgm:styleDef xmlns:dgm="http://schemas.openxmlformats.org/drawingml/2006/diagram" xmlns:a="http://schemas.openxmlformats.org/drawingml/2006/main" uniqueId="urn:microsoft.com/office/officeart/2005/8/quickstyle/simple1">
   <dgm:title val=""/>
   <dgm:desc val=""/>
@@ -15454,38 +13005,6 @@
           <a:bodyPr/>
           <a:lstStyle/>
           <a:p>
-            <a:r>
-              <a:rPr lang="en-US" dirty="0"/>
-              <a:t>Describe the exploration and cleanup process</a:t>
-            </a:r>
-          </a:p>
-          <a:p>
-            <a:r>
-              <a:rPr lang="en-US" dirty="0"/>
-              <a:t>Discuss insights you had while exploring the data that you didn't anticipate</a:t>
-            </a:r>
-          </a:p>
-          <a:p>
-            <a:r>
-              <a:rPr lang="en-US" dirty="0"/>
-              <a:t>Discuss any problems that arose after exploring the data, and how you resolved them</a:t>
-            </a:r>
-          </a:p>
-          <a:p>
-            <a:r>
-              <a:rPr lang="en-US" dirty="0"/>
-              <a:t>Present and discuss interesting figures developed during exploration, ideally with the help of </a:t>
-            </a:r>
-            <a:r>
-              <a:rPr lang="en-US" dirty="0" err="1"/>
-              <a:t>Jupyter</a:t>
-            </a:r>
-            <a:r>
-              <a:rPr lang="en-US" dirty="0"/>
-              <a:t> Notebook</a:t>
-            </a:r>
-          </a:p>
-          <a:p>
             <a:endParaRPr lang="en-US" dirty="0"/>
           </a:p>
         </p:txBody>
@@ -15507,7 +13026,7 @@
           <a:p>
             <a:fld id="{7374D69A-1842-4B4A-A2D0-729A8043D63C}" type="slidenum">
               <a:rPr lang="en-US" smtClean="0"/>
-              <a:t>6</a:t>
+              <a:t>7</a:t>
             </a:fld>
             <a:endParaRPr lang="en-US"/>
           </a:p>
@@ -15516,7 +13035,7 @@
     </p:spTree>
     <p:extLst>
       <p:ext uri="{BB962C8B-B14F-4D97-AF65-F5344CB8AC3E}">
-        <p14:creationId xmlns:p14="http://schemas.microsoft.com/office/powerpoint/2010/main" val="700736003"/>
+        <p14:creationId xmlns:p14="http://schemas.microsoft.com/office/powerpoint/2010/main" val="3824826512"/>
       </p:ext>
     </p:extLst>
   </p:cSld>
@@ -15600,7 +13119,7 @@
     </p:spTree>
     <p:extLst>
       <p:ext uri="{BB962C8B-B14F-4D97-AF65-F5344CB8AC3E}">
-        <p14:creationId xmlns:p14="http://schemas.microsoft.com/office/powerpoint/2010/main" val="3824826512"/>
+        <p14:creationId xmlns:p14="http://schemas.microsoft.com/office/powerpoint/2010/main" val="1371019719"/>
       </p:ext>
     </p:extLst>
   </p:cSld>
@@ -15611,90 +13130,6 @@
 </file>
 
 <file path=ppt/notesSlides/notesSlide6.xml><?xml version="1.0" encoding="utf-8"?>
-<p:notes xmlns:a="http://schemas.openxmlformats.org/drawingml/2006/main" xmlns:r="http://schemas.openxmlformats.org/officeDocument/2006/relationships" xmlns:p="http://schemas.openxmlformats.org/presentationml/2006/main">
-  <p:cSld>
-    <p:spTree>
-      <p:nvGrpSpPr>
-        <p:cNvPr id="1" name=""/>
-        <p:cNvGrpSpPr/>
-        <p:nvPr/>
-      </p:nvGrpSpPr>
-      <p:grpSpPr>
-        <a:xfrm>
-          <a:off x="0" y="0"/>
-          <a:ext cx="0" cy="0"/>
-          <a:chOff x="0" y="0"/>
-          <a:chExt cx="0" cy="0"/>
-        </a:xfrm>
-      </p:grpSpPr>
-      <p:sp>
-        <p:nvSpPr>
-          <p:cNvPr id="2" name="Slide Image Placeholder 1"/>
-          <p:cNvSpPr>
-            <a:spLocks noGrp="1" noRot="1" noChangeAspect="1"/>
-          </p:cNvSpPr>
-          <p:nvPr>
-            <p:ph type="sldImg"/>
-          </p:nvPr>
-        </p:nvSpPr>
-        <p:spPr/>
-      </p:sp>
-      <p:sp>
-        <p:nvSpPr>
-          <p:cNvPr id="3" name="Notes Placeholder 2"/>
-          <p:cNvSpPr>
-            <a:spLocks noGrp="1"/>
-          </p:cNvSpPr>
-          <p:nvPr>
-            <p:ph type="body" idx="1"/>
-          </p:nvPr>
-        </p:nvSpPr>
-        <p:spPr/>
-        <p:txBody>
-          <a:bodyPr/>
-          <a:lstStyle/>
-          <a:p>
-            <a:endParaRPr lang="en-US" dirty="0"/>
-          </a:p>
-        </p:txBody>
-      </p:sp>
-      <p:sp>
-        <p:nvSpPr>
-          <p:cNvPr id="4" name="Slide Number Placeholder 3"/>
-          <p:cNvSpPr>
-            <a:spLocks noGrp="1"/>
-          </p:cNvSpPr>
-          <p:nvPr>
-            <p:ph type="sldNum" sz="quarter" idx="10"/>
-          </p:nvPr>
-        </p:nvSpPr>
-        <p:spPr/>
-        <p:txBody>
-          <a:bodyPr/>
-          <a:lstStyle/>
-          <a:p>
-            <a:fld id="{7374D69A-1842-4B4A-A2D0-729A8043D63C}" type="slidenum">
-              <a:rPr lang="en-US" smtClean="0"/>
-              <a:t>9</a:t>
-            </a:fld>
-            <a:endParaRPr lang="en-US"/>
-          </a:p>
-        </p:txBody>
-      </p:sp>
-    </p:spTree>
-    <p:extLst>
-      <p:ext uri="{BB962C8B-B14F-4D97-AF65-F5344CB8AC3E}">
-        <p14:creationId xmlns:p14="http://schemas.microsoft.com/office/powerpoint/2010/main" val="1371019719"/>
-      </p:ext>
-    </p:extLst>
-  </p:cSld>
-  <p:clrMapOvr>
-    <a:masterClrMapping/>
-  </p:clrMapOvr>
-</p:notes>
-</file>
-
-<file path=ppt/notesSlides/notesSlide7.xml><?xml version="1.0" encoding="utf-8"?>
 <p:notes xmlns:a="http://schemas.openxmlformats.org/drawingml/2006/main" xmlns:r="http://schemas.openxmlformats.org/officeDocument/2006/relationships" xmlns:p="http://schemas.openxmlformats.org/presentationml/2006/main">
   <p:cSld>
     <p:spTree>
@@ -15782,7 +13217,7 @@
           <a:p>
             <a:fld id="{7374D69A-1842-4B4A-A2D0-729A8043D63C}" type="slidenum">
               <a:rPr lang="en-US" smtClean="0"/>
-              <a:t>11</a:t>
+              <a:t>10</a:t>
             </a:fld>
             <a:endParaRPr lang="en-US"/>
           </a:p>
@@ -15999,7 +13434,7 @@
             </a:lvl1pPr>
           </a:lstStyle>
           <a:p>
-            <a:fld id="{534280B5-DAB8-4122-A2BF-8E3B4D97F156}" type="datetime1">
+            <a:fld id="{6CC3E46C-B38F-4252-904E-B82560C9F5F6}" type="datetime1">
               <a:rPr lang="en-US" smtClean="0"/>
               <a:t>3/15/2018</a:t>
             </a:fld>
@@ -16192,7 +13627,7 @@
           <a:bodyPr/>
           <a:lstStyle/>
           <a:p>
-            <a:fld id="{090EA9C5-4B89-48FE-9F5A-77A8FC13FFC0}" type="datetime1">
+            <a:fld id="{ADA858B7-AF09-45E6-B5D7-FCFD9A6B7751}" type="datetime1">
               <a:rPr lang="en-US" smtClean="0"/>
               <a:t>3/15/2018</a:t>
             </a:fld>
@@ -16375,7 +13810,7 @@
           <a:bodyPr/>
           <a:lstStyle/>
           <a:p>
-            <a:fld id="{0460DCC1-E266-4546-A3B3-9B9DA52575BD}" type="datetime1">
+            <a:fld id="{4DA3DDE1-59E8-4077-AAD5-21171B1F7284}" type="datetime1">
               <a:rPr lang="en-US" smtClean="0"/>
               <a:t>3/15/2018</a:t>
             </a:fld>
@@ -16548,7 +13983,7 @@
           <a:bodyPr/>
           <a:lstStyle/>
           <a:p>
-            <a:fld id="{50E87220-2BA9-4F79-BE2A-015E85F5DED7}" type="datetime1">
+            <a:fld id="{B3C75A04-8950-4B78-9FA8-A5AC93040D3D}" type="datetime1">
               <a:rPr lang="en-US" smtClean="0"/>
               <a:t>3/15/2018</a:t>
             </a:fld>
@@ -16807,7 +14242,7 @@
           <a:bodyPr/>
           <a:lstStyle/>
           <a:p>
-            <a:fld id="{D7A3A64B-E8DB-423D-9487-3AC58993C762}" type="datetime1">
+            <a:fld id="{682C5AF6-B14A-41D1-BA0F-9E4A38031F80}" type="datetime1">
               <a:rPr lang="en-US" smtClean="0"/>
               <a:t>3/15/2018</a:t>
             </a:fld>
@@ -17098,7 +14533,7 @@
           <a:bodyPr/>
           <a:lstStyle/>
           <a:p>
-            <a:fld id="{C4CFC941-9496-4D3D-A785-0873BFF6757A}" type="datetime1">
+            <a:fld id="{214FADEA-C968-4344-BA3B-0945DBBB9C78}" type="datetime1">
               <a:rPr lang="en-US" smtClean="0"/>
               <a:t>3/15/2018</a:t>
             </a:fld>
@@ -17539,7 +14974,7 @@
           <a:bodyPr/>
           <a:lstStyle/>
           <a:p>
-            <a:fld id="{C5484F68-FC4A-4B25-BD83-30FD7C23EAD2}" type="datetime1">
+            <a:fld id="{FD383406-F67A-4E92-924A-14674DBB5751}" type="datetime1">
               <a:rPr lang="en-US" smtClean="0"/>
               <a:t>3/15/2018</a:t>
             </a:fld>
@@ -17660,7 +15095,7 @@
           <a:bodyPr/>
           <a:lstStyle/>
           <a:p>
-            <a:fld id="{7D18015E-D067-463F-8E5F-DE70F652035E}" type="datetime1">
+            <a:fld id="{178DFB83-14C2-484E-95AC-38D4A920FFCD}" type="datetime1">
               <a:rPr lang="en-US" smtClean="0"/>
               <a:t>3/15/2018</a:t>
             </a:fld>
@@ -17758,7 +15193,7 @@
           <a:bodyPr/>
           <a:lstStyle/>
           <a:p>
-            <a:fld id="{49FC611A-9076-4C0D-846A-19B2B9053219}" type="datetime1">
+            <a:fld id="{D8082026-85B1-4187-885F-3925157DC337}" type="datetime1">
               <a:rPr lang="en-US" smtClean="0"/>
               <a:t>3/15/2018</a:t>
             </a:fld>
@@ -18117,7 +15552,7 @@
           <a:bodyPr/>
           <a:lstStyle/>
           <a:p>
-            <a:fld id="{2226986F-B5E3-4F43-9091-4824EB0C515D}" type="datetime1">
+            <a:fld id="{CC0E07FF-1831-4A4B-BC1C-D756B5B83E1C}" type="datetime1">
               <a:rPr lang="en-US" smtClean="0"/>
               <a:t>3/15/2018</a:t>
             </a:fld>
@@ -18439,7 +15874,7 @@
             </a:lvl1pPr>
           </a:lstStyle>
           <a:p>
-            <a:fld id="{39F3C355-D01D-4027-AC43-3F550774DC58}" type="datetime1">
+            <a:fld id="{443726C5-E85A-464F-AE48-60A3789AFD69}" type="datetime1">
               <a:rPr lang="en-US" smtClean="0"/>
               <a:t>3/15/2018</a:t>
             </a:fld>
@@ -18675,7 +16110,7 @@
             </a:lvl1pPr>
           </a:lstStyle>
           <a:p>
-            <a:fld id="{E41391E7-4CD0-4F99-B13E-7E3251F2552B}" type="datetime1">
+            <a:fld id="{2A2E331B-5437-488A-9FAE-B2797240B652}" type="datetime1">
               <a:rPr lang="en-US" smtClean="0"/>
               <a:t>3/15/2018</a:t>
             </a:fld>
@@ -19223,6 +16658,53 @@
           </a:prstGeom>
         </p:spPr>
       </p:pic>
+      <p:sp>
+        <p:nvSpPr>
+          <p:cNvPr id="4" name="TextBox 3">
+            <a:extLst>
+              <a:ext uri="{FF2B5EF4-FFF2-40B4-BE49-F238E27FC236}">
+                <a16:creationId xmlns:a16="http://schemas.microsoft.com/office/drawing/2014/main" id="{B6AE7108-60B7-4F78-89BE-67C5BC526325}"/>
+              </a:ext>
+            </a:extLst>
+          </p:cNvPr>
+          <p:cNvSpPr txBox="1"/>
+          <p:nvPr/>
+        </p:nvSpPr>
+        <p:spPr>
+          <a:xfrm>
+            <a:off x="372729" y="6298568"/>
+            <a:ext cx="3187083" cy="369332"/>
+          </a:xfrm>
+          <a:prstGeom prst="rect">
+            <a:avLst/>
+          </a:prstGeom>
+          <a:noFill/>
+        </p:spPr>
+        <p:txBody>
+          <a:bodyPr wrap="square" rtlCol="0">
+            <a:spAutoFit/>
+          </a:bodyPr>
+          <a:lstStyle/>
+          <a:p>
+            <a:r>
+              <a:rPr lang="en-US" dirty="0" err="1">
+                <a:solidFill>
+                  <a:schemeClr val="bg1"/>
+                </a:solidFill>
+              </a:rPr>
+              <a:t>UTDataJan</a:t>
+            </a:r>
+            <a:r>
+              <a:rPr lang="en-US" dirty="0">
+                <a:solidFill>
+                  <a:schemeClr val="bg1"/>
+                </a:solidFill>
+              </a:rPr>
+              <a:t> Tues/Thurs: Team 3</a:t>
+            </a:r>
+          </a:p>
+        </p:txBody>
+      </p:sp>
     </p:spTree>
     <p:extLst>
       <p:ext uri="{BB962C8B-B14F-4D97-AF65-F5344CB8AC3E}">
@@ -19258,7 +16740,7 @@
           <p:cNvPr id="2" name="Title 1">
             <a:extLst>
               <a:ext uri="{FF2B5EF4-FFF2-40B4-BE49-F238E27FC236}">
-                <a16:creationId xmlns:a16="http://schemas.microsoft.com/office/drawing/2014/main" id="{CBB67211-7222-4824-8A16-800B1CF60E4D}"/>
+                <a16:creationId xmlns:a16="http://schemas.microsoft.com/office/drawing/2014/main" id="{0FBD85DC-EE15-4B84-BE85-5D5AEB4E5D33}"/>
               </a:ext>
             </a:extLst>
           </p:cNvPr>
@@ -19276,281 +16758,8 @@
           <a:p>
             <a:r>
               <a:rPr lang="en-US" dirty="0"/>
-              <a:t>Story Ratings</a:t>
-            </a:r>
-          </a:p>
-        </p:txBody>
-      </p:sp>
-      <p:sp>
-        <p:nvSpPr>
-          <p:cNvPr id="3" name="Footer Placeholder 2">
-            <a:extLst>
-              <a:ext uri="{FF2B5EF4-FFF2-40B4-BE49-F238E27FC236}">
-                <a16:creationId xmlns:a16="http://schemas.microsoft.com/office/drawing/2014/main" id="{A8DFC824-3571-469A-8F8B-60EAD2C772DB}"/>
-              </a:ext>
-            </a:extLst>
-          </p:cNvPr>
-          <p:cNvSpPr>
-            <a:spLocks noGrp="1"/>
-          </p:cNvSpPr>
-          <p:nvPr>
-            <p:ph type="ftr" sz="quarter" idx="11"/>
-          </p:nvPr>
-        </p:nvSpPr>
-        <p:spPr/>
-        <p:txBody>
-          <a:bodyPr/>
-          <a:lstStyle/>
-          <a:p>
-            <a:r>
-              <a:rPr lang="en-US"/>
-              <a:t>UTDataJan Tues/Thurs Team3</a:t>
-            </a:r>
-          </a:p>
-        </p:txBody>
-      </p:sp>
-      <p:sp>
-        <p:nvSpPr>
-          <p:cNvPr id="8" name="Slide Number Placeholder 7">
-            <a:extLst>
-              <a:ext uri="{FF2B5EF4-FFF2-40B4-BE49-F238E27FC236}">
-                <a16:creationId xmlns:a16="http://schemas.microsoft.com/office/drawing/2014/main" id="{A8F804FB-BE7D-4872-8227-E1DBE36AEF4A}"/>
-              </a:ext>
-            </a:extLst>
-          </p:cNvPr>
-          <p:cNvSpPr>
-            <a:spLocks noGrp="1"/>
-          </p:cNvSpPr>
-          <p:nvPr>
-            <p:ph type="sldNum" sz="quarter" idx="12"/>
-          </p:nvPr>
-        </p:nvSpPr>
-        <p:spPr/>
-        <p:txBody>
-          <a:bodyPr/>
-          <a:lstStyle/>
-          <a:p>
-            <a:fld id="{64D12EC4-2D04-0A4F-A74B-758ED03DD9F6}" type="slidenum">
-              <a:rPr lang="en-US" smtClean="0"/>
-              <a:t>10</a:t>
-            </a:fld>
-            <a:endParaRPr lang="en-US"/>
-          </a:p>
-        </p:txBody>
-      </p:sp>
-      <p:sp>
-        <p:nvSpPr>
-          <p:cNvPr id="7" name="TextBox 6">
-            <a:extLst>
-              <a:ext uri="{FF2B5EF4-FFF2-40B4-BE49-F238E27FC236}">
-                <a16:creationId xmlns:a16="http://schemas.microsoft.com/office/drawing/2014/main" id="{CDA3CEA4-0A37-4979-8625-AF47DFCE0CDD}"/>
-              </a:ext>
-            </a:extLst>
-          </p:cNvPr>
-          <p:cNvSpPr txBox="1"/>
-          <p:nvPr/>
-        </p:nvSpPr>
-        <p:spPr>
-          <a:xfrm>
-            <a:off x="1519797" y="5291092"/>
-            <a:ext cx="6329780" cy="646331"/>
-          </a:xfrm>
-          <a:prstGeom prst="rect">
-            <a:avLst/>
-          </a:prstGeom>
-          <a:solidFill>
-            <a:schemeClr val="accent1"/>
-          </a:solidFill>
-        </p:spPr>
-        <p:txBody>
-          <a:bodyPr wrap="square" rtlCol="0">
-            <a:spAutoFit/>
-          </a:bodyPr>
-          <a:lstStyle/>
-          <a:p>
-            <a:r>
-              <a:rPr lang="en-US">
-                <a:solidFill>
-                  <a:schemeClr val="bg1"/>
-                </a:solidFill>
-              </a:rPr>
-              <a:t>Indication </a:t>
-            </a:r>
-            <a:r>
-              <a:rPr lang="en-US" dirty="0">
-                <a:solidFill>
-                  <a:schemeClr val="bg1"/>
-                </a:solidFill>
-              </a:rPr>
-              <a:t>that dataset is pulling most recent records, as the majority of stories are rated low</a:t>
-            </a:r>
-          </a:p>
-        </p:txBody>
-      </p:sp>
-      <p:pic>
-        <p:nvPicPr>
-          <p:cNvPr id="9" name="Picture 8">
-            <a:extLst>
-              <a:ext uri="{FF2B5EF4-FFF2-40B4-BE49-F238E27FC236}">
-                <a16:creationId xmlns:a16="http://schemas.microsoft.com/office/drawing/2014/main" id="{8ABDA9DA-6A3A-403E-B6B9-3816D3D5048E}"/>
-              </a:ext>
-            </a:extLst>
-          </p:cNvPr>
-          <p:cNvPicPr>
-            <a:picLocks noChangeAspect="1"/>
-          </p:cNvPicPr>
-          <p:nvPr/>
-        </p:nvPicPr>
-        <p:blipFill>
-          <a:blip r:embed="rId2"/>
-          <a:stretch>
-            <a:fillRect/>
-          </a:stretch>
-        </p:blipFill>
-        <p:spPr>
-          <a:xfrm>
-            <a:off x="514350" y="1559473"/>
-            <a:ext cx="4259453" cy="3407562"/>
-          </a:xfrm>
-          <a:prstGeom prst="rect">
-            <a:avLst/>
-          </a:prstGeom>
-          <a:ln>
-            <a:solidFill>
-              <a:schemeClr val="accent1">
-                <a:hueOff val="0"/>
-                <a:satOff val="0"/>
-                <a:lumOff val="0"/>
-              </a:schemeClr>
-            </a:solidFill>
-          </a:ln>
-        </p:spPr>
-      </p:pic>
-      <p:pic>
-        <p:nvPicPr>
-          <p:cNvPr id="11" name="Picture 10">
-            <a:extLst>
-              <a:ext uri="{FF2B5EF4-FFF2-40B4-BE49-F238E27FC236}">
-                <a16:creationId xmlns:a16="http://schemas.microsoft.com/office/drawing/2014/main" id="{FDFEE32F-76A5-4E59-8264-1E61283D18CD}"/>
-              </a:ext>
-            </a:extLst>
-          </p:cNvPr>
-          <p:cNvPicPr>
-            <a:picLocks noChangeAspect="1"/>
-          </p:cNvPicPr>
-          <p:nvPr/>
-        </p:nvPicPr>
-        <p:blipFill>
-          <a:blip r:embed="rId3"/>
-          <a:stretch>
-            <a:fillRect/>
-          </a:stretch>
-        </p:blipFill>
-        <p:spPr>
-          <a:xfrm>
-            <a:off x="4684687" y="1559473"/>
-            <a:ext cx="4327864" cy="3462291"/>
-          </a:xfrm>
-          <a:prstGeom prst="rect">
-            <a:avLst/>
-          </a:prstGeom>
-          <a:ln>
-            <a:solidFill>
-              <a:schemeClr val="accent1">
-                <a:hueOff val="0"/>
-                <a:satOff val="0"/>
-                <a:lumOff val="0"/>
-              </a:schemeClr>
-            </a:solidFill>
-          </a:ln>
-        </p:spPr>
-      </p:pic>
-    </p:spTree>
-    <p:extLst>
-      <p:ext uri="{BB962C8B-B14F-4D97-AF65-F5344CB8AC3E}">
-        <p14:creationId xmlns:p14="http://schemas.microsoft.com/office/powerpoint/2010/main" val="3415291721"/>
-      </p:ext>
-    </p:extLst>
-  </p:cSld>
-  <p:clrMapOvr>
-    <a:masterClrMapping/>
-  </p:clrMapOvr>
-</p:sld>
-</file>
-
-<file path=ppt/slides/slide11.xml><?xml version="1.0" encoding="utf-8"?>
-<p:sld xmlns:a="http://schemas.openxmlformats.org/drawingml/2006/main" xmlns:r="http://schemas.openxmlformats.org/officeDocument/2006/relationships" xmlns:p="http://schemas.openxmlformats.org/presentationml/2006/main">
-  <p:cSld>
-    <p:spTree>
-      <p:nvGrpSpPr>
-        <p:cNvPr id="1" name=""/>
-        <p:cNvGrpSpPr/>
-        <p:nvPr/>
-      </p:nvGrpSpPr>
-      <p:grpSpPr>
-        <a:xfrm>
-          <a:off x="0" y="0"/>
-          <a:ext cx="0" cy="0"/>
-          <a:chOff x="0" y="0"/>
-          <a:chExt cx="0" cy="0"/>
-        </a:xfrm>
-      </p:grpSpPr>
-      <p:sp>
-        <p:nvSpPr>
-          <p:cNvPr id="2" name="Title 1">
-            <a:extLst>
-              <a:ext uri="{FF2B5EF4-FFF2-40B4-BE49-F238E27FC236}">
-                <a16:creationId xmlns:a16="http://schemas.microsoft.com/office/drawing/2014/main" id="{0FBD85DC-EE15-4B84-BE85-5D5AEB4E5D33}"/>
-              </a:ext>
-            </a:extLst>
-          </p:cNvPr>
-          <p:cNvSpPr>
-            <a:spLocks noGrp="1"/>
-          </p:cNvSpPr>
-          <p:nvPr>
-            <p:ph type="title"/>
-          </p:nvPr>
-        </p:nvSpPr>
-        <p:spPr/>
-        <p:txBody>
-          <a:bodyPr/>
-          <a:lstStyle/>
-          <a:p>
-            <a:r>
-              <a:rPr lang="en-US" dirty="0"/>
               <a:t>Discussion</a:t>
             </a:r>
-          </a:p>
-        </p:txBody>
-      </p:sp>
-      <p:sp>
-        <p:nvSpPr>
-          <p:cNvPr id="3" name="Content Placeholder 2">
-            <a:extLst>
-              <a:ext uri="{FF2B5EF4-FFF2-40B4-BE49-F238E27FC236}">
-                <a16:creationId xmlns:a16="http://schemas.microsoft.com/office/drawing/2014/main" id="{229A2737-5D8A-4716-A24C-CB0A2E41145F}"/>
-              </a:ext>
-            </a:extLst>
-          </p:cNvPr>
-          <p:cNvSpPr>
-            <a:spLocks noGrp="1"/>
-          </p:cNvSpPr>
-          <p:nvPr>
-            <p:ph idx="1"/>
-          </p:nvPr>
-        </p:nvSpPr>
-        <p:spPr/>
-        <p:txBody>
-          <a:bodyPr/>
-          <a:lstStyle/>
-          <a:p>
-            <a:pPr marL="0" indent="0">
-              <a:buNone/>
-            </a:pPr>
-            <a:endParaRPr lang="en-US" dirty="0"/>
-          </a:p>
-          <a:p>
-            <a:endParaRPr lang="en-US" dirty="0"/>
           </a:p>
         </p:txBody>
       </p:sp>
@@ -19605,12 +16814,261 @@
           <a:p>
             <a:fld id="{64D12EC4-2D04-0A4F-A74B-758ED03DD9F6}" type="slidenum">
               <a:rPr lang="en-US" smtClean="0"/>
-              <a:t>11</a:t>
+              <a:t>10</a:t>
             </a:fld>
             <a:endParaRPr lang="en-US"/>
           </a:p>
         </p:txBody>
       </p:sp>
+      <p:pic>
+        <p:nvPicPr>
+          <p:cNvPr id="7" name="Picture 6">
+            <a:extLst>
+              <a:ext uri="{FF2B5EF4-FFF2-40B4-BE49-F238E27FC236}">
+                <a16:creationId xmlns:a16="http://schemas.microsoft.com/office/drawing/2014/main" id="{2D3EA610-C2E0-46F1-8283-2C935F8E9CCF}"/>
+              </a:ext>
+            </a:extLst>
+          </p:cNvPr>
+          <p:cNvPicPr>
+            <a:picLocks noChangeAspect="1"/>
+          </p:cNvPicPr>
+          <p:nvPr/>
+        </p:nvPicPr>
+        <p:blipFill>
+          <a:blip r:embed="rId3"/>
+          <a:stretch>
+            <a:fillRect/>
+          </a:stretch>
+        </p:blipFill>
+        <p:spPr>
+          <a:xfrm>
+            <a:off x="2474443" y="1193517"/>
+            <a:ext cx="4066750" cy="2361711"/>
+          </a:xfrm>
+          <a:prstGeom prst="rect">
+            <a:avLst/>
+          </a:prstGeom>
+          <a:ln>
+            <a:solidFill>
+              <a:schemeClr val="accent4"/>
+            </a:solidFill>
+          </a:ln>
+        </p:spPr>
+      </p:pic>
+      <p:graphicFrame>
+        <p:nvGraphicFramePr>
+          <p:cNvPr id="11" name="Table 10">
+            <a:extLst>
+              <a:ext uri="{FF2B5EF4-FFF2-40B4-BE49-F238E27FC236}">
+                <a16:creationId xmlns:a16="http://schemas.microsoft.com/office/drawing/2014/main" id="{73ABEDD2-F349-4886-AA1A-B6FDF203C55D}"/>
+              </a:ext>
+            </a:extLst>
+          </p:cNvPr>
+          <p:cNvGraphicFramePr>
+            <a:graphicFrameLocks noGrp="1"/>
+          </p:cNvGraphicFramePr>
+          <p:nvPr>
+            <p:extLst>
+              <p:ext uri="{D42A27DB-BD31-4B8C-83A1-F6EECF244321}">
+                <p14:modId xmlns:p14="http://schemas.microsoft.com/office/powerpoint/2010/main" val="1142650550"/>
+              </p:ext>
+            </p:extLst>
+          </p:nvPr>
+        </p:nvGraphicFramePr>
+        <p:xfrm>
+          <a:off x="1542473" y="3667485"/>
+          <a:ext cx="6096000" cy="1285240"/>
+        </p:xfrm>
+        <a:graphic>
+          <a:graphicData uri="http://schemas.openxmlformats.org/drawingml/2006/table">
+            <a:tbl>
+              <a:tblPr firstRow="1" bandRow="1">
+                <a:tableStyleId>{5C22544A-7EE6-4342-B048-85BDC9FD1C3A}</a:tableStyleId>
+              </a:tblPr>
+              <a:tblGrid>
+                <a:gridCol w="6096000">
+                  <a:extLst>
+                    <a:ext uri="{9D8B030D-6E8A-4147-A177-3AD203B41FA5}">
+                      <a16:colId xmlns:a16="http://schemas.microsoft.com/office/drawing/2014/main" val="3872502752"/>
+                    </a:ext>
+                  </a:extLst>
+                </a:gridCol>
+              </a:tblGrid>
+              <a:tr h="370840">
+                <a:tc>
+                  <a:txBody>
+                    <a:bodyPr/>
+                    <a:lstStyle/>
+                    <a:p>
+                      <a:r>
+                        <a:rPr lang="en-US" dirty="0"/>
+                        <a:t>Lessons Learned</a:t>
+                      </a:r>
+                    </a:p>
+                  </a:txBody>
+                  <a:tcPr/>
+                </a:tc>
+                <a:extLst>
+                  <a:ext uri="{0D108BD9-81ED-4DB2-BD59-A6C34878D82A}">
+                    <a16:rowId xmlns:a16="http://schemas.microsoft.com/office/drawing/2014/main" val="2721828794"/>
+                  </a:ext>
+                </a:extLst>
+              </a:tr>
+              <a:tr h="370840">
+                <a:tc>
+                  <a:txBody>
+                    <a:bodyPr/>
+                    <a:lstStyle/>
+                    <a:p>
+                      <a:pPr marL="285750" indent="-285750">
+                        <a:buFont typeface="Arial" panose="020B0604020202020204" pitchFamily="34" charset="0"/>
+                        <a:buChar char="•"/>
+                      </a:pPr>
+                      <a:r>
+                        <a:rPr lang="en-US" dirty="0"/>
+                        <a:t>Commit and push OFTEN</a:t>
+                      </a:r>
+                    </a:p>
+                    <a:p>
+                      <a:pPr marL="285750" indent="-285750">
+                        <a:buFont typeface="Arial" panose="020B0604020202020204" pitchFamily="34" charset="0"/>
+                        <a:buChar char="•"/>
+                      </a:pPr>
+                      <a:r>
+                        <a:rPr lang="en-US" dirty="0"/>
+                        <a:t>Graph early to test validity of data</a:t>
+                      </a:r>
+                    </a:p>
+                    <a:p>
+                      <a:pPr marL="285750" indent="-285750">
+                        <a:buFont typeface="Arial" panose="020B0604020202020204" pitchFamily="34" charset="0"/>
+                        <a:buChar char="•"/>
+                      </a:pPr>
+                      <a:r>
+                        <a:rPr lang="en-US" dirty="0"/>
+                        <a:t>Commit to a topic not an API</a:t>
+                      </a:r>
+                    </a:p>
+                  </a:txBody>
+                  <a:tcPr/>
+                </a:tc>
+                <a:extLst>
+                  <a:ext uri="{0D108BD9-81ED-4DB2-BD59-A6C34878D82A}">
+                    <a16:rowId xmlns:a16="http://schemas.microsoft.com/office/drawing/2014/main" val="878980556"/>
+                  </a:ext>
+                </a:extLst>
+              </a:tr>
+            </a:tbl>
+          </a:graphicData>
+        </a:graphic>
+      </p:graphicFrame>
+      <p:graphicFrame>
+        <p:nvGraphicFramePr>
+          <p:cNvPr id="12" name="Table 11">
+            <a:extLst>
+              <a:ext uri="{FF2B5EF4-FFF2-40B4-BE49-F238E27FC236}">
+                <a16:creationId xmlns:a16="http://schemas.microsoft.com/office/drawing/2014/main" id="{19772F0C-E0C5-4D32-A516-461FEC423DC1}"/>
+              </a:ext>
+            </a:extLst>
+          </p:cNvPr>
+          <p:cNvGraphicFramePr>
+            <a:graphicFrameLocks noGrp="1"/>
+          </p:cNvGraphicFramePr>
+          <p:nvPr>
+            <p:extLst>
+              <p:ext uri="{D42A27DB-BD31-4B8C-83A1-F6EECF244321}">
+                <p14:modId xmlns:p14="http://schemas.microsoft.com/office/powerpoint/2010/main" val="48289026"/>
+              </p:ext>
+            </p:extLst>
+          </p:nvPr>
+        </p:nvGraphicFramePr>
+        <p:xfrm>
+          <a:off x="1542473" y="4995137"/>
+          <a:ext cx="6096000" cy="1559560"/>
+        </p:xfrm>
+        <a:graphic>
+          <a:graphicData uri="http://schemas.openxmlformats.org/drawingml/2006/table">
+            <a:tbl>
+              <a:tblPr firstRow="1" bandRow="1">
+                <a:tableStyleId>{5C22544A-7EE6-4342-B048-85BDC9FD1C3A}</a:tableStyleId>
+              </a:tblPr>
+              <a:tblGrid>
+                <a:gridCol w="6096000">
+                  <a:extLst>
+                    <a:ext uri="{9D8B030D-6E8A-4147-A177-3AD203B41FA5}">
+                      <a16:colId xmlns:a16="http://schemas.microsoft.com/office/drawing/2014/main" val="572012555"/>
+                    </a:ext>
+                  </a:extLst>
+                </a:gridCol>
+              </a:tblGrid>
+              <a:tr h="370840">
+                <a:tc>
+                  <a:txBody>
+                    <a:bodyPr/>
+                    <a:lstStyle/>
+                    <a:p>
+                      <a:r>
+                        <a:rPr lang="en-US" dirty="0"/>
+                        <a:t>General Themes</a:t>
+                      </a:r>
+                    </a:p>
+                  </a:txBody>
+                  <a:tcPr/>
+                </a:tc>
+                <a:extLst>
+                  <a:ext uri="{0D108BD9-81ED-4DB2-BD59-A6C34878D82A}">
+                    <a16:rowId xmlns:a16="http://schemas.microsoft.com/office/drawing/2014/main" val="3821982460"/>
+                  </a:ext>
+                </a:extLst>
+              </a:tr>
+              <a:tr h="370840">
+                <a:tc>
+                  <a:txBody>
+                    <a:bodyPr/>
+                    <a:lstStyle/>
+                    <a:p>
+                      <a:pPr marL="285750" indent="-285750">
+                        <a:buFont typeface="Arial" panose="020B0604020202020204" pitchFamily="34" charset="0"/>
+                        <a:buChar char="•"/>
+                      </a:pPr>
+                      <a:r>
+                        <a:rPr lang="en-US" dirty="0"/>
+                        <a:t>Romance and love are well received themes on Wattpad</a:t>
+                      </a:r>
+                    </a:p>
+                    <a:p>
+                      <a:pPr marL="285750" indent="-285750">
+                        <a:buFont typeface="Arial" panose="020B0604020202020204" pitchFamily="34" charset="0"/>
+                        <a:buChar char="•"/>
+                      </a:pPr>
+                      <a:r>
+                        <a:rPr lang="en-US" dirty="0"/>
+                        <a:t>More recent stories have lower ratings</a:t>
+                      </a:r>
+                    </a:p>
+                    <a:p>
+                      <a:pPr marL="285750" indent="-285750">
+                        <a:buFont typeface="Arial" panose="020B0604020202020204" pitchFamily="34" charset="0"/>
+                        <a:buChar char="•"/>
+                      </a:pPr>
+                      <a:r>
+                        <a:rPr lang="en-US" dirty="0"/>
+                        <a:t>Combining compound sentiment of individual story tags neutralizes sentiment</a:t>
+                      </a:r>
+                    </a:p>
+                  </a:txBody>
+                  <a:tcPr/>
+                </a:tc>
+                <a:extLst>
+                  <a:ext uri="{0D108BD9-81ED-4DB2-BD59-A6C34878D82A}">
+                    <a16:rowId xmlns:a16="http://schemas.microsoft.com/office/drawing/2014/main" val="3644305166"/>
+                  </a:ext>
+                </a:extLst>
+              </a:tr>
+            </a:tbl>
+          </a:graphicData>
+        </a:graphic>
+      </p:graphicFrame>
     </p:spTree>
     <p:extLst>
       <p:ext uri="{BB962C8B-B14F-4D97-AF65-F5344CB8AC3E}">
@@ -19624,7 +17082,7 @@
 </p:sld>
 </file>
 
-<file path=ppt/slides/slide12.xml><?xml version="1.0" encoding="utf-8"?>
+<file path=ppt/slides/slide11.xml><?xml version="1.0" encoding="utf-8"?>
 <p:sld xmlns:a="http://schemas.openxmlformats.org/drawingml/2006/main" xmlns:r="http://schemas.openxmlformats.org/officeDocument/2006/relationships" xmlns:p="http://schemas.openxmlformats.org/presentationml/2006/main">
   <p:cSld>
     <p:spTree>
@@ -19659,12 +17117,12 @@
         </p:nvSpPr>
         <p:spPr/>
         <p:txBody>
-          <a:bodyPr/>
+          <a:bodyPr anchor="t"/>
           <a:lstStyle/>
           <a:p>
             <a:r>
               <a:rPr lang="en-US" dirty="0"/>
-              <a:t>Lessons Learned</a:t>
+              <a:t>Conclusion</a:t>
             </a:r>
           </a:p>
         </p:txBody>
@@ -19682,13 +17140,13 @@
           <p:nvPr>
             <p:extLst>
               <p:ext uri="{D42A27DB-BD31-4B8C-83A1-F6EECF244321}">
-                <p14:modId xmlns:p14="http://schemas.microsoft.com/office/powerpoint/2010/main" val="1991925060"/>
+                <p14:modId xmlns:p14="http://schemas.microsoft.com/office/powerpoint/2010/main" val="4007522921"/>
               </p:ext>
             </p:extLst>
           </p:nvPr>
         </p:nvGraphicFramePr>
         <p:xfrm>
-          <a:off x="1180730" y="1733528"/>
+          <a:off x="958788" y="1328632"/>
           <a:ext cx="6915705" cy="4196755"/>
         </p:xfrm>
         <a:graphic>
@@ -19748,7 +17206,7 @@
           <a:p>
             <a:fld id="{64D12EC4-2D04-0A4F-A74B-758ED03DD9F6}" type="slidenum">
               <a:rPr lang="en-US" smtClean="0"/>
-              <a:t>12</a:t>
+              <a:t>11</a:t>
             </a:fld>
             <a:endParaRPr lang="en-US"/>
           </a:p>
@@ -19767,7 +17225,7 @@
 </p:sld>
 </file>
 
-<file path=ppt/slides/slide13.xml><?xml version="1.0" encoding="utf-8"?>
+<file path=ppt/slides/slide12.xml><?xml version="1.0" encoding="utf-8"?>
 <p:sld xmlns:a="http://schemas.openxmlformats.org/drawingml/2006/main" xmlns:r="http://schemas.openxmlformats.org/officeDocument/2006/relationships" xmlns:p="http://schemas.openxmlformats.org/presentationml/2006/main">
   <p:cSld>
     <p:spTree>
@@ -20183,7 +17641,7 @@
           <p:nvPr>
             <p:extLst>
               <p:ext uri="{D42A27DB-BD31-4B8C-83A1-F6EECF244321}">
-                <p14:modId xmlns:p14="http://schemas.microsoft.com/office/powerpoint/2010/main" val="2022800141"/>
+                <p14:modId xmlns:p14="http://schemas.microsoft.com/office/powerpoint/2010/main" val="172619036"/>
               </p:ext>
             </p:extLst>
           </p:nvPr>
@@ -20787,7 +18245,7 @@
           <a:p>
             <a:r>
               <a:rPr lang="en-US" dirty="0"/>
-              <a:t>Data Clean-Up &amp; exploration</a:t>
+              <a:t>The Process: API Query to Analysis</a:t>
             </a:r>
           </a:p>
         </p:txBody>
@@ -20808,14 +18266,14 @@
             <p:ph idx="1"/>
             <p:extLst>
               <p:ext uri="{D42A27DB-BD31-4B8C-83A1-F6EECF244321}">
-                <p14:modId xmlns:p14="http://schemas.microsoft.com/office/powerpoint/2010/main" val="1075004781"/>
+                <p14:modId xmlns:p14="http://schemas.microsoft.com/office/powerpoint/2010/main" val="475481876"/>
               </p:ext>
             </p:extLst>
           </p:nvPr>
         </p:nvGraphicFramePr>
         <p:xfrm>
-          <a:off x="1500326" y="5291564"/>
-          <a:ext cx="6461279" cy="1076368"/>
+          <a:off x="557636" y="5326828"/>
+          <a:ext cx="4856085" cy="855146"/>
         </p:xfrm>
         <a:graphic>
           <a:graphicData uri="http://schemas.openxmlformats.org/drawingml/2006/table">
@@ -20824,7 +18282,7 @@
                 <a:tableStyleId>{5C22544A-7EE6-4342-B048-85BDC9FD1C3A}</a:tableStyleId>
               </a:tblPr>
               <a:tblGrid>
-                <a:gridCol w="6461279">
+                <a:gridCol w="4856085">
                   <a:extLst>
                     <a:ext uri="{9D8B030D-6E8A-4147-A177-3AD203B41FA5}">
                       <a16:colId xmlns:a16="http://schemas.microsoft.com/office/drawing/2014/main" val="4228439691"/>
@@ -20832,14 +18290,14 @@
                   </a:extLst>
                 </a:gridCol>
               </a:tblGrid>
-              <a:tr h="283692">
+              <a:tr h="310962">
                 <a:tc>
                   <a:txBody>
                     <a:bodyPr/>
                     <a:lstStyle/>
                     <a:p>
                       <a:r>
-                        <a:rPr lang="en-US" dirty="0"/>
+                        <a:rPr lang="en-US" sz="1400" dirty="0"/>
                         <a:t>** Process Step Added to Address the following difficulties:</a:t>
                       </a:r>
                     </a:p>
@@ -20852,7 +18310,7 @@
                   </a:ext>
                 </a:extLst>
               </a:tr>
-              <a:tr h="710608">
+              <a:tr h="544184">
                 <a:tc>
                   <a:txBody>
                     <a:bodyPr/>
@@ -20876,7 +18334,7 @@
                         <a:defRPr/>
                       </a:pPr>
                       <a:r>
-                        <a:rPr lang="en-US" dirty="0">
+                        <a:rPr lang="en-US" sz="1400" dirty="0">
                           <a:solidFill>
                             <a:schemeClr val="tx1"/>
                           </a:solidFill>
@@ -20903,7 +18361,7 @@
                         <a:defRPr/>
                       </a:pPr>
                       <a:r>
-                        <a:rPr lang="en-US" dirty="0">
+                        <a:rPr lang="en-US" sz="1400" dirty="0">
                           <a:solidFill>
                             <a:schemeClr val="tx1"/>
                           </a:solidFill>
@@ -20937,14 +18395,14 @@
           <p:nvPr>
             <p:extLst>
               <p:ext uri="{D42A27DB-BD31-4B8C-83A1-F6EECF244321}">
-                <p14:modId xmlns:p14="http://schemas.microsoft.com/office/powerpoint/2010/main" val="907135623"/>
+                <p14:modId xmlns:p14="http://schemas.microsoft.com/office/powerpoint/2010/main" val="3251494708"/>
               </p:ext>
             </p:extLst>
           </p:nvPr>
         </p:nvGraphicFramePr>
         <p:xfrm>
-          <a:off x="1909947" y="1530620"/>
-          <a:ext cx="5245524" cy="3387607"/>
+          <a:off x="-16945" y="1436903"/>
+          <a:ext cx="5866892" cy="3645062"/>
         </p:xfrm>
         <a:graphic>
           <a:graphicData uri="http://schemas.openxmlformats.org/drawingml/2006/diagram">
@@ -20980,12 +18438,239 @@
           </a:p>
         </p:txBody>
       </p:sp>
+      <p:graphicFrame>
+        <p:nvGraphicFramePr>
+          <p:cNvPr id="12" name="Table 11">
+            <a:extLst>
+              <a:ext uri="{FF2B5EF4-FFF2-40B4-BE49-F238E27FC236}">
+                <a16:creationId xmlns:a16="http://schemas.microsoft.com/office/drawing/2014/main" id="{91BD4A84-A163-4A7E-8E0F-F180342698CB}"/>
+              </a:ext>
+            </a:extLst>
+          </p:cNvPr>
+          <p:cNvGraphicFramePr>
+            <a:graphicFrameLocks noGrp="1"/>
+          </p:cNvGraphicFramePr>
+          <p:nvPr>
+            <p:extLst>
+              <p:ext uri="{D42A27DB-BD31-4B8C-83A1-F6EECF244321}">
+                <p14:modId xmlns:p14="http://schemas.microsoft.com/office/powerpoint/2010/main" val="183932955"/>
+              </p:ext>
+            </p:extLst>
+          </p:nvPr>
+        </p:nvGraphicFramePr>
+        <p:xfrm>
+          <a:off x="6141464" y="1634891"/>
+          <a:ext cx="2139518" cy="3249085"/>
+        </p:xfrm>
+        <a:graphic>
+          <a:graphicData uri="http://schemas.openxmlformats.org/drawingml/2006/table">
+            <a:tbl>
+              <a:tblPr firstRow="1" bandRow="1">
+                <a:tableStyleId>{5C22544A-7EE6-4342-B048-85BDC9FD1C3A}</a:tableStyleId>
+              </a:tblPr>
+              <a:tblGrid>
+                <a:gridCol w="2139518">
+                  <a:extLst>
+                    <a:ext uri="{9D8B030D-6E8A-4147-A177-3AD203B41FA5}">
+                      <a16:colId xmlns:a16="http://schemas.microsoft.com/office/drawing/2014/main" val="1115091272"/>
+                    </a:ext>
+                  </a:extLst>
+                </a:gridCol>
+              </a:tblGrid>
+              <a:tr h="448150">
+                <a:tc>
+                  <a:txBody>
+                    <a:bodyPr/>
+                    <a:lstStyle/>
+                    <a:p>
+                      <a:pPr marL="0" marR="0" lvl="0" indent="0" algn="l" defTabSz="914400" rtl="0" eaLnBrk="1" fontAlgn="auto" latinLnBrk="0" hangingPunct="1">
+                        <a:lnSpc>
+                          <a:spcPct val="100000"/>
+                        </a:lnSpc>
+                        <a:spcBef>
+                          <a:spcPts val="0"/>
+                        </a:spcBef>
+                        <a:spcAft>
+                          <a:spcPts val="0"/>
+                        </a:spcAft>
+                        <a:buClrTx/>
+                        <a:buSzTx/>
+                        <a:buFontTx/>
+                        <a:buNone/>
+                        <a:tabLst/>
+                        <a:defRPr/>
+                      </a:pPr>
+                      <a:r>
+                        <a:rPr lang="en-US" b="1" dirty="0">
+                          <a:solidFill>
+                            <a:schemeClr val="bg1"/>
+                          </a:solidFill>
+                        </a:rPr>
+                        <a:t>Wattpad API’s used:</a:t>
+                      </a:r>
+                      <a:endParaRPr lang="en-US" dirty="0"/>
+                    </a:p>
+                  </a:txBody>
+                  <a:tcPr/>
+                </a:tc>
+                <a:extLst>
+                  <a:ext uri="{0D108BD9-81ED-4DB2-BD59-A6C34878D82A}">
+                    <a16:rowId xmlns:a16="http://schemas.microsoft.com/office/drawing/2014/main" val="2365706897"/>
+                  </a:ext>
+                </a:extLst>
+              </a:tr>
+              <a:tr h="2800935">
+                <a:tc>
+                  <a:txBody>
+                    <a:bodyPr/>
+                    <a:lstStyle/>
+                    <a:p>
+                      <a:endParaRPr lang="en-US" dirty="0"/>
+                    </a:p>
+                    <a:p>
+                      <a:endParaRPr lang="en-US" dirty="0"/>
+                    </a:p>
+                    <a:p>
+                      <a:endParaRPr lang="en-US" dirty="0"/>
+                    </a:p>
+                    <a:p>
+                      <a:endParaRPr lang="en-US" dirty="0"/>
+                    </a:p>
+                    <a:p>
+                      <a:endParaRPr lang="en-US" dirty="0"/>
+                    </a:p>
+                    <a:p>
+                      <a:endParaRPr lang="en-US" dirty="0"/>
+                    </a:p>
+                    <a:p>
+                      <a:endParaRPr lang="en-US" dirty="0"/>
+                    </a:p>
+                    <a:p>
+                      <a:endParaRPr lang="en-US" dirty="0"/>
+                    </a:p>
+                  </a:txBody>
+                  <a:tcPr/>
+                </a:tc>
+                <a:extLst>
+                  <a:ext uri="{0D108BD9-81ED-4DB2-BD59-A6C34878D82A}">
+                    <a16:rowId xmlns:a16="http://schemas.microsoft.com/office/drawing/2014/main" val="3745935267"/>
+                  </a:ext>
+                </a:extLst>
+              </a:tr>
+            </a:tbl>
+          </a:graphicData>
+        </a:graphic>
+      </p:graphicFrame>
+      <p:pic>
+        <p:nvPicPr>
+          <p:cNvPr id="6" name="Picture 5">
+            <a:extLst>
+              <a:ext uri="{FF2B5EF4-FFF2-40B4-BE49-F238E27FC236}">
+                <a16:creationId xmlns:a16="http://schemas.microsoft.com/office/drawing/2014/main" id="{E1DF4D03-76E3-457A-8718-DAD62EECE2E6}"/>
+              </a:ext>
+            </a:extLst>
+          </p:cNvPr>
+          <p:cNvPicPr>
+            <a:picLocks noChangeAspect="1"/>
+          </p:cNvPicPr>
+          <p:nvPr/>
+        </p:nvPicPr>
+        <p:blipFill>
+          <a:blip r:embed="rId8"/>
+          <a:stretch>
+            <a:fillRect/>
+          </a:stretch>
+        </p:blipFill>
+        <p:spPr>
+          <a:xfrm>
+            <a:off x="6405081" y="2284957"/>
+            <a:ext cx="1575832" cy="2277620"/>
+          </a:xfrm>
+          <a:prstGeom prst="rect">
+            <a:avLst/>
+          </a:prstGeom>
+        </p:spPr>
+      </p:pic>
+      <p:cxnSp>
+        <p:nvCxnSpPr>
+          <p:cNvPr id="10" name="Straight Connector 9">
+            <a:extLst>
+              <a:ext uri="{FF2B5EF4-FFF2-40B4-BE49-F238E27FC236}">
+                <a16:creationId xmlns:a16="http://schemas.microsoft.com/office/drawing/2014/main" id="{05075547-79A4-4889-9D89-367FF791F5DD}"/>
+              </a:ext>
+            </a:extLst>
+          </p:cNvPr>
+          <p:cNvCxnSpPr/>
+          <p:nvPr/>
+        </p:nvCxnSpPr>
+        <p:spPr>
+          <a:xfrm>
+            <a:off x="6543356" y="3423767"/>
+            <a:ext cx="1037624" cy="0"/>
+          </a:xfrm>
+          <a:prstGeom prst="line">
+            <a:avLst/>
+          </a:prstGeom>
+          <a:ln w="25400"/>
+        </p:spPr>
+        <p:style>
+          <a:lnRef idx="1">
+            <a:schemeClr val="accent1"/>
+          </a:lnRef>
+          <a:fillRef idx="0">
+            <a:schemeClr val="accent1"/>
+          </a:fillRef>
+          <a:effectRef idx="0">
+            <a:schemeClr val="accent1"/>
+          </a:effectRef>
+          <a:fontRef idx="minor">
+            <a:schemeClr val="tx1"/>
+          </a:fontRef>
+        </p:style>
+      </p:cxnSp>
+      <p:cxnSp>
+        <p:nvCxnSpPr>
+          <p:cNvPr id="9" name="Straight Connector 8">
+            <a:extLst>
+              <a:ext uri="{FF2B5EF4-FFF2-40B4-BE49-F238E27FC236}">
+                <a16:creationId xmlns:a16="http://schemas.microsoft.com/office/drawing/2014/main" id="{DE4377BA-F0EE-40D9-87D6-D5A527107179}"/>
+              </a:ext>
+            </a:extLst>
+          </p:cNvPr>
+          <p:cNvCxnSpPr/>
+          <p:nvPr/>
+        </p:nvCxnSpPr>
+        <p:spPr>
+          <a:xfrm>
+            <a:off x="6543356" y="4359431"/>
+            <a:ext cx="1037624" cy="0"/>
+          </a:xfrm>
+          <a:prstGeom prst="line">
+            <a:avLst/>
+          </a:prstGeom>
+          <a:ln w="28575"/>
+        </p:spPr>
+        <p:style>
+          <a:lnRef idx="1">
+            <a:schemeClr val="accent1"/>
+          </a:lnRef>
+          <a:fillRef idx="0">
+            <a:schemeClr val="accent1"/>
+          </a:fillRef>
+          <a:effectRef idx="0">
+            <a:schemeClr val="accent1"/>
+          </a:effectRef>
+          <a:fontRef idx="minor">
+            <a:schemeClr val="tx1"/>
+          </a:fontRef>
+        </p:style>
+      </p:cxnSp>
       <p:sp>
         <p:nvSpPr>
-          <p:cNvPr id="8" name="Slide Number Placeholder 7">
+          <p:cNvPr id="14" name="Slide Number Placeholder 13">
             <a:extLst>
               <a:ext uri="{FF2B5EF4-FFF2-40B4-BE49-F238E27FC236}">
-                <a16:creationId xmlns:a16="http://schemas.microsoft.com/office/drawing/2014/main" id="{1F82DED6-1786-4353-B7F3-FE570CE35C88}"/>
+                <a16:creationId xmlns:a16="http://schemas.microsoft.com/office/drawing/2014/main" id="{D7012BD9-7D68-4FC3-9E89-5C6D00FD888C}"/>
               </a:ext>
             </a:extLst>
           </p:cNvPr>
@@ -21044,413 +18729,6 @@
           <p:cNvPr id="2" name="Title 1">
             <a:extLst>
               <a:ext uri="{FF2B5EF4-FFF2-40B4-BE49-F238E27FC236}">
-                <a16:creationId xmlns:a16="http://schemas.microsoft.com/office/drawing/2014/main" id="{C736FF8E-6C5F-4203-8089-AF57E47663A1}"/>
-              </a:ext>
-            </a:extLst>
-          </p:cNvPr>
-          <p:cNvSpPr>
-            <a:spLocks noGrp="1"/>
-          </p:cNvSpPr>
-          <p:nvPr>
-            <p:ph type="title"/>
-          </p:nvPr>
-        </p:nvSpPr>
-        <p:spPr/>
-        <p:txBody>
-          <a:bodyPr anchor="t"/>
-          <a:lstStyle/>
-          <a:p>
-            <a:r>
-              <a:rPr lang="en-US" dirty="0"/>
-              <a:t>Data Analysis</a:t>
-            </a:r>
-          </a:p>
-        </p:txBody>
-      </p:sp>
-      <p:graphicFrame>
-        <p:nvGraphicFramePr>
-          <p:cNvPr id="5" name="Content Placeholder 4">
-            <a:extLst>
-              <a:ext uri="{FF2B5EF4-FFF2-40B4-BE49-F238E27FC236}">
-                <a16:creationId xmlns:a16="http://schemas.microsoft.com/office/drawing/2014/main" id="{27614A98-1743-4943-903F-E65A1B8DF19E}"/>
-              </a:ext>
-            </a:extLst>
-          </p:cNvPr>
-          <p:cNvGraphicFramePr>
-            <a:graphicFrameLocks noGrp="1"/>
-          </p:cNvGraphicFramePr>
-          <p:nvPr>
-            <p:ph idx="1"/>
-            <p:extLst>
-              <p:ext uri="{D42A27DB-BD31-4B8C-83A1-F6EECF244321}">
-                <p14:modId xmlns:p14="http://schemas.microsoft.com/office/powerpoint/2010/main" val="264141562"/>
-              </p:ext>
-            </p:extLst>
-          </p:nvPr>
-        </p:nvGraphicFramePr>
-        <p:xfrm>
-          <a:off x="5161395" y="1940228"/>
-          <a:ext cx="3411105" cy="3200400"/>
-        </p:xfrm>
-        <a:graphic>
-          <a:graphicData uri="http://schemas.openxmlformats.org/drawingml/2006/table">
-            <a:tbl>
-              <a:tblPr firstRow="1" bandRow="1">
-                <a:tableStyleId>{5C22544A-7EE6-4342-B048-85BDC9FD1C3A}</a:tableStyleId>
-              </a:tblPr>
-              <a:tblGrid>
-                <a:gridCol w="3411105">
-                  <a:extLst>
-                    <a:ext uri="{9D8B030D-6E8A-4147-A177-3AD203B41FA5}">
-                      <a16:colId xmlns:a16="http://schemas.microsoft.com/office/drawing/2014/main" val="4228439691"/>
-                    </a:ext>
-                  </a:extLst>
-                </a:gridCol>
-              </a:tblGrid>
-              <a:tr h="345368">
-                <a:tc>
-                  <a:txBody>
-                    <a:bodyPr/>
-                    <a:lstStyle/>
-                    <a:p>
-                      <a:r>
-                        <a:rPr lang="en-US" dirty="0"/>
-                        <a:t>Data Difficulties </a:t>
-                      </a:r>
-                    </a:p>
-                  </a:txBody>
-                  <a:tcPr/>
-                </a:tc>
-                <a:extLst>
-                  <a:ext uri="{0D108BD9-81ED-4DB2-BD59-A6C34878D82A}">
-                    <a16:rowId xmlns:a16="http://schemas.microsoft.com/office/drawing/2014/main" val="1640914263"/>
-                  </a:ext>
-                </a:extLst>
-              </a:tr>
-              <a:tr h="1513212">
-                <a:tc>
-                  <a:txBody>
-                    <a:bodyPr/>
-                    <a:lstStyle/>
-                    <a:p>
-                      <a:pPr marL="285750" marR="0" lvl="0" indent="-285750" algn="l" defTabSz="914400" rtl="0" eaLnBrk="1" fontAlgn="auto" latinLnBrk="0" hangingPunct="1">
-                        <a:lnSpc>
-                          <a:spcPct val="100000"/>
-                        </a:lnSpc>
-                        <a:spcBef>
-                          <a:spcPts val="0"/>
-                        </a:spcBef>
-                        <a:spcAft>
-                          <a:spcPts val="0"/>
-                        </a:spcAft>
-                        <a:buClrTx/>
-                        <a:buSzTx/>
-                        <a:buFont typeface="Arial" panose="020B0604020202020204" pitchFamily="34" charset="0"/>
-                        <a:buChar char="•"/>
-                        <a:tabLst/>
-                        <a:defRPr/>
-                      </a:pPr>
-                      <a:r>
-                        <a:rPr lang="en-US" dirty="0">
-                          <a:solidFill>
-                            <a:schemeClr val="tx1"/>
-                          </a:solidFill>
-                        </a:rPr>
-                        <a:t>User data was not available</a:t>
-                      </a:r>
-                    </a:p>
-                    <a:p>
-                      <a:pPr marL="742950" marR="0" lvl="1" indent="-285750" algn="l" defTabSz="914400" rtl="0" eaLnBrk="1" fontAlgn="auto" latinLnBrk="0" hangingPunct="1">
-                        <a:lnSpc>
-                          <a:spcPct val="100000"/>
-                        </a:lnSpc>
-                        <a:spcBef>
-                          <a:spcPts val="0"/>
-                        </a:spcBef>
-                        <a:spcAft>
-                          <a:spcPts val="0"/>
-                        </a:spcAft>
-                        <a:buClrTx/>
-                        <a:buSzTx/>
-                        <a:buFont typeface="Arial" panose="020B0604020202020204" pitchFamily="34" charset="0"/>
-                        <a:buChar char="•"/>
-                        <a:tabLst/>
-                        <a:defRPr/>
-                      </a:pPr>
-                      <a:r>
-                        <a:rPr lang="en-US" dirty="0">
-                          <a:solidFill>
-                            <a:schemeClr val="tx1"/>
-                          </a:solidFill>
-                        </a:rPr>
-                        <a:t>Focus became story data</a:t>
-                      </a:r>
-                    </a:p>
-                    <a:p>
-                      <a:pPr marL="285750" marR="0" lvl="0" indent="-285750" algn="l" defTabSz="914400" rtl="0" eaLnBrk="1" fontAlgn="auto" latinLnBrk="0" hangingPunct="1">
-                        <a:lnSpc>
-                          <a:spcPct val="100000"/>
-                        </a:lnSpc>
-                        <a:spcBef>
-                          <a:spcPts val="0"/>
-                        </a:spcBef>
-                        <a:spcAft>
-                          <a:spcPts val="0"/>
-                        </a:spcAft>
-                        <a:buClrTx/>
-                        <a:buSzTx/>
-                        <a:buFont typeface="Arial" panose="020B0604020202020204" pitchFamily="34" charset="0"/>
-                        <a:buChar char="•"/>
-                        <a:tabLst/>
-                        <a:defRPr/>
-                      </a:pPr>
-                      <a:r>
-                        <a:rPr lang="en-US" dirty="0">
-                          <a:solidFill>
-                            <a:schemeClr val="tx1"/>
-                          </a:solidFill>
-                        </a:rPr>
-                        <a:t>Data all belonged to 1 random category and all in English</a:t>
-                      </a:r>
-                    </a:p>
-                    <a:p>
-                      <a:pPr marL="742950" marR="0" lvl="1" indent="-285750" algn="l" defTabSz="914400" rtl="0" eaLnBrk="1" fontAlgn="auto" latinLnBrk="0" hangingPunct="1">
-                        <a:lnSpc>
-                          <a:spcPct val="100000"/>
-                        </a:lnSpc>
-                        <a:spcBef>
-                          <a:spcPts val="0"/>
-                        </a:spcBef>
-                        <a:spcAft>
-                          <a:spcPts val="0"/>
-                        </a:spcAft>
-                        <a:buClrTx/>
-                        <a:buSzTx/>
-                        <a:buFont typeface="Arial" panose="020B0604020202020204" pitchFamily="34" charset="0"/>
-                        <a:buChar char="•"/>
-                        <a:tabLst/>
-                        <a:defRPr/>
-                      </a:pPr>
-                      <a:r>
-                        <a:rPr lang="en-US" dirty="0">
-                          <a:solidFill>
-                            <a:schemeClr val="tx1"/>
-                          </a:solidFill>
-                        </a:rPr>
-                        <a:t>Used Story tags instead of categories to gain insights</a:t>
-                      </a:r>
-                    </a:p>
-                    <a:p>
-                      <a:pPr marL="285750" marR="0" lvl="0" indent="-285750" algn="l" defTabSz="914400" rtl="0" eaLnBrk="1" fontAlgn="auto" latinLnBrk="0" hangingPunct="1">
-                        <a:lnSpc>
-                          <a:spcPct val="100000"/>
-                        </a:lnSpc>
-                        <a:spcBef>
-                          <a:spcPts val="0"/>
-                        </a:spcBef>
-                        <a:spcAft>
-                          <a:spcPts val="0"/>
-                        </a:spcAft>
-                        <a:buClrTx/>
-                        <a:buSzTx/>
-                        <a:buFont typeface="Arial" panose="020B0604020202020204" pitchFamily="34" charset="0"/>
-                        <a:buChar char="•"/>
-                        <a:tabLst/>
-                        <a:defRPr/>
-                      </a:pPr>
-                      <a:r>
-                        <a:rPr lang="en-US" dirty="0">
-                          <a:solidFill>
-                            <a:schemeClr val="tx1"/>
-                          </a:solidFill>
-                        </a:rPr>
-                        <a:t>All stories were not rated as mature</a:t>
-                      </a:r>
-                    </a:p>
-                    <a:p>
-                      <a:pPr marL="285750" marR="0" lvl="0" indent="-285750" algn="l" defTabSz="914400" rtl="0" eaLnBrk="1" fontAlgn="auto" latinLnBrk="0" hangingPunct="1">
-                        <a:lnSpc>
-                          <a:spcPct val="100000"/>
-                        </a:lnSpc>
-                        <a:spcBef>
-                          <a:spcPts val="0"/>
-                        </a:spcBef>
-                        <a:spcAft>
-                          <a:spcPts val="0"/>
-                        </a:spcAft>
-                        <a:buClrTx/>
-                        <a:buSzTx/>
-                        <a:buFont typeface="Arial" panose="020B0604020202020204" pitchFamily="34" charset="0"/>
-                        <a:buChar char="•"/>
-                        <a:tabLst/>
-                        <a:defRPr/>
-                      </a:pPr>
-                      <a:r>
-                        <a:rPr lang="en-US" dirty="0">
-                          <a:solidFill>
-                            <a:schemeClr val="tx1"/>
-                          </a:solidFill>
-                        </a:rPr>
-                        <a:t>Numeric rating had to be used</a:t>
-                      </a:r>
-                    </a:p>
-                    <a:p>
-                      <a:pPr marL="285750" marR="0" lvl="0" indent="-285750" algn="l" defTabSz="914400" rtl="0" eaLnBrk="1" fontAlgn="auto" latinLnBrk="0" hangingPunct="1">
-                        <a:lnSpc>
-                          <a:spcPct val="100000"/>
-                        </a:lnSpc>
-                        <a:spcBef>
-                          <a:spcPts val="0"/>
-                        </a:spcBef>
-                        <a:spcAft>
-                          <a:spcPts val="0"/>
-                        </a:spcAft>
-                        <a:buClrTx/>
-                        <a:buSzTx/>
-                        <a:buFont typeface="Arial" panose="020B0604020202020204" pitchFamily="34" charset="0"/>
-                        <a:buChar char="•"/>
-                        <a:tabLst/>
-                        <a:defRPr/>
-                      </a:pPr>
-                      <a:endParaRPr lang="en-US" dirty="0">
-                        <a:solidFill>
-                          <a:schemeClr val="tx1"/>
-                        </a:solidFill>
-                      </a:endParaRPr>
-                    </a:p>
-                  </a:txBody>
-                  <a:tcPr/>
-                </a:tc>
-                <a:extLst>
-                  <a:ext uri="{0D108BD9-81ED-4DB2-BD59-A6C34878D82A}">
-                    <a16:rowId xmlns:a16="http://schemas.microsoft.com/office/drawing/2014/main" val="3908876518"/>
-                  </a:ext>
-                </a:extLst>
-              </a:tr>
-            </a:tbl>
-          </a:graphicData>
-        </a:graphic>
-      </p:graphicFrame>
-      <p:graphicFrame>
-        <p:nvGraphicFramePr>
-          <p:cNvPr id="4" name="Diagram 3">
-            <a:extLst>
-              <a:ext uri="{FF2B5EF4-FFF2-40B4-BE49-F238E27FC236}">
-                <a16:creationId xmlns:a16="http://schemas.microsoft.com/office/drawing/2014/main" id="{5B715C56-7CAD-4ED1-9790-3EAC2EF2CDF2}"/>
-              </a:ext>
-            </a:extLst>
-          </p:cNvPr>
-          <p:cNvGraphicFramePr/>
-          <p:nvPr>
-            <p:extLst>
-              <p:ext uri="{D42A27DB-BD31-4B8C-83A1-F6EECF244321}">
-                <p14:modId xmlns:p14="http://schemas.microsoft.com/office/powerpoint/2010/main" val="747614015"/>
-              </p:ext>
-            </p:extLst>
-          </p:nvPr>
-        </p:nvGraphicFramePr>
-        <p:xfrm>
-          <a:off x="773536" y="1903484"/>
-          <a:ext cx="4068932" cy="3237144"/>
-        </p:xfrm>
-        <a:graphic>
-          <a:graphicData uri="http://schemas.openxmlformats.org/drawingml/2006/diagram">
-            <dgm:relIds xmlns:dgm="http://schemas.openxmlformats.org/drawingml/2006/diagram" xmlns:r="http://schemas.openxmlformats.org/officeDocument/2006/relationships" r:dm="rId3" r:lo="rId4" r:qs="rId5" r:cs="rId6"/>
-          </a:graphicData>
-        </a:graphic>
-      </p:graphicFrame>
-      <p:sp>
-        <p:nvSpPr>
-          <p:cNvPr id="3" name="Footer Placeholder 2">
-            <a:extLst>
-              <a:ext uri="{FF2B5EF4-FFF2-40B4-BE49-F238E27FC236}">
-                <a16:creationId xmlns:a16="http://schemas.microsoft.com/office/drawing/2014/main" id="{0F8187CF-E843-4193-90FF-68C872131DEB}"/>
-              </a:ext>
-            </a:extLst>
-          </p:cNvPr>
-          <p:cNvSpPr>
-            <a:spLocks noGrp="1"/>
-          </p:cNvSpPr>
-          <p:nvPr>
-            <p:ph type="ftr" sz="quarter" idx="11"/>
-          </p:nvPr>
-        </p:nvSpPr>
-        <p:spPr/>
-        <p:txBody>
-          <a:bodyPr/>
-          <a:lstStyle/>
-          <a:p>
-            <a:r>
-              <a:rPr lang="en-US"/>
-              <a:t>UTDataJan Tues/Thurs Team3</a:t>
-            </a:r>
-          </a:p>
-        </p:txBody>
-      </p:sp>
-      <p:sp>
-        <p:nvSpPr>
-          <p:cNvPr id="6" name="Slide Number Placeholder 5">
-            <a:extLst>
-              <a:ext uri="{FF2B5EF4-FFF2-40B4-BE49-F238E27FC236}">
-                <a16:creationId xmlns:a16="http://schemas.microsoft.com/office/drawing/2014/main" id="{8B3A3B58-0CEA-445E-8461-E199E53DE447}"/>
-              </a:ext>
-            </a:extLst>
-          </p:cNvPr>
-          <p:cNvSpPr>
-            <a:spLocks noGrp="1"/>
-          </p:cNvSpPr>
-          <p:nvPr>
-            <p:ph type="sldNum" sz="quarter" idx="12"/>
-          </p:nvPr>
-        </p:nvSpPr>
-        <p:spPr/>
-        <p:txBody>
-          <a:bodyPr/>
-          <a:lstStyle/>
-          <a:p>
-            <a:fld id="{64D12EC4-2D04-0A4F-A74B-758ED03DD9F6}" type="slidenum">
-              <a:rPr lang="en-US" smtClean="0"/>
-              <a:t>6</a:t>
-            </a:fld>
-            <a:endParaRPr lang="en-US"/>
-          </a:p>
-        </p:txBody>
-      </p:sp>
-    </p:spTree>
-    <p:extLst>
-      <p:ext uri="{BB962C8B-B14F-4D97-AF65-F5344CB8AC3E}">
-        <p14:creationId xmlns:p14="http://schemas.microsoft.com/office/powerpoint/2010/main" val="4065129112"/>
-      </p:ext>
-    </p:extLst>
-  </p:cSld>
-  <p:clrMapOvr>
-    <a:masterClrMapping/>
-  </p:clrMapOvr>
-</p:sld>
-</file>
-
-<file path=ppt/slides/slide7.xml><?xml version="1.0" encoding="utf-8"?>
-<p:sld xmlns:a="http://schemas.openxmlformats.org/drawingml/2006/main" xmlns:r="http://schemas.openxmlformats.org/officeDocument/2006/relationships" xmlns:p="http://schemas.openxmlformats.org/presentationml/2006/main">
-  <p:cSld>
-    <p:spTree>
-      <p:nvGrpSpPr>
-        <p:cNvPr id="1" name=""/>
-        <p:cNvGrpSpPr/>
-        <p:nvPr/>
-      </p:nvGrpSpPr>
-      <p:grpSpPr>
-        <a:xfrm>
-          <a:off x="0" y="0"/>
-          <a:ext cx="0" cy="0"/>
-          <a:chOff x="0" y="0"/>
-          <a:chExt cx="0" cy="0"/>
-        </a:xfrm>
-      </p:grpSpPr>
-      <p:sp>
-        <p:nvSpPr>
-          <p:cNvPr id="2" name="Title 1">
-            <a:extLst>
-              <a:ext uri="{FF2B5EF4-FFF2-40B4-BE49-F238E27FC236}">
                 <a16:creationId xmlns:a16="http://schemas.microsoft.com/office/drawing/2014/main" id="{3B84E487-4593-4CDE-9A9F-9681A47D228E}"/>
               </a:ext>
             </a:extLst>
@@ -21488,8 +18766,8 @@
         </p:nvSpPr>
         <p:spPr>
           <a:xfrm>
-            <a:off x="1395394" y="5008378"/>
-            <a:ext cx="6859058" cy="923330"/>
+            <a:off x="1636830" y="5150961"/>
+            <a:ext cx="6163122" cy="646331"/>
           </a:xfrm>
           <a:prstGeom prst="rect">
             <a:avLst/>
@@ -21504,31 +18782,14 @@
           </a:bodyPr>
           <a:lstStyle/>
           <a:p>
-            <a:pPr marL="285750" indent="-285750">
-              <a:buFont typeface="Arial" panose="020B0604020202020204" pitchFamily="34" charset="0"/>
-              <a:buChar char="•"/>
-            </a:pPr>
+            <a:pPr algn="ctr"/>
             <a:r>
               <a:rPr lang="en-US" dirty="0">
                 <a:solidFill>
                   <a:schemeClr val="bg1"/>
                 </a:solidFill>
               </a:rPr>
-              <a:t>Number of stories created increase annually with 2018 at the highest</a:t>
-            </a:r>
-          </a:p>
-          <a:p>
-            <a:pPr marL="285750" indent="-285750">
-              <a:buFont typeface="Arial" panose="020B0604020202020204" pitchFamily="34" charset="0"/>
-              <a:buChar char="•"/>
-            </a:pPr>
-            <a:r>
-              <a:rPr lang="en-US" dirty="0">
-                <a:solidFill>
-                  <a:schemeClr val="bg1"/>
-                </a:solidFill>
-              </a:rPr>
-              <a:t>Indicates that the data set analyzed has pulled only the most recent records</a:t>
+              <a:t>Dataset analyzed is pulling from most recent records and does not provide good historical trending</a:t>
             </a:r>
           </a:p>
         </p:txBody>
@@ -21584,7 +18845,7 @@
           <a:p>
             <a:fld id="{64D12EC4-2D04-0A4F-A74B-758ED03DD9F6}" type="slidenum">
               <a:rPr lang="en-US" smtClean="0"/>
-              <a:t>7</a:t>
+              <a:t>6</a:t>
             </a:fld>
             <a:endParaRPr lang="en-US" dirty="0"/>
           </a:p>
@@ -21653,6 +18914,47 @@
           </a:ln>
         </p:spPr>
       </p:pic>
+      <p:sp>
+        <p:nvSpPr>
+          <p:cNvPr id="9" name="TextBox 8">
+            <a:extLst>
+              <a:ext uri="{FF2B5EF4-FFF2-40B4-BE49-F238E27FC236}">
+                <a16:creationId xmlns:a16="http://schemas.microsoft.com/office/drawing/2014/main" id="{C4654D30-1C90-4B9B-8F54-039DB4183CE4}"/>
+              </a:ext>
+            </a:extLst>
+          </p:cNvPr>
+          <p:cNvSpPr txBox="1"/>
+          <p:nvPr/>
+        </p:nvSpPr>
+        <p:spPr>
+          <a:xfrm>
+            <a:off x="5461524" y="2067847"/>
+            <a:ext cx="1560713" cy="600164"/>
+          </a:xfrm>
+          <a:prstGeom prst="rect">
+            <a:avLst/>
+          </a:prstGeom>
+          <a:solidFill>
+            <a:schemeClr val="accent1"/>
+          </a:solidFill>
+        </p:spPr>
+        <p:txBody>
+          <a:bodyPr wrap="square" rtlCol="0">
+            <a:spAutoFit/>
+          </a:bodyPr>
+          <a:lstStyle/>
+          <a:p>
+            <a:r>
+              <a:rPr lang="en-US" sz="1100" dirty="0">
+                <a:solidFill>
+                  <a:schemeClr val="bg1"/>
+                </a:solidFill>
+              </a:rPr>
+              <a:t>Most numerous stories occur in the year 2018, increasing annually</a:t>
+            </a:r>
+          </a:p>
+        </p:txBody>
+      </p:sp>
     </p:spTree>
     <p:extLst>
       <p:ext uri="{BB962C8B-B14F-4D97-AF65-F5344CB8AC3E}">
@@ -21666,7 +18968,7 @@
 </p:sld>
 </file>
 
-<file path=ppt/slides/slide8.xml><?xml version="1.0" encoding="utf-8"?>
+<file path=ppt/slides/slide7.xml><?xml version="1.0" encoding="utf-8"?>
 <p:sld xmlns:a="http://schemas.openxmlformats.org/drawingml/2006/main" xmlns:r="http://schemas.openxmlformats.org/officeDocument/2006/relationships" xmlns:p="http://schemas.openxmlformats.org/presentationml/2006/main">
   <p:cSld>
     <p:spTree>
@@ -21706,7 +19008,7 @@
           <a:p>
             <a:r>
               <a:rPr lang="en-US" dirty="0"/>
-              <a:t>Story Tag</a:t>
+              <a:t>Story Tags</a:t>
             </a:r>
           </a:p>
         </p:txBody>
@@ -21733,8 +19035,8 @@
         </p:blipFill>
         <p:spPr>
           <a:xfrm>
-            <a:off x="306492" y="1451642"/>
-            <a:ext cx="4454715" cy="3643744"/>
+            <a:off x="399277" y="1454356"/>
+            <a:ext cx="4246857" cy="3643744"/>
           </a:xfrm>
           <a:prstGeom prst="rect">
             <a:avLst/>
@@ -21849,8 +19151,8 @@
         </p:blipFill>
         <p:spPr>
           <a:xfrm>
-            <a:off x="4762872" y="1451642"/>
-            <a:ext cx="3903270" cy="3646458"/>
+            <a:off x="4532709" y="1454355"/>
+            <a:ext cx="4242816" cy="3643745"/>
           </a:xfrm>
           <a:prstGeom prst="rect">
             <a:avLst/>
@@ -21862,6 +19164,35 @@
           </a:ln>
         </p:spPr>
       </p:pic>
+      <p:sp>
+        <p:nvSpPr>
+          <p:cNvPr id="5" name="Slide Number Placeholder 4">
+            <a:extLst>
+              <a:ext uri="{FF2B5EF4-FFF2-40B4-BE49-F238E27FC236}">
+                <a16:creationId xmlns:a16="http://schemas.microsoft.com/office/drawing/2014/main" id="{7616AE90-0ECF-4FBB-98F9-43AA3D904E77}"/>
+              </a:ext>
+            </a:extLst>
+          </p:cNvPr>
+          <p:cNvSpPr>
+            <a:spLocks noGrp="1"/>
+          </p:cNvSpPr>
+          <p:nvPr>
+            <p:ph type="sldNum" sz="quarter" idx="12"/>
+          </p:nvPr>
+        </p:nvSpPr>
+        <p:spPr/>
+        <p:txBody>
+          <a:bodyPr/>
+          <a:lstStyle/>
+          <a:p>
+            <a:fld id="{64D12EC4-2D04-0A4F-A74B-758ED03DD9F6}" type="slidenum">
+              <a:rPr lang="en-US" smtClean="0"/>
+              <a:t>7</a:t>
+            </a:fld>
+            <a:endParaRPr lang="en-US"/>
+          </a:p>
+        </p:txBody>
+      </p:sp>
     </p:spTree>
     <p:extLst>
       <p:ext uri="{BB962C8B-B14F-4D97-AF65-F5344CB8AC3E}">
@@ -21875,7 +19206,7 @@
 </p:sld>
 </file>
 
-<file path=ppt/slides/slide9.xml><?xml version="1.0" encoding="utf-8"?>
+<file path=ppt/slides/slide8.xml><?xml version="1.0" encoding="utf-8"?>
 <p:sld xmlns:a="http://schemas.openxmlformats.org/drawingml/2006/main" xmlns:r="http://schemas.openxmlformats.org/officeDocument/2006/relationships" xmlns:p="http://schemas.openxmlformats.org/presentationml/2006/main">
   <p:cSld>
     <p:spTree>
@@ -22077,10 +19408,525 @@
           </a:p>
         </p:txBody>
       </p:sp>
+      <p:sp>
+        <p:nvSpPr>
+          <p:cNvPr id="5" name="Callout: Line 4">
+            <a:extLst>
+              <a:ext uri="{FF2B5EF4-FFF2-40B4-BE49-F238E27FC236}">
+                <a16:creationId xmlns:a16="http://schemas.microsoft.com/office/drawing/2014/main" id="{7C8C5E26-73F2-4913-A391-35D6AB7320D4}"/>
+              </a:ext>
+            </a:extLst>
+          </p:cNvPr>
+          <p:cNvSpPr/>
+          <p:nvPr/>
+        </p:nvSpPr>
+        <p:spPr>
+          <a:xfrm>
+            <a:off x="7315199" y="2459115"/>
+            <a:ext cx="941034" cy="1331650"/>
+          </a:xfrm>
+          <a:prstGeom prst="borderCallout1">
+            <a:avLst/>
+          </a:prstGeom>
+        </p:spPr>
+        <p:style>
+          <a:lnRef idx="2">
+            <a:schemeClr val="accent1">
+              <a:shade val="50000"/>
+            </a:schemeClr>
+          </a:lnRef>
+          <a:fillRef idx="1">
+            <a:schemeClr val="accent1"/>
+          </a:fillRef>
+          <a:effectRef idx="0">
+            <a:schemeClr val="accent1"/>
+          </a:effectRef>
+          <a:fontRef idx="minor">
+            <a:schemeClr val="lt1"/>
+          </a:fontRef>
+        </p:style>
+        <p:txBody>
+          <a:bodyPr rtlCol="0" anchor="ctr"/>
+          <a:lstStyle/>
+          <a:p>
+            <a:pPr algn="ctr"/>
+            <a:r>
+              <a:rPr lang="en-US" sz="1100" dirty="0"/>
+              <a:t>Combining average tag sentiments results in neutral sentiment </a:t>
+            </a:r>
+          </a:p>
+        </p:txBody>
+      </p:sp>
+      <p:sp>
+        <p:nvSpPr>
+          <p:cNvPr id="8" name="Slide Number Placeholder 7">
+            <a:extLst>
+              <a:ext uri="{FF2B5EF4-FFF2-40B4-BE49-F238E27FC236}">
+                <a16:creationId xmlns:a16="http://schemas.microsoft.com/office/drawing/2014/main" id="{2B049C12-34C4-4E6E-AE13-CF1A61C63B09}"/>
+              </a:ext>
+            </a:extLst>
+          </p:cNvPr>
+          <p:cNvSpPr>
+            <a:spLocks noGrp="1"/>
+          </p:cNvSpPr>
+          <p:nvPr>
+            <p:ph type="sldNum" sz="quarter" idx="12"/>
+          </p:nvPr>
+        </p:nvSpPr>
+        <p:spPr/>
+        <p:txBody>
+          <a:bodyPr/>
+          <a:lstStyle/>
+          <a:p>
+            <a:fld id="{64D12EC4-2D04-0A4F-A74B-758ED03DD9F6}" type="slidenum">
+              <a:rPr lang="en-US" smtClean="0"/>
+              <a:t>8</a:t>
+            </a:fld>
+            <a:endParaRPr lang="en-US"/>
+          </a:p>
+        </p:txBody>
+      </p:sp>
     </p:spTree>
     <p:extLst>
       <p:ext uri="{BB962C8B-B14F-4D97-AF65-F5344CB8AC3E}">
         <p14:creationId xmlns:p14="http://schemas.microsoft.com/office/powerpoint/2010/main" val="104536331"/>
+      </p:ext>
+    </p:extLst>
+  </p:cSld>
+  <p:clrMapOvr>
+    <a:masterClrMapping/>
+  </p:clrMapOvr>
+</p:sld>
+</file>
+
+<file path=ppt/slides/slide9.xml><?xml version="1.0" encoding="utf-8"?>
+<p:sld xmlns:a="http://schemas.openxmlformats.org/drawingml/2006/main" xmlns:r="http://schemas.openxmlformats.org/officeDocument/2006/relationships" xmlns:p="http://schemas.openxmlformats.org/presentationml/2006/main">
+  <p:cSld>
+    <p:spTree>
+      <p:nvGrpSpPr>
+        <p:cNvPr id="1" name=""/>
+        <p:cNvGrpSpPr/>
+        <p:nvPr/>
+      </p:nvGrpSpPr>
+      <p:grpSpPr>
+        <a:xfrm>
+          <a:off x="0" y="0"/>
+          <a:ext cx="0" cy="0"/>
+          <a:chOff x="0" y="0"/>
+          <a:chExt cx="0" cy="0"/>
+        </a:xfrm>
+      </p:grpSpPr>
+      <p:sp>
+        <p:nvSpPr>
+          <p:cNvPr id="2" name="Title 1">
+            <a:extLst>
+              <a:ext uri="{FF2B5EF4-FFF2-40B4-BE49-F238E27FC236}">
+                <a16:creationId xmlns:a16="http://schemas.microsoft.com/office/drawing/2014/main" id="{CBB67211-7222-4824-8A16-800B1CF60E4D}"/>
+              </a:ext>
+            </a:extLst>
+          </p:cNvPr>
+          <p:cNvSpPr>
+            <a:spLocks noGrp="1"/>
+          </p:cNvSpPr>
+          <p:nvPr>
+            <p:ph type="title"/>
+          </p:nvPr>
+        </p:nvSpPr>
+        <p:spPr/>
+        <p:txBody>
+          <a:bodyPr anchor="t"/>
+          <a:lstStyle/>
+          <a:p>
+            <a:r>
+              <a:rPr lang="en-US" dirty="0"/>
+              <a:t>Story Ratings</a:t>
+            </a:r>
+          </a:p>
+        </p:txBody>
+      </p:sp>
+      <p:sp>
+        <p:nvSpPr>
+          <p:cNvPr id="3" name="Footer Placeholder 2">
+            <a:extLst>
+              <a:ext uri="{FF2B5EF4-FFF2-40B4-BE49-F238E27FC236}">
+                <a16:creationId xmlns:a16="http://schemas.microsoft.com/office/drawing/2014/main" id="{A8DFC824-3571-469A-8F8B-60EAD2C772DB}"/>
+              </a:ext>
+            </a:extLst>
+          </p:cNvPr>
+          <p:cNvSpPr>
+            <a:spLocks noGrp="1"/>
+          </p:cNvSpPr>
+          <p:nvPr>
+            <p:ph type="ftr" sz="quarter" idx="11"/>
+          </p:nvPr>
+        </p:nvSpPr>
+        <p:spPr/>
+        <p:txBody>
+          <a:bodyPr/>
+          <a:lstStyle/>
+          <a:p>
+            <a:r>
+              <a:rPr lang="en-US"/>
+              <a:t>UTDataJan Tues/Thurs Team3</a:t>
+            </a:r>
+          </a:p>
+        </p:txBody>
+      </p:sp>
+      <p:sp>
+        <p:nvSpPr>
+          <p:cNvPr id="7" name="TextBox 6">
+            <a:extLst>
+              <a:ext uri="{FF2B5EF4-FFF2-40B4-BE49-F238E27FC236}">
+                <a16:creationId xmlns:a16="http://schemas.microsoft.com/office/drawing/2014/main" id="{CDA3CEA4-0A37-4979-8625-AF47DFCE0CDD}"/>
+              </a:ext>
+            </a:extLst>
+          </p:cNvPr>
+          <p:cNvSpPr txBox="1"/>
+          <p:nvPr/>
+        </p:nvSpPr>
+        <p:spPr>
+          <a:xfrm>
+            <a:off x="703211" y="5047039"/>
+            <a:ext cx="8052520" cy="923330"/>
+          </a:xfrm>
+          <a:prstGeom prst="rect">
+            <a:avLst/>
+          </a:prstGeom>
+          <a:solidFill>
+            <a:schemeClr val="accent1"/>
+          </a:solidFill>
+        </p:spPr>
+        <p:txBody>
+          <a:bodyPr wrap="square" rtlCol="0">
+            <a:spAutoFit/>
+          </a:bodyPr>
+          <a:lstStyle/>
+          <a:p>
+            <a:pPr algn="ctr"/>
+            <a:r>
+              <a:rPr lang="en-US" dirty="0">
+                <a:solidFill>
+                  <a:schemeClr val="bg1"/>
+                </a:solidFill>
+              </a:rPr>
+              <a:t>Stories in the dataset are more recent, and require more time to receive votes</a:t>
+            </a:r>
+            <a:endParaRPr lang="en-US" i="1" dirty="0">
+              <a:solidFill>
+                <a:schemeClr val="bg1"/>
+              </a:solidFill>
+            </a:endParaRPr>
+          </a:p>
+          <a:p>
+            <a:pPr algn="ctr"/>
+            <a:r>
+              <a:rPr lang="en-US" i="1" dirty="0">
+                <a:solidFill>
+                  <a:schemeClr val="bg1"/>
+                </a:solidFill>
+              </a:rPr>
+              <a:t>OR </a:t>
+            </a:r>
+          </a:p>
+          <a:p>
+            <a:pPr algn="ctr"/>
+            <a:r>
+              <a:rPr lang="en-US" dirty="0">
+                <a:solidFill>
+                  <a:schemeClr val="bg1"/>
+                </a:solidFill>
+              </a:rPr>
+              <a:t>Stories in the dataset are just not very good </a:t>
+            </a:r>
+          </a:p>
+        </p:txBody>
+      </p:sp>
+      <p:pic>
+        <p:nvPicPr>
+          <p:cNvPr id="9" name="Picture 8">
+            <a:extLst>
+              <a:ext uri="{FF2B5EF4-FFF2-40B4-BE49-F238E27FC236}">
+                <a16:creationId xmlns:a16="http://schemas.microsoft.com/office/drawing/2014/main" id="{8ABDA9DA-6A3A-403E-B6B9-3816D3D5048E}"/>
+              </a:ext>
+            </a:extLst>
+          </p:cNvPr>
+          <p:cNvPicPr>
+            <a:picLocks noChangeAspect="1"/>
+          </p:cNvPicPr>
+          <p:nvPr/>
+        </p:nvPicPr>
+        <p:blipFill>
+          <a:blip r:embed="rId2"/>
+          <a:stretch>
+            <a:fillRect/>
+          </a:stretch>
+        </p:blipFill>
+        <p:spPr>
+          <a:xfrm>
+            <a:off x="4519130" y="1396937"/>
+            <a:ext cx="4083040" cy="3266432"/>
+          </a:xfrm>
+          <a:prstGeom prst="rect">
+            <a:avLst/>
+          </a:prstGeom>
+          <a:ln>
+            <a:solidFill>
+              <a:schemeClr val="accent1">
+                <a:hueOff val="0"/>
+                <a:satOff val="0"/>
+                <a:lumOff val="0"/>
+              </a:schemeClr>
+            </a:solidFill>
+          </a:ln>
+        </p:spPr>
+      </p:pic>
+      <p:pic>
+        <p:nvPicPr>
+          <p:cNvPr id="11" name="Picture 10">
+            <a:extLst>
+              <a:ext uri="{FF2B5EF4-FFF2-40B4-BE49-F238E27FC236}">
+                <a16:creationId xmlns:a16="http://schemas.microsoft.com/office/drawing/2014/main" id="{FDFEE32F-76A5-4E59-8264-1E61283D18CD}"/>
+              </a:ext>
+            </a:extLst>
+          </p:cNvPr>
+          <p:cNvPicPr>
+            <a:picLocks noChangeAspect="1"/>
+          </p:cNvPicPr>
+          <p:nvPr/>
+        </p:nvPicPr>
+        <p:blipFill>
+          <a:blip r:embed="rId3"/>
+          <a:stretch>
+            <a:fillRect/>
+          </a:stretch>
+        </p:blipFill>
+        <p:spPr>
+          <a:xfrm>
+            <a:off x="445600" y="1396937"/>
+            <a:ext cx="4103200" cy="3266432"/>
+          </a:xfrm>
+          <a:prstGeom prst="rect">
+            <a:avLst/>
+          </a:prstGeom>
+          <a:ln>
+            <a:solidFill>
+              <a:schemeClr val="accent1">
+                <a:hueOff val="0"/>
+                <a:satOff val="0"/>
+                <a:lumOff val="0"/>
+              </a:schemeClr>
+            </a:solidFill>
+          </a:ln>
+        </p:spPr>
+      </p:pic>
+      <p:cxnSp>
+        <p:nvCxnSpPr>
+          <p:cNvPr id="5" name="Straight Arrow Connector 4">
+            <a:extLst>
+              <a:ext uri="{FF2B5EF4-FFF2-40B4-BE49-F238E27FC236}">
+                <a16:creationId xmlns:a16="http://schemas.microsoft.com/office/drawing/2014/main" id="{48B818E4-2D36-4D31-B46F-595D141844CC}"/>
+              </a:ext>
+            </a:extLst>
+          </p:cNvPr>
+          <p:cNvCxnSpPr>
+            <a:cxnSpLocks/>
+          </p:cNvCxnSpPr>
+          <p:nvPr/>
+        </p:nvCxnSpPr>
+        <p:spPr>
+          <a:xfrm flipV="1">
+            <a:off x="1265068" y="2191667"/>
+            <a:ext cx="1358283" cy="1596145"/>
+          </a:xfrm>
+          <a:prstGeom prst="straightConnector1">
+            <a:avLst/>
+          </a:prstGeom>
+          <a:ln>
+            <a:tailEnd type="triangle"/>
+          </a:ln>
+        </p:spPr>
+        <p:style>
+          <a:lnRef idx="1">
+            <a:schemeClr val="accent1"/>
+          </a:lnRef>
+          <a:fillRef idx="0">
+            <a:schemeClr val="accent1"/>
+          </a:fillRef>
+          <a:effectRef idx="0">
+            <a:schemeClr val="accent1"/>
+          </a:effectRef>
+          <a:fontRef idx="minor">
+            <a:schemeClr val="tx1"/>
+          </a:fontRef>
+        </p:style>
+      </p:cxnSp>
+      <p:sp>
+        <p:nvSpPr>
+          <p:cNvPr id="10" name="TextBox 9">
+            <a:extLst>
+              <a:ext uri="{FF2B5EF4-FFF2-40B4-BE49-F238E27FC236}">
+                <a16:creationId xmlns:a16="http://schemas.microsoft.com/office/drawing/2014/main" id="{217679BE-E1FB-4A20-95B0-A510F54F7CE7}"/>
+              </a:ext>
+            </a:extLst>
+          </p:cNvPr>
+          <p:cNvSpPr txBox="1"/>
+          <p:nvPr/>
+        </p:nvSpPr>
+        <p:spPr>
+          <a:xfrm>
+            <a:off x="1235398" y="1958568"/>
+            <a:ext cx="798991" cy="769441"/>
+          </a:xfrm>
+          <a:prstGeom prst="rect">
+            <a:avLst/>
+          </a:prstGeom>
+          <a:solidFill>
+            <a:schemeClr val="accent1"/>
+          </a:solidFill>
+        </p:spPr>
+        <p:txBody>
+          <a:bodyPr wrap="square" rtlCol="0">
+            <a:spAutoFit/>
+          </a:bodyPr>
+          <a:lstStyle/>
+          <a:p>
+            <a:r>
+              <a:rPr lang="en-US" sz="1100" dirty="0">
+                <a:solidFill>
+                  <a:schemeClr val="bg1"/>
+                </a:solidFill>
+              </a:rPr>
+              <a:t>Ratings related to story popularity</a:t>
+            </a:r>
+          </a:p>
+        </p:txBody>
+      </p:sp>
+      <p:sp>
+        <p:nvSpPr>
+          <p:cNvPr id="14" name="TextBox 13">
+            <a:extLst>
+              <a:ext uri="{FF2B5EF4-FFF2-40B4-BE49-F238E27FC236}">
+                <a16:creationId xmlns:a16="http://schemas.microsoft.com/office/drawing/2014/main" id="{6E43CD88-E57F-489C-B661-9C6EAA9685A5}"/>
+              </a:ext>
+            </a:extLst>
+          </p:cNvPr>
+          <p:cNvSpPr txBox="1"/>
+          <p:nvPr/>
+        </p:nvSpPr>
+        <p:spPr>
+          <a:xfrm>
+            <a:off x="3551067" y="3728985"/>
+            <a:ext cx="559293" cy="523220"/>
+          </a:xfrm>
+          <a:prstGeom prst="rect">
+            <a:avLst/>
+          </a:prstGeom>
+          <a:noFill/>
+        </p:spPr>
+        <p:txBody>
+          <a:bodyPr wrap="square" rtlCol="0">
+            <a:spAutoFit/>
+          </a:bodyPr>
+          <a:lstStyle/>
+          <a:p>
+            <a:r>
+              <a:rPr lang="en-US" sz="2800" b="1" dirty="0">
+                <a:solidFill>
+                  <a:schemeClr val="accent1"/>
+                </a:solidFill>
+              </a:rPr>
+              <a:t>?</a:t>
+            </a:r>
+          </a:p>
+        </p:txBody>
+      </p:sp>
+      <p:sp>
+        <p:nvSpPr>
+          <p:cNvPr id="15" name="Callout: Line 14">
+            <a:extLst>
+              <a:ext uri="{FF2B5EF4-FFF2-40B4-BE49-F238E27FC236}">
+                <a16:creationId xmlns:a16="http://schemas.microsoft.com/office/drawing/2014/main" id="{5226E81F-92F0-4598-88A2-59C614AC4ACE}"/>
+              </a:ext>
+            </a:extLst>
+          </p:cNvPr>
+          <p:cNvSpPr/>
+          <p:nvPr/>
+        </p:nvSpPr>
+        <p:spPr>
+          <a:xfrm>
+            <a:off x="4729471" y="4003994"/>
+            <a:ext cx="1331650" cy="514905"/>
+          </a:xfrm>
+          <a:prstGeom prst="borderCallout1">
+            <a:avLst>
+              <a:gd name="adj1" fmla="val -10560"/>
+              <a:gd name="adj2" fmla="val 51667"/>
+              <a:gd name="adj3" fmla="val -103017"/>
+              <a:gd name="adj4" fmla="val 63000"/>
+            </a:avLst>
+          </a:prstGeom>
+        </p:spPr>
+        <p:style>
+          <a:lnRef idx="2">
+            <a:schemeClr val="accent1">
+              <a:shade val="50000"/>
+            </a:schemeClr>
+          </a:lnRef>
+          <a:fillRef idx="1">
+            <a:schemeClr val="accent1"/>
+          </a:fillRef>
+          <a:effectRef idx="0">
+            <a:schemeClr val="accent1"/>
+          </a:effectRef>
+          <a:fontRef idx="minor">
+            <a:schemeClr val="lt1"/>
+          </a:fontRef>
+        </p:style>
+        <p:txBody>
+          <a:bodyPr rtlCol="0" anchor="ctr"/>
+          <a:lstStyle/>
+          <a:p>
+            <a:pPr algn="ctr"/>
+            <a:r>
+              <a:rPr lang="en-US" sz="1100" dirty="0"/>
+              <a:t>99% of stories have ratings of 0 or 1</a:t>
+            </a:r>
+          </a:p>
+        </p:txBody>
+      </p:sp>
+      <p:sp>
+        <p:nvSpPr>
+          <p:cNvPr id="16" name="Slide Number Placeholder 15">
+            <a:extLst>
+              <a:ext uri="{FF2B5EF4-FFF2-40B4-BE49-F238E27FC236}">
+                <a16:creationId xmlns:a16="http://schemas.microsoft.com/office/drawing/2014/main" id="{028980B4-D0FC-4DE4-A541-1076FCC3018D}"/>
+              </a:ext>
+            </a:extLst>
+          </p:cNvPr>
+          <p:cNvSpPr>
+            <a:spLocks noGrp="1"/>
+          </p:cNvSpPr>
+          <p:nvPr>
+            <p:ph type="sldNum" sz="quarter" idx="12"/>
+          </p:nvPr>
+        </p:nvSpPr>
+        <p:spPr/>
+        <p:txBody>
+          <a:bodyPr/>
+          <a:lstStyle/>
+          <a:p>
+            <a:fld id="{64D12EC4-2D04-0A4F-A74B-758ED03DD9F6}" type="slidenum">
+              <a:rPr lang="en-US" smtClean="0"/>
+              <a:t>9</a:t>
+            </a:fld>
+            <a:endParaRPr lang="en-US"/>
+          </a:p>
+        </p:txBody>
+      </p:sp>
+    </p:spTree>
+    <p:extLst>
+      <p:ext uri="{BB962C8B-B14F-4D97-AF65-F5344CB8AC3E}">
+        <p14:creationId xmlns:p14="http://schemas.microsoft.com/office/powerpoint/2010/main" val="3415291721"/>
       </p:ext>
     </p:extLst>
   </p:cSld>

--- a/WattpadPrez.pptx
+++ b/WattpadPrez.pptx
@@ -14,9 +14,9 @@
     <p:sldId id="258" r:id="rId5"/>
     <p:sldId id="259" r:id="rId6"/>
     <p:sldId id="271" r:id="rId7"/>
-    <p:sldId id="265" r:id="rId8"/>
-    <p:sldId id="267" r:id="rId9"/>
-    <p:sldId id="268" r:id="rId10"/>
+    <p:sldId id="268" r:id="rId8"/>
+    <p:sldId id="265" r:id="rId9"/>
+    <p:sldId id="267" r:id="rId10"/>
     <p:sldId id="261" r:id="rId11"/>
     <p:sldId id="262" r:id="rId12"/>
     <p:sldId id="263" r:id="rId13"/>
@@ -4311,7 +4311,7 @@
   <dgm:whole/>
   <dgm:extLst>
     <a:ext uri="http://schemas.microsoft.com/office/drawing/2008/diagram">
-      <dsp:dataModelExt xmlns:dsp="http://schemas.microsoft.com/office/drawing/2008/diagram" relId="rId6" minVer="http://schemas.openxmlformats.org/drawingml/2006/diagram"/>
+      <dsp:dataModelExt xmlns:dsp="http://schemas.microsoft.com/office/drawing/2008/diagram" relId="rId7" minVer="http://schemas.openxmlformats.org/drawingml/2006/diagram"/>
     </a:ext>
   </dgm:extLst>
 </dgm:dataModel>
@@ -4832,7 +4832,7 @@
   <dgm:whole/>
   <dgm:extLst>
     <a:ext uri="http://schemas.microsoft.com/office/drawing/2008/diagram">
-      <dsp:dataModelExt xmlns:dsp="http://schemas.microsoft.com/office/drawing/2008/diagram" relId="rId6" minVer="http://schemas.openxmlformats.org/drawingml/2006/diagram"/>
+      <dsp:dataModelExt xmlns:dsp="http://schemas.microsoft.com/office/drawing/2008/diagram" relId="rId7" minVer="http://schemas.openxmlformats.org/drawingml/2006/diagram"/>
     </a:ext>
   </dgm:extLst>
 </dgm:dataModel>
@@ -12561,6 +12561,186 @@
           <a:p>
             <a:r>
               <a:rPr lang="en-US" dirty="0"/>
+              <a:t>Andrea – it’s like Soundcloud for stories</a:t>
+            </a:r>
+          </a:p>
+        </p:txBody>
+      </p:sp>
+      <p:sp>
+        <p:nvSpPr>
+          <p:cNvPr id="4" name="Slide Number Placeholder 3"/>
+          <p:cNvSpPr>
+            <a:spLocks noGrp="1"/>
+          </p:cNvSpPr>
+          <p:nvPr>
+            <p:ph type="sldNum" sz="quarter" idx="10"/>
+          </p:nvPr>
+        </p:nvSpPr>
+        <p:spPr/>
+        <p:txBody>
+          <a:bodyPr/>
+          <a:lstStyle/>
+          <a:p>
+            <a:fld id="{7374D69A-1842-4B4A-A2D0-729A8043D63C}" type="slidenum">
+              <a:rPr lang="en-US" smtClean="0"/>
+              <a:t>2</a:t>
+            </a:fld>
+            <a:endParaRPr lang="en-US"/>
+          </a:p>
+        </p:txBody>
+      </p:sp>
+    </p:spTree>
+    <p:extLst>
+      <p:ext uri="{BB962C8B-B14F-4D97-AF65-F5344CB8AC3E}">
+        <p14:creationId xmlns:p14="http://schemas.microsoft.com/office/powerpoint/2010/main" val="388042965"/>
+      </p:ext>
+    </p:extLst>
+  </p:cSld>
+  <p:clrMapOvr>
+    <a:masterClrMapping/>
+  </p:clrMapOvr>
+</p:notes>
+</file>
+
+<file path=ppt/notesSlides/notesSlide10.xml><?xml version="1.0" encoding="utf-8"?>
+<p:notes xmlns:a="http://schemas.openxmlformats.org/drawingml/2006/main" xmlns:r="http://schemas.openxmlformats.org/officeDocument/2006/relationships" xmlns:p="http://schemas.openxmlformats.org/presentationml/2006/main">
+  <p:cSld>
+    <p:spTree>
+      <p:nvGrpSpPr>
+        <p:cNvPr id="1" name=""/>
+        <p:cNvGrpSpPr/>
+        <p:nvPr/>
+      </p:nvGrpSpPr>
+      <p:grpSpPr>
+        <a:xfrm>
+          <a:off x="0" y="0"/>
+          <a:ext cx="0" cy="0"/>
+          <a:chOff x="0" y="0"/>
+          <a:chExt cx="0" cy="0"/>
+        </a:xfrm>
+      </p:grpSpPr>
+      <p:sp>
+        <p:nvSpPr>
+          <p:cNvPr id="2" name="Slide Image Placeholder 1"/>
+          <p:cNvSpPr>
+            <a:spLocks noGrp="1" noRot="1" noChangeAspect="1"/>
+          </p:cNvSpPr>
+          <p:nvPr>
+            <p:ph type="sldImg"/>
+          </p:nvPr>
+        </p:nvSpPr>
+        <p:spPr/>
+      </p:sp>
+      <p:sp>
+        <p:nvSpPr>
+          <p:cNvPr id="3" name="Notes Placeholder 2"/>
+          <p:cNvSpPr>
+            <a:spLocks noGrp="1"/>
+          </p:cNvSpPr>
+          <p:nvPr>
+            <p:ph type="body" idx="1"/>
+          </p:nvPr>
+        </p:nvSpPr>
+        <p:spPr/>
+        <p:txBody>
+          <a:bodyPr/>
+          <a:lstStyle/>
+          <a:p>
+            <a:r>
+              <a:rPr lang="en-US" dirty="0"/>
+              <a:t>Andrea</a:t>
+            </a:r>
+          </a:p>
+        </p:txBody>
+      </p:sp>
+      <p:sp>
+        <p:nvSpPr>
+          <p:cNvPr id="4" name="Slide Number Placeholder 3"/>
+          <p:cNvSpPr>
+            <a:spLocks noGrp="1"/>
+          </p:cNvSpPr>
+          <p:nvPr>
+            <p:ph type="sldNum" sz="quarter" idx="10"/>
+          </p:nvPr>
+        </p:nvSpPr>
+        <p:spPr/>
+        <p:txBody>
+          <a:bodyPr/>
+          <a:lstStyle/>
+          <a:p>
+            <a:fld id="{7374D69A-1842-4B4A-A2D0-729A8043D63C}" type="slidenum">
+              <a:rPr lang="en-US" smtClean="0"/>
+              <a:t>11</a:t>
+            </a:fld>
+            <a:endParaRPr lang="en-US"/>
+          </a:p>
+        </p:txBody>
+      </p:sp>
+    </p:spTree>
+    <p:extLst>
+      <p:ext uri="{BB962C8B-B14F-4D97-AF65-F5344CB8AC3E}">
+        <p14:creationId xmlns:p14="http://schemas.microsoft.com/office/powerpoint/2010/main" val="2046153425"/>
+      </p:ext>
+    </p:extLst>
+  </p:cSld>
+  <p:clrMapOvr>
+    <a:masterClrMapping/>
+  </p:clrMapOvr>
+</p:notes>
+</file>
+
+<file path=ppt/notesSlides/notesSlide2.xml><?xml version="1.0" encoding="utf-8"?>
+<p:notes xmlns:a="http://schemas.openxmlformats.org/drawingml/2006/main" xmlns:r="http://schemas.openxmlformats.org/officeDocument/2006/relationships" xmlns:p="http://schemas.openxmlformats.org/presentationml/2006/main">
+  <p:cSld>
+    <p:spTree>
+      <p:nvGrpSpPr>
+        <p:cNvPr id="1" name=""/>
+        <p:cNvGrpSpPr/>
+        <p:nvPr/>
+      </p:nvGrpSpPr>
+      <p:grpSpPr>
+        <a:xfrm>
+          <a:off x="0" y="0"/>
+          <a:ext cx="0" cy="0"/>
+          <a:chOff x="0" y="0"/>
+          <a:chExt cx="0" cy="0"/>
+        </a:xfrm>
+      </p:grpSpPr>
+      <p:sp>
+        <p:nvSpPr>
+          <p:cNvPr id="2" name="Slide Image Placeholder 1"/>
+          <p:cNvSpPr>
+            <a:spLocks noGrp="1" noRot="1" noChangeAspect="1"/>
+          </p:cNvSpPr>
+          <p:nvPr>
+            <p:ph type="sldImg"/>
+          </p:nvPr>
+        </p:nvSpPr>
+        <p:spPr/>
+      </p:sp>
+      <p:sp>
+        <p:nvSpPr>
+          <p:cNvPr id="3" name="Notes Placeholder 2"/>
+          <p:cNvSpPr>
+            <a:spLocks noGrp="1"/>
+          </p:cNvSpPr>
+          <p:nvPr>
+            <p:ph type="body" idx="1"/>
+          </p:nvPr>
+        </p:nvSpPr>
+        <p:spPr/>
+        <p:txBody>
+          <a:bodyPr/>
+          <a:lstStyle/>
+          <a:p>
+            <a:r>
+              <a:rPr lang="en-US" dirty="0"/>
+              <a:t>Andrea </a:t>
+            </a:r>
+          </a:p>
+          <a:p>
+            <a:r>
+              <a:rPr lang="en-US" dirty="0"/>
               <a:t>Define the core message or hypothesis of your project.</a:t>
             </a:r>
           </a:p>
@@ -12758,7 +12938,7 @@
 </p:notes>
 </file>
 
-<file path=ppt/notesSlides/notesSlide2.xml><?xml version="1.0" encoding="utf-8"?>
+<file path=ppt/notesSlides/notesSlide3.xml><?xml version="1.0" encoding="utf-8"?>
 <p:notes xmlns:a="http://schemas.openxmlformats.org/drawingml/2006/main" xmlns:r="http://schemas.openxmlformats.org/officeDocument/2006/relationships" xmlns:p="http://schemas.openxmlformats.org/presentationml/2006/main">
   <p:cSld>
     <p:spTree>
@@ -12845,7 +13025,7 @@
 </p:notes>
 </file>
 
-<file path=ppt/notesSlides/notesSlide3.xml><?xml version="1.0" encoding="utf-8"?>
+<file path=ppt/notesSlides/notesSlide4.xml><?xml version="1.0" encoding="utf-8"?>
 <p:notes xmlns:a="http://schemas.openxmlformats.org/drawingml/2006/main" xmlns:r="http://schemas.openxmlformats.org/officeDocument/2006/relationships" xmlns:p="http://schemas.openxmlformats.org/presentationml/2006/main">
   <p:cSld>
     <p:spTree>
@@ -12888,6 +13068,12 @@
         <p:txBody>
           <a:bodyPr/>
           <a:lstStyle/>
+          <a:p>
+            <a:r>
+              <a:rPr lang="en-US" dirty="0"/>
+              <a:t>David - </a:t>
+            </a:r>
+          </a:p>
           <a:p>
             <a:r>
               <a:rPr lang="en-US" dirty="0"/>
@@ -12961,90 +13147,6 @@
 </p:notes>
 </file>
 
-<file path=ppt/notesSlides/notesSlide4.xml><?xml version="1.0" encoding="utf-8"?>
-<p:notes xmlns:a="http://schemas.openxmlformats.org/drawingml/2006/main" xmlns:r="http://schemas.openxmlformats.org/officeDocument/2006/relationships" xmlns:p="http://schemas.openxmlformats.org/presentationml/2006/main">
-  <p:cSld>
-    <p:spTree>
-      <p:nvGrpSpPr>
-        <p:cNvPr id="1" name=""/>
-        <p:cNvGrpSpPr/>
-        <p:nvPr/>
-      </p:nvGrpSpPr>
-      <p:grpSpPr>
-        <a:xfrm>
-          <a:off x="0" y="0"/>
-          <a:ext cx="0" cy="0"/>
-          <a:chOff x="0" y="0"/>
-          <a:chExt cx="0" cy="0"/>
-        </a:xfrm>
-      </p:grpSpPr>
-      <p:sp>
-        <p:nvSpPr>
-          <p:cNvPr id="2" name="Slide Image Placeholder 1"/>
-          <p:cNvSpPr>
-            <a:spLocks noGrp="1" noRot="1" noChangeAspect="1"/>
-          </p:cNvSpPr>
-          <p:nvPr>
-            <p:ph type="sldImg"/>
-          </p:nvPr>
-        </p:nvSpPr>
-        <p:spPr/>
-      </p:sp>
-      <p:sp>
-        <p:nvSpPr>
-          <p:cNvPr id="3" name="Notes Placeholder 2"/>
-          <p:cNvSpPr>
-            <a:spLocks noGrp="1"/>
-          </p:cNvSpPr>
-          <p:nvPr>
-            <p:ph type="body" idx="1"/>
-          </p:nvPr>
-        </p:nvSpPr>
-        <p:spPr/>
-        <p:txBody>
-          <a:bodyPr/>
-          <a:lstStyle/>
-          <a:p>
-            <a:endParaRPr lang="en-US" dirty="0"/>
-          </a:p>
-        </p:txBody>
-      </p:sp>
-      <p:sp>
-        <p:nvSpPr>
-          <p:cNvPr id="4" name="Slide Number Placeholder 3"/>
-          <p:cNvSpPr>
-            <a:spLocks noGrp="1"/>
-          </p:cNvSpPr>
-          <p:nvPr>
-            <p:ph type="sldNum" sz="quarter" idx="10"/>
-          </p:nvPr>
-        </p:nvSpPr>
-        <p:spPr/>
-        <p:txBody>
-          <a:bodyPr/>
-          <a:lstStyle/>
-          <a:p>
-            <a:fld id="{7374D69A-1842-4B4A-A2D0-729A8043D63C}" type="slidenum">
-              <a:rPr lang="en-US" smtClean="0"/>
-              <a:t>7</a:t>
-            </a:fld>
-            <a:endParaRPr lang="en-US"/>
-          </a:p>
-        </p:txBody>
-      </p:sp>
-    </p:spTree>
-    <p:extLst>
-      <p:ext uri="{BB962C8B-B14F-4D97-AF65-F5344CB8AC3E}">
-        <p14:creationId xmlns:p14="http://schemas.microsoft.com/office/powerpoint/2010/main" val="3824826512"/>
-      </p:ext>
-    </p:extLst>
-  </p:cSld>
-  <p:clrMapOvr>
-    <a:masterClrMapping/>
-  </p:clrMapOvr>
-</p:notes>
-</file>
-
 <file path=ppt/notesSlides/notesSlide5.xml><?xml version="1.0" encoding="utf-8"?>
 <p:notes xmlns:a="http://schemas.openxmlformats.org/drawingml/2006/main" xmlns:r="http://schemas.openxmlformats.org/officeDocument/2006/relationships" xmlns:p="http://schemas.openxmlformats.org/presentationml/2006/main">
   <p:cSld>
@@ -13089,7 +13191,10 @@
           <a:bodyPr/>
           <a:lstStyle/>
           <a:p>
-            <a:endParaRPr lang="en-US" dirty="0"/>
+            <a:r>
+              <a:rPr lang="en-US" dirty="0"/>
+              <a:t>Andrea</a:t>
+            </a:r>
           </a:p>
         </p:txBody>
       </p:sp>
@@ -13110,7 +13215,7 @@
           <a:p>
             <a:fld id="{7374D69A-1842-4B4A-A2D0-729A8043D63C}" type="slidenum">
               <a:rPr lang="en-US" smtClean="0"/>
-              <a:t>8</a:t>
+              <a:t>6</a:t>
             </a:fld>
             <a:endParaRPr lang="en-US"/>
           </a:p>
@@ -13119,7 +13224,7 @@
     </p:spTree>
     <p:extLst>
       <p:ext uri="{BB962C8B-B14F-4D97-AF65-F5344CB8AC3E}">
-        <p14:creationId xmlns:p14="http://schemas.microsoft.com/office/powerpoint/2010/main" val="1371019719"/>
+        <p14:creationId xmlns:p14="http://schemas.microsoft.com/office/powerpoint/2010/main" val="2588792611"/>
       </p:ext>
     </p:extLst>
   </p:cSld>
@@ -13172,6 +13277,290 @@
         <p:txBody>
           <a:bodyPr/>
           <a:lstStyle/>
+          <a:p>
+            <a:r>
+              <a:rPr lang="en-US" dirty="0"/>
+              <a:t>Andrea</a:t>
+            </a:r>
+          </a:p>
+        </p:txBody>
+      </p:sp>
+      <p:sp>
+        <p:nvSpPr>
+          <p:cNvPr id="4" name="Slide Number Placeholder 3"/>
+          <p:cNvSpPr>
+            <a:spLocks noGrp="1"/>
+          </p:cNvSpPr>
+          <p:nvPr>
+            <p:ph type="sldNum" sz="quarter" idx="10"/>
+          </p:nvPr>
+        </p:nvSpPr>
+        <p:spPr/>
+        <p:txBody>
+          <a:bodyPr/>
+          <a:lstStyle/>
+          <a:p>
+            <a:fld id="{7374D69A-1842-4B4A-A2D0-729A8043D63C}" type="slidenum">
+              <a:rPr lang="en-US" smtClean="0"/>
+              <a:t>7</a:t>
+            </a:fld>
+            <a:endParaRPr lang="en-US"/>
+          </a:p>
+        </p:txBody>
+      </p:sp>
+    </p:spTree>
+    <p:extLst>
+      <p:ext uri="{BB962C8B-B14F-4D97-AF65-F5344CB8AC3E}">
+        <p14:creationId xmlns:p14="http://schemas.microsoft.com/office/powerpoint/2010/main" val="3791001560"/>
+      </p:ext>
+    </p:extLst>
+  </p:cSld>
+  <p:clrMapOvr>
+    <a:masterClrMapping/>
+  </p:clrMapOvr>
+</p:notes>
+</file>
+
+<file path=ppt/notesSlides/notesSlide7.xml><?xml version="1.0" encoding="utf-8"?>
+<p:notes xmlns:a="http://schemas.openxmlformats.org/drawingml/2006/main" xmlns:r="http://schemas.openxmlformats.org/officeDocument/2006/relationships" xmlns:p="http://schemas.openxmlformats.org/presentationml/2006/main">
+  <p:cSld>
+    <p:spTree>
+      <p:nvGrpSpPr>
+        <p:cNvPr id="1" name=""/>
+        <p:cNvGrpSpPr/>
+        <p:nvPr/>
+      </p:nvGrpSpPr>
+      <p:grpSpPr>
+        <a:xfrm>
+          <a:off x="0" y="0"/>
+          <a:ext cx="0" cy="0"/>
+          <a:chOff x="0" y="0"/>
+          <a:chExt cx="0" cy="0"/>
+        </a:xfrm>
+      </p:grpSpPr>
+      <p:sp>
+        <p:nvSpPr>
+          <p:cNvPr id="2" name="Slide Image Placeholder 1"/>
+          <p:cNvSpPr>
+            <a:spLocks noGrp="1" noRot="1" noChangeAspect="1"/>
+          </p:cNvSpPr>
+          <p:nvPr>
+            <p:ph type="sldImg"/>
+          </p:nvPr>
+        </p:nvSpPr>
+        <p:spPr/>
+      </p:sp>
+      <p:sp>
+        <p:nvSpPr>
+          <p:cNvPr id="3" name="Notes Placeholder 2"/>
+          <p:cNvSpPr>
+            <a:spLocks noGrp="1"/>
+          </p:cNvSpPr>
+          <p:nvPr>
+            <p:ph type="body" idx="1"/>
+          </p:nvPr>
+        </p:nvSpPr>
+        <p:spPr/>
+        <p:txBody>
+          <a:bodyPr/>
+          <a:lstStyle/>
+          <a:p>
+            <a:r>
+              <a:rPr lang="en-US" dirty="0"/>
+              <a:t>Rupali</a:t>
+            </a:r>
+          </a:p>
+        </p:txBody>
+      </p:sp>
+      <p:sp>
+        <p:nvSpPr>
+          <p:cNvPr id="4" name="Slide Number Placeholder 3"/>
+          <p:cNvSpPr>
+            <a:spLocks noGrp="1"/>
+          </p:cNvSpPr>
+          <p:nvPr>
+            <p:ph type="sldNum" sz="quarter" idx="10"/>
+          </p:nvPr>
+        </p:nvSpPr>
+        <p:spPr/>
+        <p:txBody>
+          <a:bodyPr/>
+          <a:lstStyle/>
+          <a:p>
+            <a:fld id="{7374D69A-1842-4B4A-A2D0-729A8043D63C}" type="slidenum">
+              <a:rPr lang="en-US" smtClean="0"/>
+              <a:t>8</a:t>
+            </a:fld>
+            <a:endParaRPr lang="en-US"/>
+          </a:p>
+        </p:txBody>
+      </p:sp>
+    </p:spTree>
+    <p:extLst>
+      <p:ext uri="{BB962C8B-B14F-4D97-AF65-F5344CB8AC3E}">
+        <p14:creationId xmlns:p14="http://schemas.microsoft.com/office/powerpoint/2010/main" val="3824826512"/>
+      </p:ext>
+    </p:extLst>
+  </p:cSld>
+  <p:clrMapOvr>
+    <a:masterClrMapping/>
+  </p:clrMapOvr>
+</p:notes>
+</file>
+
+<file path=ppt/notesSlides/notesSlide8.xml><?xml version="1.0" encoding="utf-8"?>
+<p:notes xmlns:a="http://schemas.openxmlformats.org/drawingml/2006/main" xmlns:r="http://schemas.openxmlformats.org/officeDocument/2006/relationships" xmlns:p="http://schemas.openxmlformats.org/presentationml/2006/main">
+  <p:cSld>
+    <p:spTree>
+      <p:nvGrpSpPr>
+        <p:cNvPr id="1" name=""/>
+        <p:cNvGrpSpPr/>
+        <p:nvPr/>
+      </p:nvGrpSpPr>
+      <p:grpSpPr>
+        <a:xfrm>
+          <a:off x="0" y="0"/>
+          <a:ext cx="0" cy="0"/>
+          <a:chOff x="0" y="0"/>
+          <a:chExt cx="0" cy="0"/>
+        </a:xfrm>
+      </p:grpSpPr>
+      <p:sp>
+        <p:nvSpPr>
+          <p:cNvPr id="2" name="Slide Image Placeholder 1"/>
+          <p:cNvSpPr>
+            <a:spLocks noGrp="1" noRot="1" noChangeAspect="1"/>
+          </p:cNvSpPr>
+          <p:nvPr>
+            <p:ph type="sldImg"/>
+          </p:nvPr>
+        </p:nvSpPr>
+        <p:spPr/>
+      </p:sp>
+      <p:sp>
+        <p:nvSpPr>
+          <p:cNvPr id="3" name="Notes Placeholder 2"/>
+          <p:cNvSpPr>
+            <a:spLocks noGrp="1"/>
+          </p:cNvSpPr>
+          <p:nvPr>
+            <p:ph type="body" idx="1"/>
+          </p:nvPr>
+        </p:nvSpPr>
+        <p:spPr/>
+        <p:txBody>
+          <a:bodyPr/>
+          <a:lstStyle/>
+          <a:p>
+            <a:r>
+              <a:rPr lang="en-US" dirty="0"/>
+              <a:t>Luke</a:t>
+            </a:r>
+          </a:p>
+        </p:txBody>
+      </p:sp>
+      <p:sp>
+        <p:nvSpPr>
+          <p:cNvPr id="4" name="Slide Number Placeholder 3"/>
+          <p:cNvSpPr>
+            <a:spLocks noGrp="1"/>
+          </p:cNvSpPr>
+          <p:nvPr>
+            <p:ph type="sldNum" sz="quarter" idx="10"/>
+          </p:nvPr>
+        </p:nvSpPr>
+        <p:spPr/>
+        <p:txBody>
+          <a:bodyPr/>
+          <a:lstStyle/>
+          <a:p>
+            <a:fld id="{7374D69A-1842-4B4A-A2D0-729A8043D63C}" type="slidenum">
+              <a:rPr lang="en-US" smtClean="0"/>
+              <a:t>9</a:t>
+            </a:fld>
+            <a:endParaRPr lang="en-US"/>
+          </a:p>
+        </p:txBody>
+      </p:sp>
+    </p:spTree>
+    <p:extLst>
+      <p:ext uri="{BB962C8B-B14F-4D97-AF65-F5344CB8AC3E}">
+        <p14:creationId xmlns:p14="http://schemas.microsoft.com/office/powerpoint/2010/main" val="1371019719"/>
+      </p:ext>
+    </p:extLst>
+  </p:cSld>
+  <p:clrMapOvr>
+    <a:masterClrMapping/>
+  </p:clrMapOvr>
+</p:notes>
+</file>
+
+<file path=ppt/notesSlides/notesSlide9.xml><?xml version="1.0" encoding="utf-8"?>
+<p:notes xmlns:a="http://schemas.openxmlformats.org/drawingml/2006/main" xmlns:r="http://schemas.openxmlformats.org/officeDocument/2006/relationships" xmlns:p="http://schemas.openxmlformats.org/presentationml/2006/main">
+  <p:cSld>
+    <p:spTree>
+      <p:nvGrpSpPr>
+        <p:cNvPr id="1" name=""/>
+        <p:cNvGrpSpPr/>
+        <p:nvPr/>
+      </p:nvGrpSpPr>
+      <p:grpSpPr>
+        <a:xfrm>
+          <a:off x="0" y="0"/>
+          <a:ext cx="0" cy="0"/>
+          <a:chOff x="0" y="0"/>
+          <a:chExt cx="0" cy="0"/>
+        </a:xfrm>
+      </p:grpSpPr>
+      <p:sp>
+        <p:nvSpPr>
+          <p:cNvPr id="2" name="Slide Image Placeholder 1"/>
+          <p:cNvSpPr>
+            <a:spLocks noGrp="1" noRot="1" noChangeAspect="1"/>
+          </p:cNvSpPr>
+          <p:nvPr>
+            <p:ph type="sldImg"/>
+          </p:nvPr>
+        </p:nvSpPr>
+        <p:spPr/>
+      </p:sp>
+      <p:sp>
+        <p:nvSpPr>
+          <p:cNvPr id="3" name="Notes Placeholder 2"/>
+          <p:cNvSpPr>
+            <a:spLocks noGrp="1"/>
+          </p:cNvSpPr>
+          <p:nvPr>
+            <p:ph type="body" idx="1"/>
+          </p:nvPr>
+        </p:nvSpPr>
+        <p:spPr/>
+        <p:txBody>
+          <a:bodyPr/>
+          <a:lstStyle/>
+          <a:p>
+            <a:pPr marL="0" marR="0" lvl="0" indent="0" algn="l" defTabSz="914400" rtl="0" eaLnBrk="1" fontAlgn="auto" latinLnBrk="0" hangingPunct="1">
+              <a:lnSpc>
+                <a:spcPct val="100000"/>
+              </a:lnSpc>
+              <a:spcBef>
+                <a:spcPts val="0"/>
+              </a:spcBef>
+              <a:spcAft>
+                <a:spcPts val="0"/>
+              </a:spcAft>
+              <a:buClrTx/>
+              <a:buSzTx/>
+              <a:buFontTx/>
+              <a:buNone/>
+              <a:tabLst/>
+              <a:defRPr/>
+            </a:pPr>
+            <a:r>
+              <a:rPr lang="en-US" dirty="0"/>
+              <a:t>Andrea</a:t>
+            </a:r>
+          </a:p>
           <a:p>
             <a:pPr marL="0" marR="0" lvl="0" indent="0" algn="l" defTabSz="914400" rtl="0" eaLnBrk="1" fontAlgn="auto" latinLnBrk="0" hangingPunct="1">
               <a:lnSpc>
@@ -16842,7 +17231,7 @@
         </p:blipFill>
         <p:spPr>
           <a:xfrm>
-            <a:off x="2474443" y="1193517"/>
+            <a:off x="4649021" y="1557881"/>
             <a:ext cx="4066750" cy="2361711"/>
           </a:xfrm>
           <a:prstGeom prst="rect">
@@ -16870,14 +17259,14 @@
           <p:nvPr>
             <p:extLst>
               <p:ext uri="{D42A27DB-BD31-4B8C-83A1-F6EECF244321}">
-                <p14:modId xmlns:p14="http://schemas.microsoft.com/office/powerpoint/2010/main" val="1142650550"/>
+                <p14:modId xmlns:p14="http://schemas.microsoft.com/office/powerpoint/2010/main" val="710562665"/>
               </p:ext>
             </p:extLst>
           </p:nvPr>
         </p:nvGraphicFramePr>
         <p:xfrm>
-          <a:off x="1542473" y="3667485"/>
-          <a:ext cx="6096000" cy="1285240"/>
+          <a:off x="635286" y="1535537"/>
+          <a:ext cx="3650964" cy="1605592"/>
         </p:xfrm>
         <a:graphic>
           <a:graphicData uri="http://schemas.openxmlformats.org/drawingml/2006/table">
@@ -16886,7 +17275,7 @@
                 <a:tableStyleId>{5C22544A-7EE6-4342-B048-85BDC9FD1C3A}</a:tableStyleId>
               </a:tblPr>
               <a:tblGrid>
-                <a:gridCol w="6096000">
+                <a:gridCol w="3650964">
                   <a:extLst>
                     <a:ext uri="{9D8B030D-6E8A-4147-A177-3AD203B41FA5}">
                       <a16:colId xmlns:a16="http://schemas.microsoft.com/office/drawing/2014/main" val="3872502752"/>
@@ -16894,7 +17283,7 @@
                   </a:extLst>
                 </a:gridCol>
               </a:tblGrid>
-              <a:tr h="370840">
+              <a:tr h="463274">
                 <a:tc>
                   <a:txBody>
                     <a:bodyPr/>
@@ -16914,7 +17303,7 @@
                   </a:ext>
                 </a:extLst>
               </a:tr>
-              <a:tr h="370840">
+              <a:tr h="1142318">
                 <a:tc>
                   <a:txBody>
                     <a:bodyPr/>
@@ -16936,7 +17325,7 @@
                       </a:pPr>
                       <a:r>
                         <a:rPr lang="en-US" dirty="0"/>
-                        <a:t>Graph early to test validity of data</a:t>
+                        <a:t>Test data set early</a:t>
                       </a:r>
                     </a:p>
                     <a:p>
@@ -16977,14 +17366,14 @@
           <p:nvPr>
             <p:extLst>
               <p:ext uri="{D42A27DB-BD31-4B8C-83A1-F6EECF244321}">
-                <p14:modId xmlns:p14="http://schemas.microsoft.com/office/powerpoint/2010/main" val="48289026"/>
+                <p14:modId xmlns:p14="http://schemas.microsoft.com/office/powerpoint/2010/main" val="2385680084"/>
               </p:ext>
             </p:extLst>
           </p:nvPr>
         </p:nvGraphicFramePr>
         <p:xfrm>
-          <a:off x="1542473" y="4995137"/>
-          <a:ext cx="6096000" cy="1559560"/>
+          <a:off x="725542" y="4311556"/>
+          <a:ext cx="7846958" cy="1285240"/>
         </p:xfrm>
         <a:graphic>
           <a:graphicData uri="http://schemas.openxmlformats.org/drawingml/2006/table">
@@ -16993,7 +17382,7 @@
                 <a:tableStyleId>{5C22544A-7EE6-4342-B048-85BDC9FD1C3A}</a:tableStyleId>
               </a:tblPr>
               <a:tblGrid>
-                <a:gridCol w="6096000">
+                <a:gridCol w="7846958">
                   <a:extLst>
                     <a:ext uri="{9D8B030D-6E8A-4147-A177-3AD203B41FA5}">
                       <a16:colId xmlns:a16="http://schemas.microsoft.com/office/drawing/2014/main" val="572012555"/>
@@ -17033,7 +17422,7 @@
                       </a:pPr>
                       <a:r>
                         <a:rPr lang="en-US" dirty="0"/>
-                        <a:t>Romance and love are well received themes on Wattpad</a:t>
+                        <a:t>Romance, love and fanfiction are well received themes on Wattpad</a:t>
                       </a:r>
                     </a:p>
                     <a:p>
@@ -17151,7 +17540,7 @@
         </p:xfrm>
         <a:graphic>
           <a:graphicData uri="http://schemas.openxmlformats.org/drawingml/2006/diagram">
-            <dgm:relIds xmlns:dgm="http://schemas.openxmlformats.org/drawingml/2006/diagram" xmlns:r="http://schemas.openxmlformats.org/officeDocument/2006/relationships" r:dm="rId2" r:lo="rId3" r:qs="rId4" r:cs="rId5"/>
+            <dgm:relIds xmlns:dgm="http://schemas.openxmlformats.org/drawingml/2006/diagram" xmlns:r="http://schemas.openxmlformats.org/officeDocument/2006/relationships" r:dm="rId3" r:lo="rId4" r:qs="rId5" r:cs="rId6"/>
           </a:graphicData>
         </a:graphic>
       </p:graphicFrame>
@@ -17397,7 +17786,7 @@
           <p:nvPr/>
         </p:nvPicPr>
         <p:blipFill>
-          <a:blip r:embed="rId2"/>
+          <a:blip r:embed="rId3"/>
           <a:stretch>
             <a:fillRect/>
           </a:stretch>
@@ -17427,7 +17816,7 @@
           <p:nvPr/>
         </p:nvPicPr>
         <p:blipFill>
-          <a:blip r:embed="rId3"/>
+          <a:blip r:embed="rId4"/>
           <a:stretch>
             <a:fillRect/>
           </a:stretch>
@@ -17497,7 +17886,7 @@
                   <a:srgbClr val="24292E"/>
                 </a:solidFill>
                 <a:latin typeface="-apple-system"/>
-                <a:hlinkClick r:id="rId4"/>
+                <a:hlinkClick r:id="rId5"/>
               </a:rPr>
               <a:t>https://www.wattpad.com/about/</a:t>
             </a:r>
@@ -18694,6 +19083,43 @@
           </a:p>
         </p:txBody>
       </p:sp>
+      <p:cxnSp>
+        <p:nvCxnSpPr>
+          <p:cNvPr id="11" name="Straight Connector 10">
+            <a:extLst>
+              <a:ext uri="{FF2B5EF4-FFF2-40B4-BE49-F238E27FC236}">
+                <a16:creationId xmlns:a16="http://schemas.microsoft.com/office/drawing/2014/main" id="{F2BC4CAE-3A39-45FA-9FF9-BB20C032E7C9}"/>
+              </a:ext>
+            </a:extLst>
+          </p:cNvPr>
+          <p:cNvCxnSpPr/>
+          <p:nvPr/>
+        </p:nvCxnSpPr>
+        <p:spPr>
+          <a:xfrm>
+            <a:off x="6543356" y="2936975"/>
+            <a:ext cx="1037624" cy="0"/>
+          </a:xfrm>
+          <a:prstGeom prst="line">
+            <a:avLst/>
+          </a:prstGeom>
+          <a:ln w="25400"/>
+        </p:spPr>
+        <p:style>
+          <a:lnRef idx="1">
+            <a:schemeClr val="accent1"/>
+          </a:lnRef>
+          <a:fillRef idx="0">
+            <a:schemeClr val="accent1"/>
+          </a:fillRef>
+          <a:effectRef idx="0">
+            <a:schemeClr val="accent1"/>
+          </a:effectRef>
+          <a:fontRef idx="minor">
+            <a:schemeClr val="tx1"/>
+          </a:fontRef>
+        </p:style>
+      </p:cxnSp>
     </p:spTree>
     <p:extLst>
       <p:ext uri="{BB962C8B-B14F-4D97-AF65-F5344CB8AC3E}">
@@ -18875,7 +19301,7 @@
         </p:xfrm>
         <a:graphic>
           <a:graphicData uri="http://schemas.openxmlformats.org/drawingml/2006/diagram">
-            <dgm:relIds xmlns:dgm="http://schemas.openxmlformats.org/drawingml/2006/diagram" xmlns:r="http://schemas.openxmlformats.org/officeDocument/2006/relationships" r:dm="rId2" r:lo="rId3" r:qs="rId4" r:cs="rId5"/>
+            <dgm:relIds xmlns:dgm="http://schemas.openxmlformats.org/drawingml/2006/diagram" xmlns:r="http://schemas.openxmlformats.org/officeDocument/2006/relationships" r:dm="rId3" r:lo="rId4" r:qs="rId5" r:cs="rId6"/>
           </a:graphicData>
         </a:graphic>
       </p:graphicFrame>
@@ -18894,7 +19320,7 @@
           <p:nvPr/>
         </p:nvPicPr>
         <p:blipFill>
-          <a:blip r:embed="rId7"/>
+          <a:blip r:embed="rId8"/>
           <a:stretch>
             <a:fillRect/>
           </a:stretch>
@@ -18969,6 +19395,443 @@
 </file>
 
 <file path=ppt/slides/slide7.xml><?xml version="1.0" encoding="utf-8"?>
+<p:sld xmlns:a="http://schemas.openxmlformats.org/drawingml/2006/main" xmlns:r="http://schemas.openxmlformats.org/officeDocument/2006/relationships" xmlns:p="http://schemas.openxmlformats.org/presentationml/2006/main">
+  <p:cSld>
+    <p:spTree>
+      <p:nvGrpSpPr>
+        <p:cNvPr id="1" name=""/>
+        <p:cNvGrpSpPr/>
+        <p:nvPr/>
+      </p:nvGrpSpPr>
+      <p:grpSpPr>
+        <a:xfrm>
+          <a:off x="0" y="0"/>
+          <a:ext cx="0" cy="0"/>
+          <a:chOff x="0" y="0"/>
+          <a:chExt cx="0" cy="0"/>
+        </a:xfrm>
+      </p:grpSpPr>
+      <p:sp>
+        <p:nvSpPr>
+          <p:cNvPr id="2" name="Title 1">
+            <a:extLst>
+              <a:ext uri="{FF2B5EF4-FFF2-40B4-BE49-F238E27FC236}">
+                <a16:creationId xmlns:a16="http://schemas.microsoft.com/office/drawing/2014/main" id="{CBB67211-7222-4824-8A16-800B1CF60E4D}"/>
+              </a:ext>
+            </a:extLst>
+          </p:cNvPr>
+          <p:cNvSpPr>
+            <a:spLocks noGrp="1"/>
+          </p:cNvSpPr>
+          <p:nvPr>
+            <p:ph type="title"/>
+          </p:nvPr>
+        </p:nvSpPr>
+        <p:spPr/>
+        <p:txBody>
+          <a:bodyPr anchor="t"/>
+          <a:lstStyle/>
+          <a:p>
+            <a:r>
+              <a:rPr lang="en-US" dirty="0"/>
+              <a:t>Story Ratings</a:t>
+            </a:r>
+          </a:p>
+        </p:txBody>
+      </p:sp>
+      <p:sp>
+        <p:nvSpPr>
+          <p:cNvPr id="3" name="Footer Placeholder 2">
+            <a:extLst>
+              <a:ext uri="{FF2B5EF4-FFF2-40B4-BE49-F238E27FC236}">
+                <a16:creationId xmlns:a16="http://schemas.microsoft.com/office/drawing/2014/main" id="{A8DFC824-3571-469A-8F8B-60EAD2C772DB}"/>
+              </a:ext>
+            </a:extLst>
+          </p:cNvPr>
+          <p:cNvSpPr>
+            <a:spLocks noGrp="1"/>
+          </p:cNvSpPr>
+          <p:nvPr>
+            <p:ph type="ftr" sz="quarter" idx="11"/>
+          </p:nvPr>
+        </p:nvSpPr>
+        <p:spPr/>
+        <p:txBody>
+          <a:bodyPr/>
+          <a:lstStyle/>
+          <a:p>
+            <a:r>
+              <a:rPr lang="en-US"/>
+              <a:t>UTDataJan Tues/Thurs Team3</a:t>
+            </a:r>
+          </a:p>
+        </p:txBody>
+      </p:sp>
+      <p:sp>
+        <p:nvSpPr>
+          <p:cNvPr id="7" name="TextBox 6">
+            <a:extLst>
+              <a:ext uri="{FF2B5EF4-FFF2-40B4-BE49-F238E27FC236}">
+                <a16:creationId xmlns:a16="http://schemas.microsoft.com/office/drawing/2014/main" id="{CDA3CEA4-0A37-4979-8625-AF47DFCE0CDD}"/>
+              </a:ext>
+            </a:extLst>
+          </p:cNvPr>
+          <p:cNvSpPr txBox="1"/>
+          <p:nvPr/>
+        </p:nvSpPr>
+        <p:spPr>
+          <a:xfrm>
+            <a:off x="703211" y="5047039"/>
+            <a:ext cx="8052520" cy="923330"/>
+          </a:xfrm>
+          <a:prstGeom prst="rect">
+            <a:avLst/>
+          </a:prstGeom>
+          <a:solidFill>
+            <a:schemeClr val="accent1"/>
+          </a:solidFill>
+        </p:spPr>
+        <p:txBody>
+          <a:bodyPr wrap="square" rtlCol="0">
+            <a:spAutoFit/>
+          </a:bodyPr>
+          <a:lstStyle/>
+          <a:p>
+            <a:pPr algn="ctr"/>
+            <a:r>
+              <a:rPr lang="en-US" dirty="0">
+                <a:solidFill>
+                  <a:schemeClr val="bg1"/>
+                </a:solidFill>
+              </a:rPr>
+              <a:t>Stories in the dataset are more recent, and require more time to receive votes</a:t>
+            </a:r>
+            <a:endParaRPr lang="en-US" i="1" dirty="0">
+              <a:solidFill>
+                <a:schemeClr val="bg1"/>
+              </a:solidFill>
+            </a:endParaRPr>
+          </a:p>
+          <a:p>
+            <a:pPr algn="ctr"/>
+            <a:r>
+              <a:rPr lang="en-US" i="1" dirty="0">
+                <a:solidFill>
+                  <a:schemeClr val="bg1"/>
+                </a:solidFill>
+              </a:rPr>
+              <a:t>OR </a:t>
+            </a:r>
+          </a:p>
+          <a:p>
+            <a:pPr algn="ctr"/>
+            <a:r>
+              <a:rPr lang="en-US" dirty="0">
+                <a:solidFill>
+                  <a:schemeClr val="bg1"/>
+                </a:solidFill>
+              </a:rPr>
+              <a:t>Stories in the dataset are just not very good </a:t>
+            </a:r>
+          </a:p>
+        </p:txBody>
+      </p:sp>
+      <p:pic>
+        <p:nvPicPr>
+          <p:cNvPr id="9" name="Picture 8">
+            <a:extLst>
+              <a:ext uri="{FF2B5EF4-FFF2-40B4-BE49-F238E27FC236}">
+                <a16:creationId xmlns:a16="http://schemas.microsoft.com/office/drawing/2014/main" id="{8ABDA9DA-6A3A-403E-B6B9-3816D3D5048E}"/>
+              </a:ext>
+            </a:extLst>
+          </p:cNvPr>
+          <p:cNvPicPr>
+            <a:picLocks noChangeAspect="1"/>
+          </p:cNvPicPr>
+          <p:nvPr/>
+        </p:nvPicPr>
+        <p:blipFill>
+          <a:blip r:embed="rId3"/>
+          <a:stretch>
+            <a:fillRect/>
+          </a:stretch>
+        </p:blipFill>
+        <p:spPr>
+          <a:xfrm>
+            <a:off x="4519130" y="1396937"/>
+            <a:ext cx="4083040" cy="3266432"/>
+          </a:xfrm>
+          <a:prstGeom prst="rect">
+            <a:avLst/>
+          </a:prstGeom>
+          <a:ln>
+            <a:solidFill>
+              <a:schemeClr val="accent1">
+                <a:hueOff val="0"/>
+                <a:satOff val="0"/>
+                <a:lumOff val="0"/>
+              </a:schemeClr>
+            </a:solidFill>
+          </a:ln>
+        </p:spPr>
+      </p:pic>
+      <p:pic>
+        <p:nvPicPr>
+          <p:cNvPr id="11" name="Picture 10">
+            <a:extLst>
+              <a:ext uri="{FF2B5EF4-FFF2-40B4-BE49-F238E27FC236}">
+                <a16:creationId xmlns:a16="http://schemas.microsoft.com/office/drawing/2014/main" id="{FDFEE32F-76A5-4E59-8264-1E61283D18CD}"/>
+              </a:ext>
+            </a:extLst>
+          </p:cNvPr>
+          <p:cNvPicPr>
+            <a:picLocks noChangeAspect="1"/>
+          </p:cNvPicPr>
+          <p:nvPr/>
+        </p:nvPicPr>
+        <p:blipFill>
+          <a:blip r:embed="rId4"/>
+          <a:stretch>
+            <a:fillRect/>
+          </a:stretch>
+        </p:blipFill>
+        <p:spPr>
+          <a:xfrm>
+            <a:off x="445600" y="1396937"/>
+            <a:ext cx="4103200" cy="3266432"/>
+          </a:xfrm>
+          <a:prstGeom prst="rect">
+            <a:avLst/>
+          </a:prstGeom>
+          <a:ln>
+            <a:solidFill>
+              <a:schemeClr val="accent1">
+                <a:hueOff val="0"/>
+                <a:satOff val="0"/>
+                <a:lumOff val="0"/>
+              </a:schemeClr>
+            </a:solidFill>
+          </a:ln>
+        </p:spPr>
+      </p:pic>
+      <p:cxnSp>
+        <p:nvCxnSpPr>
+          <p:cNvPr id="5" name="Straight Arrow Connector 4">
+            <a:extLst>
+              <a:ext uri="{FF2B5EF4-FFF2-40B4-BE49-F238E27FC236}">
+                <a16:creationId xmlns:a16="http://schemas.microsoft.com/office/drawing/2014/main" id="{48B818E4-2D36-4D31-B46F-595D141844CC}"/>
+              </a:ext>
+            </a:extLst>
+          </p:cNvPr>
+          <p:cNvCxnSpPr>
+            <a:cxnSpLocks/>
+          </p:cNvCxnSpPr>
+          <p:nvPr/>
+        </p:nvCxnSpPr>
+        <p:spPr>
+          <a:xfrm flipV="1">
+            <a:off x="1265068" y="2191667"/>
+            <a:ext cx="1358283" cy="1596145"/>
+          </a:xfrm>
+          <a:prstGeom prst="straightConnector1">
+            <a:avLst/>
+          </a:prstGeom>
+          <a:ln>
+            <a:tailEnd type="triangle"/>
+          </a:ln>
+        </p:spPr>
+        <p:style>
+          <a:lnRef idx="1">
+            <a:schemeClr val="accent1"/>
+          </a:lnRef>
+          <a:fillRef idx="0">
+            <a:schemeClr val="accent1"/>
+          </a:fillRef>
+          <a:effectRef idx="0">
+            <a:schemeClr val="accent1"/>
+          </a:effectRef>
+          <a:fontRef idx="minor">
+            <a:schemeClr val="tx1"/>
+          </a:fontRef>
+        </p:style>
+      </p:cxnSp>
+      <p:sp>
+        <p:nvSpPr>
+          <p:cNvPr id="10" name="TextBox 9">
+            <a:extLst>
+              <a:ext uri="{FF2B5EF4-FFF2-40B4-BE49-F238E27FC236}">
+                <a16:creationId xmlns:a16="http://schemas.microsoft.com/office/drawing/2014/main" id="{217679BE-E1FB-4A20-95B0-A510F54F7CE7}"/>
+              </a:ext>
+            </a:extLst>
+          </p:cNvPr>
+          <p:cNvSpPr txBox="1"/>
+          <p:nvPr/>
+        </p:nvSpPr>
+        <p:spPr>
+          <a:xfrm>
+            <a:off x="1235398" y="1958568"/>
+            <a:ext cx="798991" cy="769441"/>
+          </a:xfrm>
+          <a:prstGeom prst="rect">
+            <a:avLst/>
+          </a:prstGeom>
+          <a:solidFill>
+            <a:schemeClr val="accent1"/>
+          </a:solidFill>
+        </p:spPr>
+        <p:txBody>
+          <a:bodyPr wrap="square" rtlCol="0">
+            <a:spAutoFit/>
+          </a:bodyPr>
+          <a:lstStyle/>
+          <a:p>
+            <a:r>
+              <a:rPr lang="en-US" sz="1100" dirty="0">
+                <a:solidFill>
+                  <a:schemeClr val="bg1"/>
+                </a:solidFill>
+              </a:rPr>
+              <a:t>Ratings related to story popularity</a:t>
+            </a:r>
+          </a:p>
+        </p:txBody>
+      </p:sp>
+      <p:sp>
+        <p:nvSpPr>
+          <p:cNvPr id="14" name="TextBox 13">
+            <a:extLst>
+              <a:ext uri="{FF2B5EF4-FFF2-40B4-BE49-F238E27FC236}">
+                <a16:creationId xmlns:a16="http://schemas.microsoft.com/office/drawing/2014/main" id="{6E43CD88-E57F-489C-B661-9C6EAA9685A5}"/>
+              </a:ext>
+            </a:extLst>
+          </p:cNvPr>
+          <p:cNvSpPr txBox="1"/>
+          <p:nvPr/>
+        </p:nvSpPr>
+        <p:spPr>
+          <a:xfrm>
+            <a:off x="3551067" y="3728985"/>
+            <a:ext cx="559293" cy="523220"/>
+          </a:xfrm>
+          <a:prstGeom prst="rect">
+            <a:avLst/>
+          </a:prstGeom>
+          <a:noFill/>
+        </p:spPr>
+        <p:txBody>
+          <a:bodyPr wrap="square" rtlCol="0">
+            <a:spAutoFit/>
+          </a:bodyPr>
+          <a:lstStyle/>
+          <a:p>
+            <a:r>
+              <a:rPr lang="en-US" sz="2800" b="1" dirty="0">
+                <a:solidFill>
+                  <a:schemeClr val="accent1"/>
+                </a:solidFill>
+              </a:rPr>
+              <a:t>?</a:t>
+            </a:r>
+          </a:p>
+        </p:txBody>
+      </p:sp>
+      <p:sp>
+        <p:nvSpPr>
+          <p:cNvPr id="15" name="Callout: Line 14">
+            <a:extLst>
+              <a:ext uri="{FF2B5EF4-FFF2-40B4-BE49-F238E27FC236}">
+                <a16:creationId xmlns:a16="http://schemas.microsoft.com/office/drawing/2014/main" id="{5226E81F-92F0-4598-88A2-59C614AC4ACE}"/>
+              </a:ext>
+            </a:extLst>
+          </p:cNvPr>
+          <p:cNvSpPr/>
+          <p:nvPr/>
+        </p:nvSpPr>
+        <p:spPr>
+          <a:xfrm>
+            <a:off x="4729471" y="4003994"/>
+            <a:ext cx="1331650" cy="514905"/>
+          </a:xfrm>
+          <a:prstGeom prst="borderCallout1">
+            <a:avLst>
+              <a:gd name="adj1" fmla="val -10560"/>
+              <a:gd name="adj2" fmla="val 51667"/>
+              <a:gd name="adj3" fmla="val -103017"/>
+              <a:gd name="adj4" fmla="val 63000"/>
+            </a:avLst>
+          </a:prstGeom>
+        </p:spPr>
+        <p:style>
+          <a:lnRef idx="2">
+            <a:schemeClr val="accent1">
+              <a:shade val="50000"/>
+            </a:schemeClr>
+          </a:lnRef>
+          <a:fillRef idx="1">
+            <a:schemeClr val="accent1"/>
+          </a:fillRef>
+          <a:effectRef idx="0">
+            <a:schemeClr val="accent1"/>
+          </a:effectRef>
+          <a:fontRef idx="minor">
+            <a:schemeClr val="lt1"/>
+          </a:fontRef>
+        </p:style>
+        <p:txBody>
+          <a:bodyPr rtlCol="0" anchor="ctr"/>
+          <a:lstStyle/>
+          <a:p>
+            <a:pPr algn="ctr"/>
+            <a:r>
+              <a:rPr lang="en-US" sz="1100" dirty="0"/>
+              <a:t>99% of stories have ratings of 0 or 1</a:t>
+            </a:r>
+          </a:p>
+        </p:txBody>
+      </p:sp>
+      <p:sp>
+        <p:nvSpPr>
+          <p:cNvPr id="16" name="Slide Number Placeholder 15">
+            <a:extLst>
+              <a:ext uri="{FF2B5EF4-FFF2-40B4-BE49-F238E27FC236}">
+                <a16:creationId xmlns:a16="http://schemas.microsoft.com/office/drawing/2014/main" id="{028980B4-D0FC-4DE4-A541-1076FCC3018D}"/>
+              </a:ext>
+            </a:extLst>
+          </p:cNvPr>
+          <p:cNvSpPr>
+            <a:spLocks noGrp="1"/>
+          </p:cNvSpPr>
+          <p:nvPr>
+            <p:ph type="sldNum" sz="quarter" idx="12"/>
+          </p:nvPr>
+        </p:nvSpPr>
+        <p:spPr/>
+        <p:txBody>
+          <a:bodyPr/>
+          <a:lstStyle/>
+          <a:p>
+            <a:fld id="{64D12EC4-2D04-0A4F-A74B-758ED03DD9F6}" type="slidenum">
+              <a:rPr lang="en-US" smtClean="0"/>
+              <a:t>7</a:t>
+            </a:fld>
+            <a:endParaRPr lang="en-US"/>
+          </a:p>
+        </p:txBody>
+      </p:sp>
+    </p:spTree>
+    <p:extLst>
+      <p:ext uri="{BB962C8B-B14F-4D97-AF65-F5344CB8AC3E}">
+        <p14:creationId xmlns:p14="http://schemas.microsoft.com/office/powerpoint/2010/main" val="3415291721"/>
+      </p:ext>
+    </p:extLst>
+  </p:cSld>
+  <p:clrMapOvr>
+    <a:masterClrMapping/>
+  </p:clrMapOvr>
+</p:sld>
+</file>
+
+<file path=ppt/slides/slide8.xml><?xml version="1.0" encoding="utf-8"?>
 <p:sld xmlns:a="http://schemas.openxmlformats.org/drawingml/2006/main" xmlns:r="http://schemas.openxmlformats.org/officeDocument/2006/relationships" xmlns:p="http://schemas.openxmlformats.org/presentationml/2006/main">
   <p:cSld>
     <p:spTree>
@@ -19085,7 +19948,7 @@
                   <a:schemeClr val="bg1"/>
                 </a:solidFill>
               </a:rPr>
-              <a:t>Wattpad writers and users like Love and Romance</a:t>
+              <a:t>Wattpad writers and users like Love, Romance Fanfiction</a:t>
             </a:r>
           </a:p>
           <a:p>
@@ -19096,7 +19959,7 @@
                   <a:schemeClr val="bg1"/>
                 </a:solidFill>
               </a:rPr>
-              <a:t>(Love and romance are most applied tags, and tagged to stories with highest number of votes)</a:t>
+              <a:t>(Love, romance, fanfiction are most applied tags, and tagged to stories with highest number of votes)</a:t>
             </a:r>
           </a:p>
         </p:txBody>
@@ -19187,7 +20050,7 @@
           <a:p>
             <a:fld id="{64D12EC4-2D04-0A4F-A74B-758ED03DD9F6}" type="slidenum">
               <a:rPr lang="en-US" smtClean="0"/>
-              <a:t>7</a:t>
+              <a:t>8</a:t>
             </a:fld>
             <a:endParaRPr lang="en-US"/>
           </a:p>
@@ -19206,7 +20069,7 @@
 </p:sld>
 </file>
 
-<file path=ppt/slides/slide8.xml><?xml version="1.0" encoding="utf-8"?>
+<file path=ppt/slides/slide9.xml><?xml version="1.0" encoding="utf-8"?>
 <p:sld xmlns:a="http://schemas.openxmlformats.org/drawingml/2006/main" xmlns:r="http://schemas.openxmlformats.org/officeDocument/2006/relationships" xmlns:p="http://schemas.openxmlformats.org/presentationml/2006/main">
   <p:cSld>
     <p:spTree>
@@ -19480,7 +20343,7 @@
           <a:p>
             <a:fld id="{64D12EC4-2D04-0A4F-A74B-758ED03DD9F6}" type="slidenum">
               <a:rPr lang="en-US" smtClean="0"/>
-              <a:t>8</a:t>
+              <a:t>9</a:t>
             </a:fld>
             <a:endParaRPr lang="en-US"/>
           </a:p>
@@ -19490,443 +20353,6 @@
     <p:extLst>
       <p:ext uri="{BB962C8B-B14F-4D97-AF65-F5344CB8AC3E}">
         <p14:creationId xmlns:p14="http://schemas.microsoft.com/office/powerpoint/2010/main" val="104536331"/>
-      </p:ext>
-    </p:extLst>
-  </p:cSld>
-  <p:clrMapOvr>
-    <a:masterClrMapping/>
-  </p:clrMapOvr>
-</p:sld>
-</file>
-
-<file path=ppt/slides/slide9.xml><?xml version="1.0" encoding="utf-8"?>
-<p:sld xmlns:a="http://schemas.openxmlformats.org/drawingml/2006/main" xmlns:r="http://schemas.openxmlformats.org/officeDocument/2006/relationships" xmlns:p="http://schemas.openxmlformats.org/presentationml/2006/main">
-  <p:cSld>
-    <p:spTree>
-      <p:nvGrpSpPr>
-        <p:cNvPr id="1" name=""/>
-        <p:cNvGrpSpPr/>
-        <p:nvPr/>
-      </p:nvGrpSpPr>
-      <p:grpSpPr>
-        <a:xfrm>
-          <a:off x="0" y="0"/>
-          <a:ext cx="0" cy="0"/>
-          <a:chOff x="0" y="0"/>
-          <a:chExt cx="0" cy="0"/>
-        </a:xfrm>
-      </p:grpSpPr>
-      <p:sp>
-        <p:nvSpPr>
-          <p:cNvPr id="2" name="Title 1">
-            <a:extLst>
-              <a:ext uri="{FF2B5EF4-FFF2-40B4-BE49-F238E27FC236}">
-                <a16:creationId xmlns:a16="http://schemas.microsoft.com/office/drawing/2014/main" id="{CBB67211-7222-4824-8A16-800B1CF60E4D}"/>
-              </a:ext>
-            </a:extLst>
-          </p:cNvPr>
-          <p:cNvSpPr>
-            <a:spLocks noGrp="1"/>
-          </p:cNvSpPr>
-          <p:nvPr>
-            <p:ph type="title"/>
-          </p:nvPr>
-        </p:nvSpPr>
-        <p:spPr/>
-        <p:txBody>
-          <a:bodyPr anchor="t"/>
-          <a:lstStyle/>
-          <a:p>
-            <a:r>
-              <a:rPr lang="en-US" dirty="0"/>
-              <a:t>Story Ratings</a:t>
-            </a:r>
-          </a:p>
-        </p:txBody>
-      </p:sp>
-      <p:sp>
-        <p:nvSpPr>
-          <p:cNvPr id="3" name="Footer Placeholder 2">
-            <a:extLst>
-              <a:ext uri="{FF2B5EF4-FFF2-40B4-BE49-F238E27FC236}">
-                <a16:creationId xmlns:a16="http://schemas.microsoft.com/office/drawing/2014/main" id="{A8DFC824-3571-469A-8F8B-60EAD2C772DB}"/>
-              </a:ext>
-            </a:extLst>
-          </p:cNvPr>
-          <p:cNvSpPr>
-            <a:spLocks noGrp="1"/>
-          </p:cNvSpPr>
-          <p:nvPr>
-            <p:ph type="ftr" sz="quarter" idx="11"/>
-          </p:nvPr>
-        </p:nvSpPr>
-        <p:spPr/>
-        <p:txBody>
-          <a:bodyPr/>
-          <a:lstStyle/>
-          <a:p>
-            <a:r>
-              <a:rPr lang="en-US"/>
-              <a:t>UTDataJan Tues/Thurs Team3</a:t>
-            </a:r>
-          </a:p>
-        </p:txBody>
-      </p:sp>
-      <p:sp>
-        <p:nvSpPr>
-          <p:cNvPr id="7" name="TextBox 6">
-            <a:extLst>
-              <a:ext uri="{FF2B5EF4-FFF2-40B4-BE49-F238E27FC236}">
-                <a16:creationId xmlns:a16="http://schemas.microsoft.com/office/drawing/2014/main" id="{CDA3CEA4-0A37-4979-8625-AF47DFCE0CDD}"/>
-              </a:ext>
-            </a:extLst>
-          </p:cNvPr>
-          <p:cNvSpPr txBox="1"/>
-          <p:nvPr/>
-        </p:nvSpPr>
-        <p:spPr>
-          <a:xfrm>
-            <a:off x="703211" y="5047039"/>
-            <a:ext cx="8052520" cy="923330"/>
-          </a:xfrm>
-          <a:prstGeom prst="rect">
-            <a:avLst/>
-          </a:prstGeom>
-          <a:solidFill>
-            <a:schemeClr val="accent1"/>
-          </a:solidFill>
-        </p:spPr>
-        <p:txBody>
-          <a:bodyPr wrap="square" rtlCol="0">
-            <a:spAutoFit/>
-          </a:bodyPr>
-          <a:lstStyle/>
-          <a:p>
-            <a:pPr algn="ctr"/>
-            <a:r>
-              <a:rPr lang="en-US" dirty="0">
-                <a:solidFill>
-                  <a:schemeClr val="bg1"/>
-                </a:solidFill>
-              </a:rPr>
-              <a:t>Stories in the dataset are more recent, and require more time to receive votes</a:t>
-            </a:r>
-            <a:endParaRPr lang="en-US" i="1" dirty="0">
-              <a:solidFill>
-                <a:schemeClr val="bg1"/>
-              </a:solidFill>
-            </a:endParaRPr>
-          </a:p>
-          <a:p>
-            <a:pPr algn="ctr"/>
-            <a:r>
-              <a:rPr lang="en-US" i="1" dirty="0">
-                <a:solidFill>
-                  <a:schemeClr val="bg1"/>
-                </a:solidFill>
-              </a:rPr>
-              <a:t>OR </a:t>
-            </a:r>
-          </a:p>
-          <a:p>
-            <a:pPr algn="ctr"/>
-            <a:r>
-              <a:rPr lang="en-US" dirty="0">
-                <a:solidFill>
-                  <a:schemeClr val="bg1"/>
-                </a:solidFill>
-              </a:rPr>
-              <a:t>Stories in the dataset are just not very good </a:t>
-            </a:r>
-          </a:p>
-        </p:txBody>
-      </p:sp>
-      <p:pic>
-        <p:nvPicPr>
-          <p:cNvPr id="9" name="Picture 8">
-            <a:extLst>
-              <a:ext uri="{FF2B5EF4-FFF2-40B4-BE49-F238E27FC236}">
-                <a16:creationId xmlns:a16="http://schemas.microsoft.com/office/drawing/2014/main" id="{8ABDA9DA-6A3A-403E-B6B9-3816D3D5048E}"/>
-              </a:ext>
-            </a:extLst>
-          </p:cNvPr>
-          <p:cNvPicPr>
-            <a:picLocks noChangeAspect="1"/>
-          </p:cNvPicPr>
-          <p:nvPr/>
-        </p:nvPicPr>
-        <p:blipFill>
-          <a:blip r:embed="rId2"/>
-          <a:stretch>
-            <a:fillRect/>
-          </a:stretch>
-        </p:blipFill>
-        <p:spPr>
-          <a:xfrm>
-            <a:off x="4519130" y="1396937"/>
-            <a:ext cx="4083040" cy="3266432"/>
-          </a:xfrm>
-          <a:prstGeom prst="rect">
-            <a:avLst/>
-          </a:prstGeom>
-          <a:ln>
-            <a:solidFill>
-              <a:schemeClr val="accent1">
-                <a:hueOff val="0"/>
-                <a:satOff val="0"/>
-                <a:lumOff val="0"/>
-              </a:schemeClr>
-            </a:solidFill>
-          </a:ln>
-        </p:spPr>
-      </p:pic>
-      <p:pic>
-        <p:nvPicPr>
-          <p:cNvPr id="11" name="Picture 10">
-            <a:extLst>
-              <a:ext uri="{FF2B5EF4-FFF2-40B4-BE49-F238E27FC236}">
-                <a16:creationId xmlns:a16="http://schemas.microsoft.com/office/drawing/2014/main" id="{FDFEE32F-76A5-4E59-8264-1E61283D18CD}"/>
-              </a:ext>
-            </a:extLst>
-          </p:cNvPr>
-          <p:cNvPicPr>
-            <a:picLocks noChangeAspect="1"/>
-          </p:cNvPicPr>
-          <p:nvPr/>
-        </p:nvPicPr>
-        <p:blipFill>
-          <a:blip r:embed="rId3"/>
-          <a:stretch>
-            <a:fillRect/>
-          </a:stretch>
-        </p:blipFill>
-        <p:spPr>
-          <a:xfrm>
-            <a:off x="445600" y="1396937"/>
-            <a:ext cx="4103200" cy="3266432"/>
-          </a:xfrm>
-          <a:prstGeom prst="rect">
-            <a:avLst/>
-          </a:prstGeom>
-          <a:ln>
-            <a:solidFill>
-              <a:schemeClr val="accent1">
-                <a:hueOff val="0"/>
-                <a:satOff val="0"/>
-                <a:lumOff val="0"/>
-              </a:schemeClr>
-            </a:solidFill>
-          </a:ln>
-        </p:spPr>
-      </p:pic>
-      <p:cxnSp>
-        <p:nvCxnSpPr>
-          <p:cNvPr id="5" name="Straight Arrow Connector 4">
-            <a:extLst>
-              <a:ext uri="{FF2B5EF4-FFF2-40B4-BE49-F238E27FC236}">
-                <a16:creationId xmlns:a16="http://schemas.microsoft.com/office/drawing/2014/main" id="{48B818E4-2D36-4D31-B46F-595D141844CC}"/>
-              </a:ext>
-            </a:extLst>
-          </p:cNvPr>
-          <p:cNvCxnSpPr>
-            <a:cxnSpLocks/>
-          </p:cNvCxnSpPr>
-          <p:nvPr/>
-        </p:nvCxnSpPr>
-        <p:spPr>
-          <a:xfrm flipV="1">
-            <a:off x="1265068" y="2191667"/>
-            <a:ext cx="1358283" cy="1596145"/>
-          </a:xfrm>
-          <a:prstGeom prst="straightConnector1">
-            <a:avLst/>
-          </a:prstGeom>
-          <a:ln>
-            <a:tailEnd type="triangle"/>
-          </a:ln>
-        </p:spPr>
-        <p:style>
-          <a:lnRef idx="1">
-            <a:schemeClr val="accent1"/>
-          </a:lnRef>
-          <a:fillRef idx="0">
-            <a:schemeClr val="accent1"/>
-          </a:fillRef>
-          <a:effectRef idx="0">
-            <a:schemeClr val="accent1"/>
-          </a:effectRef>
-          <a:fontRef idx="minor">
-            <a:schemeClr val="tx1"/>
-          </a:fontRef>
-        </p:style>
-      </p:cxnSp>
-      <p:sp>
-        <p:nvSpPr>
-          <p:cNvPr id="10" name="TextBox 9">
-            <a:extLst>
-              <a:ext uri="{FF2B5EF4-FFF2-40B4-BE49-F238E27FC236}">
-                <a16:creationId xmlns:a16="http://schemas.microsoft.com/office/drawing/2014/main" id="{217679BE-E1FB-4A20-95B0-A510F54F7CE7}"/>
-              </a:ext>
-            </a:extLst>
-          </p:cNvPr>
-          <p:cNvSpPr txBox="1"/>
-          <p:nvPr/>
-        </p:nvSpPr>
-        <p:spPr>
-          <a:xfrm>
-            <a:off x="1235398" y="1958568"/>
-            <a:ext cx="798991" cy="769441"/>
-          </a:xfrm>
-          <a:prstGeom prst="rect">
-            <a:avLst/>
-          </a:prstGeom>
-          <a:solidFill>
-            <a:schemeClr val="accent1"/>
-          </a:solidFill>
-        </p:spPr>
-        <p:txBody>
-          <a:bodyPr wrap="square" rtlCol="0">
-            <a:spAutoFit/>
-          </a:bodyPr>
-          <a:lstStyle/>
-          <a:p>
-            <a:r>
-              <a:rPr lang="en-US" sz="1100" dirty="0">
-                <a:solidFill>
-                  <a:schemeClr val="bg1"/>
-                </a:solidFill>
-              </a:rPr>
-              <a:t>Ratings related to story popularity</a:t>
-            </a:r>
-          </a:p>
-        </p:txBody>
-      </p:sp>
-      <p:sp>
-        <p:nvSpPr>
-          <p:cNvPr id="14" name="TextBox 13">
-            <a:extLst>
-              <a:ext uri="{FF2B5EF4-FFF2-40B4-BE49-F238E27FC236}">
-                <a16:creationId xmlns:a16="http://schemas.microsoft.com/office/drawing/2014/main" id="{6E43CD88-E57F-489C-B661-9C6EAA9685A5}"/>
-              </a:ext>
-            </a:extLst>
-          </p:cNvPr>
-          <p:cNvSpPr txBox="1"/>
-          <p:nvPr/>
-        </p:nvSpPr>
-        <p:spPr>
-          <a:xfrm>
-            <a:off x="3551067" y="3728985"/>
-            <a:ext cx="559293" cy="523220"/>
-          </a:xfrm>
-          <a:prstGeom prst="rect">
-            <a:avLst/>
-          </a:prstGeom>
-          <a:noFill/>
-        </p:spPr>
-        <p:txBody>
-          <a:bodyPr wrap="square" rtlCol="0">
-            <a:spAutoFit/>
-          </a:bodyPr>
-          <a:lstStyle/>
-          <a:p>
-            <a:r>
-              <a:rPr lang="en-US" sz="2800" b="1" dirty="0">
-                <a:solidFill>
-                  <a:schemeClr val="accent1"/>
-                </a:solidFill>
-              </a:rPr>
-              <a:t>?</a:t>
-            </a:r>
-          </a:p>
-        </p:txBody>
-      </p:sp>
-      <p:sp>
-        <p:nvSpPr>
-          <p:cNvPr id="15" name="Callout: Line 14">
-            <a:extLst>
-              <a:ext uri="{FF2B5EF4-FFF2-40B4-BE49-F238E27FC236}">
-                <a16:creationId xmlns:a16="http://schemas.microsoft.com/office/drawing/2014/main" id="{5226E81F-92F0-4598-88A2-59C614AC4ACE}"/>
-              </a:ext>
-            </a:extLst>
-          </p:cNvPr>
-          <p:cNvSpPr/>
-          <p:nvPr/>
-        </p:nvSpPr>
-        <p:spPr>
-          <a:xfrm>
-            <a:off x="4729471" y="4003994"/>
-            <a:ext cx="1331650" cy="514905"/>
-          </a:xfrm>
-          <a:prstGeom prst="borderCallout1">
-            <a:avLst>
-              <a:gd name="adj1" fmla="val -10560"/>
-              <a:gd name="adj2" fmla="val 51667"/>
-              <a:gd name="adj3" fmla="val -103017"/>
-              <a:gd name="adj4" fmla="val 63000"/>
-            </a:avLst>
-          </a:prstGeom>
-        </p:spPr>
-        <p:style>
-          <a:lnRef idx="2">
-            <a:schemeClr val="accent1">
-              <a:shade val="50000"/>
-            </a:schemeClr>
-          </a:lnRef>
-          <a:fillRef idx="1">
-            <a:schemeClr val="accent1"/>
-          </a:fillRef>
-          <a:effectRef idx="0">
-            <a:schemeClr val="accent1"/>
-          </a:effectRef>
-          <a:fontRef idx="minor">
-            <a:schemeClr val="lt1"/>
-          </a:fontRef>
-        </p:style>
-        <p:txBody>
-          <a:bodyPr rtlCol="0" anchor="ctr"/>
-          <a:lstStyle/>
-          <a:p>
-            <a:pPr algn="ctr"/>
-            <a:r>
-              <a:rPr lang="en-US" sz="1100" dirty="0"/>
-              <a:t>99% of stories have ratings of 0 or 1</a:t>
-            </a:r>
-          </a:p>
-        </p:txBody>
-      </p:sp>
-      <p:sp>
-        <p:nvSpPr>
-          <p:cNvPr id="16" name="Slide Number Placeholder 15">
-            <a:extLst>
-              <a:ext uri="{FF2B5EF4-FFF2-40B4-BE49-F238E27FC236}">
-                <a16:creationId xmlns:a16="http://schemas.microsoft.com/office/drawing/2014/main" id="{028980B4-D0FC-4DE4-A541-1076FCC3018D}"/>
-              </a:ext>
-            </a:extLst>
-          </p:cNvPr>
-          <p:cNvSpPr>
-            <a:spLocks noGrp="1"/>
-          </p:cNvSpPr>
-          <p:nvPr>
-            <p:ph type="sldNum" sz="quarter" idx="12"/>
-          </p:nvPr>
-        </p:nvSpPr>
-        <p:spPr/>
-        <p:txBody>
-          <a:bodyPr/>
-          <a:lstStyle/>
-          <a:p>
-            <a:fld id="{64D12EC4-2D04-0A4F-A74B-758ED03DD9F6}" type="slidenum">
-              <a:rPr lang="en-US" smtClean="0"/>
-              <a:t>9</a:t>
-            </a:fld>
-            <a:endParaRPr lang="en-US"/>
-          </a:p>
-        </p:txBody>
-      </p:sp>
-    </p:spTree>
-    <p:extLst>
-      <p:ext uri="{BB962C8B-B14F-4D97-AF65-F5344CB8AC3E}">
-        <p14:creationId xmlns:p14="http://schemas.microsoft.com/office/powerpoint/2010/main" val="3415291721"/>
       </p:ext>
     </p:extLst>
   </p:cSld>
